--- a/Default prediction model.pptx
+++ b/Default prediction model.pptx
@@ -112,6 +112,11 @@
       </a:defRPr>
     </a:lvl9pPr>
   </p:defaultTextStyle>
+  <p:extLst>
+    <p:ext uri="{EFAFB233-063F-42B5-8137-9DF3F51BA10A}">
+      <p15:sldGuideLst xmlns:p15="http://schemas.microsoft.com/office/powerpoint/2012/main"/>
+    </p:ext>
+  </p:extLst>
 </p:presentation>
 </file>
 
@@ -8682,14 +8687,14 @@
           <p:nvPr>
             <p:extLst>
               <p:ext uri="{D42A27DB-BD31-4B8C-83A1-F6EECF244321}">
-                <p14:modId xmlns:p14="http://schemas.microsoft.com/office/powerpoint/2010/main" val="1694322960"/>
+                <p14:modId xmlns:p14="http://schemas.microsoft.com/office/powerpoint/2010/main" val="4232426643"/>
               </p:ext>
             </p:extLst>
           </p:nvPr>
         </p:nvGraphicFramePr>
         <p:xfrm>
-          <a:off x="834076" y="643467"/>
-          <a:ext cx="10523851" cy="5571082"/>
+          <a:off x="507026" y="517888"/>
+          <a:ext cx="5261923" cy="5795630"/>
         </p:xfrm>
         <a:graphic>
           <a:graphicData uri="http://schemas.openxmlformats.org/drawingml/2006/table">
@@ -8698,49 +8703,49 @@
                 <a:tableStyleId>{8EC20E35-A176-4012-BC5E-935CFFF8708E}</a:tableStyleId>
               </a:tblPr>
               <a:tblGrid>
-                <a:gridCol w="2718848">
+                <a:gridCol w="1087713">
                   <a:extLst>
                     <a:ext uri="{9D8B030D-6E8A-4147-A177-3AD203B41FA5}">
                       <a16:colId xmlns:a16="http://schemas.microsoft.com/office/drawing/2014/main" val="377682889"/>
                     </a:ext>
                   </a:extLst>
                 </a:gridCol>
-                <a:gridCol w="1319051">
+                <a:gridCol w="931236">
                   <a:extLst>
                     <a:ext uri="{9D8B030D-6E8A-4147-A177-3AD203B41FA5}">
                       <a16:colId xmlns:a16="http://schemas.microsoft.com/office/drawing/2014/main" val="2190370105"/>
                     </a:ext>
                   </a:extLst>
                 </a:gridCol>
-                <a:gridCol w="1401292">
+                <a:gridCol w="518824">
                   <a:extLst>
                     <a:ext uri="{9D8B030D-6E8A-4147-A177-3AD203B41FA5}">
                       <a16:colId xmlns:a16="http://schemas.microsoft.com/office/drawing/2014/main" val="2980450054"/>
                     </a:ext>
                   </a:extLst>
                 </a:gridCol>
-                <a:gridCol w="1319051">
+                <a:gridCol w="841347">
                   <a:extLst>
                     <a:ext uri="{9D8B030D-6E8A-4147-A177-3AD203B41FA5}">
                       <a16:colId xmlns:a16="http://schemas.microsoft.com/office/drawing/2014/main" val="2702829593"/>
                     </a:ext>
                   </a:extLst>
                 </a:gridCol>
-                <a:gridCol w="1127507">
+                <a:gridCol w="563753">
                   <a:extLst>
                     <a:ext uri="{9D8B030D-6E8A-4147-A177-3AD203B41FA5}">
                       <a16:colId xmlns:a16="http://schemas.microsoft.com/office/drawing/2014/main" val="3233675046"/>
                     </a:ext>
                   </a:extLst>
                 </a:gridCol>
-                <a:gridCol w="1319051">
+                <a:gridCol w="659525">
                   <a:extLst>
                     <a:ext uri="{9D8B030D-6E8A-4147-A177-3AD203B41FA5}">
                       <a16:colId xmlns:a16="http://schemas.microsoft.com/office/drawing/2014/main" val="542245102"/>
                     </a:ext>
                   </a:extLst>
                 </a:gridCol>
-                <a:gridCol w="1319051">
+                <a:gridCol w="659525">
                   <a:extLst>
                     <a:ext uri="{9D8B030D-6E8A-4147-A177-3AD203B41FA5}">
                       <a16:colId xmlns:a16="http://schemas.microsoft.com/office/drawing/2014/main" val="2672835929"/>
@@ -8748,7 +8753,7 @@
                   </a:extLst>
                 </a:gridCol>
               </a:tblGrid>
-              <a:tr h="253231">
+              <a:tr h="205191">
                 <a:tc>
                   <a:txBody>
                     <a:bodyPr/>
@@ -8852,60 +8857,60 @@
                     <a:p>
                       <a:pPr algn="ctr" fontAlgn="ctr"/>
                       <a:r>
-                        <a:rPr lang="de-DE" sz="1300" u="none" strike="noStrike">
+                        <a:rPr lang="de-DE" sz="1300" u="none" strike="noStrike" dirty="0">
                           <a:effectLst/>
                         </a:rPr>
                         <a:t>P&gt;|z|</a:t>
                       </a:r>
-                      <a:endParaRPr lang="de-DE" sz="1300" b="1" i="0" u="none" strike="noStrike">
-                        <a:solidFill>
-                          <a:srgbClr val="000000"/>
-                        </a:solidFill>
-                        <a:effectLst/>
-                        <a:latin typeface="等线" panose="02010600030101010101" pitchFamily="2" charset="-122"/>
-                        <a:ea typeface="等线" panose="02010600030101010101" pitchFamily="2" charset="-122"/>
-                      </a:endParaRPr>
-                    </a:p>
-                  </a:txBody>
-                  <a:tcPr marL="11285" marR="11285" marT="11285" marB="0" anchor="ctr"/>
-                </a:tc>
-                <a:tc>
-                  <a:txBody>
-                    <a:bodyPr/>
-                    <a:lstStyle/>
-                    <a:p>
-                      <a:pPr algn="ctr" fontAlgn="ctr"/>
-                      <a:r>
-                        <a:rPr lang="en-US" altLang="zh-CN" sz="1300" u="none" strike="noStrike">
+                      <a:endParaRPr lang="de-DE" sz="1300" b="1" i="0" u="none" strike="noStrike" dirty="0">
+                        <a:solidFill>
+                          <a:srgbClr val="000000"/>
+                        </a:solidFill>
+                        <a:effectLst/>
+                        <a:latin typeface="等线" panose="02010600030101010101" pitchFamily="2" charset="-122"/>
+                        <a:ea typeface="等线" panose="02010600030101010101" pitchFamily="2" charset="-122"/>
+                      </a:endParaRPr>
+                    </a:p>
+                  </a:txBody>
+                  <a:tcPr marL="11285" marR="11285" marT="11285" marB="0" anchor="ctr"/>
+                </a:tc>
+                <a:tc>
+                  <a:txBody>
+                    <a:bodyPr/>
+                    <a:lstStyle/>
+                    <a:p>
+                      <a:pPr algn="ctr" fontAlgn="ctr"/>
+                      <a:r>
+                        <a:rPr lang="en-US" altLang="zh-CN" sz="1300" u="none" strike="noStrike" dirty="0">
                           <a:effectLst/>
                         </a:rPr>
                         <a:t>[0.025</a:t>
                       </a:r>
-                      <a:endParaRPr lang="en-US" altLang="zh-CN" sz="1300" b="1" i="0" u="none" strike="noStrike">
-                        <a:solidFill>
-                          <a:srgbClr val="000000"/>
-                        </a:solidFill>
-                        <a:effectLst/>
-                        <a:latin typeface="等线" panose="02010600030101010101" pitchFamily="2" charset="-122"/>
-                        <a:ea typeface="等线" panose="02010600030101010101" pitchFamily="2" charset="-122"/>
-                      </a:endParaRPr>
-                    </a:p>
-                  </a:txBody>
-                  <a:tcPr marL="11285" marR="11285" marT="11285" marB="0" anchor="ctr"/>
-                </a:tc>
-                <a:tc>
-                  <a:txBody>
-                    <a:bodyPr/>
-                    <a:lstStyle/>
-                    <a:p>
-                      <a:pPr algn="ctr" fontAlgn="ctr"/>
-                      <a:r>
-                        <a:rPr lang="en-US" altLang="zh-CN" sz="1300" u="none" strike="noStrike">
+                      <a:endParaRPr lang="en-US" altLang="zh-CN" sz="1300" b="1" i="0" u="none" strike="noStrike" dirty="0">
+                        <a:solidFill>
+                          <a:srgbClr val="000000"/>
+                        </a:solidFill>
+                        <a:effectLst/>
+                        <a:latin typeface="等线" panose="02010600030101010101" pitchFamily="2" charset="-122"/>
+                        <a:ea typeface="等线" panose="02010600030101010101" pitchFamily="2" charset="-122"/>
+                      </a:endParaRPr>
+                    </a:p>
+                  </a:txBody>
+                  <a:tcPr marL="11285" marR="11285" marT="11285" marB="0" anchor="ctr"/>
+                </a:tc>
+                <a:tc>
+                  <a:txBody>
+                    <a:bodyPr/>
+                    <a:lstStyle/>
+                    <a:p>
+                      <a:pPr algn="ctr" fontAlgn="ctr"/>
+                      <a:r>
+                        <a:rPr lang="en-US" altLang="zh-CN" sz="1300" u="none" strike="noStrike" dirty="0">
                           <a:effectLst/>
                         </a:rPr>
                         <a:t>0.975]</a:t>
                       </a:r>
-                      <a:endParaRPr lang="en-US" altLang="zh-CN" sz="1300" b="1" i="0" u="none" strike="noStrike">
+                      <a:endParaRPr lang="en-US" altLang="zh-CN" sz="1300" b="1" i="0" u="none" strike="noStrike" dirty="0">
                         <a:solidFill>
                           <a:srgbClr val="000000"/>
                         </a:solidFill>
@@ -8923,7 +8928,7 @@
                   </a:ext>
                 </a:extLst>
               </a:tr>
-              <a:tr h="253231">
+              <a:tr h="205191">
                 <a:tc>
                   <a:txBody>
                     <a:bodyPr/>
@@ -9098,7 +9103,7 @@
                   </a:ext>
                 </a:extLst>
               </a:tr>
-              <a:tr h="253231">
+              <a:tr h="593458">
                 <a:tc>
                   <a:txBody>
                     <a:bodyPr/>
@@ -9273,7 +9278,7 @@
                   </a:ext>
                 </a:extLst>
               </a:tr>
-              <a:tr h="253231">
+              <a:tr h="399324">
                 <a:tc>
                   <a:txBody>
                     <a:bodyPr/>
@@ -9448,7 +9453,7 @@
                   </a:ext>
                 </a:extLst>
               </a:tr>
-              <a:tr h="253231">
+              <a:tr h="205191">
                 <a:tc>
                   <a:txBody>
                     <a:bodyPr/>
@@ -9623,7 +9628,7 @@
                   </a:ext>
                 </a:extLst>
               </a:tr>
-              <a:tr h="253231">
+              <a:tr h="399324">
                 <a:tc>
                   <a:txBody>
                     <a:bodyPr/>
@@ -9798,7 +9803,7 @@
                   </a:ext>
                 </a:extLst>
               </a:tr>
-              <a:tr h="253231">
+              <a:tr h="399324">
                 <a:tc>
                   <a:txBody>
                     <a:bodyPr/>
@@ -9973,7 +9978,7 @@
                   </a:ext>
                 </a:extLst>
               </a:tr>
-              <a:tr h="253231">
+              <a:tr h="205191">
                 <a:tc>
                   <a:txBody>
                     <a:bodyPr/>
@@ -10148,7 +10153,7 @@
                   </a:ext>
                 </a:extLst>
               </a:tr>
-              <a:tr h="253231">
+              <a:tr h="205191">
                 <a:tc>
                   <a:txBody>
                     <a:bodyPr/>
@@ -10323,7 +10328,7 @@
                   </a:ext>
                 </a:extLst>
               </a:tr>
-              <a:tr h="253231">
+              <a:tr h="205191">
                 <a:tc>
                   <a:txBody>
                     <a:bodyPr/>
@@ -10498,7 +10503,7 @@
                   </a:ext>
                 </a:extLst>
               </a:tr>
-              <a:tr h="253231">
+              <a:tr h="205191">
                 <a:tc>
                   <a:txBody>
                     <a:bodyPr/>
@@ -10673,7 +10678,7 @@
                   </a:ext>
                 </a:extLst>
               </a:tr>
-              <a:tr h="253231">
+              <a:tr h="399324">
                 <a:tc>
                   <a:txBody>
                     <a:bodyPr/>
@@ -10848,7 +10853,7 @@
                   </a:ext>
                 </a:extLst>
               </a:tr>
-              <a:tr h="253231">
+              <a:tr h="205191">
                 <a:tc>
                   <a:txBody>
                     <a:bodyPr/>
@@ -11023,7 +11028,7 @@
                   </a:ext>
                 </a:extLst>
               </a:tr>
-              <a:tr h="253231">
+              <a:tr h="205191">
                 <a:tc>
                   <a:txBody>
                     <a:bodyPr/>
@@ -11198,7 +11203,7 @@
                   </a:ext>
                 </a:extLst>
               </a:tr>
-              <a:tr h="253231">
+              <a:tr h="205191">
                 <a:tc>
                   <a:txBody>
                     <a:bodyPr/>
@@ -11373,7 +11378,7 @@
                   </a:ext>
                 </a:extLst>
               </a:tr>
-              <a:tr h="253231">
+              <a:tr h="205191">
                 <a:tc>
                   <a:txBody>
                     <a:bodyPr/>
@@ -11548,7 +11553,7 @@
                   </a:ext>
                 </a:extLst>
               </a:tr>
-              <a:tr h="253231">
+              <a:tr h="205191">
                 <a:tc>
                   <a:txBody>
                     <a:bodyPr/>
@@ -11723,7 +11728,7 @@
                   </a:ext>
                 </a:extLst>
               </a:tr>
-              <a:tr h="253231">
+              <a:tr h="205191">
                 <a:tc>
                   <a:txBody>
                     <a:bodyPr/>
@@ -11898,7 +11903,7 @@
                   </a:ext>
                 </a:extLst>
               </a:tr>
-              <a:tr h="253231">
+              <a:tr h="205191">
                 <a:tc>
                   <a:txBody>
                     <a:bodyPr/>
@@ -12073,7 +12078,7 @@
                   </a:ext>
                 </a:extLst>
               </a:tr>
-              <a:tr h="253231">
+              <a:tr h="205191">
                 <a:tc>
                   <a:txBody>
                     <a:bodyPr/>
@@ -12248,7 +12253,7 @@
                   </a:ext>
                 </a:extLst>
               </a:tr>
-              <a:tr h="253231">
+              <a:tr h="205191">
                 <a:tc>
                   <a:txBody>
                     <a:bodyPr/>
@@ -12423,7 +12428,7 @@
                   </a:ext>
                 </a:extLst>
               </a:tr>
-              <a:tr h="253231">
+              <a:tr h="205191">
                 <a:tc>
                   <a:txBody>
                     <a:bodyPr/>
@@ -12616,7 +12621,7 @@
         </p:nvSpPr>
         <p:spPr>
           <a:xfrm>
-            <a:off x="3749040" y="1929384"/>
+            <a:off x="1628458" y="2243690"/>
             <a:ext cx="896112" cy="256032"/>
           </a:xfrm>
           <a:prstGeom prst="ellipse">
@@ -12668,8 +12673,8 @@
         </p:nvSpPr>
         <p:spPr>
           <a:xfrm>
-            <a:off x="3681984" y="4946904"/>
-            <a:ext cx="963168" cy="993648"/>
+            <a:off x="1628458" y="5202936"/>
+            <a:ext cx="896112" cy="993648"/>
           </a:xfrm>
           <a:prstGeom prst="ellipse">
             <a:avLst/>
@@ -12720,8 +12725,8 @@
         </p:nvSpPr>
         <p:spPr>
           <a:xfrm>
-            <a:off x="7650480" y="2185416"/>
-            <a:ext cx="896112" cy="256032"/>
+            <a:off x="3752397" y="2663888"/>
+            <a:ext cx="804105" cy="195549"/>
           </a:xfrm>
           <a:prstGeom prst="ellipse">
             <a:avLst/>
@@ -12772,8 +12777,8 @@
         </p:nvSpPr>
         <p:spPr>
           <a:xfrm>
-            <a:off x="7650480" y="3403854"/>
-            <a:ext cx="896112" cy="256032"/>
+            <a:off x="3861144" y="3938545"/>
+            <a:ext cx="695358" cy="256032"/>
           </a:xfrm>
           <a:prstGeom prst="ellipse">
             <a:avLst/>
@@ -12824,7 +12829,7 @@
         </p:nvSpPr>
         <p:spPr>
           <a:xfrm>
-            <a:off x="7650480" y="5940552"/>
+            <a:off x="3752397" y="6105725"/>
             <a:ext cx="896112" cy="256032"/>
           </a:xfrm>
           <a:prstGeom prst="ellipse">

--- a/Default prediction model.pptx
+++ b/Default prediction model.pptx
@@ -8,12 +8,7 @@
     <p:sldId id="257" r:id="rId2"/>
     <p:sldId id="258" r:id="rId3"/>
     <p:sldId id="261" r:id="rId4"/>
-    <p:sldId id="260" r:id="rId5"/>
-    <p:sldId id="262" r:id="rId6"/>
-    <p:sldId id="263" r:id="rId7"/>
-    <p:sldId id="264" r:id="rId8"/>
-    <p:sldId id="265" r:id="rId9"/>
-    <p:sldId id="266" r:id="rId10"/>
+    <p:sldId id="266" r:id="rId5"/>
   </p:sldIdLst>
   <p:sldSz cx="12192000" cy="6858000"/>
   <p:notesSz cx="6858000" cy="9144000"/>
@@ -120,6 +115,55 @@
 </p:presentation>
 </file>
 
+<file path=ppt/changesInfos/changesInfo1.xml><?xml version="1.0" encoding="utf-8"?>
+<pc:chgInfo xmlns:a="http://schemas.openxmlformats.org/drawingml/2006/main" xmlns:r="http://schemas.openxmlformats.org/officeDocument/2006/relationships" xmlns:ac="http://schemas.microsoft.com/office/drawing/2013/main/command" xmlns:pc="http://schemas.microsoft.com/office/powerpoint/2013/main/command">
+  <pc:docChgLst>
+    <pc:chgData name="Benedikt Roth" userId="af14ea373a273bf1" providerId="LiveId" clId="{378E02C5-B7C1-406A-B7E9-3FB94862F98B}"/>
+    <pc:docChg chg="delSld">
+      <pc:chgData name="Benedikt Roth" userId="af14ea373a273bf1" providerId="LiveId" clId="{378E02C5-B7C1-406A-B7E9-3FB94862F98B}" dt="2020-12-12T10:50:40.470" v="4" actId="47"/>
+      <pc:docMkLst>
+        <pc:docMk/>
+      </pc:docMkLst>
+      <pc:sldChg chg="del">
+        <pc:chgData name="Benedikt Roth" userId="af14ea373a273bf1" providerId="LiveId" clId="{378E02C5-B7C1-406A-B7E9-3FB94862F98B}" dt="2020-12-12T10:50:37.840" v="2" actId="47"/>
+        <pc:sldMkLst>
+          <pc:docMk/>
+          <pc:sldMk cId="4001167168" sldId="260"/>
+        </pc:sldMkLst>
+      </pc:sldChg>
+      <pc:sldChg chg="del">
+        <pc:chgData name="Benedikt Roth" userId="af14ea373a273bf1" providerId="LiveId" clId="{378E02C5-B7C1-406A-B7E9-3FB94862F98B}" dt="2020-12-12T10:50:35.283" v="1" actId="47"/>
+        <pc:sldMkLst>
+          <pc:docMk/>
+          <pc:sldMk cId="3395026180" sldId="262"/>
+        </pc:sldMkLst>
+      </pc:sldChg>
+      <pc:sldChg chg="del">
+        <pc:chgData name="Benedikt Roth" userId="af14ea373a273bf1" providerId="LiveId" clId="{378E02C5-B7C1-406A-B7E9-3FB94862F98B}" dt="2020-12-12T10:50:38.862" v="3" actId="47"/>
+        <pc:sldMkLst>
+          <pc:docMk/>
+          <pc:sldMk cId="3876785746" sldId="263"/>
+        </pc:sldMkLst>
+      </pc:sldChg>
+      <pc:sldChg chg="del">
+        <pc:chgData name="Benedikt Roth" userId="af14ea373a273bf1" providerId="LiveId" clId="{378E02C5-B7C1-406A-B7E9-3FB94862F98B}" dt="2020-12-12T10:50:40.470" v="4" actId="47"/>
+        <pc:sldMkLst>
+          <pc:docMk/>
+          <pc:sldMk cId="3868253392" sldId="264"/>
+        </pc:sldMkLst>
+      </pc:sldChg>
+      <pc:sldChg chg="del">
+        <pc:chgData name="Benedikt Roth" userId="af14ea373a273bf1" providerId="LiveId" clId="{378E02C5-B7C1-406A-B7E9-3FB94862F98B}" dt="2020-12-12T10:50:33.075" v="0" actId="47"/>
+        <pc:sldMkLst>
+          <pc:docMk/>
+          <pc:sldMk cId="2435405639" sldId="265"/>
+        </pc:sldMkLst>
+      </pc:sldChg>
+    </pc:docChg>
+  </pc:docChgLst>
+</pc:chgInfo>
+</file>
+
 <file path=ppt/slideLayouts/slideLayout1.xml><?xml version="1.0" encoding="utf-8"?>
 <p:sldLayout xmlns:a="http://schemas.openxmlformats.org/drawingml/2006/main" xmlns:r="http://schemas.openxmlformats.org/officeDocument/2006/relationships" xmlns:p="http://schemas.openxmlformats.org/presentationml/2006/main" type="title" preserve="1">
   <p:cSld name="Titelfolie">
@@ -269,7 +313,7 @@
           <a:p>
             <a:fld id="{0128D4BF-ABBB-42B8-9D0D-09BA6179E207}" type="datetimeFigureOut">
               <a:rPr lang="zh-CN" altLang="en-US" smtClean="0"/>
-              <a:t>2020/12/11</a:t>
+              <a:t>2020/12/12</a:t>
             </a:fld>
             <a:endParaRPr lang="zh-CN" altLang="en-US"/>
           </a:p>
@@ -469,7 +513,7 @@
           <a:p>
             <a:fld id="{0128D4BF-ABBB-42B8-9D0D-09BA6179E207}" type="datetimeFigureOut">
               <a:rPr lang="zh-CN" altLang="en-US" smtClean="0"/>
-              <a:t>2020/12/11</a:t>
+              <a:t>2020/12/12</a:t>
             </a:fld>
             <a:endParaRPr lang="zh-CN" altLang="en-US"/>
           </a:p>
@@ -679,7 +723,7 @@
           <a:p>
             <a:fld id="{0128D4BF-ABBB-42B8-9D0D-09BA6179E207}" type="datetimeFigureOut">
               <a:rPr lang="zh-CN" altLang="en-US" smtClean="0"/>
-              <a:t>2020/12/11</a:t>
+              <a:t>2020/12/12</a:t>
             </a:fld>
             <a:endParaRPr lang="zh-CN" altLang="en-US"/>
           </a:p>
@@ -879,7 +923,7 @@
           <a:p>
             <a:fld id="{0128D4BF-ABBB-42B8-9D0D-09BA6179E207}" type="datetimeFigureOut">
               <a:rPr lang="zh-CN" altLang="en-US" smtClean="0"/>
-              <a:t>2020/12/11</a:t>
+              <a:t>2020/12/12</a:t>
             </a:fld>
             <a:endParaRPr lang="zh-CN" altLang="en-US"/>
           </a:p>
@@ -1155,7 +1199,7 @@
           <a:p>
             <a:fld id="{0128D4BF-ABBB-42B8-9D0D-09BA6179E207}" type="datetimeFigureOut">
               <a:rPr lang="zh-CN" altLang="en-US" smtClean="0"/>
-              <a:t>2020/12/11</a:t>
+              <a:t>2020/12/12</a:t>
             </a:fld>
             <a:endParaRPr lang="zh-CN" altLang="en-US"/>
           </a:p>
@@ -1423,7 +1467,7 @@
           <a:p>
             <a:fld id="{0128D4BF-ABBB-42B8-9D0D-09BA6179E207}" type="datetimeFigureOut">
               <a:rPr lang="zh-CN" altLang="en-US" smtClean="0"/>
-              <a:t>2020/12/11</a:t>
+              <a:t>2020/12/12</a:t>
             </a:fld>
             <a:endParaRPr lang="zh-CN" altLang="en-US"/>
           </a:p>
@@ -1838,7 +1882,7 @@
           <a:p>
             <a:fld id="{0128D4BF-ABBB-42B8-9D0D-09BA6179E207}" type="datetimeFigureOut">
               <a:rPr lang="zh-CN" altLang="en-US" smtClean="0"/>
-              <a:t>2020/12/11</a:t>
+              <a:t>2020/12/12</a:t>
             </a:fld>
             <a:endParaRPr lang="zh-CN" altLang="en-US"/>
           </a:p>
@@ -1980,7 +2024,7 @@
           <a:p>
             <a:fld id="{0128D4BF-ABBB-42B8-9D0D-09BA6179E207}" type="datetimeFigureOut">
               <a:rPr lang="zh-CN" altLang="en-US" smtClean="0"/>
-              <a:t>2020/12/11</a:t>
+              <a:t>2020/12/12</a:t>
             </a:fld>
             <a:endParaRPr lang="zh-CN" altLang="en-US"/>
           </a:p>
@@ -2093,7 +2137,7 @@
           <a:p>
             <a:fld id="{0128D4BF-ABBB-42B8-9D0D-09BA6179E207}" type="datetimeFigureOut">
               <a:rPr lang="zh-CN" altLang="en-US" smtClean="0"/>
-              <a:t>2020/12/11</a:t>
+              <a:t>2020/12/12</a:t>
             </a:fld>
             <a:endParaRPr lang="zh-CN" altLang="en-US"/>
           </a:p>
@@ -2406,7 +2450,7 @@
           <a:p>
             <a:fld id="{0128D4BF-ABBB-42B8-9D0D-09BA6179E207}" type="datetimeFigureOut">
               <a:rPr lang="zh-CN" altLang="en-US" smtClean="0"/>
-              <a:t>2020/12/11</a:t>
+              <a:t>2020/12/12</a:t>
             </a:fld>
             <a:endParaRPr lang="zh-CN" altLang="en-US"/>
           </a:p>
@@ -2695,7 +2739,7 @@
           <a:p>
             <a:fld id="{0128D4BF-ABBB-42B8-9D0D-09BA6179E207}" type="datetimeFigureOut">
               <a:rPr lang="zh-CN" altLang="en-US" smtClean="0"/>
-              <a:t>2020/12/11</a:t>
+              <a:t>2020/12/12</a:t>
             </a:fld>
             <a:endParaRPr lang="zh-CN" altLang="en-US"/>
           </a:p>
@@ -2938,7 +2982,7 @@
           <a:p>
             <a:fld id="{0128D4BF-ABBB-42B8-9D0D-09BA6179E207}" type="datetimeFigureOut">
               <a:rPr lang="zh-CN" altLang="en-US" smtClean="0"/>
-              <a:t>2020/12/11</a:t>
+              <a:t>2020/12/12</a:t>
             </a:fld>
             <a:endParaRPr lang="zh-CN" altLang="en-US"/>
           </a:p>
@@ -4903,21 +4947,27 @@
           <a:graphicData uri="http://schemas.openxmlformats.org/presentationml/2006/ole">
             <mc:AlternateContent xmlns:mc="http://schemas.openxmlformats.org/markup-compatibility/2006">
               <mc:Choice xmlns:v="urn:schemas-microsoft-com:vml" Requires="v">
-                <p:oleObj name="Worksheet" r:id="rId2" imgW="7343735" imgH="6896273" progId="Excel.Sheet.12">
+                <p:oleObj spid="_x0000_s1026" name="Worksheet" r:id="rId3" imgW="7343735" imgH="6896273" progId="Excel.Sheet.12">
                   <p:embed/>
                 </p:oleObj>
               </mc:Choice>
               <mc:Fallback>
-                <p:oleObj name="Worksheet" r:id="rId2" imgW="7343735" imgH="6896273" progId="Excel.Sheet.12">
+                <p:oleObj name="Worksheet" r:id="rId3" imgW="7343735" imgH="6896273" progId="Excel.Sheet.12">
                   <p:embed/>
                   <p:pic>
                     <p:nvPicPr>
-                      <p:cNvPr id="0" name=""/>
+                      <p:cNvPr id="7" name="Objekt 6">
+                        <a:extLst>
+                          <a:ext uri="{FF2B5EF4-FFF2-40B4-BE49-F238E27FC236}">
+                            <a16:creationId xmlns:a16="http://schemas.microsoft.com/office/drawing/2014/main" id="{898943CA-DCD5-4CE9-97D1-B641B5727B45}"/>
+                          </a:ext>
+                        </a:extLst>
+                      </p:cNvPr>
                       <p:cNvPicPr/>
                       <p:nvPr/>
                     </p:nvPicPr>
                     <p:blipFill>
-                      <a:blip r:embed="rId3"/>
+                      <a:blip r:embed="rId4"/>
                       <a:stretch>
                         <a:fillRect/>
                       </a:stretch>
@@ -4952,3569 +5002,6 @@
 </file>
 
 <file path=ppt/slides/slide4.xml><?xml version="1.0" encoding="utf-8"?>
-<p:sld xmlns:a="http://schemas.openxmlformats.org/drawingml/2006/main" xmlns:r="http://schemas.openxmlformats.org/officeDocument/2006/relationships" xmlns:p="http://schemas.openxmlformats.org/presentationml/2006/main">
-  <p:cSld>
-    <p:bg>
-      <p:bgPr>
-        <a:solidFill>
-          <a:schemeClr val="bg1"/>
-        </a:solidFill>
-        <a:effectLst/>
-      </p:bgPr>
-    </p:bg>
-    <p:spTree>
-      <p:nvGrpSpPr>
-        <p:cNvPr id="1" name=""/>
-        <p:cNvGrpSpPr/>
-        <p:nvPr/>
-      </p:nvGrpSpPr>
-      <p:grpSpPr>
-        <a:xfrm>
-          <a:off x="0" y="0"/>
-          <a:ext cx="0" cy="0"/>
-          <a:chOff x="0" y="0"/>
-          <a:chExt cx="0" cy="0"/>
-        </a:xfrm>
-      </p:grpSpPr>
-      <p:sp>
-        <p:nvSpPr>
-          <p:cNvPr id="14" name="Rectangle 13">
-            <a:extLst>
-              <a:ext uri="{FF2B5EF4-FFF2-40B4-BE49-F238E27FC236}">
-                <a16:creationId xmlns:a16="http://schemas.microsoft.com/office/drawing/2014/main" id="{823AC064-BC96-4F32-8AE1-B2FD38754823}"/>
-              </a:ext>
-              <a:ext uri="{C183D7F6-B498-43B3-948B-1728B52AA6E4}">
-                <adec:decorative xmlns:adec="http://schemas.microsoft.com/office/drawing/2017/decorative" val="1"/>
-              </a:ext>
-            </a:extLst>
-          </p:cNvPr>
-          <p:cNvSpPr>
-            <a:spLocks noGrp="1" noRot="1" noChangeAspect="1" noMove="1" noResize="1" noEditPoints="1" noAdjustHandles="1" noChangeArrowheads="1" noChangeShapeType="1" noTextEdit="1"/>
-          </p:cNvSpPr>
-          <p:nvPr>
-            <p:extLst>
-              <p:ext uri="{386F3935-93C4-4BCD-93E2-E3B085C9AB24}">
-                <p16:designElem xmlns:p16="http://schemas.microsoft.com/office/powerpoint/2015/main" val="1"/>
-              </p:ext>
-            </p:extLst>
-          </p:nvPr>
-        </p:nvSpPr>
-        <p:spPr bwMode="ltGray">
-          <a:xfrm>
-            <a:off x="396882" y="280374"/>
-            <a:ext cx="11438793" cy="1844256"/>
-          </a:xfrm>
-          <a:prstGeom prst="rect">
-            <a:avLst/>
-          </a:prstGeom>
-          <a:solidFill>
-            <a:srgbClr val="404040"/>
-          </a:solidFill>
-          <a:ln w="127000" cap="sq" cmpd="thinThick">
-            <a:solidFill>
-              <a:srgbClr val="404040"/>
-            </a:solidFill>
-          </a:ln>
-        </p:spPr>
-        <p:style>
-          <a:lnRef idx="2">
-            <a:schemeClr val="accent1">
-              <a:shade val="50000"/>
-            </a:schemeClr>
-          </a:lnRef>
-          <a:fillRef idx="1">
-            <a:schemeClr val="accent1"/>
-          </a:fillRef>
-          <a:effectRef idx="0">
-            <a:schemeClr val="accent1"/>
-          </a:effectRef>
-          <a:fontRef idx="minor">
-            <a:schemeClr val="lt1"/>
-          </a:fontRef>
-        </p:style>
-        <p:txBody>
-          <a:bodyPr rtlCol="0" anchor="ctr"/>
-          <a:lstStyle/>
-          <a:p>
-            <a:pPr algn="ctr"/>
-            <a:endParaRPr lang="en-US"/>
-          </a:p>
-        </p:txBody>
-      </p:sp>
-      <p:sp>
-        <p:nvSpPr>
-          <p:cNvPr id="5" name="Titel 4">
-            <a:extLst>
-              <a:ext uri="{FF2B5EF4-FFF2-40B4-BE49-F238E27FC236}">
-                <a16:creationId xmlns:a16="http://schemas.microsoft.com/office/drawing/2014/main" id="{FC7FDA47-1D57-4528-B158-5F7ADAFD61E3}"/>
-              </a:ext>
-            </a:extLst>
-          </p:cNvPr>
-          <p:cNvSpPr>
-            <a:spLocks noGrp="1"/>
-          </p:cNvSpPr>
-          <p:nvPr>
-            <p:ph type="title"/>
-          </p:nvPr>
-        </p:nvSpPr>
-        <p:spPr>
-          <a:xfrm>
-            <a:off x="546351" y="367412"/>
-            <a:ext cx="11139854" cy="616540"/>
-          </a:xfrm>
-        </p:spPr>
-        <p:txBody>
-          <a:bodyPr vert="horz" lIns="91440" tIns="45720" rIns="91440" bIns="45720" rtlCol="0" anchor="b">
-            <a:normAutofit/>
-          </a:bodyPr>
-          <a:lstStyle/>
-          <a:p>
-            <a:pPr algn="ctr"/>
-            <a:r>
-              <a:rPr lang="en-US" altLang="zh-CN" sz="3200" b="1" dirty="0" err="1">
-                <a:solidFill>
-                  <a:srgbClr val="FFFFFF"/>
-                </a:solidFill>
-              </a:rPr>
-              <a:t>Prelimiary</a:t>
-            </a:r>
-            <a:r>
-              <a:rPr lang="en-US" altLang="zh-CN" sz="3200" b="1" dirty="0">
-                <a:solidFill>
-                  <a:srgbClr val="FFFFFF"/>
-                </a:solidFill>
-              </a:rPr>
-              <a:t> Data Analysis</a:t>
-            </a:r>
-          </a:p>
-        </p:txBody>
-      </p:sp>
-      <p:cxnSp>
-        <p:nvCxnSpPr>
-          <p:cNvPr id="16" name="Straight Connector 15">
-            <a:extLst>
-              <a:ext uri="{FF2B5EF4-FFF2-40B4-BE49-F238E27FC236}">
-                <a16:creationId xmlns:a16="http://schemas.microsoft.com/office/drawing/2014/main" id="{7E7C77BC-7138-40B1-A15B-20F57A494629}"/>
-              </a:ext>
-              <a:ext uri="{C183D7F6-B498-43B3-948B-1728B52AA6E4}">
-                <adec:decorative xmlns:adec="http://schemas.microsoft.com/office/drawing/2017/decorative" val="1"/>
-              </a:ext>
-            </a:extLst>
-          </p:cNvPr>
-          <p:cNvCxnSpPr>
-            <a:cxnSpLocks noGrp="1" noRot="1" noChangeAspect="1" noMove="1" noResize="1" noEditPoints="1" noAdjustHandles="1" noChangeArrowheads="1" noChangeShapeType="1"/>
-          </p:cNvCxnSpPr>
-          <p:nvPr>
-            <p:extLst>
-              <p:ext uri="{386F3935-93C4-4BCD-93E2-E3B085C9AB24}">
-                <p16:designElem xmlns:p16="http://schemas.microsoft.com/office/powerpoint/2015/main" val="1"/>
-              </p:ext>
-            </p:extLst>
-          </p:nvPr>
-        </p:nvCxnSpPr>
-        <p:spPr>
-          <a:xfrm>
-            <a:off x="2230078" y="1522292"/>
-            <a:ext cx="7772400" cy="0"/>
-          </a:xfrm>
-          <a:prstGeom prst="line">
-            <a:avLst/>
-          </a:prstGeom>
-          <a:ln w="22225">
-            <a:solidFill>
-              <a:srgbClr val="D9D9D9"/>
-            </a:solidFill>
-          </a:ln>
-        </p:spPr>
-        <p:style>
-          <a:lnRef idx="1">
-            <a:schemeClr val="accent1"/>
-          </a:lnRef>
-          <a:fillRef idx="0">
-            <a:schemeClr val="accent1"/>
-          </a:fillRef>
-          <a:effectRef idx="0">
-            <a:schemeClr val="accent1"/>
-          </a:effectRef>
-          <a:fontRef idx="minor">
-            <a:schemeClr val="tx1"/>
-          </a:fontRef>
-        </p:style>
-      </p:cxnSp>
-      <p:pic>
-        <p:nvPicPr>
-          <p:cNvPr id="7" name="Grafik 6">
-            <a:extLst>
-              <a:ext uri="{FF2B5EF4-FFF2-40B4-BE49-F238E27FC236}">
-                <a16:creationId xmlns:a16="http://schemas.microsoft.com/office/drawing/2014/main" id="{0558F3A6-6F88-420F-9600-A9B2C477750D}"/>
-              </a:ext>
-            </a:extLst>
-          </p:cNvPr>
-          <p:cNvPicPr>
-            <a:picLocks noChangeAspect="1"/>
-          </p:cNvPicPr>
-          <p:nvPr/>
-        </p:nvPicPr>
-        <p:blipFill>
-          <a:blip r:embed="rId2">
-            <a:extLst>
-              <a:ext uri="{28A0092B-C50C-407E-A947-70E740481C1C}">
-                <a14:useLocalDpi xmlns:a14="http://schemas.microsoft.com/office/drawing/2010/main" val="0"/>
-              </a:ext>
-            </a:extLst>
-          </a:blip>
-          <a:stretch>
-            <a:fillRect/>
-          </a:stretch>
-        </p:blipFill>
-        <p:spPr>
-          <a:xfrm>
-            <a:off x="331567" y="2788860"/>
-            <a:ext cx="5455917" cy="3701728"/>
-          </a:xfrm>
-          <a:prstGeom prst="rect">
-            <a:avLst/>
-          </a:prstGeom>
-        </p:spPr>
-      </p:pic>
-      <p:cxnSp>
-        <p:nvCxnSpPr>
-          <p:cNvPr id="18" name="Straight Connector 17">
-            <a:extLst>
-              <a:ext uri="{FF2B5EF4-FFF2-40B4-BE49-F238E27FC236}">
-                <a16:creationId xmlns:a16="http://schemas.microsoft.com/office/drawing/2014/main" id="{DB146403-F3D6-484B-B2ED-97F9565D0370}"/>
-              </a:ext>
-              <a:ext uri="{C183D7F6-B498-43B3-948B-1728B52AA6E4}">
-                <adec:decorative xmlns:adec="http://schemas.microsoft.com/office/drawing/2017/decorative" val="1"/>
-              </a:ext>
-            </a:extLst>
-          </p:cNvPr>
-          <p:cNvCxnSpPr>
-            <a:cxnSpLocks noGrp="1" noRot="1" noChangeAspect="1" noMove="1" noResize="1" noEditPoints="1" noAdjustHandles="1" noChangeArrowheads="1" noChangeShapeType="1"/>
-          </p:cNvCxnSpPr>
-          <p:nvPr>
-            <p:extLst>
-              <p:ext uri="{386F3935-93C4-4BCD-93E2-E3B085C9AB24}">
-                <p16:designElem xmlns:p16="http://schemas.microsoft.com/office/powerpoint/2015/main" val="1"/>
-              </p:ext>
-            </p:extLst>
-          </p:nvPr>
-        </p:nvCxnSpPr>
-        <p:spPr>
-          <a:xfrm>
-            <a:off x="6116278" y="2596836"/>
-            <a:ext cx="0" cy="3657600"/>
-          </a:xfrm>
-          <a:prstGeom prst="line">
-            <a:avLst/>
-          </a:prstGeom>
-          <a:ln w="101600" cmpd="dbl">
-            <a:solidFill>
-              <a:srgbClr val="595959"/>
-            </a:solidFill>
-          </a:ln>
-        </p:spPr>
-        <p:style>
-          <a:lnRef idx="1">
-            <a:schemeClr val="accent1"/>
-          </a:lnRef>
-          <a:fillRef idx="0">
-            <a:schemeClr val="accent1"/>
-          </a:fillRef>
-          <a:effectRef idx="0">
-            <a:schemeClr val="accent1"/>
-          </a:effectRef>
-          <a:fontRef idx="minor">
-            <a:schemeClr val="tx1"/>
-          </a:fontRef>
-        </p:style>
-      </p:cxnSp>
-      <p:pic>
-        <p:nvPicPr>
-          <p:cNvPr id="9" name="Grafik 8">
-            <a:extLst>
-              <a:ext uri="{FF2B5EF4-FFF2-40B4-BE49-F238E27FC236}">
-                <a16:creationId xmlns:a16="http://schemas.microsoft.com/office/drawing/2014/main" id="{2443D5F2-E823-4229-9E84-BE9976700D25}"/>
-              </a:ext>
-            </a:extLst>
-          </p:cNvPr>
-          <p:cNvPicPr>
-            <a:picLocks noChangeAspect="1"/>
-          </p:cNvPicPr>
-          <p:nvPr/>
-        </p:nvPicPr>
-        <p:blipFill>
-          <a:blip r:embed="rId3">
-            <a:extLst>
-              <a:ext uri="{28A0092B-C50C-407E-A947-70E740481C1C}">
-                <a14:useLocalDpi xmlns:a14="http://schemas.microsoft.com/office/drawing/2010/main" val="0"/>
-              </a:ext>
-            </a:extLst>
-          </a:blip>
-          <a:stretch>
-            <a:fillRect/>
-          </a:stretch>
-        </p:blipFill>
-        <p:spPr>
-          <a:xfrm>
-            <a:off x="6445073" y="2788860"/>
-            <a:ext cx="5455917" cy="3788766"/>
-          </a:xfrm>
-          <a:prstGeom prst="rect">
-            <a:avLst/>
-          </a:prstGeom>
-        </p:spPr>
-      </p:pic>
-      <p:sp>
-        <p:nvSpPr>
-          <p:cNvPr id="10" name="Textfeld 9">
-            <a:extLst>
-              <a:ext uri="{FF2B5EF4-FFF2-40B4-BE49-F238E27FC236}">
-                <a16:creationId xmlns:a16="http://schemas.microsoft.com/office/drawing/2014/main" id="{D978003A-775A-4693-80A6-E1E7178C7EAF}"/>
-              </a:ext>
-            </a:extLst>
-          </p:cNvPr>
-          <p:cNvSpPr txBox="1"/>
-          <p:nvPr/>
-        </p:nvSpPr>
-        <p:spPr>
-          <a:xfrm>
-            <a:off x="546351" y="2273670"/>
-            <a:ext cx="4745252" cy="646331"/>
-          </a:xfrm>
-          <a:prstGeom prst="rect">
-            <a:avLst/>
-          </a:prstGeom>
-          <a:noFill/>
-        </p:spPr>
-        <p:txBody>
-          <a:bodyPr wrap="square" rtlCol="0">
-            <a:spAutoFit/>
-          </a:bodyPr>
-          <a:lstStyle/>
-          <a:p>
-            <a:r>
-              <a:rPr lang="de-DE" altLang="zh-CN" dirty="0"/>
-              <a:t>0 = non </a:t>
-            </a:r>
-            <a:r>
-              <a:rPr lang="de-DE" altLang="zh-CN" dirty="0" err="1"/>
-              <a:t>default</a:t>
-            </a:r>
-            <a:r>
-              <a:rPr lang="de-DE" altLang="zh-CN" dirty="0"/>
-              <a:t> ; 1 = </a:t>
-            </a:r>
-            <a:r>
-              <a:rPr lang="de-DE" altLang="zh-CN" dirty="0" err="1"/>
-              <a:t>default</a:t>
-            </a:r>
-            <a:endParaRPr lang="de-DE" altLang="zh-CN" dirty="0"/>
-          </a:p>
-          <a:p>
-            <a:r>
-              <a:rPr lang="de-DE" altLang="zh-CN" dirty="0"/>
-              <a:t>Default (</a:t>
-            </a:r>
-            <a:r>
-              <a:rPr lang="de-DE" altLang="zh-CN" b="1" dirty="0" err="1">
-                <a:solidFill>
-                  <a:srgbClr val="00B050"/>
-                </a:solidFill>
-              </a:rPr>
-              <a:t>green</a:t>
-            </a:r>
-            <a:r>
-              <a:rPr lang="de-DE" altLang="zh-CN" b="1" dirty="0">
-                <a:solidFill>
-                  <a:srgbClr val="00B050"/>
-                </a:solidFill>
-              </a:rPr>
-              <a:t> </a:t>
-            </a:r>
-            <a:r>
-              <a:rPr lang="de-DE" altLang="zh-CN" b="1" dirty="0" err="1">
-                <a:solidFill>
-                  <a:srgbClr val="00B050"/>
-                </a:solidFill>
-              </a:rPr>
-              <a:t>dots</a:t>
-            </a:r>
-            <a:r>
-              <a:rPr lang="de-DE" altLang="zh-CN" dirty="0"/>
-              <a:t>) </a:t>
-            </a:r>
-            <a:r>
-              <a:rPr lang="de-DE" altLang="zh-CN" dirty="0" err="1"/>
-              <a:t>gathered</a:t>
-            </a:r>
-            <a:r>
-              <a:rPr lang="de-DE" altLang="zh-CN" dirty="0"/>
-              <a:t> </a:t>
-            </a:r>
-            <a:r>
-              <a:rPr lang="de-DE" altLang="zh-CN" dirty="0" err="1"/>
-              <a:t>lower</a:t>
-            </a:r>
-            <a:r>
-              <a:rPr lang="de-DE" altLang="zh-CN" dirty="0"/>
-              <a:t> </a:t>
-            </a:r>
-            <a:r>
-              <a:rPr lang="de-DE" altLang="zh-CN" dirty="0" err="1"/>
-              <a:t>income</a:t>
-            </a:r>
-            <a:r>
-              <a:rPr lang="de-DE" altLang="zh-CN" dirty="0"/>
-              <a:t>  </a:t>
-            </a:r>
-            <a:endParaRPr lang="zh-CN" altLang="en-US" dirty="0"/>
-          </a:p>
-        </p:txBody>
-      </p:sp>
-      <p:sp>
-        <p:nvSpPr>
-          <p:cNvPr id="15" name="Textfeld 14">
-            <a:extLst>
-              <a:ext uri="{FF2B5EF4-FFF2-40B4-BE49-F238E27FC236}">
-                <a16:creationId xmlns:a16="http://schemas.microsoft.com/office/drawing/2014/main" id="{01E40BFF-8FCB-450D-8EF3-C0E9B7416146}"/>
-              </a:ext>
-            </a:extLst>
-          </p:cNvPr>
-          <p:cNvSpPr txBox="1"/>
-          <p:nvPr/>
-        </p:nvSpPr>
-        <p:spPr>
-          <a:xfrm>
-            <a:off x="6445073" y="2359438"/>
-            <a:ext cx="4745252" cy="923330"/>
-          </a:xfrm>
-          <a:prstGeom prst="rect">
-            <a:avLst/>
-          </a:prstGeom>
-          <a:noFill/>
-        </p:spPr>
-        <p:txBody>
-          <a:bodyPr wrap="square" rtlCol="0">
-            <a:spAutoFit/>
-          </a:bodyPr>
-          <a:lstStyle/>
-          <a:p>
-            <a:r>
-              <a:rPr lang="de-DE" altLang="zh-CN" dirty="0"/>
-              <a:t>0 = non </a:t>
-            </a:r>
-            <a:r>
-              <a:rPr lang="de-DE" altLang="zh-CN" dirty="0" err="1"/>
-              <a:t>default</a:t>
-            </a:r>
-            <a:r>
-              <a:rPr lang="de-DE" altLang="zh-CN" dirty="0"/>
-              <a:t> ; 1 = </a:t>
-            </a:r>
-            <a:r>
-              <a:rPr lang="de-DE" altLang="zh-CN" dirty="0" err="1"/>
-              <a:t>default</a:t>
-            </a:r>
-            <a:endParaRPr lang="de-DE" altLang="zh-CN" dirty="0"/>
-          </a:p>
-          <a:p>
-            <a:r>
-              <a:rPr lang="de-DE" altLang="zh-CN" dirty="0" err="1"/>
-              <a:t>Non_default</a:t>
-            </a:r>
-            <a:r>
-              <a:rPr lang="de-DE" altLang="zh-CN" dirty="0"/>
-              <a:t> rate (</a:t>
-            </a:r>
-            <a:r>
-              <a:rPr lang="de-DE" altLang="zh-CN" b="1" dirty="0" err="1">
-                <a:solidFill>
-                  <a:srgbClr val="C00000"/>
-                </a:solidFill>
-              </a:rPr>
-              <a:t>red</a:t>
-            </a:r>
-            <a:r>
-              <a:rPr lang="de-DE" altLang="zh-CN" b="1" dirty="0">
-                <a:solidFill>
-                  <a:srgbClr val="C00000"/>
-                </a:solidFill>
-              </a:rPr>
-              <a:t> </a:t>
-            </a:r>
-            <a:r>
-              <a:rPr lang="de-DE" altLang="zh-CN" b="1" dirty="0" err="1">
-                <a:solidFill>
-                  <a:srgbClr val="C00000"/>
-                </a:solidFill>
-              </a:rPr>
-              <a:t>dots</a:t>
-            </a:r>
-            <a:r>
-              <a:rPr lang="de-DE" altLang="zh-CN" dirty="0"/>
-              <a:t>) </a:t>
-            </a:r>
-            <a:r>
-              <a:rPr lang="de-DE" altLang="zh-CN" dirty="0" err="1"/>
-              <a:t>gathered</a:t>
-            </a:r>
-            <a:r>
-              <a:rPr lang="de-DE" altLang="zh-CN" dirty="0"/>
-              <a:t> at </a:t>
-            </a:r>
-            <a:r>
-              <a:rPr lang="de-DE" altLang="zh-CN" dirty="0" err="1"/>
-              <a:t>lower</a:t>
-            </a:r>
-            <a:r>
-              <a:rPr lang="de-DE" altLang="zh-CN" dirty="0"/>
-              <a:t> </a:t>
-            </a:r>
-            <a:r>
-              <a:rPr lang="de-DE" altLang="zh-CN" dirty="0" err="1"/>
-              <a:t>interest</a:t>
-            </a:r>
-            <a:r>
-              <a:rPr lang="de-DE" altLang="zh-CN" dirty="0"/>
-              <a:t> rate</a:t>
-            </a:r>
-            <a:endParaRPr lang="zh-CN" altLang="en-US" dirty="0"/>
-          </a:p>
-        </p:txBody>
-      </p:sp>
-    </p:spTree>
-    <p:extLst>
-      <p:ext uri="{BB962C8B-B14F-4D97-AF65-F5344CB8AC3E}">
-        <p14:creationId xmlns:p14="http://schemas.microsoft.com/office/powerpoint/2010/main" val="4001167168"/>
-      </p:ext>
-    </p:extLst>
-  </p:cSld>
-  <p:clrMapOvr>
-    <a:masterClrMapping/>
-  </p:clrMapOvr>
-</p:sld>
-</file>
-
-<file path=ppt/slides/slide5.xml><?xml version="1.0" encoding="utf-8"?>
-<p:sld xmlns:a="http://schemas.openxmlformats.org/drawingml/2006/main" xmlns:r="http://schemas.openxmlformats.org/officeDocument/2006/relationships" xmlns:p="http://schemas.openxmlformats.org/presentationml/2006/main">
-  <p:cSld>
-    <p:bg>
-      <p:bgPr>
-        <a:solidFill>
-          <a:schemeClr val="bg1"/>
-        </a:solidFill>
-        <a:effectLst/>
-      </p:bgPr>
-    </p:bg>
-    <p:spTree>
-      <p:nvGrpSpPr>
-        <p:cNvPr id="1" name=""/>
-        <p:cNvGrpSpPr/>
-        <p:nvPr/>
-      </p:nvGrpSpPr>
-      <p:grpSpPr>
-        <a:xfrm>
-          <a:off x="0" y="0"/>
-          <a:ext cx="0" cy="0"/>
-          <a:chOff x="0" y="0"/>
-          <a:chExt cx="0" cy="0"/>
-        </a:xfrm>
-      </p:grpSpPr>
-      <p:sp>
-        <p:nvSpPr>
-          <p:cNvPr id="23" name="Rectangle 22">
-            <a:extLst>
-              <a:ext uri="{FF2B5EF4-FFF2-40B4-BE49-F238E27FC236}">
-                <a16:creationId xmlns:a16="http://schemas.microsoft.com/office/drawing/2014/main" id="{823AC064-BC96-4F32-8AE1-B2FD38754823}"/>
-              </a:ext>
-              <a:ext uri="{C183D7F6-B498-43B3-948B-1728B52AA6E4}">
-                <adec:decorative xmlns:adec="http://schemas.microsoft.com/office/drawing/2017/decorative" val="1"/>
-              </a:ext>
-            </a:extLst>
-          </p:cNvPr>
-          <p:cNvSpPr>
-            <a:spLocks noGrp="1" noRot="1" noChangeAspect="1" noMove="1" noResize="1" noEditPoints="1" noAdjustHandles="1" noChangeArrowheads="1" noChangeShapeType="1" noTextEdit="1"/>
-          </p:cNvSpPr>
-          <p:nvPr>
-            <p:extLst>
-              <p:ext uri="{386F3935-93C4-4BCD-93E2-E3B085C9AB24}">
-                <p16:designElem xmlns:p16="http://schemas.microsoft.com/office/powerpoint/2015/main" val="1"/>
-              </p:ext>
-            </p:extLst>
-          </p:nvPr>
-        </p:nvSpPr>
-        <p:spPr bwMode="ltGray">
-          <a:xfrm>
-            <a:off x="396882" y="280374"/>
-            <a:ext cx="11438793" cy="1844256"/>
-          </a:xfrm>
-          <a:prstGeom prst="rect">
-            <a:avLst/>
-          </a:prstGeom>
-          <a:solidFill>
-            <a:srgbClr val="404040"/>
-          </a:solidFill>
-          <a:ln w="127000" cap="sq" cmpd="thinThick">
-            <a:solidFill>
-              <a:srgbClr val="404040"/>
-            </a:solidFill>
-          </a:ln>
-        </p:spPr>
-        <p:style>
-          <a:lnRef idx="2">
-            <a:schemeClr val="accent1">
-              <a:shade val="50000"/>
-            </a:schemeClr>
-          </a:lnRef>
-          <a:fillRef idx="1">
-            <a:schemeClr val="accent1"/>
-          </a:fillRef>
-          <a:effectRef idx="0">
-            <a:schemeClr val="accent1"/>
-          </a:effectRef>
-          <a:fontRef idx="minor">
-            <a:schemeClr val="lt1"/>
-          </a:fontRef>
-        </p:style>
-        <p:txBody>
-          <a:bodyPr rtlCol="0" anchor="ctr"/>
-          <a:lstStyle/>
-          <a:p>
-            <a:pPr algn="ctr"/>
-            <a:endParaRPr lang="en-US"/>
-          </a:p>
-        </p:txBody>
-      </p:sp>
-      <p:sp>
-        <p:nvSpPr>
-          <p:cNvPr id="5" name="Titel 4">
-            <a:extLst>
-              <a:ext uri="{FF2B5EF4-FFF2-40B4-BE49-F238E27FC236}">
-                <a16:creationId xmlns:a16="http://schemas.microsoft.com/office/drawing/2014/main" id="{FC7FDA47-1D57-4528-B158-5F7ADAFD61E3}"/>
-              </a:ext>
-            </a:extLst>
-          </p:cNvPr>
-          <p:cNvSpPr>
-            <a:spLocks noGrp="1"/>
-          </p:cNvSpPr>
-          <p:nvPr>
-            <p:ph type="title"/>
-          </p:nvPr>
-        </p:nvSpPr>
-        <p:spPr>
-          <a:xfrm>
-            <a:off x="546351" y="433545"/>
-            <a:ext cx="11139854" cy="616532"/>
-          </a:xfrm>
-        </p:spPr>
-        <p:txBody>
-          <a:bodyPr vert="horz" lIns="91440" tIns="45720" rIns="91440" bIns="45720" rtlCol="0" anchor="b">
-            <a:normAutofit/>
-          </a:bodyPr>
-          <a:lstStyle/>
-          <a:p>
-            <a:pPr algn="ctr"/>
-            <a:r>
-              <a:rPr lang="en-US" altLang="zh-CN" sz="3200" b="1" dirty="0" err="1">
-                <a:solidFill>
-                  <a:srgbClr val="FFFFFF"/>
-                </a:solidFill>
-              </a:rPr>
-              <a:t>Prelimiary</a:t>
-            </a:r>
-            <a:r>
-              <a:rPr lang="en-US" altLang="zh-CN" sz="3200" b="1" dirty="0">
-                <a:solidFill>
-                  <a:srgbClr val="FFFFFF"/>
-                </a:solidFill>
-              </a:rPr>
-              <a:t> Data Analysis</a:t>
-            </a:r>
-          </a:p>
-        </p:txBody>
-      </p:sp>
-      <p:cxnSp>
-        <p:nvCxnSpPr>
-          <p:cNvPr id="25" name="Straight Connector 24">
-            <a:extLst>
-              <a:ext uri="{FF2B5EF4-FFF2-40B4-BE49-F238E27FC236}">
-                <a16:creationId xmlns:a16="http://schemas.microsoft.com/office/drawing/2014/main" id="{7E7C77BC-7138-40B1-A15B-20F57A494629}"/>
-              </a:ext>
-              <a:ext uri="{C183D7F6-B498-43B3-948B-1728B52AA6E4}">
-                <adec:decorative xmlns:adec="http://schemas.microsoft.com/office/drawing/2017/decorative" val="1"/>
-              </a:ext>
-            </a:extLst>
-          </p:cNvPr>
-          <p:cNvCxnSpPr>
-            <a:cxnSpLocks noGrp="1" noRot="1" noChangeAspect="1" noMove="1" noResize="1" noEditPoints="1" noAdjustHandles="1" noChangeArrowheads="1" noChangeShapeType="1"/>
-          </p:cNvCxnSpPr>
-          <p:nvPr>
-            <p:extLst>
-              <p:ext uri="{386F3935-93C4-4BCD-93E2-E3B085C9AB24}">
-                <p16:designElem xmlns:p16="http://schemas.microsoft.com/office/powerpoint/2015/main" val="1"/>
-              </p:ext>
-            </p:extLst>
-          </p:nvPr>
-        </p:nvCxnSpPr>
-        <p:spPr>
-          <a:xfrm>
-            <a:off x="2230078" y="1522292"/>
-            <a:ext cx="7772400" cy="0"/>
-          </a:xfrm>
-          <a:prstGeom prst="line">
-            <a:avLst/>
-          </a:prstGeom>
-          <a:ln w="22225">
-            <a:solidFill>
-              <a:srgbClr val="D9D9D9"/>
-            </a:solidFill>
-          </a:ln>
-        </p:spPr>
-        <p:style>
-          <a:lnRef idx="1">
-            <a:schemeClr val="accent1"/>
-          </a:lnRef>
-          <a:fillRef idx="0">
-            <a:schemeClr val="accent1"/>
-          </a:fillRef>
-          <a:effectRef idx="0">
-            <a:schemeClr val="accent1"/>
-          </a:effectRef>
-          <a:fontRef idx="minor">
-            <a:schemeClr val="tx1"/>
-          </a:fontRef>
-        </p:style>
-      </p:cxnSp>
-      <p:pic>
-        <p:nvPicPr>
-          <p:cNvPr id="3" name="Grafik 2">
-            <a:extLst>
-              <a:ext uri="{FF2B5EF4-FFF2-40B4-BE49-F238E27FC236}">
-                <a16:creationId xmlns:a16="http://schemas.microsoft.com/office/drawing/2014/main" id="{C52C45F1-0CFB-4A30-8F8B-184FD51FF5EA}"/>
-              </a:ext>
-            </a:extLst>
-          </p:cNvPr>
-          <p:cNvPicPr>
-            <a:picLocks noChangeAspect="1"/>
-          </p:cNvPicPr>
-          <p:nvPr/>
-        </p:nvPicPr>
-        <p:blipFill>
-          <a:blip r:embed="rId2">
-            <a:extLst>
-              <a:ext uri="{28A0092B-C50C-407E-A947-70E740481C1C}">
-                <a14:useLocalDpi xmlns:a14="http://schemas.microsoft.com/office/drawing/2010/main" val="0"/>
-              </a:ext>
-            </a:extLst>
-          </a:blip>
-          <a:stretch>
-            <a:fillRect/>
-          </a:stretch>
-        </p:blipFill>
-        <p:spPr>
-          <a:xfrm>
-            <a:off x="6116278" y="3078336"/>
-            <a:ext cx="5455917" cy="3499289"/>
-          </a:xfrm>
-          <a:prstGeom prst="rect">
-            <a:avLst/>
-          </a:prstGeom>
-        </p:spPr>
-      </p:pic>
-      <p:cxnSp>
-        <p:nvCxnSpPr>
-          <p:cNvPr id="27" name="Straight Connector 26">
-            <a:extLst>
-              <a:ext uri="{FF2B5EF4-FFF2-40B4-BE49-F238E27FC236}">
-                <a16:creationId xmlns:a16="http://schemas.microsoft.com/office/drawing/2014/main" id="{DB146403-F3D6-484B-B2ED-97F9565D0370}"/>
-              </a:ext>
-              <a:ext uri="{C183D7F6-B498-43B3-948B-1728B52AA6E4}">
-                <adec:decorative xmlns:adec="http://schemas.microsoft.com/office/drawing/2017/decorative" val="1"/>
-              </a:ext>
-            </a:extLst>
-          </p:cNvPr>
-          <p:cNvCxnSpPr>
-            <a:cxnSpLocks noGrp="1" noRot="1" noChangeAspect="1" noMove="1" noResize="1" noEditPoints="1" noAdjustHandles="1" noChangeArrowheads="1" noChangeShapeType="1"/>
-          </p:cNvCxnSpPr>
-          <p:nvPr>
-            <p:extLst>
-              <p:ext uri="{386F3935-93C4-4BCD-93E2-E3B085C9AB24}">
-                <p16:designElem xmlns:p16="http://schemas.microsoft.com/office/powerpoint/2015/main" val="1"/>
-              </p:ext>
-            </p:extLst>
-          </p:nvPr>
-        </p:nvCxnSpPr>
-        <p:spPr>
-          <a:xfrm>
-            <a:off x="6116278" y="2596836"/>
-            <a:ext cx="0" cy="3657600"/>
-          </a:xfrm>
-          <a:prstGeom prst="line">
-            <a:avLst/>
-          </a:prstGeom>
-          <a:ln w="101600" cmpd="dbl">
-            <a:solidFill>
-              <a:srgbClr val="595959"/>
-            </a:solidFill>
-          </a:ln>
-        </p:spPr>
-        <p:style>
-          <a:lnRef idx="1">
-            <a:schemeClr val="accent1"/>
-          </a:lnRef>
-          <a:fillRef idx="0">
-            <a:schemeClr val="accent1"/>
-          </a:fillRef>
-          <a:effectRef idx="0">
-            <a:schemeClr val="accent1"/>
-          </a:effectRef>
-          <a:fontRef idx="minor">
-            <a:schemeClr val="tx1"/>
-          </a:fontRef>
-        </p:style>
-      </p:cxnSp>
-      <p:pic>
-        <p:nvPicPr>
-          <p:cNvPr id="6" name="Grafik 5">
-            <a:extLst>
-              <a:ext uri="{FF2B5EF4-FFF2-40B4-BE49-F238E27FC236}">
-                <a16:creationId xmlns:a16="http://schemas.microsoft.com/office/drawing/2014/main" id="{7574F119-4E03-4640-BF59-84F6764E1CF0}"/>
-              </a:ext>
-            </a:extLst>
-          </p:cNvPr>
-          <p:cNvPicPr>
-            <a:picLocks noChangeAspect="1"/>
-          </p:cNvPicPr>
-          <p:nvPr/>
-        </p:nvPicPr>
-        <p:blipFill>
-          <a:blip r:embed="rId3">
-            <a:extLst>
-              <a:ext uri="{28A0092B-C50C-407E-A947-70E740481C1C}">
-                <a14:useLocalDpi xmlns:a14="http://schemas.microsoft.com/office/drawing/2010/main" val="0"/>
-              </a:ext>
-            </a:extLst>
-          </a:blip>
-          <a:stretch>
-            <a:fillRect/>
-          </a:stretch>
-        </p:blipFill>
-        <p:spPr>
-          <a:xfrm>
-            <a:off x="396882" y="3005769"/>
-            <a:ext cx="5455917" cy="3571856"/>
-          </a:xfrm>
-          <a:prstGeom prst="rect">
-            <a:avLst/>
-          </a:prstGeom>
-        </p:spPr>
-      </p:pic>
-      <p:sp>
-        <p:nvSpPr>
-          <p:cNvPr id="15" name="Textfeld 14">
-            <a:extLst>
-              <a:ext uri="{FF2B5EF4-FFF2-40B4-BE49-F238E27FC236}">
-                <a16:creationId xmlns:a16="http://schemas.microsoft.com/office/drawing/2014/main" id="{BEB569DC-1D17-4F09-A0C5-172C4A9318AA}"/>
-              </a:ext>
-            </a:extLst>
-          </p:cNvPr>
-          <p:cNvSpPr txBox="1"/>
-          <p:nvPr/>
-        </p:nvSpPr>
-        <p:spPr>
-          <a:xfrm>
-            <a:off x="546351" y="2314602"/>
-            <a:ext cx="4745252" cy="1200329"/>
-          </a:xfrm>
-          <a:prstGeom prst="rect">
-            <a:avLst/>
-          </a:prstGeom>
-          <a:noFill/>
-        </p:spPr>
-        <p:txBody>
-          <a:bodyPr wrap="square" rtlCol="0">
-            <a:spAutoFit/>
-          </a:bodyPr>
-          <a:lstStyle/>
-          <a:p>
-            <a:r>
-              <a:rPr lang="de-DE" altLang="zh-CN" dirty="0"/>
-              <a:t>0 = non </a:t>
-            </a:r>
-            <a:r>
-              <a:rPr lang="de-DE" altLang="zh-CN" dirty="0" err="1"/>
-              <a:t>default</a:t>
-            </a:r>
-            <a:r>
-              <a:rPr lang="de-DE" altLang="zh-CN" dirty="0"/>
-              <a:t> ; 1 = </a:t>
-            </a:r>
-            <a:r>
-              <a:rPr lang="de-DE" altLang="zh-CN" dirty="0" err="1"/>
-              <a:t>default</a:t>
-            </a:r>
-            <a:endParaRPr lang="de-DE" altLang="zh-CN" dirty="0"/>
-          </a:p>
-          <a:p>
-            <a:r>
-              <a:rPr lang="de-DE" altLang="zh-CN" dirty="0" err="1"/>
-              <a:t>Non_default</a:t>
-            </a:r>
-            <a:r>
-              <a:rPr lang="de-DE" altLang="zh-CN" dirty="0"/>
-              <a:t> (</a:t>
-            </a:r>
-            <a:r>
-              <a:rPr lang="de-DE" altLang="zh-CN" b="1" dirty="0" err="1">
-                <a:solidFill>
-                  <a:srgbClr val="C00000"/>
-                </a:solidFill>
-              </a:rPr>
-              <a:t>red</a:t>
-            </a:r>
-            <a:r>
-              <a:rPr lang="de-DE" altLang="zh-CN" b="1" dirty="0">
-                <a:solidFill>
-                  <a:srgbClr val="C00000"/>
-                </a:solidFill>
-              </a:rPr>
-              <a:t> </a:t>
-            </a:r>
-            <a:r>
-              <a:rPr lang="de-DE" altLang="zh-CN" b="1" dirty="0" err="1">
-                <a:solidFill>
-                  <a:srgbClr val="C00000"/>
-                </a:solidFill>
-              </a:rPr>
-              <a:t>dots</a:t>
-            </a:r>
-            <a:r>
-              <a:rPr lang="de-DE" altLang="zh-CN" dirty="0"/>
-              <a:t>) </a:t>
-            </a:r>
-            <a:r>
-              <a:rPr lang="de-DE" altLang="zh-CN" dirty="0" err="1"/>
-              <a:t>gathered</a:t>
-            </a:r>
-            <a:r>
-              <a:rPr lang="de-DE" altLang="zh-CN" dirty="0"/>
-              <a:t> at </a:t>
-            </a:r>
-            <a:r>
-              <a:rPr lang="de-DE" altLang="zh-CN" dirty="0" err="1"/>
-              <a:t>lower</a:t>
-            </a:r>
-            <a:r>
-              <a:rPr lang="de-DE" altLang="zh-CN" dirty="0"/>
-              <a:t> </a:t>
-            </a:r>
-            <a:r>
-              <a:rPr lang="de-DE" altLang="zh-CN" dirty="0" err="1"/>
-              <a:t>Non_default</a:t>
-            </a:r>
-            <a:r>
-              <a:rPr lang="de-DE" altLang="zh-CN" dirty="0"/>
-              <a:t> (</a:t>
-            </a:r>
-            <a:r>
-              <a:rPr lang="de-DE" altLang="zh-CN" b="1" dirty="0" err="1">
-                <a:solidFill>
-                  <a:srgbClr val="C00000"/>
-                </a:solidFill>
-              </a:rPr>
-              <a:t>red</a:t>
-            </a:r>
-            <a:r>
-              <a:rPr lang="de-DE" altLang="zh-CN" b="1" dirty="0">
-                <a:solidFill>
-                  <a:srgbClr val="C00000"/>
-                </a:solidFill>
-              </a:rPr>
-              <a:t> </a:t>
-            </a:r>
-            <a:r>
-              <a:rPr lang="de-DE" altLang="zh-CN" b="1" dirty="0" err="1">
-                <a:solidFill>
-                  <a:srgbClr val="C00000"/>
-                </a:solidFill>
-              </a:rPr>
-              <a:t>dots</a:t>
-            </a:r>
-            <a:r>
-              <a:rPr lang="de-DE" altLang="zh-CN" dirty="0"/>
-              <a:t>) </a:t>
-            </a:r>
-            <a:r>
-              <a:rPr lang="de-DE" altLang="zh-CN" dirty="0" err="1"/>
-              <a:t>gathered</a:t>
-            </a:r>
-            <a:r>
-              <a:rPr lang="de-DE" altLang="zh-CN" dirty="0"/>
-              <a:t> at </a:t>
-            </a:r>
-            <a:r>
-              <a:rPr lang="de-DE" altLang="zh-CN" dirty="0" err="1"/>
-              <a:t>lower</a:t>
-            </a:r>
-            <a:r>
-              <a:rPr lang="de-DE" altLang="zh-CN" dirty="0"/>
-              <a:t> % </a:t>
-            </a:r>
-            <a:r>
-              <a:rPr lang="de-DE" altLang="zh-CN" dirty="0" err="1"/>
-              <a:t>loan</a:t>
-            </a:r>
-            <a:r>
-              <a:rPr lang="de-DE" altLang="zh-CN" dirty="0"/>
-              <a:t>/</a:t>
-            </a:r>
-            <a:r>
-              <a:rPr lang="de-DE" altLang="zh-CN" dirty="0" err="1"/>
-              <a:t>income</a:t>
-            </a:r>
-            <a:r>
-              <a:rPr lang="de-DE" altLang="zh-CN" dirty="0"/>
-              <a:t> </a:t>
-            </a:r>
-            <a:endParaRPr lang="zh-CN" altLang="en-US" dirty="0"/>
-          </a:p>
-        </p:txBody>
-      </p:sp>
-      <p:sp>
-        <p:nvSpPr>
-          <p:cNvPr id="17" name="Textfeld 16">
-            <a:extLst>
-              <a:ext uri="{FF2B5EF4-FFF2-40B4-BE49-F238E27FC236}">
-                <a16:creationId xmlns:a16="http://schemas.microsoft.com/office/drawing/2014/main" id="{71C6A245-C06F-46A4-A135-ACB2A3B68C05}"/>
-              </a:ext>
-            </a:extLst>
-          </p:cNvPr>
-          <p:cNvSpPr txBox="1"/>
-          <p:nvPr/>
-        </p:nvSpPr>
-        <p:spPr>
-          <a:xfrm>
-            <a:off x="6319905" y="2359438"/>
-            <a:ext cx="4745252" cy="923330"/>
-          </a:xfrm>
-          <a:prstGeom prst="rect">
-            <a:avLst/>
-          </a:prstGeom>
-          <a:noFill/>
-        </p:spPr>
-        <p:txBody>
-          <a:bodyPr wrap="square" rtlCol="0">
-            <a:spAutoFit/>
-          </a:bodyPr>
-          <a:lstStyle/>
-          <a:p>
-            <a:r>
-              <a:rPr lang="de-DE" altLang="zh-CN" dirty="0"/>
-              <a:t>0 = non </a:t>
-            </a:r>
-            <a:r>
-              <a:rPr lang="de-DE" altLang="zh-CN" dirty="0" err="1"/>
-              <a:t>default</a:t>
-            </a:r>
-            <a:r>
-              <a:rPr lang="de-DE" altLang="zh-CN" dirty="0"/>
-              <a:t> ; 1 = </a:t>
-            </a:r>
-            <a:r>
-              <a:rPr lang="de-DE" altLang="zh-CN" dirty="0" err="1"/>
-              <a:t>default</a:t>
-            </a:r>
-            <a:endParaRPr lang="de-DE" altLang="zh-CN" dirty="0"/>
-          </a:p>
-          <a:p>
-            <a:r>
-              <a:rPr lang="de-DE" altLang="zh-CN" dirty="0"/>
-              <a:t>The </a:t>
-            </a:r>
-            <a:r>
-              <a:rPr lang="de-DE" altLang="zh-CN" dirty="0" err="1"/>
-              <a:t>higher</a:t>
-            </a:r>
-            <a:r>
-              <a:rPr lang="de-DE" altLang="zh-CN" dirty="0"/>
-              <a:t> </a:t>
-            </a:r>
-            <a:r>
-              <a:rPr lang="de-DE" altLang="zh-CN" dirty="0" err="1"/>
-              <a:t>the</a:t>
-            </a:r>
-            <a:r>
-              <a:rPr lang="de-DE" altLang="zh-CN" dirty="0"/>
-              <a:t> </a:t>
-            </a:r>
-            <a:r>
-              <a:rPr lang="de-DE" altLang="zh-CN" dirty="0" err="1"/>
-              <a:t>insterest</a:t>
-            </a:r>
-            <a:r>
-              <a:rPr lang="de-DE" altLang="zh-CN" dirty="0"/>
-              <a:t> (</a:t>
-            </a:r>
-            <a:r>
-              <a:rPr lang="de-DE" altLang="zh-CN" b="1" dirty="0">
-                <a:solidFill>
-                  <a:srgbClr val="FF0000"/>
-                </a:solidFill>
-              </a:rPr>
-              <a:t>y-</a:t>
-            </a:r>
-            <a:r>
-              <a:rPr lang="de-DE" altLang="zh-CN" b="1" dirty="0" err="1">
-                <a:solidFill>
-                  <a:srgbClr val="FF0000"/>
-                </a:solidFill>
-              </a:rPr>
-              <a:t>axis</a:t>
-            </a:r>
-            <a:r>
-              <a:rPr lang="de-DE" altLang="zh-CN" dirty="0"/>
-              <a:t>) , </a:t>
-            </a:r>
-            <a:r>
-              <a:rPr lang="de-DE" altLang="zh-CN" dirty="0" err="1"/>
-              <a:t>the</a:t>
-            </a:r>
-            <a:r>
-              <a:rPr lang="de-DE" altLang="zh-CN" dirty="0"/>
-              <a:t> </a:t>
-            </a:r>
-            <a:r>
-              <a:rPr lang="de-DE" altLang="zh-CN" dirty="0" err="1"/>
-              <a:t>lower</a:t>
-            </a:r>
-            <a:r>
-              <a:rPr lang="de-DE" altLang="zh-CN" dirty="0"/>
-              <a:t> </a:t>
-            </a:r>
-            <a:r>
-              <a:rPr lang="de-DE" altLang="zh-CN" dirty="0" err="1"/>
-              <a:t>the</a:t>
-            </a:r>
-            <a:r>
-              <a:rPr lang="de-DE" altLang="zh-CN" dirty="0"/>
-              <a:t> </a:t>
-            </a:r>
-            <a:r>
-              <a:rPr lang="de-DE" altLang="zh-CN" dirty="0" err="1"/>
-              <a:t>loan</a:t>
-            </a:r>
-            <a:r>
-              <a:rPr lang="de-DE" altLang="zh-CN" dirty="0"/>
-              <a:t> grade </a:t>
-            </a:r>
-            <a:endParaRPr lang="zh-CN" altLang="en-US" dirty="0"/>
-          </a:p>
-        </p:txBody>
-      </p:sp>
-    </p:spTree>
-    <p:extLst>
-      <p:ext uri="{BB962C8B-B14F-4D97-AF65-F5344CB8AC3E}">
-        <p14:creationId xmlns:p14="http://schemas.microsoft.com/office/powerpoint/2010/main" val="3395026180"/>
-      </p:ext>
-    </p:extLst>
-  </p:cSld>
-  <p:clrMapOvr>
-    <a:masterClrMapping/>
-  </p:clrMapOvr>
-</p:sld>
-</file>
-
-<file path=ppt/slides/slide6.xml><?xml version="1.0" encoding="utf-8"?>
-<p:sld xmlns:a="http://schemas.openxmlformats.org/drawingml/2006/main" xmlns:r="http://schemas.openxmlformats.org/officeDocument/2006/relationships" xmlns:p="http://schemas.openxmlformats.org/presentationml/2006/main">
-  <p:cSld>
-    <p:bg>
-      <p:bgPr>
-        <a:solidFill>
-          <a:schemeClr val="bg1"/>
-        </a:solidFill>
-        <a:effectLst/>
-      </p:bgPr>
-    </p:bg>
-    <p:spTree>
-      <p:nvGrpSpPr>
-        <p:cNvPr id="1" name=""/>
-        <p:cNvGrpSpPr/>
-        <p:nvPr/>
-      </p:nvGrpSpPr>
-      <p:grpSpPr>
-        <a:xfrm>
-          <a:off x="0" y="0"/>
-          <a:ext cx="0" cy="0"/>
-          <a:chOff x="0" y="0"/>
-          <a:chExt cx="0" cy="0"/>
-        </a:xfrm>
-      </p:grpSpPr>
-      <p:sp useBgFill="1">
-        <p:nvSpPr>
-          <p:cNvPr id="74" name="Rectangle 73">
-            <a:extLst>
-              <a:ext uri="{FF2B5EF4-FFF2-40B4-BE49-F238E27FC236}">
-                <a16:creationId xmlns:a16="http://schemas.microsoft.com/office/drawing/2014/main" id="{22F15A2D-2324-487D-A02A-BF46C5C580EB}"/>
-              </a:ext>
-              <a:ext uri="{C183D7F6-B498-43B3-948B-1728B52AA6E4}">
-                <adec:decorative xmlns:adec="http://schemas.microsoft.com/office/drawing/2017/decorative" val="1"/>
-              </a:ext>
-            </a:extLst>
-          </p:cNvPr>
-          <p:cNvSpPr>
-            <a:spLocks noGrp="1" noRot="1" noChangeAspect="1" noMove="1" noResize="1" noEditPoints="1" noAdjustHandles="1" noChangeArrowheads="1" noChangeShapeType="1" noTextEdit="1"/>
-          </p:cNvSpPr>
-          <p:nvPr>
-            <p:extLst>
-              <p:ext uri="{386F3935-93C4-4BCD-93E2-E3B085C9AB24}">
-                <p16:designElem xmlns:p16="http://schemas.microsoft.com/office/powerpoint/2015/main" val="1"/>
-              </p:ext>
-            </p:extLst>
-          </p:nvPr>
-        </p:nvSpPr>
-        <p:spPr>
-          <a:xfrm>
-            <a:off x="0" y="0"/>
-            <a:ext cx="12192000" cy="6858000"/>
-          </a:xfrm>
-          <a:prstGeom prst="rect">
-            <a:avLst/>
-          </a:prstGeom>
-          <a:ln>
-            <a:noFill/>
-          </a:ln>
-        </p:spPr>
-        <p:style>
-          <a:lnRef idx="2">
-            <a:schemeClr val="accent1">
-              <a:shade val="50000"/>
-            </a:schemeClr>
-          </a:lnRef>
-          <a:fillRef idx="1">
-            <a:schemeClr val="accent1"/>
-          </a:fillRef>
-          <a:effectRef idx="0">
-            <a:schemeClr val="accent1"/>
-          </a:effectRef>
-          <a:fontRef idx="minor">
-            <a:schemeClr val="lt1"/>
-          </a:fontRef>
-        </p:style>
-        <p:txBody>
-          <a:bodyPr rtlCol="0" anchor="ctr"/>
-          <a:lstStyle/>
-          <a:p>
-            <a:pPr algn="ctr"/>
-            <a:endParaRPr lang="en-US"/>
-          </a:p>
-        </p:txBody>
-      </p:sp>
-      <p:sp>
-        <p:nvSpPr>
-          <p:cNvPr id="76" name="Freeform: Shape 75">
-            <a:extLst>
-              <a:ext uri="{FF2B5EF4-FFF2-40B4-BE49-F238E27FC236}">
-                <a16:creationId xmlns:a16="http://schemas.microsoft.com/office/drawing/2014/main" id="{17A7F34E-D418-47E2-9F86-2C45BBC31210}"/>
-              </a:ext>
-              <a:ext uri="{C183D7F6-B498-43B3-948B-1728B52AA6E4}">
-                <adec:decorative xmlns:adec="http://schemas.microsoft.com/office/drawing/2017/decorative" val="1"/>
-              </a:ext>
-            </a:extLst>
-          </p:cNvPr>
-          <p:cNvSpPr>
-            <a:spLocks noGrp="1" noRot="1" noChangeAspect="1" noMove="1" noResize="1" noEditPoints="1" noAdjustHandles="1" noChangeArrowheads="1" noChangeShapeType="1" noTextEdit="1"/>
-          </p:cNvSpPr>
-          <p:nvPr>
-            <p:extLst>
-              <p:ext uri="{386F3935-93C4-4BCD-93E2-E3B085C9AB24}">
-                <p16:designElem xmlns:p16="http://schemas.microsoft.com/office/powerpoint/2015/main" val="1"/>
-              </p:ext>
-            </p:extLst>
-          </p:nvPr>
-        </p:nvSpPr>
-        <p:spPr>
-          <a:xfrm>
-            <a:off x="321732" y="321733"/>
-            <a:ext cx="11546828" cy="6214534"/>
-          </a:xfrm>
-          <a:custGeom>
-            <a:avLst/>
-            <a:gdLst>
-              <a:gd name="connsiteX0" fmla="*/ 0 w 11546828"/>
-              <a:gd name="connsiteY0" fmla="*/ 0 h 6214534"/>
-              <a:gd name="connsiteX1" fmla="*/ 7965430 w 11546828"/>
-              <a:gd name="connsiteY1" fmla="*/ 0 h 6214534"/>
-              <a:gd name="connsiteX2" fmla="*/ 7965430 w 11546828"/>
-              <a:gd name="connsiteY2" fmla="*/ 1786 h 6214534"/>
-              <a:gd name="connsiteX3" fmla="*/ 11546828 w 11546828"/>
-              <a:gd name="connsiteY3" fmla="*/ 1786 h 6214534"/>
-              <a:gd name="connsiteX4" fmla="*/ 11546828 w 11546828"/>
-              <a:gd name="connsiteY4" fmla="*/ 2866740 h 6214534"/>
-              <a:gd name="connsiteX5" fmla="*/ 11225095 w 11546828"/>
-              <a:gd name="connsiteY5" fmla="*/ 3179536 h 6214534"/>
-              <a:gd name="connsiteX6" fmla="*/ 11225095 w 11546828"/>
-              <a:gd name="connsiteY6" fmla="*/ 301542 h 6214534"/>
-              <a:gd name="connsiteX7" fmla="*/ 320042 w 11546828"/>
-              <a:gd name="connsiteY7" fmla="*/ 301542 h 6214534"/>
-              <a:gd name="connsiteX8" fmla="*/ 320042 w 11546828"/>
-              <a:gd name="connsiteY8" fmla="*/ 5909424 h 6214534"/>
-              <a:gd name="connsiteX9" fmla="*/ 8417210 w 11546828"/>
-              <a:gd name="connsiteY9" fmla="*/ 5909424 h 6214534"/>
-              <a:gd name="connsiteX10" fmla="*/ 8103383 w 11546828"/>
-              <a:gd name="connsiteY10" fmla="*/ 6214534 h 6214534"/>
-              <a:gd name="connsiteX11" fmla="*/ 7222929 w 11546828"/>
-              <a:gd name="connsiteY11" fmla="*/ 6214534 h 6214534"/>
-              <a:gd name="connsiteX12" fmla="*/ 7222929 w 11546828"/>
-              <a:gd name="connsiteY12" fmla="*/ 6212748 h 6214534"/>
-              <a:gd name="connsiteX13" fmla="*/ 0 w 11546828"/>
-              <a:gd name="connsiteY13" fmla="*/ 6212748 h 6214534"/>
-            </a:gdLst>
-            <a:ahLst/>
-            <a:cxnLst>
-              <a:cxn ang="0">
-                <a:pos x="connsiteX0" y="connsiteY0"/>
-              </a:cxn>
-              <a:cxn ang="0">
-                <a:pos x="connsiteX1" y="connsiteY1"/>
-              </a:cxn>
-              <a:cxn ang="0">
-                <a:pos x="connsiteX2" y="connsiteY2"/>
-              </a:cxn>
-              <a:cxn ang="0">
-                <a:pos x="connsiteX3" y="connsiteY3"/>
-              </a:cxn>
-              <a:cxn ang="0">
-                <a:pos x="connsiteX4" y="connsiteY4"/>
-              </a:cxn>
-              <a:cxn ang="0">
-                <a:pos x="connsiteX5" y="connsiteY5"/>
-              </a:cxn>
-              <a:cxn ang="0">
-                <a:pos x="connsiteX6" y="connsiteY6"/>
-              </a:cxn>
-              <a:cxn ang="0">
-                <a:pos x="connsiteX7" y="connsiteY7"/>
-              </a:cxn>
-              <a:cxn ang="0">
-                <a:pos x="connsiteX8" y="connsiteY8"/>
-              </a:cxn>
-              <a:cxn ang="0">
-                <a:pos x="connsiteX9" y="connsiteY9"/>
-              </a:cxn>
-              <a:cxn ang="0">
-                <a:pos x="connsiteX10" y="connsiteY10"/>
-              </a:cxn>
-              <a:cxn ang="0">
-                <a:pos x="connsiteX11" y="connsiteY11"/>
-              </a:cxn>
-              <a:cxn ang="0">
-                <a:pos x="connsiteX12" y="connsiteY12"/>
-              </a:cxn>
-              <a:cxn ang="0">
-                <a:pos x="connsiteX13" y="connsiteY13"/>
-              </a:cxn>
-            </a:cxnLst>
-            <a:rect l="l" t="t" r="r" b="b"/>
-            <a:pathLst>
-              <a:path w="11546828" h="6214534">
-                <a:moveTo>
-                  <a:pt x="0" y="0"/>
-                </a:moveTo>
-                <a:lnTo>
-                  <a:pt x="7965430" y="0"/>
-                </a:lnTo>
-                <a:lnTo>
-                  <a:pt x="7965430" y="1786"/>
-                </a:lnTo>
-                <a:lnTo>
-                  <a:pt x="11546828" y="1786"/>
-                </a:lnTo>
-                <a:lnTo>
-                  <a:pt x="11546828" y="2866740"/>
-                </a:lnTo>
-                <a:lnTo>
-                  <a:pt x="11225095" y="3179536"/>
-                </a:lnTo>
-                <a:lnTo>
-                  <a:pt x="11225095" y="301542"/>
-                </a:lnTo>
-                <a:lnTo>
-                  <a:pt x="320042" y="301542"/>
-                </a:lnTo>
-                <a:lnTo>
-                  <a:pt x="320042" y="5909424"/>
-                </a:lnTo>
-                <a:lnTo>
-                  <a:pt x="8417210" y="5909424"/>
-                </a:lnTo>
-                <a:lnTo>
-                  <a:pt x="8103383" y="6214534"/>
-                </a:lnTo>
-                <a:lnTo>
-                  <a:pt x="7222929" y="6214534"/>
-                </a:lnTo>
-                <a:lnTo>
-                  <a:pt x="7222929" y="6212748"/>
-                </a:lnTo>
-                <a:lnTo>
-                  <a:pt x="0" y="6212748"/>
-                </a:lnTo>
-                <a:close/>
-              </a:path>
-            </a:pathLst>
-          </a:custGeom>
-          <a:solidFill>
-            <a:schemeClr val="tx1">
-              <a:lumMod val="50000"/>
-              <a:lumOff val="50000"/>
-              <a:alpha val="25000"/>
-            </a:schemeClr>
-          </a:solidFill>
-          <a:ln>
-            <a:noFill/>
-          </a:ln>
-        </p:spPr>
-        <p:style>
-          <a:lnRef idx="2">
-            <a:schemeClr val="accent1">
-              <a:shade val="50000"/>
-            </a:schemeClr>
-          </a:lnRef>
-          <a:fillRef idx="1">
-            <a:schemeClr val="accent1"/>
-          </a:fillRef>
-          <a:effectRef idx="0">
-            <a:schemeClr val="accent1"/>
-          </a:effectRef>
-          <a:fontRef idx="minor">
-            <a:schemeClr val="lt1"/>
-          </a:fontRef>
-        </p:style>
-        <p:txBody>
-          <a:bodyPr wrap="square" rtlCol="0" anchor="ctr">
-            <a:noAutofit/>
-          </a:bodyPr>
-          <a:lstStyle/>
-          <a:p>
-            <a:pPr algn="ctr"/>
-            <a:endParaRPr lang="en-US"/>
-          </a:p>
-        </p:txBody>
-      </p:sp>
-      <p:sp>
-        <p:nvSpPr>
-          <p:cNvPr id="87" name="Right Triangle 77">
-            <a:extLst>
-              <a:ext uri="{FF2B5EF4-FFF2-40B4-BE49-F238E27FC236}">
-                <a16:creationId xmlns:a16="http://schemas.microsoft.com/office/drawing/2014/main" id="{2AEAFA59-923A-4F54-8B49-44C970BCC323}"/>
-              </a:ext>
-              <a:ext uri="{C183D7F6-B498-43B3-948B-1728B52AA6E4}">
-                <adec:decorative xmlns:adec="http://schemas.microsoft.com/office/drawing/2017/decorative" val="1"/>
-              </a:ext>
-            </a:extLst>
-          </p:cNvPr>
-          <p:cNvSpPr>
-            <a:spLocks noGrp="1" noRot="1" noChangeAspect="1" noMove="1" noResize="1" noEditPoints="1" noAdjustHandles="1" noChangeArrowheads="1" noChangeShapeType="1" noTextEdit="1"/>
-          </p:cNvSpPr>
-          <p:nvPr>
-            <p:extLst>
-              <p:ext uri="{386F3935-93C4-4BCD-93E2-E3B085C9AB24}">
-                <p16:designElem xmlns:p16="http://schemas.microsoft.com/office/powerpoint/2015/main" val="1"/>
-              </p:ext>
-            </p:extLst>
-          </p:nvPr>
-        </p:nvSpPr>
-        <p:spPr>
-          <a:xfrm flipH="1">
-            <a:off x="8576720" y="3335867"/>
-            <a:ext cx="3291840" cy="3200400"/>
-          </a:xfrm>
-          <a:prstGeom prst="rtTriangle">
-            <a:avLst/>
-          </a:prstGeom>
-          <a:solidFill>
-            <a:schemeClr val="accent4"/>
-          </a:solidFill>
-          <a:ln>
-            <a:noFill/>
-          </a:ln>
-        </p:spPr>
-        <p:style>
-          <a:lnRef idx="2">
-            <a:schemeClr val="accent1">
-              <a:shade val="50000"/>
-            </a:schemeClr>
-          </a:lnRef>
-          <a:fillRef idx="1">
-            <a:schemeClr val="accent1"/>
-          </a:fillRef>
-          <a:effectRef idx="0">
-            <a:schemeClr val="accent1"/>
-          </a:effectRef>
-          <a:fontRef idx="minor">
-            <a:schemeClr val="lt1"/>
-          </a:fontRef>
-        </p:style>
-        <p:txBody>
-          <a:bodyPr rtlCol="0" anchor="ctr"/>
-          <a:lstStyle/>
-          <a:p>
-            <a:pPr algn="ctr"/>
-            <a:endParaRPr lang="en-US" dirty="0"/>
-          </a:p>
-        </p:txBody>
-      </p:sp>
-      <p:pic>
-        <p:nvPicPr>
-          <p:cNvPr id="8" name="Grafik 7">
-            <a:extLst>
-              <a:ext uri="{FF2B5EF4-FFF2-40B4-BE49-F238E27FC236}">
-                <a16:creationId xmlns:a16="http://schemas.microsoft.com/office/drawing/2014/main" id="{48D4F667-C5DB-4AA9-8189-87AF507A540F}"/>
-              </a:ext>
-            </a:extLst>
-          </p:cNvPr>
-          <p:cNvPicPr>
-            <a:picLocks noChangeAspect="1"/>
-          </p:cNvPicPr>
-          <p:nvPr/>
-        </p:nvPicPr>
-        <p:blipFill>
-          <a:blip r:embed="rId2">
-            <a:extLst>
-              <a:ext uri="{28A0092B-C50C-407E-A947-70E740481C1C}">
-                <a14:useLocalDpi xmlns:a14="http://schemas.microsoft.com/office/drawing/2010/main" val="0"/>
-              </a:ext>
-            </a:extLst>
-          </a:blip>
-          <a:stretch>
-            <a:fillRect/>
-          </a:stretch>
-        </p:blipFill>
-        <p:spPr>
-          <a:xfrm>
-            <a:off x="1053545" y="1011854"/>
-            <a:ext cx="7746709" cy="4648025"/>
-          </a:xfrm>
-          <a:prstGeom prst="rect">
-            <a:avLst/>
-          </a:prstGeom>
-        </p:spPr>
-      </p:pic>
-      <p:sp>
-        <p:nvSpPr>
-          <p:cNvPr id="9" name="Textfeld 8">
-            <a:extLst>
-              <a:ext uri="{FF2B5EF4-FFF2-40B4-BE49-F238E27FC236}">
-                <a16:creationId xmlns:a16="http://schemas.microsoft.com/office/drawing/2014/main" id="{C639FD31-1A19-4C86-A73C-60971C5EB70B}"/>
-              </a:ext>
-            </a:extLst>
-          </p:cNvPr>
-          <p:cNvSpPr txBox="1"/>
-          <p:nvPr/>
-        </p:nvSpPr>
-        <p:spPr>
-          <a:xfrm>
-            <a:off x="8961120" y="1386038"/>
-            <a:ext cx="2473693" cy="1200329"/>
-          </a:xfrm>
-          <a:prstGeom prst="rect">
-            <a:avLst/>
-          </a:prstGeom>
-          <a:noFill/>
-        </p:spPr>
-        <p:txBody>
-          <a:bodyPr wrap="square" rtlCol="0">
-            <a:spAutoFit/>
-          </a:bodyPr>
-          <a:lstStyle/>
-          <a:p>
-            <a:r>
-              <a:rPr lang="de-DE" altLang="zh-CN" sz="2400" dirty="0" err="1"/>
-              <a:t>Defaulted</a:t>
-            </a:r>
-            <a:r>
-              <a:rPr lang="de-DE" altLang="zh-CN" sz="2400" dirty="0"/>
-              <a:t> </a:t>
-            </a:r>
-            <a:r>
-              <a:rPr lang="de-DE" altLang="zh-CN" sz="2400" dirty="0" err="1"/>
-              <a:t>loan</a:t>
-            </a:r>
-            <a:r>
-              <a:rPr lang="de-DE" altLang="zh-CN" sz="2400" dirty="0"/>
-              <a:t> </a:t>
-            </a:r>
-            <a:r>
-              <a:rPr lang="de-DE" altLang="zh-CN" sz="2400" dirty="0" err="1"/>
-              <a:t>mainly</a:t>
-            </a:r>
-            <a:r>
-              <a:rPr lang="de-DE" altLang="zh-CN" sz="2400" dirty="0"/>
-              <a:t> </a:t>
-            </a:r>
-            <a:r>
-              <a:rPr lang="de-DE" altLang="zh-CN" sz="2400" dirty="0" err="1"/>
-              <a:t>from</a:t>
-            </a:r>
-            <a:r>
-              <a:rPr lang="de-DE" altLang="zh-CN" sz="2400" dirty="0"/>
-              <a:t> </a:t>
-            </a:r>
-            <a:r>
-              <a:rPr lang="de-DE" altLang="zh-CN" sz="2400" b="1" dirty="0">
-                <a:solidFill>
-                  <a:srgbClr val="C00000"/>
-                </a:solidFill>
-              </a:rPr>
-              <a:t>D</a:t>
-            </a:r>
-            <a:r>
-              <a:rPr lang="de-DE" altLang="zh-CN" sz="2400" dirty="0"/>
-              <a:t> </a:t>
-            </a:r>
-            <a:r>
-              <a:rPr lang="de-DE" altLang="zh-CN" sz="2400" dirty="0" err="1"/>
-              <a:t>level</a:t>
-            </a:r>
-            <a:r>
-              <a:rPr lang="de-DE" altLang="zh-CN" sz="2400" dirty="0"/>
-              <a:t> grade</a:t>
-            </a:r>
-            <a:endParaRPr lang="zh-CN" altLang="en-US" sz="2400" dirty="0"/>
-          </a:p>
-        </p:txBody>
-      </p:sp>
-      <p:sp>
-        <p:nvSpPr>
-          <p:cNvPr id="59" name="Textfeld 58">
-            <a:extLst>
-              <a:ext uri="{FF2B5EF4-FFF2-40B4-BE49-F238E27FC236}">
-                <a16:creationId xmlns:a16="http://schemas.microsoft.com/office/drawing/2014/main" id="{B2D10ECF-A543-473B-B5FB-FB047B4AC008}"/>
-              </a:ext>
-            </a:extLst>
-          </p:cNvPr>
-          <p:cNvSpPr txBox="1"/>
-          <p:nvPr/>
-        </p:nvSpPr>
-        <p:spPr>
-          <a:xfrm>
-            <a:off x="8882514" y="3735738"/>
-            <a:ext cx="2473693" cy="1200329"/>
-          </a:xfrm>
-          <a:prstGeom prst="rect">
-            <a:avLst/>
-          </a:prstGeom>
-          <a:noFill/>
-        </p:spPr>
-        <p:txBody>
-          <a:bodyPr wrap="square" rtlCol="0">
-            <a:spAutoFit/>
-          </a:bodyPr>
-          <a:lstStyle/>
-          <a:p>
-            <a:r>
-              <a:rPr lang="de-DE" altLang="zh-CN" sz="2400" dirty="0" err="1"/>
-              <a:t>Non_defaulted</a:t>
-            </a:r>
-            <a:r>
-              <a:rPr lang="de-DE" altLang="zh-CN" sz="2400" dirty="0"/>
-              <a:t> </a:t>
-            </a:r>
-            <a:r>
-              <a:rPr lang="de-DE" altLang="zh-CN" sz="2400" dirty="0" err="1"/>
-              <a:t>loan</a:t>
-            </a:r>
-            <a:r>
-              <a:rPr lang="de-DE" altLang="zh-CN" sz="2400" dirty="0"/>
-              <a:t> </a:t>
-            </a:r>
-            <a:r>
-              <a:rPr lang="de-DE" altLang="zh-CN" sz="2400" dirty="0" err="1"/>
-              <a:t>mainly</a:t>
-            </a:r>
-            <a:r>
-              <a:rPr lang="de-DE" altLang="zh-CN" sz="2400" dirty="0"/>
-              <a:t> </a:t>
-            </a:r>
-            <a:r>
-              <a:rPr lang="de-DE" altLang="zh-CN" sz="2400" dirty="0" err="1"/>
-              <a:t>from</a:t>
-            </a:r>
-            <a:r>
-              <a:rPr lang="de-DE" altLang="zh-CN" sz="2400" dirty="0"/>
-              <a:t> </a:t>
-            </a:r>
-            <a:r>
-              <a:rPr lang="de-DE" altLang="zh-CN" sz="2400" b="1" dirty="0">
-                <a:solidFill>
-                  <a:srgbClr val="C00000"/>
-                </a:solidFill>
-              </a:rPr>
-              <a:t>A</a:t>
-            </a:r>
-            <a:r>
-              <a:rPr lang="de-DE" altLang="zh-CN" sz="2400" dirty="0"/>
-              <a:t> </a:t>
-            </a:r>
-            <a:r>
-              <a:rPr lang="de-DE" altLang="zh-CN" sz="2400" dirty="0" err="1"/>
-              <a:t>level</a:t>
-            </a:r>
-            <a:r>
-              <a:rPr lang="de-DE" altLang="zh-CN" sz="2400" dirty="0"/>
-              <a:t> grade</a:t>
-            </a:r>
-            <a:endParaRPr lang="zh-CN" altLang="en-US" sz="2400" dirty="0"/>
-          </a:p>
-        </p:txBody>
-      </p:sp>
-      <p:sp>
-        <p:nvSpPr>
-          <p:cNvPr id="60" name="Rechteck 59">
-            <a:extLst>
-              <a:ext uri="{FF2B5EF4-FFF2-40B4-BE49-F238E27FC236}">
-                <a16:creationId xmlns:a16="http://schemas.microsoft.com/office/drawing/2014/main" id="{CB3FD9E0-CDAB-41E0-9813-F32856AD5B1D}"/>
-              </a:ext>
-            </a:extLst>
-          </p:cNvPr>
-          <p:cNvSpPr/>
-          <p:nvPr/>
-        </p:nvSpPr>
-        <p:spPr>
-          <a:xfrm>
-            <a:off x="4709161" y="1318260"/>
-            <a:ext cx="952500" cy="1657774"/>
-          </a:xfrm>
-          <a:prstGeom prst="rect">
-            <a:avLst/>
-          </a:prstGeom>
-          <a:noFill/>
-          <a:ln w="28575">
-            <a:solidFill>
-              <a:srgbClr val="FF0000"/>
-            </a:solidFill>
-          </a:ln>
-        </p:spPr>
-        <p:style>
-          <a:lnRef idx="2">
-            <a:schemeClr val="accent6"/>
-          </a:lnRef>
-          <a:fillRef idx="1">
-            <a:schemeClr val="lt1"/>
-          </a:fillRef>
-          <a:effectRef idx="0">
-            <a:schemeClr val="accent6"/>
-          </a:effectRef>
-          <a:fontRef idx="minor">
-            <a:schemeClr val="dk1"/>
-          </a:fontRef>
-        </p:style>
-        <p:txBody>
-          <a:bodyPr rtlCol="0" anchor="ctr"/>
-          <a:lstStyle/>
-          <a:p>
-            <a:pPr algn="ctr"/>
-            <a:endParaRPr lang="zh-CN" altLang="en-US"/>
-          </a:p>
-        </p:txBody>
-      </p:sp>
-      <p:sp>
-        <p:nvSpPr>
-          <p:cNvPr id="61" name="Rechteck 60">
-            <a:extLst>
-              <a:ext uri="{FF2B5EF4-FFF2-40B4-BE49-F238E27FC236}">
-                <a16:creationId xmlns:a16="http://schemas.microsoft.com/office/drawing/2014/main" id="{6749B4A0-D96C-44F2-A927-7B0901836D23}"/>
-              </a:ext>
-            </a:extLst>
-          </p:cNvPr>
-          <p:cNvSpPr/>
-          <p:nvPr/>
-        </p:nvSpPr>
-        <p:spPr>
-          <a:xfrm>
-            <a:off x="1706881" y="3507015"/>
-            <a:ext cx="952500" cy="1657774"/>
-          </a:xfrm>
-          <a:prstGeom prst="rect">
-            <a:avLst/>
-          </a:prstGeom>
-          <a:noFill/>
-          <a:ln w="28575">
-            <a:solidFill>
-              <a:srgbClr val="FF0000"/>
-            </a:solidFill>
-          </a:ln>
-        </p:spPr>
-        <p:style>
-          <a:lnRef idx="2">
-            <a:schemeClr val="accent6"/>
-          </a:lnRef>
-          <a:fillRef idx="1">
-            <a:schemeClr val="lt1"/>
-          </a:fillRef>
-          <a:effectRef idx="0">
-            <a:schemeClr val="accent6"/>
-          </a:effectRef>
-          <a:fontRef idx="minor">
-            <a:schemeClr val="dk1"/>
-          </a:fontRef>
-        </p:style>
-        <p:txBody>
-          <a:bodyPr rtlCol="0" anchor="ctr"/>
-          <a:lstStyle/>
-          <a:p>
-            <a:pPr algn="ctr"/>
-            <a:endParaRPr lang="zh-CN" altLang="en-US"/>
-          </a:p>
-        </p:txBody>
-      </p:sp>
-    </p:spTree>
-    <p:extLst>
-      <p:ext uri="{BB962C8B-B14F-4D97-AF65-F5344CB8AC3E}">
-        <p14:creationId xmlns:p14="http://schemas.microsoft.com/office/powerpoint/2010/main" val="3876785746"/>
-      </p:ext>
-    </p:extLst>
-  </p:cSld>
-  <p:clrMapOvr>
-    <a:masterClrMapping/>
-  </p:clrMapOvr>
-</p:sld>
-</file>
-
-<file path=ppt/slides/slide7.xml><?xml version="1.0" encoding="utf-8"?>
-<p:sld xmlns:a="http://schemas.openxmlformats.org/drawingml/2006/main" xmlns:r="http://schemas.openxmlformats.org/officeDocument/2006/relationships" xmlns:p="http://schemas.openxmlformats.org/presentationml/2006/main">
-  <p:cSld>
-    <p:bg>
-      <p:bgPr>
-        <a:solidFill>
-          <a:schemeClr val="bg1"/>
-        </a:solidFill>
-        <a:effectLst/>
-      </p:bgPr>
-    </p:bg>
-    <p:spTree>
-      <p:nvGrpSpPr>
-        <p:cNvPr id="1" name=""/>
-        <p:cNvGrpSpPr/>
-        <p:nvPr/>
-      </p:nvGrpSpPr>
-      <p:grpSpPr>
-        <a:xfrm>
-          <a:off x="0" y="0"/>
-          <a:ext cx="0" cy="0"/>
-          <a:chOff x="0" y="0"/>
-          <a:chExt cx="0" cy="0"/>
-        </a:xfrm>
-      </p:grpSpPr>
-      <p:sp useBgFill="1">
-        <p:nvSpPr>
-          <p:cNvPr id="74" name="Rectangle 73">
-            <a:extLst>
-              <a:ext uri="{FF2B5EF4-FFF2-40B4-BE49-F238E27FC236}">
-                <a16:creationId xmlns:a16="http://schemas.microsoft.com/office/drawing/2014/main" id="{22F15A2D-2324-487D-A02A-BF46C5C580EB}"/>
-              </a:ext>
-              <a:ext uri="{C183D7F6-B498-43B3-948B-1728B52AA6E4}">
-                <adec:decorative xmlns:adec="http://schemas.microsoft.com/office/drawing/2017/decorative" val="1"/>
-              </a:ext>
-            </a:extLst>
-          </p:cNvPr>
-          <p:cNvSpPr>
-            <a:spLocks noGrp="1" noRot="1" noChangeAspect="1" noMove="1" noResize="1" noEditPoints="1" noAdjustHandles="1" noChangeArrowheads="1" noChangeShapeType="1" noTextEdit="1"/>
-          </p:cNvSpPr>
-          <p:nvPr>
-            <p:extLst>
-              <p:ext uri="{386F3935-93C4-4BCD-93E2-E3B085C9AB24}">
-                <p16:designElem xmlns:p16="http://schemas.microsoft.com/office/powerpoint/2015/main" val="1"/>
-              </p:ext>
-            </p:extLst>
-          </p:nvPr>
-        </p:nvSpPr>
-        <p:spPr>
-          <a:xfrm>
-            <a:off x="0" y="0"/>
-            <a:ext cx="12192000" cy="6858000"/>
-          </a:xfrm>
-          <a:prstGeom prst="rect">
-            <a:avLst/>
-          </a:prstGeom>
-          <a:ln>
-            <a:noFill/>
-          </a:ln>
-        </p:spPr>
-        <p:style>
-          <a:lnRef idx="2">
-            <a:schemeClr val="accent1">
-              <a:shade val="50000"/>
-            </a:schemeClr>
-          </a:lnRef>
-          <a:fillRef idx="1">
-            <a:schemeClr val="accent1"/>
-          </a:fillRef>
-          <a:effectRef idx="0">
-            <a:schemeClr val="accent1"/>
-          </a:effectRef>
-          <a:fontRef idx="minor">
-            <a:schemeClr val="lt1"/>
-          </a:fontRef>
-        </p:style>
-        <p:txBody>
-          <a:bodyPr rtlCol="0" anchor="ctr"/>
-          <a:lstStyle/>
-          <a:p>
-            <a:pPr algn="ctr"/>
-            <a:endParaRPr lang="en-US"/>
-          </a:p>
-        </p:txBody>
-      </p:sp>
-      <p:sp>
-        <p:nvSpPr>
-          <p:cNvPr id="76" name="Freeform: Shape 75">
-            <a:extLst>
-              <a:ext uri="{FF2B5EF4-FFF2-40B4-BE49-F238E27FC236}">
-                <a16:creationId xmlns:a16="http://schemas.microsoft.com/office/drawing/2014/main" id="{17A7F34E-D418-47E2-9F86-2C45BBC31210}"/>
-              </a:ext>
-              <a:ext uri="{C183D7F6-B498-43B3-948B-1728B52AA6E4}">
-                <adec:decorative xmlns:adec="http://schemas.microsoft.com/office/drawing/2017/decorative" val="1"/>
-              </a:ext>
-            </a:extLst>
-          </p:cNvPr>
-          <p:cNvSpPr>
-            <a:spLocks noGrp="1" noRot="1" noChangeAspect="1" noMove="1" noResize="1" noEditPoints="1" noAdjustHandles="1" noChangeArrowheads="1" noChangeShapeType="1" noTextEdit="1"/>
-          </p:cNvSpPr>
-          <p:nvPr>
-            <p:extLst>
-              <p:ext uri="{386F3935-93C4-4BCD-93E2-E3B085C9AB24}">
-                <p16:designElem xmlns:p16="http://schemas.microsoft.com/office/powerpoint/2015/main" val="1"/>
-              </p:ext>
-            </p:extLst>
-          </p:nvPr>
-        </p:nvSpPr>
-        <p:spPr>
-          <a:xfrm>
-            <a:off x="321732" y="321733"/>
-            <a:ext cx="11546828" cy="6214534"/>
-          </a:xfrm>
-          <a:custGeom>
-            <a:avLst/>
-            <a:gdLst>
-              <a:gd name="connsiteX0" fmla="*/ 0 w 11546828"/>
-              <a:gd name="connsiteY0" fmla="*/ 0 h 6214534"/>
-              <a:gd name="connsiteX1" fmla="*/ 7965430 w 11546828"/>
-              <a:gd name="connsiteY1" fmla="*/ 0 h 6214534"/>
-              <a:gd name="connsiteX2" fmla="*/ 7965430 w 11546828"/>
-              <a:gd name="connsiteY2" fmla="*/ 1786 h 6214534"/>
-              <a:gd name="connsiteX3" fmla="*/ 11546828 w 11546828"/>
-              <a:gd name="connsiteY3" fmla="*/ 1786 h 6214534"/>
-              <a:gd name="connsiteX4" fmla="*/ 11546828 w 11546828"/>
-              <a:gd name="connsiteY4" fmla="*/ 2866740 h 6214534"/>
-              <a:gd name="connsiteX5" fmla="*/ 11225095 w 11546828"/>
-              <a:gd name="connsiteY5" fmla="*/ 3179536 h 6214534"/>
-              <a:gd name="connsiteX6" fmla="*/ 11225095 w 11546828"/>
-              <a:gd name="connsiteY6" fmla="*/ 301542 h 6214534"/>
-              <a:gd name="connsiteX7" fmla="*/ 320042 w 11546828"/>
-              <a:gd name="connsiteY7" fmla="*/ 301542 h 6214534"/>
-              <a:gd name="connsiteX8" fmla="*/ 320042 w 11546828"/>
-              <a:gd name="connsiteY8" fmla="*/ 5909424 h 6214534"/>
-              <a:gd name="connsiteX9" fmla="*/ 8417210 w 11546828"/>
-              <a:gd name="connsiteY9" fmla="*/ 5909424 h 6214534"/>
-              <a:gd name="connsiteX10" fmla="*/ 8103383 w 11546828"/>
-              <a:gd name="connsiteY10" fmla="*/ 6214534 h 6214534"/>
-              <a:gd name="connsiteX11" fmla="*/ 7222929 w 11546828"/>
-              <a:gd name="connsiteY11" fmla="*/ 6214534 h 6214534"/>
-              <a:gd name="connsiteX12" fmla="*/ 7222929 w 11546828"/>
-              <a:gd name="connsiteY12" fmla="*/ 6212748 h 6214534"/>
-              <a:gd name="connsiteX13" fmla="*/ 0 w 11546828"/>
-              <a:gd name="connsiteY13" fmla="*/ 6212748 h 6214534"/>
-            </a:gdLst>
-            <a:ahLst/>
-            <a:cxnLst>
-              <a:cxn ang="0">
-                <a:pos x="connsiteX0" y="connsiteY0"/>
-              </a:cxn>
-              <a:cxn ang="0">
-                <a:pos x="connsiteX1" y="connsiteY1"/>
-              </a:cxn>
-              <a:cxn ang="0">
-                <a:pos x="connsiteX2" y="connsiteY2"/>
-              </a:cxn>
-              <a:cxn ang="0">
-                <a:pos x="connsiteX3" y="connsiteY3"/>
-              </a:cxn>
-              <a:cxn ang="0">
-                <a:pos x="connsiteX4" y="connsiteY4"/>
-              </a:cxn>
-              <a:cxn ang="0">
-                <a:pos x="connsiteX5" y="connsiteY5"/>
-              </a:cxn>
-              <a:cxn ang="0">
-                <a:pos x="connsiteX6" y="connsiteY6"/>
-              </a:cxn>
-              <a:cxn ang="0">
-                <a:pos x="connsiteX7" y="connsiteY7"/>
-              </a:cxn>
-              <a:cxn ang="0">
-                <a:pos x="connsiteX8" y="connsiteY8"/>
-              </a:cxn>
-              <a:cxn ang="0">
-                <a:pos x="connsiteX9" y="connsiteY9"/>
-              </a:cxn>
-              <a:cxn ang="0">
-                <a:pos x="connsiteX10" y="connsiteY10"/>
-              </a:cxn>
-              <a:cxn ang="0">
-                <a:pos x="connsiteX11" y="connsiteY11"/>
-              </a:cxn>
-              <a:cxn ang="0">
-                <a:pos x="connsiteX12" y="connsiteY12"/>
-              </a:cxn>
-              <a:cxn ang="0">
-                <a:pos x="connsiteX13" y="connsiteY13"/>
-              </a:cxn>
-            </a:cxnLst>
-            <a:rect l="l" t="t" r="r" b="b"/>
-            <a:pathLst>
-              <a:path w="11546828" h="6214534">
-                <a:moveTo>
-                  <a:pt x="0" y="0"/>
-                </a:moveTo>
-                <a:lnTo>
-                  <a:pt x="7965430" y="0"/>
-                </a:lnTo>
-                <a:lnTo>
-                  <a:pt x="7965430" y="1786"/>
-                </a:lnTo>
-                <a:lnTo>
-                  <a:pt x="11546828" y="1786"/>
-                </a:lnTo>
-                <a:lnTo>
-                  <a:pt x="11546828" y="2866740"/>
-                </a:lnTo>
-                <a:lnTo>
-                  <a:pt x="11225095" y="3179536"/>
-                </a:lnTo>
-                <a:lnTo>
-                  <a:pt x="11225095" y="301542"/>
-                </a:lnTo>
-                <a:lnTo>
-                  <a:pt x="320042" y="301542"/>
-                </a:lnTo>
-                <a:lnTo>
-                  <a:pt x="320042" y="5909424"/>
-                </a:lnTo>
-                <a:lnTo>
-                  <a:pt x="8417210" y="5909424"/>
-                </a:lnTo>
-                <a:lnTo>
-                  <a:pt x="8103383" y="6214534"/>
-                </a:lnTo>
-                <a:lnTo>
-                  <a:pt x="7222929" y="6214534"/>
-                </a:lnTo>
-                <a:lnTo>
-                  <a:pt x="7222929" y="6212748"/>
-                </a:lnTo>
-                <a:lnTo>
-                  <a:pt x="0" y="6212748"/>
-                </a:lnTo>
-                <a:close/>
-              </a:path>
-            </a:pathLst>
-          </a:custGeom>
-          <a:solidFill>
-            <a:schemeClr val="tx1">
-              <a:lumMod val="50000"/>
-              <a:lumOff val="50000"/>
-              <a:alpha val="25000"/>
-            </a:schemeClr>
-          </a:solidFill>
-          <a:ln>
-            <a:noFill/>
-          </a:ln>
-        </p:spPr>
-        <p:style>
-          <a:lnRef idx="2">
-            <a:schemeClr val="accent1">
-              <a:shade val="50000"/>
-            </a:schemeClr>
-          </a:lnRef>
-          <a:fillRef idx="1">
-            <a:schemeClr val="accent1"/>
-          </a:fillRef>
-          <a:effectRef idx="0">
-            <a:schemeClr val="accent1"/>
-          </a:effectRef>
-          <a:fontRef idx="minor">
-            <a:schemeClr val="lt1"/>
-          </a:fontRef>
-        </p:style>
-        <p:txBody>
-          <a:bodyPr wrap="square" rtlCol="0" anchor="ctr">
-            <a:noAutofit/>
-          </a:bodyPr>
-          <a:lstStyle/>
-          <a:p>
-            <a:pPr algn="ctr"/>
-            <a:endParaRPr lang="en-US"/>
-          </a:p>
-        </p:txBody>
-      </p:sp>
-      <p:sp>
-        <p:nvSpPr>
-          <p:cNvPr id="87" name="Right Triangle 77">
-            <a:extLst>
-              <a:ext uri="{FF2B5EF4-FFF2-40B4-BE49-F238E27FC236}">
-                <a16:creationId xmlns:a16="http://schemas.microsoft.com/office/drawing/2014/main" id="{2AEAFA59-923A-4F54-8B49-44C970BCC323}"/>
-              </a:ext>
-              <a:ext uri="{C183D7F6-B498-43B3-948B-1728B52AA6E4}">
-                <adec:decorative xmlns:adec="http://schemas.microsoft.com/office/drawing/2017/decorative" val="1"/>
-              </a:ext>
-            </a:extLst>
-          </p:cNvPr>
-          <p:cNvSpPr>
-            <a:spLocks noGrp="1" noRot="1" noChangeAspect="1" noMove="1" noResize="1" noEditPoints="1" noAdjustHandles="1" noChangeArrowheads="1" noChangeShapeType="1" noTextEdit="1"/>
-          </p:cNvSpPr>
-          <p:nvPr>
-            <p:extLst>
-              <p:ext uri="{386F3935-93C4-4BCD-93E2-E3B085C9AB24}">
-                <p16:designElem xmlns:p16="http://schemas.microsoft.com/office/powerpoint/2015/main" val="1"/>
-              </p:ext>
-            </p:extLst>
-          </p:nvPr>
-        </p:nvSpPr>
-        <p:spPr>
-          <a:xfrm flipH="1">
-            <a:off x="8576720" y="3335867"/>
-            <a:ext cx="3291840" cy="3200400"/>
-          </a:xfrm>
-          <a:prstGeom prst="rtTriangle">
-            <a:avLst/>
-          </a:prstGeom>
-          <a:solidFill>
-            <a:schemeClr val="accent4"/>
-          </a:solidFill>
-          <a:ln>
-            <a:noFill/>
-          </a:ln>
-        </p:spPr>
-        <p:style>
-          <a:lnRef idx="2">
-            <a:schemeClr val="accent1">
-              <a:shade val="50000"/>
-            </a:schemeClr>
-          </a:lnRef>
-          <a:fillRef idx="1">
-            <a:schemeClr val="accent1"/>
-          </a:fillRef>
-          <a:effectRef idx="0">
-            <a:schemeClr val="accent1"/>
-          </a:effectRef>
-          <a:fontRef idx="minor">
-            <a:schemeClr val="lt1"/>
-          </a:fontRef>
-        </p:style>
-        <p:txBody>
-          <a:bodyPr rtlCol="0" anchor="ctr"/>
-          <a:lstStyle/>
-          <a:p>
-            <a:pPr algn="ctr"/>
-            <a:endParaRPr lang="en-US" dirty="0"/>
-          </a:p>
-        </p:txBody>
-      </p:sp>
-      <p:sp>
-        <p:nvSpPr>
-          <p:cNvPr id="9" name="Textfeld 8">
-            <a:extLst>
-              <a:ext uri="{FF2B5EF4-FFF2-40B4-BE49-F238E27FC236}">
-                <a16:creationId xmlns:a16="http://schemas.microsoft.com/office/drawing/2014/main" id="{C639FD31-1A19-4C86-A73C-60971C5EB70B}"/>
-              </a:ext>
-            </a:extLst>
-          </p:cNvPr>
-          <p:cNvSpPr txBox="1"/>
-          <p:nvPr/>
-        </p:nvSpPr>
-        <p:spPr>
-          <a:xfrm>
-            <a:off x="8961120" y="1386038"/>
-            <a:ext cx="2473693" cy="1569660"/>
-          </a:xfrm>
-          <a:prstGeom prst="rect">
-            <a:avLst/>
-          </a:prstGeom>
-          <a:noFill/>
-        </p:spPr>
-        <p:txBody>
-          <a:bodyPr wrap="square" rtlCol="0">
-            <a:spAutoFit/>
-          </a:bodyPr>
-          <a:lstStyle/>
-          <a:p>
-            <a:r>
-              <a:rPr lang="de-DE" altLang="zh-CN" sz="2400" dirty="0" err="1"/>
-              <a:t>Defaulted</a:t>
-            </a:r>
-            <a:r>
-              <a:rPr lang="de-DE" altLang="zh-CN" sz="2400" dirty="0"/>
-              <a:t> </a:t>
-            </a:r>
-            <a:r>
-              <a:rPr lang="de-DE" altLang="zh-CN" sz="2400" dirty="0" err="1"/>
-              <a:t>loan</a:t>
-            </a:r>
-            <a:r>
-              <a:rPr lang="de-DE" altLang="zh-CN" sz="2400" dirty="0"/>
-              <a:t> </a:t>
-            </a:r>
-            <a:r>
-              <a:rPr lang="de-DE" altLang="zh-CN" sz="2400" dirty="0" err="1"/>
-              <a:t>mainly</a:t>
-            </a:r>
-            <a:r>
-              <a:rPr lang="de-DE" altLang="zh-CN" sz="2400" dirty="0"/>
-              <a:t> </a:t>
-            </a:r>
-            <a:r>
-              <a:rPr lang="de-DE" altLang="zh-CN" sz="2400" dirty="0" err="1"/>
-              <a:t>from</a:t>
-            </a:r>
-            <a:r>
-              <a:rPr lang="de-DE" altLang="zh-CN" sz="2400" dirty="0"/>
-              <a:t> </a:t>
-            </a:r>
-            <a:r>
-              <a:rPr lang="de-DE" altLang="zh-CN" sz="2400" b="1" dirty="0" err="1"/>
-              <a:t>debt</a:t>
-            </a:r>
-            <a:r>
-              <a:rPr lang="de-DE" altLang="zh-CN" sz="2400" b="1" dirty="0"/>
-              <a:t> </a:t>
-            </a:r>
-            <a:r>
-              <a:rPr lang="de-DE" altLang="zh-CN" sz="2400" b="1" dirty="0" err="1"/>
-              <a:t>consolidation</a:t>
-            </a:r>
-            <a:r>
-              <a:rPr lang="de-DE" altLang="zh-CN" sz="2400" b="1" dirty="0"/>
-              <a:t> </a:t>
-            </a:r>
-            <a:r>
-              <a:rPr lang="de-DE" altLang="zh-CN" sz="2400" dirty="0"/>
-              <a:t>and </a:t>
-            </a:r>
-            <a:r>
-              <a:rPr lang="de-DE" altLang="zh-CN" sz="2400" b="1" dirty="0" err="1"/>
-              <a:t>medical</a:t>
-            </a:r>
-            <a:endParaRPr lang="zh-CN" altLang="en-US" sz="2400" b="1" dirty="0"/>
-          </a:p>
-        </p:txBody>
-      </p:sp>
-      <p:sp>
-        <p:nvSpPr>
-          <p:cNvPr id="59" name="Textfeld 58">
-            <a:extLst>
-              <a:ext uri="{FF2B5EF4-FFF2-40B4-BE49-F238E27FC236}">
-                <a16:creationId xmlns:a16="http://schemas.microsoft.com/office/drawing/2014/main" id="{B2D10ECF-A543-473B-B5FB-FB047B4AC008}"/>
-              </a:ext>
-            </a:extLst>
-          </p:cNvPr>
-          <p:cNvSpPr txBox="1"/>
-          <p:nvPr/>
-        </p:nvSpPr>
-        <p:spPr>
-          <a:xfrm>
-            <a:off x="8882514" y="3735738"/>
-            <a:ext cx="2473693" cy="1569660"/>
-          </a:xfrm>
-          <a:prstGeom prst="rect">
-            <a:avLst/>
-          </a:prstGeom>
-          <a:noFill/>
-        </p:spPr>
-        <p:txBody>
-          <a:bodyPr wrap="square" rtlCol="0">
-            <a:spAutoFit/>
-          </a:bodyPr>
-          <a:lstStyle/>
-          <a:p>
-            <a:r>
-              <a:rPr lang="de-DE" altLang="zh-CN" sz="2400" dirty="0" err="1"/>
-              <a:t>Non_defaulted</a:t>
-            </a:r>
-            <a:r>
-              <a:rPr lang="de-DE" altLang="zh-CN" sz="2400" dirty="0"/>
-              <a:t> </a:t>
-            </a:r>
-            <a:r>
-              <a:rPr lang="de-DE" altLang="zh-CN" sz="2400" dirty="0" err="1"/>
-              <a:t>loan</a:t>
-            </a:r>
-            <a:r>
-              <a:rPr lang="de-DE" altLang="zh-CN" sz="2400" dirty="0"/>
-              <a:t> </a:t>
-            </a:r>
-            <a:r>
-              <a:rPr lang="de-DE" altLang="zh-CN" sz="2400" dirty="0" err="1"/>
-              <a:t>mainly</a:t>
-            </a:r>
-            <a:r>
-              <a:rPr lang="de-DE" altLang="zh-CN" sz="2400" dirty="0"/>
-              <a:t> </a:t>
-            </a:r>
-            <a:r>
-              <a:rPr lang="de-DE" altLang="zh-CN" sz="2400" dirty="0" err="1"/>
-              <a:t>from</a:t>
-            </a:r>
-            <a:r>
-              <a:rPr lang="de-DE" altLang="zh-CN" sz="2400" dirty="0"/>
-              <a:t> </a:t>
-            </a:r>
-            <a:r>
-              <a:rPr lang="de-DE" altLang="zh-CN" sz="2400" b="1" dirty="0" err="1"/>
-              <a:t>education</a:t>
-            </a:r>
-            <a:r>
-              <a:rPr lang="de-DE" altLang="zh-CN" sz="2400" b="1" dirty="0"/>
-              <a:t> </a:t>
-            </a:r>
-            <a:r>
-              <a:rPr lang="de-DE" altLang="zh-CN" sz="2400" dirty="0"/>
-              <a:t>and</a:t>
-            </a:r>
-            <a:r>
-              <a:rPr lang="de-DE" altLang="zh-CN" sz="2400" b="1" dirty="0"/>
-              <a:t> </a:t>
-            </a:r>
-            <a:r>
-              <a:rPr lang="de-DE" altLang="zh-CN" sz="2400" b="1" dirty="0" err="1"/>
-              <a:t>venture</a:t>
-            </a:r>
-            <a:endParaRPr lang="zh-CN" altLang="en-US" sz="2400" dirty="0"/>
-          </a:p>
-        </p:txBody>
-      </p:sp>
-      <p:pic>
-        <p:nvPicPr>
-          <p:cNvPr id="3" name="Grafik 2">
-            <a:extLst>
-              <a:ext uri="{FF2B5EF4-FFF2-40B4-BE49-F238E27FC236}">
-                <a16:creationId xmlns:a16="http://schemas.microsoft.com/office/drawing/2014/main" id="{C65902AE-6EB2-4FA3-A430-26C38EC3D0A3}"/>
-              </a:ext>
-            </a:extLst>
-          </p:cNvPr>
-          <p:cNvPicPr>
-            <a:picLocks noChangeAspect="1"/>
-          </p:cNvPicPr>
-          <p:nvPr/>
-        </p:nvPicPr>
-        <p:blipFill>
-          <a:blip r:embed="rId2">
-            <a:extLst>
-              <a:ext uri="{28A0092B-C50C-407E-A947-70E740481C1C}">
-                <a14:useLocalDpi xmlns:a14="http://schemas.microsoft.com/office/drawing/2010/main" val="0"/>
-              </a:ext>
-            </a:extLst>
-          </a:blip>
-          <a:stretch>
-            <a:fillRect/>
-          </a:stretch>
-        </p:blipFill>
-        <p:spPr>
-          <a:xfrm>
-            <a:off x="835793" y="685175"/>
-            <a:ext cx="8125327" cy="5487650"/>
-          </a:xfrm>
-          <a:prstGeom prst="rect">
-            <a:avLst/>
-          </a:prstGeom>
-        </p:spPr>
-      </p:pic>
-      <p:sp>
-        <p:nvSpPr>
-          <p:cNvPr id="4" name="Textfeld 3">
-            <a:extLst>
-              <a:ext uri="{FF2B5EF4-FFF2-40B4-BE49-F238E27FC236}">
-                <a16:creationId xmlns:a16="http://schemas.microsoft.com/office/drawing/2014/main" id="{9C3658E2-099A-4293-9BFB-7864DE6F12A2}"/>
-              </a:ext>
-            </a:extLst>
-          </p:cNvPr>
-          <p:cNvSpPr txBox="1"/>
-          <p:nvPr/>
-        </p:nvSpPr>
-        <p:spPr>
-          <a:xfrm>
-            <a:off x="1174282" y="6172825"/>
-            <a:ext cx="7228573" cy="523220"/>
-          </a:xfrm>
-          <a:prstGeom prst="rect">
-            <a:avLst/>
-          </a:prstGeom>
-          <a:noFill/>
-        </p:spPr>
-        <p:txBody>
-          <a:bodyPr wrap="square" rtlCol="0">
-            <a:spAutoFit/>
-          </a:bodyPr>
-          <a:lstStyle/>
-          <a:p>
-            <a:r>
-              <a:rPr lang="en-US" altLang="zh-CN" sz="1400" dirty="0"/>
-              <a:t>* Consumers can use debt consolidation as a tool to deal with student loan debt, credit card debt, and other liabilities.</a:t>
-            </a:r>
-            <a:endParaRPr lang="zh-CN" altLang="en-US" sz="1400" dirty="0"/>
-          </a:p>
-        </p:txBody>
-      </p:sp>
-      <p:sp>
-        <p:nvSpPr>
-          <p:cNvPr id="11" name="Rechteck 10">
-            <a:extLst>
-              <a:ext uri="{FF2B5EF4-FFF2-40B4-BE49-F238E27FC236}">
-                <a16:creationId xmlns:a16="http://schemas.microsoft.com/office/drawing/2014/main" id="{1055EF4A-750A-4900-BA11-5AE567EC8792}"/>
-              </a:ext>
-            </a:extLst>
-          </p:cNvPr>
-          <p:cNvSpPr/>
-          <p:nvPr/>
-        </p:nvSpPr>
-        <p:spPr>
-          <a:xfrm>
-            <a:off x="5257800" y="1074420"/>
-            <a:ext cx="1059179" cy="2095500"/>
-          </a:xfrm>
-          <a:prstGeom prst="rect">
-            <a:avLst/>
-          </a:prstGeom>
-          <a:noFill/>
-          <a:ln w="28575">
-            <a:solidFill>
-              <a:srgbClr val="FF0000"/>
-            </a:solidFill>
-          </a:ln>
-        </p:spPr>
-        <p:style>
-          <a:lnRef idx="2">
-            <a:schemeClr val="accent6"/>
-          </a:lnRef>
-          <a:fillRef idx="1">
-            <a:schemeClr val="lt1"/>
-          </a:fillRef>
-          <a:effectRef idx="0">
-            <a:schemeClr val="accent6"/>
-          </a:effectRef>
-          <a:fontRef idx="minor">
-            <a:schemeClr val="dk1"/>
-          </a:fontRef>
-        </p:style>
-        <p:txBody>
-          <a:bodyPr rtlCol="0" anchor="ctr"/>
-          <a:lstStyle/>
-          <a:p>
-            <a:pPr algn="ctr"/>
-            <a:endParaRPr lang="zh-CN" altLang="en-US"/>
-          </a:p>
-        </p:txBody>
-      </p:sp>
-      <p:sp>
-        <p:nvSpPr>
-          <p:cNvPr id="12" name="Rechteck 11">
-            <a:extLst>
-              <a:ext uri="{FF2B5EF4-FFF2-40B4-BE49-F238E27FC236}">
-                <a16:creationId xmlns:a16="http://schemas.microsoft.com/office/drawing/2014/main" id="{14486F53-A2F1-4A99-B18C-3D4005F1A006}"/>
-              </a:ext>
-            </a:extLst>
-          </p:cNvPr>
-          <p:cNvSpPr/>
-          <p:nvPr/>
-        </p:nvSpPr>
-        <p:spPr>
-          <a:xfrm>
-            <a:off x="1607820" y="1231054"/>
-            <a:ext cx="1059179" cy="1992206"/>
-          </a:xfrm>
-          <a:prstGeom prst="rect">
-            <a:avLst/>
-          </a:prstGeom>
-          <a:noFill/>
-          <a:ln w="28575">
-            <a:solidFill>
-              <a:srgbClr val="FF0000"/>
-            </a:solidFill>
-          </a:ln>
-        </p:spPr>
-        <p:style>
-          <a:lnRef idx="2">
-            <a:schemeClr val="accent6"/>
-          </a:lnRef>
-          <a:fillRef idx="1">
-            <a:schemeClr val="lt1"/>
-          </a:fillRef>
-          <a:effectRef idx="0">
-            <a:schemeClr val="accent6"/>
-          </a:effectRef>
-          <a:fontRef idx="minor">
-            <a:schemeClr val="dk1"/>
-          </a:fontRef>
-        </p:style>
-        <p:txBody>
-          <a:bodyPr rtlCol="0" anchor="ctr"/>
-          <a:lstStyle/>
-          <a:p>
-            <a:pPr algn="ctr"/>
-            <a:endParaRPr lang="zh-CN" altLang="en-US"/>
-          </a:p>
-        </p:txBody>
-      </p:sp>
-      <p:sp>
-        <p:nvSpPr>
-          <p:cNvPr id="13" name="Rechteck 12">
-            <a:extLst>
-              <a:ext uri="{FF2B5EF4-FFF2-40B4-BE49-F238E27FC236}">
-                <a16:creationId xmlns:a16="http://schemas.microsoft.com/office/drawing/2014/main" id="{0E6F99CB-9FC9-4E23-8344-C41C5D0E6D38}"/>
-              </a:ext>
-            </a:extLst>
-          </p:cNvPr>
-          <p:cNvSpPr/>
-          <p:nvPr/>
-        </p:nvSpPr>
-        <p:spPr>
-          <a:xfrm>
-            <a:off x="2788920" y="3697506"/>
-            <a:ext cx="1059179" cy="2153586"/>
-          </a:xfrm>
-          <a:prstGeom prst="rect">
-            <a:avLst/>
-          </a:prstGeom>
-          <a:noFill/>
-          <a:ln w="28575">
-            <a:solidFill>
-              <a:srgbClr val="FF0000"/>
-            </a:solidFill>
-          </a:ln>
-        </p:spPr>
-        <p:style>
-          <a:lnRef idx="2">
-            <a:schemeClr val="accent6"/>
-          </a:lnRef>
-          <a:fillRef idx="1">
-            <a:schemeClr val="lt1"/>
-          </a:fillRef>
-          <a:effectRef idx="0">
-            <a:schemeClr val="accent6"/>
-          </a:effectRef>
-          <a:fontRef idx="minor">
-            <a:schemeClr val="dk1"/>
-          </a:fontRef>
-        </p:style>
-        <p:txBody>
-          <a:bodyPr rtlCol="0" anchor="ctr"/>
-          <a:lstStyle/>
-          <a:p>
-            <a:pPr algn="ctr"/>
-            <a:endParaRPr lang="zh-CN" altLang="en-US"/>
-          </a:p>
-        </p:txBody>
-      </p:sp>
-      <p:sp>
-        <p:nvSpPr>
-          <p:cNvPr id="14" name="Rechteck 13">
-            <a:extLst>
-              <a:ext uri="{FF2B5EF4-FFF2-40B4-BE49-F238E27FC236}">
-                <a16:creationId xmlns:a16="http://schemas.microsoft.com/office/drawing/2014/main" id="{3ACED669-17E5-4C3E-BB18-6EF0E78131A9}"/>
-              </a:ext>
-            </a:extLst>
-          </p:cNvPr>
-          <p:cNvSpPr/>
-          <p:nvPr/>
-        </p:nvSpPr>
-        <p:spPr>
-          <a:xfrm>
-            <a:off x="7670438" y="3876336"/>
-            <a:ext cx="1059179" cy="1992206"/>
-          </a:xfrm>
-          <a:prstGeom prst="rect">
-            <a:avLst/>
-          </a:prstGeom>
-          <a:noFill/>
-          <a:ln w="28575">
-            <a:solidFill>
-              <a:srgbClr val="FF0000"/>
-            </a:solidFill>
-          </a:ln>
-        </p:spPr>
-        <p:style>
-          <a:lnRef idx="2">
-            <a:schemeClr val="accent6"/>
-          </a:lnRef>
-          <a:fillRef idx="1">
-            <a:schemeClr val="lt1"/>
-          </a:fillRef>
-          <a:effectRef idx="0">
-            <a:schemeClr val="accent6"/>
-          </a:effectRef>
-          <a:fontRef idx="minor">
-            <a:schemeClr val="dk1"/>
-          </a:fontRef>
-        </p:style>
-        <p:txBody>
-          <a:bodyPr rtlCol="0" anchor="ctr"/>
-          <a:lstStyle/>
-          <a:p>
-            <a:pPr algn="ctr"/>
-            <a:endParaRPr lang="zh-CN" altLang="en-US"/>
-          </a:p>
-        </p:txBody>
-      </p:sp>
-    </p:spTree>
-    <p:extLst>
-      <p:ext uri="{BB962C8B-B14F-4D97-AF65-F5344CB8AC3E}">
-        <p14:creationId xmlns:p14="http://schemas.microsoft.com/office/powerpoint/2010/main" val="3868253392"/>
-      </p:ext>
-    </p:extLst>
-  </p:cSld>
-  <p:clrMapOvr>
-    <a:masterClrMapping/>
-  </p:clrMapOvr>
-</p:sld>
-</file>
-
-<file path=ppt/slides/slide8.xml><?xml version="1.0" encoding="utf-8"?>
-<p:sld xmlns:a="http://schemas.openxmlformats.org/drawingml/2006/main" xmlns:r="http://schemas.openxmlformats.org/officeDocument/2006/relationships" xmlns:p="http://schemas.openxmlformats.org/presentationml/2006/main">
-  <p:cSld>
-    <p:bg>
-      <p:bgPr>
-        <a:solidFill>
-          <a:schemeClr val="bg1"/>
-        </a:solidFill>
-        <a:effectLst/>
-      </p:bgPr>
-    </p:bg>
-    <p:spTree>
-      <p:nvGrpSpPr>
-        <p:cNvPr id="1" name=""/>
-        <p:cNvGrpSpPr/>
-        <p:nvPr/>
-      </p:nvGrpSpPr>
-      <p:grpSpPr>
-        <a:xfrm>
-          <a:off x="0" y="0"/>
-          <a:ext cx="0" cy="0"/>
-          <a:chOff x="0" y="0"/>
-          <a:chExt cx="0" cy="0"/>
-        </a:xfrm>
-      </p:grpSpPr>
-      <p:sp useBgFill="1">
-        <p:nvSpPr>
-          <p:cNvPr id="11" name="Rectangle 10">
-            <a:extLst>
-              <a:ext uri="{FF2B5EF4-FFF2-40B4-BE49-F238E27FC236}">
-                <a16:creationId xmlns:a16="http://schemas.microsoft.com/office/drawing/2014/main" id="{87E5499B-AC4D-4A4A-8703-C49F2827266B}"/>
-              </a:ext>
-              <a:ext uri="{C183D7F6-B498-43B3-948B-1728B52AA6E4}">
-                <adec:decorative xmlns:adec="http://schemas.microsoft.com/office/drawing/2017/decorative" val="1"/>
-              </a:ext>
-            </a:extLst>
-          </p:cNvPr>
-          <p:cNvSpPr>
-            <a:spLocks noGrp="1" noRot="1" noChangeAspect="1" noMove="1" noResize="1" noEditPoints="1" noAdjustHandles="1" noChangeArrowheads="1" noChangeShapeType="1" noTextEdit="1"/>
-          </p:cNvSpPr>
-          <p:nvPr>
-            <p:extLst>
-              <p:ext uri="{386F3935-93C4-4BCD-93E2-E3B085C9AB24}">
-                <p16:designElem xmlns:p16="http://schemas.microsoft.com/office/powerpoint/2015/main" val="1"/>
-              </p:ext>
-            </p:extLst>
-          </p:nvPr>
-        </p:nvSpPr>
-        <p:spPr>
-          <a:xfrm>
-            <a:off x="0" y="0"/>
-            <a:ext cx="12191999" cy="6857365"/>
-          </a:xfrm>
-          <a:prstGeom prst="rect">
-            <a:avLst/>
-          </a:prstGeom>
-          <a:ln>
-            <a:noFill/>
-          </a:ln>
-        </p:spPr>
-        <p:style>
-          <a:lnRef idx="2">
-            <a:schemeClr val="accent1">
-              <a:shade val="50000"/>
-            </a:schemeClr>
-          </a:lnRef>
-          <a:fillRef idx="1">
-            <a:schemeClr val="accent1"/>
-          </a:fillRef>
-          <a:effectRef idx="0">
-            <a:schemeClr val="accent1"/>
-          </a:effectRef>
-          <a:fontRef idx="minor">
-            <a:schemeClr val="lt1"/>
-          </a:fontRef>
-        </p:style>
-        <p:txBody>
-          <a:bodyPr rtlCol="0" anchor="ctr"/>
-          <a:lstStyle/>
-          <a:p>
-            <a:pPr algn="ctr"/>
-            <a:endParaRPr lang="en-US"/>
-          </a:p>
-        </p:txBody>
-      </p:sp>
-      <p:sp>
-        <p:nvSpPr>
-          <p:cNvPr id="2" name="Titel 1">
-            <a:extLst>
-              <a:ext uri="{FF2B5EF4-FFF2-40B4-BE49-F238E27FC236}">
-                <a16:creationId xmlns:a16="http://schemas.microsoft.com/office/drawing/2014/main" id="{84467EDF-A6DD-419E-932C-CC3035D3C1E9}"/>
-              </a:ext>
-            </a:extLst>
-          </p:cNvPr>
-          <p:cNvSpPr>
-            <a:spLocks noGrp="1"/>
-          </p:cNvSpPr>
-          <p:nvPr>
-            <p:ph type="title"/>
-          </p:nvPr>
-        </p:nvSpPr>
-        <p:spPr>
-          <a:xfrm>
-            <a:off x="6723665" y="679731"/>
-            <a:ext cx="4779713" cy="1573220"/>
-          </a:xfrm>
-        </p:spPr>
-        <p:txBody>
-          <a:bodyPr vert="horz" lIns="91440" tIns="45720" rIns="91440" bIns="45720" rtlCol="0" anchor="b">
-            <a:normAutofit fontScale="90000"/>
-          </a:bodyPr>
-          <a:lstStyle/>
-          <a:p>
-            <a:br>
-              <a:rPr lang="zh-CN" altLang="en-US" sz="6000" dirty="0"/>
-            </a:br>
-            <a:endParaRPr lang="en-US" altLang="zh-CN" sz="6000" dirty="0"/>
-          </a:p>
-        </p:txBody>
-      </p:sp>
-      <p:grpSp>
-        <p:nvGrpSpPr>
-          <p:cNvPr id="13" name="Group 12">
-            <a:extLst>
-              <a:ext uri="{FF2B5EF4-FFF2-40B4-BE49-F238E27FC236}">
-                <a16:creationId xmlns:a16="http://schemas.microsoft.com/office/drawing/2014/main" id="{3AF6A671-C637-4547-85F4-51B6D1881399}"/>
-              </a:ext>
-              <a:ext uri="{C183D7F6-B498-43B3-948B-1728B52AA6E4}">
-                <adec:decorative xmlns:adec="http://schemas.microsoft.com/office/drawing/2017/decorative" val="1"/>
-              </a:ext>
-            </a:extLst>
-          </p:cNvPr>
-          <p:cNvGrpSpPr>
-            <a:grpSpLocks noGrp="1" noUngrp="1" noRot="1" noChangeAspect="1" noMove="1" noResize="1"/>
-          </p:cNvGrpSpPr>
-          <p:nvPr>
-            <p:extLst>
-              <p:ext uri="{386F3935-93C4-4BCD-93E2-E3B085C9AB24}">
-                <p16:designElem xmlns:p16="http://schemas.microsoft.com/office/powerpoint/2015/main" val="1"/>
-              </p:ext>
-            </p:extLst>
-          </p:nvPr>
-        </p:nvGrpSpPr>
-        <p:grpSpPr>
-          <a:xfrm rot="16200000">
-            <a:off x="2218698" y="2733627"/>
-            <a:ext cx="1340409" cy="5777807"/>
-            <a:chOff x="329184" y="2"/>
-            <a:chExt cx="524256" cy="5777807"/>
-          </a:xfrm>
-        </p:grpSpPr>
-        <p:cxnSp>
-          <p:nvCxnSpPr>
-            <p:cNvPr id="14" name="Straight Connector 13">
-              <a:extLst>
-                <a:ext uri="{FF2B5EF4-FFF2-40B4-BE49-F238E27FC236}">
-                  <a16:creationId xmlns:a16="http://schemas.microsoft.com/office/drawing/2014/main" id="{C575CF26-3D3C-4C5A-A2B7-00432016EF62}"/>
-                </a:ext>
-                <a:ext uri="{C183D7F6-B498-43B3-948B-1728B52AA6E4}">
-                  <adec:decorative xmlns:adec="http://schemas.microsoft.com/office/drawing/2017/decorative" val="1"/>
-                </a:ext>
-              </a:extLst>
-            </p:cNvPr>
-            <p:cNvCxnSpPr>
-              <a:cxnSpLocks/>
-            </p:cNvCxnSpPr>
-            <p:nvPr>
-              <p:extLst>
-                <p:ext uri="{386F3935-93C4-4BCD-93E2-E3B085C9AB24}">
-                  <p16:designElem xmlns:p16="http://schemas.microsoft.com/office/powerpoint/2015/main" val="1"/>
-                </p:ext>
-              </p:extLst>
-            </p:nvPr>
-          </p:nvCxnSpPr>
-          <p:spPr>
-            <a:xfrm flipH="1">
-              <a:off x="329184" y="5777809"/>
-              <a:ext cx="521208" cy="0"/>
-            </a:xfrm>
-            <a:prstGeom prst="line">
-              <a:avLst/>
-            </a:prstGeom>
-            <a:ln w="152400">
-              <a:solidFill>
-                <a:schemeClr val="accent4"/>
-              </a:solidFill>
-            </a:ln>
-          </p:spPr>
-          <p:style>
-            <a:lnRef idx="1">
-              <a:schemeClr val="accent1"/>
-            </a:lnRef>
-            <a:fillRef idx="0">
-              <a:schemeClr val="accent1"/>
-            </a:fillRef>
-            <a:effectRef idx="0">
-              <a:schemeClr val="accent1"/>
-            </a:effectRef>
-            <a:fontRef idx="minor">
-              <a:schemeClr val="tx1"/>
-            </a:fontRef>
-          </p:style>
-        </p:cxnSp>
-        <p:sp>
-          <p:nvSpPr>
-            <p:cNvPr id="15" name="Rectangle 14">
-              <a:extLst>
-                <a:ext uri="{FF2B5EF4-FFF2-40B4-BE49-F238E27FC236}">
-                  <a16:creationId xmlns:a16="http://schemas.microsoft.com/office/drawing/2014/main" id="{99413ED5-9ED4-4772-BCE4-2BCAE6B12E35}"/>
-                </a:ext>
-                <a:ext uri="{C183D7F6-B498-43B3-948B-1728B52AA6E4}">
-                  <adec:decorative xmlns:adec="http://schemas.microsoft.com/office/drawing/2017/decorative" val="1"/>
-                </a:ext>
-              </a:extLst>
-            </p:cNvPr>
-            <p:cNvSpPr/>
-            <p:nvPr>
-              <p:extLst>
-                <p:ext uri="{386F3935-93C4-4BCD-93E2-E3B085C9AB24}">
-                  <p16:designElem xmlns:p16="http://schemas.microsoft.com/office/powerpoint/2015/main" val="1"/>
-                </p:ext>
-              </p:extLst>
-            </p:nvPr>
-          </p:nvSpPr>
-          <p:spPr>
-            <a:xfrm>
-              <a:off x="329184" y="2"/>
-              <a:ext cx="524256" cy="5666779"/>
-            </a:xfrm>
-            <a:prstGeom prst="rect">
-              <a:avLst/>
-            </a:prstGeom>
-            <a:solidFill>
-              <a:schemeClr val="accent4"/>
-            </a:solidFill>
-            <a:ln>
-              <a:noFill/>
-            </a:ln>
-          </p:spPr>
-          <p:style>
-            <a:lnRef idx="2">
-              <a:schemeClr val="accent1">
-                <a:shade val="50000"/>
-              </a:schemeClr>
-            </a:lnRef>
-            <a:fillRef idx="1">
-              <a:schemeClr val="accent1"/>
-            </a:fillRef>
-            <a:effectRef idx="0">
-              <a:schemeClr val="accent1"/>
-            </a:effectRef>
-            <a:fontRef idx="minor">
-              <a:schemeClr val="lt1"/>
-            </a:fontRef>
-          </p:style>
-          <p:txBody>
-            <a:bodyPr rtlCol="0" anchor="ctr"/>
-            <a:lstStyle/>
-            <a:p>
-              <a:pPr algn="ctr"/>
-              <a:endParaRPr lang="en-US" dirty="0"/>
-            </a:p>
-          </p:txBody>
-        </p:sp>
-      </p:grpSp>
-      <p:sp>
-        <p:nvSpPr>
-          <p:cNvPr id="17" name="Rectangle 16">
-            <a:extLst>
-              <a:ext uri="{FF2B5EF4-FFF2-40B4-BE49-F238E27FC236}">
-                <a16:creationId xmlns:a16="http://schemas.microsoft.com/office/drawing/2014/main" id="{04357C93-F0CB-4A1C-8F77-4E9063789819}"/>
-              </a:ext>
-              <a:ext uri="{C183D7F6-B498-43B3-948B-1728B52AA6E4}">
-                <adec:decorative xmlns:adec="http://schemas.microsoft.com/office/drawing/2017/decorative" val="1"/>
-              </a:ext>
-            </a:extLst>
-          </p:cNvPr>
-          <p:cNvSpPr>
-            <a:spLocks noGrp="1" noRot="1" noChangeAspect="1" noMove="1" noResize="1" noEditPoints="1" noAdjustHandles="1" noChangeArrowheads="1" noChangeShapeType="1" noTextEdit="1"/>
-          </p:cNvSpPr>
-          <p:nvPr>
-            <p:extLst>
-              <p:ext uri="{386F3935-93C4-4BCD-93E2-E3B085C9AB24}">
-                <p16:designElem xmlns:p16="http://schemas.microsoft.com/office/powerpoint/2015/main" val="1"/>
-              </p:ext>
-            </p:extLst>
-          </p:nvPr>
-        </p:nvSpPr>
-        <p:spPr>
-          <a:xfrm>
-            <a:off x="688625" y="269325"/>
-            <a:ext cx="5346416" cy="6171936"/>
-          </a:xfrm>
-          <a:prstGeom prst="rect">
-            <a:avLst/>
-          </a:prstGeom>
-          <a:solidFill>
-            <a:schemeClr val="bg1"/>
-          </a:solidFill>
-          <a:ln>
-            <a:noFill/>
-          </a:ln>
-          <a:effectLst>
-            <a:outerShdw blurRad="139700" dist="127000" dir="5400000" algn="t" rotWithShape="0">
-              <a:prstClr val="black">
-                <a:alpha val="15000"/>
-              </a:prstClr>
-            </a:outerShdw>
-          </a:effectLst>
-        </p:spPr>
-        <p:style>
-          <a:lnRef idx="2">
-            <a:schemeClr val="accent1">
-              <a:shade val="50000"/>
-            </a:schemeClr>
-          </a:lnRef>
-          <a:fillRef idx="1">
-            <a:schemeClr val="accent1"/>
-          </a:fillRef>
-          <a:effectRef idx="0">
-            <a:schemeClr val="accent1"/>
-          </a:effectRef>
-          <a:fontRef idx="minor">
-            <a:schemeClr val="lt1"/>
-          </a:fontRef>
-        </p:style>
-        <p:txBody>
-          <a:bodyPr rtlCol="0" anchor="ctr"/>
-          <a:lstStyle/>
-          <a:p>
-            <a:pPr algn="ctr"/>
-            <a:endParaRPr lang="en-US"/>
-          </a:p>
-        </p:txBody>
-      </p:sp>
-      <p:pic>
-        <p:nvPicPr>
-          <p:cNvPr id="4" name="Grafik 3">
-            <a:extLst>
-              <a:ext uri="{FF2B5EF4-FFF2-40B4-BE49-F238E27FC236}">
-                <a16:creationId xmlns:a16="http://schemas.microsoft.com/office/drawing/2014/main" id="{C3740841-4C61-400B-8349-0A24B59D354A}"/>
-              </a:ext>
-            </a:extLst>
-          </p:cNvPr>
-          <p:cNvPicPr>
-            <a:picLocks noChangeAspect="1"/>
-          </p:cNvPicPr>
-          <p:nvPr/>
-        </p:nvPicPr>
-        <p:blipFill>
-          <a:blip r:embed="rId2">
-            <a:extLst>
-              <a:ext uri="{28A0092B-C50C-407E-A947-70E740481C1C}">
-                <a14:useLocalDpi xmlns:a14="http://schemas.microsoft.com/office/drawing/2010/main" val="0"/>
-              </a:ext>
-            </a:extLst>
-          </a:blip>
-          <a:stretch>
-            <a:fillRect/>
-          </a:stretch>
-        </p:blipFill>
-        <p:spPr>
-          <a:xfrm>
-            <a:off x="1148308" y="269325"/>
-            <a:ext cx="4693919" cy="2816352"/>
-          </a:xfrm>
-          <a:prstGeom prst="rect">
-            <a:avLst/>
-          </a:prstGeom>
-        </p:spPr>
-      </p:pic>
-      <p:pic>
-        <p:nvPicPr>
-          <p:cNvPr id="6" name="Grafik 5">
-            <a:extLst>
-              <a:ext uri="{FF2B5EF4-FFF2-40B4-BE49-F238E27FC236}">
-                <a16:creationId xmlns:a16="http://schemas.microsoft.com/office/drawing/2014/main" id="{4A48BDAB-6C6B-4E82-B0F8-A71E98F1EC56}"/>
-              </a:ext>
-            </a:extLst>
-          </p:cNvPr>
-          <p:cNvPicPr>
-            <a:picLocks noChangeAspect="1"/>
-          </p:cNvPicPr>
-          <p:nvPr/>
-        </p:nvPicPr>
-        <p:blipFill>
-          <a:blip r:embed="rId3">
-            <a:extLst>
-              <a:ext uri="{28A0092B-C50C-407E-A947-70E740481C1C}">
-                <a14:useLocalDpi xmlns:a14="http://schemas.microsoft.com/office/drawing/2010/main" val="0"/>
-              </a:ext>
-            </a:extLst>
-          </a:blip>
-          <a:stretch>
-            <a:fillRect/>
-          </a:stretch>
-        </p:blipFill>
-        <p:spPr>
-          <a:xfrm>
-            <a:off x="1083887" y="3409487"/>
-            <a:ext cx="4693919" cy="2816352"/>
-          </a:xfrm>
-          <a:prstGeom prst="rect">
-            <a:avLst/>
-          </a:prstGeom>
-        </p:spPr>
-      </p:pic>
-      <p:sp>
-        <p:nvSpPr>
-          <p:cNvPr id="12" name="Titel 1">
-            <a:extLst>
-              <a:ext uri="{FF2B5EF4-FFF2-40B4-BE49-F238E27FC236}">
-                <a16:creationId xmlns:a16="http://schemas.microsoft.com/office/drawing/2014/main" id="{34CB69B7-F1DB-4A4A-8642-55EC6CF85AF0}"/>
-              </a:ext>
-            </a:extLst>
-          </p:cNvPr>
-          <p:cNvSpPr txBox="1">
-            <a:spLocks/>
-          </p:cNvSpPr>
-          <p:nvPr/>
-        </p:nvSpPr>
-        <p:spPr>
-          <a:xfrm>
-            <a:off x="6870928" y="775623"/>
-            <a:ext cx="4779713" cy="2279226"/>
-          </a:xfrm>
-          <a:prstGeom prst="rect">
-            <a:avLst/>
-          </a:prstGeom>
-        </p:spPr>
-        <p:txBody>
-          <a:bodyPr vert="horz" lIns="91440" tIns="45720" rIns="91440" bIns="45720" rtlCol="0" anchor="b">
-            <a:normAutofit/>
-          </a:bodyPr>
-          <a:lstStyle>
-            <a:lvl1pPr algn="l" defTabSz="914400" rtl="0" eaLnBrk="1" latinLnBrk="0" hangingPunct="1">
-              <a:lnSpc>
-                <a:spcPct val="90000"/>
-              </a:lnSpc>
-              <a:spcBef>
-                <a:spcPct val="0"/>
-              </a:spcBef>
-              <a:buNone/>
-              <a:defRPr sz="4400" kern="1200">
-                <a:solidFill>
-                  <a:schemeClr val="tx1"/>
-                </a:solidFill>
-                <a:latin typeface="+mj-lt"/>
-                <a:ea typeface="+mj-ea"/>
-                <a:cs typeface="+mj-cs"/>
-              </a:defRPr>
-            </a:lvl1pPr>
-          </a:lstStyle>
-          <a:p>
-            <a:br>
-              <a:rPr lang="zh-CN" altLang="en-US" sz="6000"/>
-            </a:br>
-            <a:endParaRPr lang="en-US" altLang="zh-CN" sz="6000" dirty="0"/>
-          </a:p>
-        </p:txBody>
-      </p:sp>
-      <p:sp>
-        <p:nvSpPr>
-          <p:cNvPr id="8" name="Textfeld 7">
-            <a:extLst>
-              <a:ext uri="{FF2B5EF4-FFF2-40B4-BE49-F238E27FC236}">
-                <a16:creationId xmlns:a16="http://schemas.microsoft.com/office/drawing/2014/main" id="{BC5D75BB-25A6-4028-9856-B36F0A1D46D8}"/>
-              </a:ext>
-            </a:extLst>
-          </p:cNvPr>
-          <p:cNvSpPr txBox="1"/>
-          <p:nvPr/>
-        </p:nvSpPr>
-        <p:spPr>
-          <a:xfrm>
-            <a:off x="6644640" y="565265"/>
-            <a:ext cx="4625340" cy="1754326"/>
-          </a:xfrm>
-          <a:prstGeom prst="rect">
-            <a:avLst/>
-          </a:prstGeom>
-          <a:noFill/>
-        </p:spPr>
-        <p:txBody>
-          <a:bodyPr wrap="square" rtlCol="0">
-            <a:spAutoFit/>
-          </a:bodyPr>
-          <a:lstStyle/>
-          <a:p>
-            <a:r>
-              <a:rPr lang="de-DE" altLang="zh-CN" dirty="0"/>
-              <a:t>Default </a:t>
-            </a:r>
-            <a:r>
-              <a:rPr lang="de-DE" altLang="zh-CN" dirty="0" err="1"/>
-              <a:t>mainly</a:t>
-            </a:r>
-            <a:r>
-              <a:rPr lang="de-DE" altLang="zh-CN" dirty="0"/>
-              <a:t> </a:t>
-            </a:r>
-            <a:r>
-              <a:rPr lang="de-DE" altLang="zh-CN" dirty="0" err="1"/>
-              <a:t>from</a:t>
-            </a:r>
-            <a:r>
-              <a:rPr lang="de-DE" altLang="zh-CN" dirty="0"/>
-              <a:t> </a:t>
-            </a:r>
-            <a:r>
-              <a:rPr lang="de-DE" altLang="zh-CN" b="1" dirty="0" err="1"/>
-              <a:t>rent</a:t>
-            </a:r>
-            <a:r>
-              <a:rPr lang="de-DE" altLang="zh-CN" b="1" dirty="0"/>
-              <a:t> </a:t>
-            </a:r>
-            <a:r>
-              <a:rPr lang="de-DE" altLang="zh-CN" b="1" dirty="0" err="1"/>
-              <a:t>home</a:t>
-            </a:r>
-            <a:endParaRPr lang="de-DE" altLang="zh-CN" b="1" dirty="0"/>
-          </a:p>
-          <a:p>
-            <a:endParaRPr lang="de-DE" altLang="zh-CN" b="1" dirty="0"/>
-          </a:p>
-          <a:p>
-            <a:r>
-              <a:rPr lang="de-DE" altLang="zh-CN" dirty="0" err="1"/>
-              <a:t>Non_default</a:t>
-            </a:r>
-            <a:r>
-              <a:rPr lang="de-DE" altLang="zh-CN" dirty="0"/>
-              <a:t> </a:t>
-            </a:r>
-            <a:r>
-              <a:rPr lang="de-DE" altLang="zh-CN" dirty="0" err="1"/>
-              <a:t>mainly</a:t>
-            </a:r>
-            <a:r>
-              <a:rPr lang="de-DE" altLang="zh-CN" dirty="0"/>
-              <a:t> </a:t>
-            </a:r>
-            <a:r>
-              <a:rPr lang="de-DE" altLang="zh-CN" dirty="0" err="1"/>
-              <a:t>from</a:t>
-            </a:r>
-            <a:r>
-              <a:rPr lang="de-DE" altLang="zh-CN" dirty="0"/>
-              <a:t> </a:t>
-            </a:r>
-            <a:r>
-              <a:rPr lang="de-DE" altLang="zh-CN" b="1" dirty="0" err="1"/>
-              <a:t>mortgage</a:t>
-            </a:r>
-            <a:r>
-              <a:rPr lang="de-DE" altLang="zh-CN" b="1" dirty="0"/>
-              <a:t> </a:t>
-            </a:r>
-            <a:r>
-              <a:rPr lang="de-DE" altLang="zh-CN" b="1" dirty="0" err="1"/>
-              <a:t>category</a:t>
-            </a:r>
-            <a:r>
-              <a:rPr lang="zh-CN" altLang="en-US" b="1" dirty="0"/>
-              <a:t> </a:t>
-            </a:r>
-            <a:r>
-              <a:rPr lang="de-DE" altLang="zh-CN" dirty="0" err="1"/>
-              <a:t>which</a:t>
-            </a:r>
-            <a:r>
-              <a:rPr lang="zh-CN" altLang="en-US" dirty="0"/>
-              <a:t> </a:t>
-            </a:r>
-            <a:r>
-              <a:rPr lang="de-DE" altLang="zh-CN" dirty="0" err="1"/>
-              <a:t>could</a:t>
-            </a:r>
-            <a:r>
-              <a:rPr lang="zh-CN" altLang="en-US" dirty="0"/>
-              <a:t> </a:t>
-            </a:r>
-            <a:r>
-              <a:rPr lang="de-DE" altLang="zh-CN" dirty="0" err="1"/>
-              <a:t>mean</a:t>
-            </a:r>
-            <a:r>
-              <a:rPr lang="zh-CN" altLang="en-US" dirty="0"/>
-              <a:t> </a:t>
-            </a:r>
-            <a:r>
-              <a:rPr lang="de-DE" altLang="zh-CN" dirty="0" err="1"/>
-              <a:t>that</a:t>
-            </a:r>
-            <a:r>
-              <a:rPr lang="zh-CN" altLang="en-US" dirty="0"/>
-              <a:t> </a:t>
-            </a:r>
-            <a:r>
-              <a:rPr lang="de-DE" altLang="zh-CN" dirty="0" err="1"/>
-              <a:t>the</a:t>
-            </a:r>
-            <a:r>
-              <a:rPr lang="zh-CN" altLang="en-US" dirty="0"/>
-              <a:t> </a:t>
-            </a:r>
-            <a:r>
-              <a:rPr lang="de-DE" altLang="zh-CN" dirty="0" err="1"/>
-              <a:t>people</a:t>
-            </a:r>
-            <a:r>
-              <a:rPr lang="zh-CN" altLang="en-US" dirty="0"/>
-              <a:t> </a:t>
-            </a:r>
-            <a:r>
-              <a:rPr lang="de-DE" altLang="zh-CN" dirty="0" err="1"/>
-              <a:t>who</a:t>
-            </a:r>
-            <a:r>
-              <a:rPr lang="zh-CN" altLang="en-US" dirty="0"/>
-              <a:t> </a:t>
-            </a:r>
-            <a:r>
-              <a:rPr lang="de-DE" altLang="zh-CN" dirty="0" err="1"/>
-              <a:t>decided</a:t>
-            </a:r>
-            <a:r>
-              <a:rPr lang="zh-CN" altLang="en-US" dirty="0"/>
-              <a:t> </a:t>
-            </a:r>
-            <a:r>
-              <a:rPr lang="de-DE" altLang="zh-CN" dirty="0" err="1"/>
-              <a:t>to</a:t>
-            </a:r>
-            <a:r>
-              <a:rPr lang="zh-CN" altLang="en-US" dirty="0"/>
-              <a:t> </a:t>
-            </a:r>
-            <a:r>
-              <a:rPr lang="de-DE" altLang="zh-CN" dirty="0" err="1"/>
-              <a:t>buy</a:t>
-            </a:r>
-            <a:r>
-              <a:rPr lang="zh-CN" altLang="en-US" dirty="0"/>
-              <a:t> </a:t>
-            </a:r>
-            <a:r>
-              <a:rPr lang="de-DE" altLang="zh-CN" dirty="0"/>
-              <a:t>a</a:t>
-            </a:r>
-            <a:r>
-              <a:rPr lang="zh-CN" altLang="en-US" dirty="0"/>
-              <a:t> </a:t>
-            </a:r>
-            <a:r>
-              <a:rPr lang="de-DE" altLang="zh-CN" dirty="0" err="1"/>
-              <a:t>home</a:t>
-            </a:r>
-            <a:r>
-              <a:rPr lang="de-DE" altLang="zh-CN" dirty="0"/>
-              <a:t>,</a:t>
-            </a:r>
-            <a:r>
-              <a:rPr lang="zh-CN" altLang="en-US" dirty="0"/>
-              <a:t> </a:t>
-            </a:r>
-            <a:r>
-              <a:rPr lang="de-DE" altLang="zh-CN" dirty="0" err="1"/>
-              <a:t>they</a:t>
-            </a:r>
-            <a:r>
-              <a:rPr lang="de-DE" altLang="zh-CN" dirty="0"/>
-              <a:t> </a:t>
-            </a:r>
-            <a:r>
-              <a:rPr lang="de-DE" altLang="zh-CN" dirty="0" err="1"/>
-              <a:t>have</a:t>
-            </a:r>
-            <a:r>
-              <a:rPr lang="de-DE" altLang="zh-CN" dirty="0"/>
-              <a:t> a </a:t>
-            </a:r>
-            <a:r>
-              <a:rPr lang="de-DE" altLang="zh-CN" dirty="0" err="1"/>
-              <a:t>better</a:t>
-            </a:r>
-            <a:r>
-              <a:rPr lang="de-DE" altLang="zh-CN" dirty="0"/>
-              <a:t> </a:t>
-            </a:r>
-            <a:r>
-              <a:rPr lang="de-DE" altLang="zh-CN" dirty="0" err="1"/>
-              <a:t>financial</a:t>
-            </a:r>
-            <a:r>
-              <a:rPr lang="de-DE" altLang="zh-CN" dirty="0"/>
-              <a:t> </a:t>
-            </a:r>
-            <a:r>
-              <a:rPr lang="de-DE" altLang="zh-CN" dirty="0" err="1"/>
-              <a:t>situation</a:t>
-            </a:r>
-            <a:r>
-              <a:rPr lang="de-DE" altLang="zh-CN" dirty="0"/>
-              <a:t>.</a:t>
-            </a:r>
-          </a:p>
-        </p:txBody>
-      </p:sp>
-      <p:sp>
-        <p:nvSpPr>
-          <p:cNvPr id="9" name="Textfeld 8">
-            <a:extLst>
-              <a:ext uri="{FF2B5EF4-FFF2-40B4-BE49-F238E27FC236}">
-                <a16:creationId xmlns:a16="http://schemas.microsoft.com/office/drawing/2014/main" id="{EAD6A702-7608-4680-A29E-A2C0763B50C1}"/>
-              </a:ext>
-            </a:extLst>
-          </p:cNvPr>
-          <p:cNvSpPr txBox="1"/>
-          <p:nvPr/>
-        </p:nvSpPr>
-        <p:spPr>
-          <a:xfrm>
-            <a:off x="6430303" y="4321407"/>
-            <a:ext cx="5173980" cy="646331"/>
-          </a:xfrm>
-          <a:prstGeom prst="rect">
-            <a:avLst/>
-          </a:prstGeom>
-          <a:noFill/>
-        </p:spPr>
-        <p:txBody>
-          <a:bodyPr wrap="square" rtlCol="0">
-            <a:spAutoFit/>
-          </a:bodyPr>
-          <a:lstStyle/>
-          <a:p>
-            <a:r>
-              <a:rPr lang="de-DE" altLang="zh-CN" dirty="0"/>
-              <a:t>The </a:t>
-            </a:r>
-            <a:r>
-              <a:rPr lang="de-DE" altLang="zh-CN" dirty="0" err="1"/>
-              <a:t>people</a:t>
-            </a:r>
-            <a:r>
-              <a:rPr lang="de-DE" altLang="zh-CN" dirty="0"/>
-              <a:t> </a:t>
-            </a:r>
-            <a:r>
-              <a:rPr lang="de-DE" altLang="zh-CN" dirty="0" err="1"/>
-              <a:t>who</a:t>
-            </a:r>
-            <a:r>
-              <a:rPr lang="de-DE" altLang="zh-CN" dirty="0"/>
-              <a:t> </a:t>
-            </a:r>
-            <a:r>
-              <a:rPr lang="de-DE" altLang="zh-CN" dirty="0" err="1"/>
-              <a:t>have</a:t>
-            </a:r>
-            <a:r>
-              <a:rPr lang="de-DE" altLang="zh-CN" dirty="0"/>
-              <a:t> </a:t>
-            </a:r>
-            <a:r>
-              <a:rPr lang="de-DE" altLang="zh-CN" b="1" dirty="0" err="1"/>
-              <a:t>bad</a:t>
-            </a:r>
-            <a:r>
-              <a:rPr lang="de-DE" altLang="zh-CN" b="1" dirty="0"/>
-              <a:t> </a:t>
-            </a:r>
-            <a:r>
-              <a:rPr lang="de-DE" altLang="zh-CN" b="1" dirty="0" err="1"/>
-              <a:t>credit</a:t>
-            </a:r>
-            <a:r>
-              <a:rPr lang="de-DE" altLang="zh-CN" b="1" dirty="0"/>
-              <a:t> </a:t>
-            </a:r>
-            <a:r>
-              <a:rPr lang="de-DE" altLang="zh-CN" b="1" dirty="0" err="1"/>
-              <a:t>history</a:t>
-            </a:r>
-            <a:r>
-              <a:rPr lang="de-DE" altLang="zh-CN" dirty="0"/>
-              <a:t>, </a:t>
-            </a:r>
-            <a:r>
-              <a:rPr lang="de-DE" altLang="zh-CN" dirty="0" err="1"/>
-              <a:t>they</a:t>
-            </a:r>
-            <a:r>
-              <a:rPr lang="de-DE" altLang="zh-CN" dirty="0"/>
-              <a:t> </a:t>
-            </a:r>
-            <a:r>
-              <a:rPr lang="de-DE" altLang="zh-CN" dirty="0" err="1"/>
-              <a:t>might</a:t>
-            </a:r>
-            <a:r>
-              <a:rPr lang="de-DE" altLang="zh-CN" dirty="0"/>
-              <a:t> </a:t>
-            </a:r>
-            <a:r>
-              <a:rPr lang="de-DE" altLang="zh-CN" dirty="0" err="1"/>
-              <a:t>default</a:t>
-            </a:r>
-            <a:r>
-              <a:rPr lang="de-DE" altLang="zh-CN" dirty="0"/>
-              <a:t> </a:t>
-            </a:r>
-            <a:r>
-              <a:rPr lang="de-DE" altLang="zh-CN" dirty="0" err="1"/>
-              <a:t>again</a:t>
-            </a:r>
-            <a:endParaRPr lang="zh-CN" altLang="en-US" dirty="0"/>
-          </a:p>
-        </p:txBody>
-      </p:sp>
-      <p:sp>
-        <p:nvSpPr>
-          <p:cNvPr id="10" name="Rechteck 9">
-            <a:extLst>
-              <a:ext uri="{FF2B5EF4-FFF2-40B4-BE49-F238E27FC236}">
-                <a16:creationId xmlns:a16="http://schemas.microsoft.com/office/drawing/2014/main" id="{E855C317-83C7-4D83-9728-A9F7416946EB}"/>
-              </a:ext>
-            </a:extLst>
-          </p:cNvPr>
-          <p:cNvSpPr/>
-          <p:nvPr/>
-        </p:nvSpPr>
-        <p:spPr>
-          <a:xfrm>
-            <a:off x="1615441" y="1769828"/>
-            <a:ext cx="952500" cy="1099526"/>
-          </a:xfrm>
-          <a:prstGeom prst="rect">
-            <a:avLst/>
-          </a:prstGeom>
-          <a:noFill/>
-          <a:ln w="28575">
-            <a:solidFill>
-              <a:srgbClr val="FF0000"/>
-            </a:solidFill>
-          </a:ln>
-        </p:spPr>
-        <p:style>
-          <a:lnRef idx="2">
-            <a:schemeClr val="accent6"/>
-          </a:lnRef>
-          <a:fillRef idx="1">
-            <a:schemeClr val="lt1"/>
-          </a:fillRef>
-          <a:effectRef idx="0">
-            <a:schemeClr val="accent6"/>
-          </a:effectRef>
-          <a:fontRef idx="minor">
-            <a:schemeClr val="dk1"/>
-          </a:fontRef>
-        </p:style>
-        <p:txBody>
-          <a:bodyPr rtlCol="0" anchor="ctr"/>
-          <a:lstStyle/>
-          <a:p>
-            <a:pPr algn="ctr"/>
-            <a:endParaRPr lang="zh-CN" altLang="en-US"/>
-          </a:p>
-        </p:txBody>
-      </p:sp>
-      <p:sp>
-        <p:nvSpPr>
-          <p:cNvPr id="18" name="Rechteck 17">
-            <a:extLst>
-              <a:ext uri="{FF2B5EF4-FFF2-40B4-BE49-F238E27FC236}">
-                <a16:creationId xmlns:a16="http://schemas.microsoft.com/office/drawing/2014/main" id="{8C657FB0-4E8B-47B0-BC9F-55785CEE65CE}"/>
-              </a:ext>
-            </a:extLst>
-          </p:cNvPr>
-          <p:cNvSpPr/>
-          <p:nvPr/>
-        </p:nvSpPr>
-        <p:spPr>
-          <a:xfrm>
-            <a:off x="3835693" y="4098479"/>
-            <a:ext cx="1729740" cy="578432"/>
-          </a:xfrm>
-          <a:prstGeom prst="rect">
-            <a:avLst/>
-          </a:prstGeom>
-          <a:noFill/>
-          <a:ln w="28575">
-            <a:solidFill>
-              <a:srgbClr val="FF0000"/>
-            </a:solidFill>
-          </a:ln>
-        </p:spPr>
-        <p:style>
-          <a:lnRef idx="2">
-            <a:schemeClr val="accent6"/>
-          </a:lnRef>
-          <a:fillRef idx="1">
-            <a:schemeClr val="lt1"/>
-          </a:fillRef>
-          <a:effectRef idx="0">
-            <a:schemeClr val="accent6"/>
-          </a:effectRef>
-          <a:fontRef idx="minor">
-            <a:schemeClr val="dk1"/>
-          </a:fontRef>
-        </p:style>
-        <p:txBody>
-          <a:bodyPr rtlCol="0" anchor="ctr"/>
-          <a:lstStyle/>
-          <a:p>
-            <a:pPr algn="ctr"/>
-            <a:endParaRPr lang="zh-CN" altLang="en-US"/>
-          </a:p>
-        </p:txBody>
-      </p:sp>
-    </p:spTree>
-    <p:extLst>
-      <p:ext uri="{BB962C8B-B14F-4D97-AF65-F5344CB8AC3E}">
-        <p14:creationId xmlns:p14="http://schemas.microsoft.com/office/powerpoint/2010/main" val="2435405639"/>
-      </p:ext>
-    </p:extLst>
-  </p:cSld>
-  <p:clrMapOvr>
-    <a:masterClrMapping/>
-  </p:clrMapOvr>
-</p:sld>
-</file>
-
-<file path=ppt/slides/slide9.xml><?xml version="1.0" encoding="utf-8"?>
 <p:sld xmlns:a="http://schemas.openxmlformats.org/drawingml/2006/main" xmlns:r="http://schemas.openxmlformats.org/officeDocument/2006/relationships" xmlns:p="http://schemas.openxmlformats.org/presentationml/2006/main">
   <p:cSld>
     <p:bg>

--- a/Default prediction model.pptx
+++ b/Default prediction model.pptx
@@ -7,8 +7,8 @@
   <p:sldIdLst>
     <p:sldId id="257" r:id="rId2"/>
     <p:sldId id="258" r:id="rId3"/>
-    <p:sldId id="261" r:id="rId4"/>
-    <p:sldId id="266" r:id="rId5"/>
+    <p:sldId id="269" r:id="rId4"/>
+    <p:sldId id="267" r:id="rId5"/>
   </p:sldIdLst>
   <p:sldSz cx="12192000" cy="6858000"/>
   <p:notesSz cx="6858000" cy="9144000"/>
@@ -4747,14 +4747,112 @@
         </p:blipFill>
         <p:spPr>
           <a:xfrm>
-            <a:off x="1066800" y="1691640"/>
-            <a:ext cx="11125200" cy="5166360"/>
+            <a:off x="6096000" y="1691640"/>
+            <a:ext cx="6096000" cy="5166360"/>
           </a:xfrm>
           <a:prstGeom prst="rect">
             <a:avLst/>
           </a:prstGeom>
         </p:spPr>
       </p:pic>
+      <p:sp>
+        <p:nvSpPr>
+          <p:cNvPr id="2" name="Textfeld 1">
+            <a:extLst>
+              <a:ext uri="{FF2B5EF4-FFF2-40B4-BE49-F238E27FC236}">
+                <a16:creationId xmlns:a16="http://schemas.microsoft.com/office/drawing/2014/main" id="{E7556471-B9D0-4122-88ED-C3D1384636C7}"/>
+              </a:ext>
+            </a:extLst>
+          </p:cNvPr>
+          <p:cNvSpPr txBox="1"/>
+          <p:nvPr/>
+        </p:nvSpPr>
+        <p:spPr>
+          <a:xfrm>
+            <a:off x="882050" y="1874163"/>
+            <a:ext cx="4912311" cy="4801314"/>
+          </a:xfrm>
+          <a:prstGeom prst="rect">
+            <a:avLst/>
+          </a:prstGeom>
+          <a:noFill/>
+        </p:spPr>
+        <p:txBody>
+          <a:bodyPr wrap="square" rtlCol="0">
+            <a:spAutoFit/>
+          </a:bodyPr>
+          <a:lstStyle/>
+          <a:p>
+            <a:r>
+              <a:rPr lang="en-US" altLang="zh-CN" dirty="0"/>
+              <a:t>A lender takes on </a:t>
+            </a:r>
+            <a:r>
+              <a:rPr lang="en-US" altLang="zh-CN" b="1" dirty="0">
+                <a:solidFill>
+                  <a:srgbClr val="FF0000"/>
+                </a:solidFill>
+              </a:rPr>
+              <a:t>a risk </a:t>
+            </a:r>
+            <a:r>
+              <a:rPr lang="en-US" altLang="zh-CN" dirty="0"/>
+              <a:t>that a borrower will </a:t>
+            </a:r>
+            <a:r>
+              <a:rPr lang="en-US" altLang="zh-CN" b="1" dirty="0">
+                <a:solidFill>
+                  <a:srgbClr val="FF0000"/>
+                </a:solidFill>
+              </a:rPr>
+              <a:t>not be able to repay </a:t>
+            </a:r>
+            <a:r>
+              <a:rPr lang="en-US" altLang="zh-CN" dirty="0"/>
+              <a:t>the borrowed money.</a:t>
+            </a:r>
+          </a:p>
+          <a:p>
+            <a:endParaRPr lang="en-US" altLang="zh-CN" dirty="0"/>
+          </a:p>
+          <a:p>
+            <a:r>
+              <a:rPr lang="en-US" altLang="zh-CN" b="1" dirty="0"/>
+              <a:t>Examples:</a:t>
+            </a:r>
+          </a:p>
+          <a:p>
+            <a:endParaRPr lang="en-US" altLang="zh-CN" b="1" dirty="0"/>
+          </a:p>
+          <a:p>
+            <a:r>
+              <a:rPr lang="en-US" altLang="zh-CN" dirty="0"/>
+              <a:t>1 Purchase products: the client is not able to pay, so the company takes the default risk.</a:t>
+            </a:r>
+          </a:p>
+          <a:p>
+            <a:endParaRPr lang="en-US" altLang="zh-CN" dirty="0"/>
+          </a:p>
+          <a:p>
+            <a:r>
+              <a:rPr lang="en-US" altLang="zh-CN" dirty="0"/>
+              <a:t>2. House Loan: the borrower is not able to repay the borrowed loan, the financial institution takes the default risk.</a:t>
+            </a:r>
+          </a:p>
+          <a:p>
+            <a:endParaRPr lang="en-US" altLang="zh-CN" dirty="0"/>
+          </a:p>
+          <a:p>
+            <a:r>
+              <a:rPr lang="en-US" altLang="zh-CN" dirty="0"/>
+              <a:t>3. Company / Country issue bonds: The companies or countries issued bonds for raising cash, but not able to pay back, so the investors who bought the bonds bear the default risk.</a:t>
+            </a:r>
+          </a:p>
+          <a:p>
+            <a:endParaRPr lang="zh-CN" altLang="en-US" dirty="0"/>
+          </a:p>
+        </p:txBody>
+      </p:sp>
     </p:spTree>
     <p:extLst>
       <p:ext uri="{BB962C8B-B14F-4D97-AF65-F5344CB8AC3E}">
@@ -4795,10 +4893,53 @@
       </p:grpSpPr>
       <p:sp>
         <p:nvSpPr>
-          <p:cNvPr id="11" name="Down Arrow 7">
-            <a:extLst>
-              <a:ext uri="{FF2B5EF4-FFF2-40B4-BE49-F238E27FC236}">
-                <a16:creationId xmlns:a16="http://schemas.microsoft.com/office/drawing/2014/main" id="{D4771268-CB57-404A-9271-370EB28F6090}"/>
+          <p:cNvPr id="4" name="Titel 3">
+            <a:extLst>
+              <a:ext uri="{FF2B5EF4-FFF2-40B4-BE49-F238E27FC236}">
+                <a16:creationId xmlns:a16="http://schemas.microsoft.com/office/drawing/2014/main" id="{5E06E777-7059-4F19-AD12-D75C5EB8F195}"/>
+              </a:ext>
+            </a:extLst>
+          </p:cNvPr>
+          <p:cNvSpPr>
+            <a:spLocks noGrp="1"/>
+          </p:cNvSpPr>
+          <p:nvPr>
+            <p:ph type="title"/>
+          </p:nvPr>
+        </p:nvSpPr>
+        <p:spPr>
+          <a:xfrm>
+            <a:off x="1653363" y="365760"/>
+            <a:ext cx="9367203" cy="1188720"/>
+          </a:xfrm>
+        </p:spPr>
+        <p:txBody>
+          <a:bodyPr vert="horz" lIns="91440" tIns="45720" rIns="91440" bIns="45720" rtlCol="0" anchor="ctr">
+            <a:normAutofit fontScale="90000"/>
+          </a:bodyPr>
+          <a:lstStyle/>
+          <a:p>
+            <a:r>
+              <a:rPr lang="en-US" altLang="zh-CN" sz="4400" b="1" dirty="0"/>
+              <a:t>Greece debt default and Goldman Sachs</a:t>
+            </a:r>
+            <a:endParaRPr lang="en-US" altLang="zh-CN" sz="4400" b="1" kern="1200" dirty="0">
+              <a:solidFill>
+                <a:schemeClr val="tx1"/>
+              </a:solidFill>
+              <a:latin typeface="+mj-lt"/>
+              <a:ea typeface="+mj-ea"/>
+              <a:cs typeface="+mj-cs"/>
+            </a:endParaRPr>
+          </a:p>
+        </p:txBody>
+      </p:sp>
+      <p:sp>
+        <p:nvSpPr>
+          <p:cNvPr id="11" name="Freeform: Shape 10">
+            <a:extLst>
+              <a:ext uri="{FF2B5EF4-FFF2-40B4-BE49-F238E27FC236}">
+                <a16:creationId xmlns:a16="http://schemas.microsoft.com/office/drawing/2014/main" id="{7CB4857B-ED7C-444D-9F04-2F885114A1C2}"/>
               </a:ext>
               <a:ext uri="{C183D7F6-B498-43B3-948B-1728B52AA6E4}">
                 <adec:decorative xmlns:adec="http://schemas.microsoft.com/office/drawing/2017/decorative" val="1"/>
@@ -4817,20 +4958,60 @@
           </p:nvPr>
         </p:nvSpPr>
         <p:spPr>
-          <a:xfrm rot="16200000">
-            <a:off x="800100" y="1491343"/>
-            <a:ext cx="3333749" cy="3499103"/>
+          <a:xfrm>
+            <a:off x="1" y="0"/>
+            <a:ext cx="1764099" cy="1558212"/>
           </a:xfrm>
-          <a:prstGeom prst="downArrow">
-            <a:avLst>
-              <a:gd name="adj1" fmla="val 100000"/>
-              <a:gd name="adj2" fmla="val 15788"/>
-            </a:avLst>
-          </a:prstGeom>
+          <a:custGeom>
+            <a:avLst/>
+            <a:gdLst>
+              <a:gd name="connsiteX0" fmla="*/ 0 w 1764099"/>
+              <a:gd name="connsiteY0" fmla="*/ 0 h 1558212"/>
+              <a:gd name="connsiteX1" fmla="*/ 1764099 w 1764099"/>
+              <a:gd name="connsiteY1" fmla="*/ 0 h 1558212"/>
+              <a:gd name="connsiteX2" fmla="*/ 1042087 w 1764099"/>
+              <a:gd name="connsiteY2" fmla="*/ 1558212 h 1558212"/>
+              <a:gd name="connsiteX3" fmla="*/ 0 w 1764099"/>
+              <a:gd name="connsiteY3" fmla="*/ 1558212 h 1558212"/>
+            </a:gdLst>
+            <a:ahLst/>
+            <a:cxnLst>
+              <a:cxn ang="0">
+                <a:pos x="connsiteX0" y="connsiteY0"/>
+              </a:cxn>
+              <a:cxn ang="0">
+                <a:pos x="connsiteX1" y="connsiteY1"/>
+              </a:cxn>
+              <a:cxn ang="0">
+                <a:pos x="connsiteX2" y="connsiteY2"/>
+              </a:cxn>
+              <a:cxn ang="0">
+                <a:pos x="connsiteX3" y="connsiteY3"/>
+              </a:cxn>
+            </a:cxnLst>
+            <a:rect l="l" t="t" r="r" b="b"/>
+            <a:pathLst>
+              <a:path w="1764099" h="1558212">
+                <a:moveTo>
+                  <a:pt x="0" y="0"/>
+                </a:moveTo>
+                <a:lnTo>
+                  <a:pt x="1764099" y="0"/>
+                </a:lnTo>
+                <a:lnTo>
+                  <a:pt x="1042087" y="1558212"/>
+                </a:lnTo>
+                <a:lnTo>
+                  <a:pt x="0" y="1558212"/>
+                </a:lnTo>
+                <a:close/>
+              </a:path>
+            </a:pathLst>
+          </a:custGeom>
           <a:solidFill>
-            <a:srgbClr val="404040"/>
+            <a:schemeClr val="accent4"/>
           </a:solidFill>
-          <a:ln w="53975">
+          <a:ln>
             <a:noFill/>
           </a:ln>
         </p:spPr>
@@ -4851,7 +5032,9 @@
           </a:fontRef>
         </p:style>
         <p:txBody>
-          <a:bodyPr rtlCol="0" anchor="ctr"/>
+          <a:bodyPr wrap="square" rtlCol="0" anchor="ctr">
+            <a:noAutofit/>
+          </a:bodyPr>
           <a:lstStyle/>
           <a:p>
             <a:pPr algn="ctr"/>
@@ -4861,137 +5044,737 @@
       </p:sp>
       <p:sp>
         <p:nvSpPr>
-          <p:cNvPr id="4" name="Titel 3">
-            <a:extLst>
-              <a:ext uri="{FF2B5EF4-FFF2-40B4-BE49-F238E27FC236}">
-                <a16:creationId xmlns:a16="http://schemas.microsoft.com/office/drawing/2014/main" id="{5E06E777-7059-4F19-AD12-D75C5EB8F195}"/>
-              </a:ext>
-            </a:extLst>
-          </p:cNvPr>
-          <p:cNvSpPr>
-            <a:spLocks noGrp="1"/>
-          </p:cNvSpPr>
-          <p:nvPr>
-            <p:ph type="title"/>
+          <p:cNvPr id="13" name="Freeform: Shape 12">
+            <a:extLst>
+              <a:ext uri="{FF2B5EF4-FFF2-40B4-BE49-F238E27FC236}">
+                <a16:creationId xmlns:a16="http://schemas.microsoft.com/office/drawing/2014/main" id="{D18046FB-44EA-4FD8-A585-EA09A319B2D0}"/>
+              </a:ext>
+              <a:ext uri="{C183D7F6-B498-43B3-948B-1728B52AA6E4}">
+                <adec:decorative xmlns:adec="http://schemas.microsoft.com/office/drawing/2017/decorative" val="1"/>
+              </a:ext>
+            </a:extLst>
+          </p:cNvPr>
+          <p:cNvSpPr>
+            <a:spLocks noGrp="1" noRot="1" noChangeAspect="1" noMove="1" noResize="1" noEditPoints="1" noAdjustHandles="1" noChangeArrowheads="1" noChangeShapeType="1" noTextEdit="1"/>
+          </p:cNvSpPr>
+          <p:nvPr>
+            <p:extLst>
+              <p:ext uri="{386F3935-93C4-4BCD-93E2-E3B085C9AB24}">
+                <p16:designElem xmlns:p16="http://schemas.microsoft.com/office/powerpoint/2015/main" val="1"/>
+              </p:ext>
+            </p:extLst>
           </p:nvPr>
         </p:nvSpPr>
         <p:spPr>
           <a:xfrm>
-            <a:off x="1028700" y="1967266"/>
-            <a:ext cx="2628900" cy="2219723"/>
+            <a:off x="1" y="1691640"/>
+            <a:ext cx="12191999" cy="5166360"/>
           </a:xfrm>
+          <a:custGeom>
+            <a:avLst/>
+            <a:gdLst>
+              <a:gd name="connsiteX0" fmla="*/ 0 w 12191999"/>
+              <a:gd name="connsiteY0" fmla="*/ 0 h 5166360"/>
+              <a:gd name="connsiteX1" fmla="*/ 1822388 w 12191999"/>
+              <a:gd name="connsiteY1" fmla="*/ 0 h 5166360"/>
+              <a:gd name="connsiteX2" fmla="*/ 6468290 w 12191999"/>
+              <a:gd name="connsiteY2" fmla="*/ 0 h 5166360"/>
+              <a:gd name="connsiteX3" fmla="*/ 7796394 w 12191999"/>
+              <a:gd name="connsiteY3" fmla="*/ 0 h 5166360"/>
+              <a:gd name="connsiteX4" fmla="*/ 8376834 w 12191999"/>
+              <a:gd name="connsiteY4" fmla="*/ 0 h 5166360"/>
+              <a:gd name="connsiteX5" fmla="*/ 9704938 w 12191999"/>
+              <a:gd name="connsiteY5" fmla="*/ 0 h 5166360"/>
+              <a:gd name="connsiteX6" fmla="*/ 9704938 w 12191999"/>
+              <a:gd name="connsiteY6" fmla="*/ 2 h 5166360"/>
+              <a:gd name="connsiteX7" fmla="*/ 10283456 w 12191999"/>
+              <a:gd name="connsiteY7" fmla="*/ 2 h 5166360"/>
+              <a:gd name="connsiteX8" fmla="*/ 10863897 w 12191999"/>
+              <a:gd name="connsiteY8" fmla="*/ 2 h 5166360"/>
+              <a:gd name="connsiteX9" fmla="*/ 12191999 w 12191999"/>
+              <a:gd name="connsiteY9" fmla="*/ 2 h 5166360"/>
+              <a:gd name="connsiteX10" fmla="*/ 12191999 w 12191999"/>
+              <a:gd name="connsiteY10" fmla="*/ 5166360 h 5166360"/>
+              <a:gd name="connsiteX11" fmla="*/ 0 w 12191999"/>
+              <a:gd name="connsiteY11" fmla="*/ 5166360 h 5166360"/>
+              <a:gd name="connsiteX12" fmla="*/ 0 w 12191999"/>
+              <a:gd name="connsiteY12" fmla="*/ 2604436 h 5166360"/>
+              <a:gd name="connsiteX13" fmla="*/ 862341 w 12191999"/>
+              <a:gd name="connsiteY13" fmla="*/ 743371 h 5166360"/>
+              <a:gd name="connsiteX14" fmla="*/ 0 w 12191999"/>
+              <a:gd name="connsiteY14" fmla="*/ 743371 h 5166360"/>
+              <a:gd name="connsiteX15" fmla="*/ 0 w 12191999"/>
+              <a:gd name="connsiteY15" fmla="*/ 742508 h 5166360"/>
+              <a:gd name="connsiteX16" fmla="*/ 92826 w 12191999"/>
+              <a:gd name="connsiteY16" fmla="*/ 742508 h 5166360"/>
+              <a:gd name="connsiteX17" fmla="*/ 406486 w 12191999"/>
+              <a:gd name="connsiteY17" fmla="*/ 742508 h 5166360"/>
+              <a:gd name="connsiteX18" fmla="*/ 406486 w 12191999"/>
+              <a:gd name="connsiteY18" fmla="*/ 742507 h 5166360"/>
+              <a:gd name="connsiteX19" fmla="*/ 862741 w 12191999"/>
+              <a:gd name="connsiteY19" fmla="*/ 742507 h 5166360"/>
+              <a:gd name="connsiteX20" fmla="*/ 1206388 w 12191999"/>
+              <a:gd name="connsiteY20" fmla="*/ 864 h 5166360"/>
+              <a:gd name="connsiteX21" fmla="*/ 748500 w 12191999"/>
+              <a:gd name="connsiteY21" fmla="*/ 864 h 5166360"/>
+              <a:gd name="connsiteX22" fmla="*/ 0 w 12191999"/>
+              <a:gd name="connsiteY22" fmla="*/ 864 h 5166360"/>
+            </a:gdLst>
+            <a:ahLst/>
+            <a:cxnLst>
+              <a:cxn ang="0">
+                <a:pos x="connsiteX0" y="connsiteY0"/>
+              </a:cxn>
+              <a:cxn ang="0">
+                <a:pos x="connsiteX1" y="connsiteY1"/>
+              </a:cxn>
+              <a:cxn ang="0">
+                <a:pos x="connsiteX2" y="connsiteY2"/>
+              </a:cxn>
+              <a:cxn ang="0">
+                <a:pos x="connsiteX3" y="connsiteY3"/>
+              </a:cxn>
+              <a:cxn ang="0">
+                <a:pos x="connsiteX4" y="connsiteY4"/>
+              </a:cxn>
+              <a:cxn ang="0">
+                <a:pos x="connsiteX5" y="connsiteY5"/>
+              </a:cxn>
+              <a:cxn ang="0">
+                <a:pos x="connsiteX6" y="connsiteY6"/>
+              </a:cxn>
+              <a:cxn ang="0">
+                <a:pos x="connsiteX7" y="connsiteY7"/>
+              </a:cxn>
+              <a:cxn ang="0">
+                <a:pos x="connsiteX8" y="connsiteY8"/>
+              </a:cxn>
+              <a:cxn ang="0">
+                <a:pos x="connsiteX9" y="connsiteY9"/>
+              </a:cxn>
+              <a:cxn ang="0">
+                <a:pos x="connsiteX10" y="connsiteY10"/>
+              </a:cxn>
+              <a:cxn ang="0">
+                <a:pos x="connsiteX11" y="connsiteY11"/>
+              </a:cxn>
+              <a:cxn ang="0">
+                <a:pos x="connsiteX12" y="connsiteY12"/>
+              </a:cxn>
+              <a:cxn ang="0">
+                <a:pos x="connsiteX13" y="connsiteY13"/>
+              </a:cxn>
+              <a:cxn ang="0">
+                <a:pos x="connsiteX14" y="connsiteY14"/>
+              </a:cxn>
+              <a:cxn ang="0">
+                <a:pos x="connsiteX15" y="connsiteY15"/>
+              </a:cxn>
+              <a:cxn ang="0">
+                <a:pos x="connsiteX16" y="connsiteY16"/>
+              </a:cxn>
+              <a:cxn ang="0">
+                <a:pos x="connsiteX17" y="connsiteY17"/>
+              </a:cxn>
+              <a:cxn ang="0">
+                <a:pos x="connsiteX18" y="connsiteY18"/>
+              </a:cxn>
+              <a:cxn ang="0">
+                <a:pos x="connsiteX19" y="connsiteY19"/>
+              </a:cxn>
+              <a:cxn ang="0">
+                <a:pos x="connsiteX20" y="connsiteY20"/>
+              </a:cxn>
+              <a:cxn ang="0">
+                <a:pos x="connsiteX21" y="connsiteY21"/>
+              </a:cxn>
+              <a:cxn ang="0">
+                <a:pos x="connsiteX22" y="connsiteY22"/>
+              </a:cxn>
+            </a:cxnLst>
+            <a:rect l="l" t="t" r="r" b="b"/>
+            <a:pathLst>
+              <a:path w="12191999" h="5166360">
+                <a:moveTo>
+                  <a:pt x="0" y="0"/>
+                </a:moveTo>
+                <a:lnTo>
+                  <a:pt x="1822388" y="0"/>
+                </a:lnTo>
+                <a:lnTo>
+                  <a:pt x="6468290" y="0"/>
+                </a:lnTo>
+                <a:lnTo>
+                  <a:pt x="7796394" y="0"/>
+                </a:lnTo>
+                <a:lnTo>
+                  <a:pt x="8376834" y="0"/>
+                </a:lnTo>
+                <a:lnTo>
+                  <a:pt x="9704938" y="0"/>
+                </a:lnTo>
+                <a:lnTo>
+                  <a:pt x="9704938" y="2"/>
+                </a:lnTo>
+                <a:lnTo>
+                  <a:pt x="10283456" y="2"/>
+                </a:lnTo>
+                <a:lnTo>
+                  <a:pt x="10863897" y="2"/>
+                </a:lnTo>
+                <a:lnTo>
+                  <a:pt x="12191999" y="2"/>
+                </a:lnTo>
+                <a:lnTo>
+                  <a:pt x="12191999" y="5166360"/>
+                </a:lnTo>
+                <a:lnTo>
+                  <a:pt x="0" y="5166360"/>
+                </a:lnTo>
+                <a:lnTo>
+                  <a:pt x="0" y="2604436"/>
+                </a:lnTo>
+                <a:lnTo>
+                  <a:pt x="862341" y="743371"/>
+                </a:lnTo>
+                <a:lnTo>
+                  <a:pt x="0" y="743371"/>
+                </a:lnTo>
+                <a:lnTo>
+                  <a:pt x="0" y="742508"/>
+                </a:lnTo>
+                <a:lnTo>
+                  <a:pt x="92826" y="742508"/>
+                </a:lnTo>
+                <a:lnTo>
+                  <a:pt x="406486" y="742508"/>
+                </a:lnTo>
+                <a:lnTo>
+                  <a:pt x="406486" y="742507"/>
+                </a:lnTo>
+                <a:lnTo>
+                  <a:pt x="862741" y="742507"/>
+                </a:lnTo>
+                <a:lnTo>
+                  <a:pt x="1206388" y="864"/>
+                </a:lnTo>
+                <a:lnTo>
+                  <a:pt x="748500" y="864"/>
+                </a:lnTo>
+                <a:lnTo>
+                  <a:pt x="0" y="864"/>
+                </a:lnTo>
+                <a:close/>
+              </a:path>
+            </a:pathLst>
+          </a:custGeom>
+          <a:solidFill>
+            <a:srgbClr val="A6A6A6">
+              <a:alpha val="49804"/>
+            </a:srgbClr>
+          </a:solidFill>
+          <a:ln>
+            <a:noFill/>
+          </a:ln>
+        </p:spPr>
+        <p:style>
+          <a:lnRef idx="2">
+            <a:schemeClr val="accent1">
+              <a:shade val="50000"/>
+            </a:schemeClr>
+          </a:lnRef>
+          <a:fillRef idx="1">
+            <a:schemeClr val="accent1"/>
+          </a:fillRef>
+          <a:effectRef idx="0">
+            <a:schemeClr val="accent1"/>
+          </a:effectRef>
+          <a:fontRef idx="minor">
+            <a:schemeClr val="lt1"/>
+          </a:fontRef>
+        </p:style>
+        <p:txBody>
+          <a:bodyPr wrap="square" rtlCol="0" anchor="ctr">
+            <a:noAutofit/>
+          </a:bodyPr>
+          <a:lstStyle/>
+          <a:p>
+            <a:pPr algn="ctr"/>
+            <a:endParaRPr lang="en-US"/>
+          </a:p>
+        </p:txBody>
+      </p:sp>
+      <p:sp>
+        <p:nvSpPr>
+          <p:cNvPr id="15" name="Freeform: Shape 14">
+            <a:extLst>
+              <a:ext uri="{FF2B5EF4-FFF2-40B4-BE49-F238E27FC236}">
+                <a16:creationId xmlns:a16="http://schemas.microsoft.com/office/drawing/2014/main" id="{479F5F2B-8B58-4140-AE6A-51F6C67B18D9}"/>
+              </a:ext>
+              <a:ext uri="{C183D7F6-B498-43B3-948B-1728B52AA6E4}">
+                <adec:decorative xmlns:adec="http://schemas.microsoft.com/office/drawing/2017/decorative" val="1"/>
+              </a:ext>
+            </a:extLst>
+          </p:cNvPr>
+          <p:cNvSpPr>
+            <a:spLocks noGrp="1" noRot="1" noChangeAspect="1" noMove="1" noResize="1" noEditPoints="1" noAdjustHandles="1" noChangeArrowheads="1" noChangeShapeType="1" noTextEdit="1"/>
+          </p:cNvSpPr>
+          <p:nvPr>
+            <p:extLst>
+              <p:ext uri="{386F3935-93C4-4BCD-93E2-E3B085C9AB24}">
+                <p16:designElem xmlns:p16="http://schemas.microsoft.com/office/powerpoint/2015/main" val="1"/>
+              </p:ext>
+            </p:extLst>
+          </p:nvPr>
+        </p:nvSpPr>
+        <p:spPr>
+          <a:xfrm>
+            <a:off x="0" y="1691641"/>
+            <a:ext cx="971654" cy="2096979"/>
+          </a:xfrm>
+          <a:custGeom>
+            <a:avLst/>
+            <a:gdLst>
+              <a:gd name="connsiteX0" fmla="*/ 0 w 971654"/>
+              <a:gd name="connsiteY0" fmla="*/ 0 h 2096979"/>
+              <a:gd name="connsiteX1" fmla="*/ 971654 w 971654"/>
+              <a:gd name="connsiteY1" fmla="*/ 0 h 2096979"/>
+              <a:gd name="connsiteX2" fmla="*/ 0 w 971654"/>
+              <a:gd name="connsiteY2" fmla="*/ 2096979 h 2096979"/>
+            </a:gdLst>
+            <a:ahLst/>
+            <a:cxnLst>
+              <a:cxn ang="0">
+                <a:pos x="connsiteX0" y="connsiteY0"/>
+              </a:cxn>
+              <a:cxn ang="0">
+                <a:pos x="connsiteX1" y="connsiteY1"/>
+              </a:cxn>
+              <a:cxn ang="0">
+                <a:pos x="connsiteX2" y="connsiteY2"/>
+              </a:cxn>
+            </a:cxnLst>
+            <a:rect l="l" t="t" r="r" b="b"/>
+            <a:pathLst>
+              <a:path w="971654" h="2096979">
+                <a:moveTo>
+                  <a:pt x="0" y="0"/>
+                </a:moveTo>
+                <a:lnTo>
+                  <a:pt x="971654" y="0"/>
+                </a:lnTo>
+                <a:lnTo>
+                  <a:pt x="0" y="2096979"/>
+                </a:lnTo>
+                <a:close/>
+              </a:path>
+            </a:pathLst>
+          </a:custGeom>
+          <a:solidFill>
+            <a:srgbClr val="404040"/>
+          </a:solidFill>
+          <a:ln>
+            <a:noFill/>
+          </a:ln>
+        </p:spPr>
+        <p:style>
+          <a:lnRef idx="2">
+            <a:schemeClr val="accent1">
+              <a:shade val="50000"/>
+            </a:schemeClr>
+          </a:lnRef>
+          <a:fillRef idx="1">
+            <a:schemeClr val="accent1"/>
+          </a:fillRef>
+          <a:effectRef idx="0">
+            <a:schemeClr val="accent1"/>
+          </a:effectRef>
+          <a:fontRef idx="minor">
+            <a:schemeClr val="lt1"/>
+          </a:fontRef>
+        </p:style>
+        <p:txBody>
+          <a:bodyPr wrap="square" rtlCol="0" anchor="ctr">
+            <a:noAutofit/>
+          </a:bodyPr>
+          <a:lstStyle/>
+          <a:p>
+            <a:pPr algn="ctr"/>
+            <a:endParaRPr lang="en-US"/>
+          </a:p>
+        </p:txBody>
+      </p:sp>
+      <p:sp>
+        <p:nvSpPr>
+          <p:cNvPr id="9" name="Textfeld 8">
+            <a:extLst>
+              <a:ext uri="{FF2B5EF4-FFF2-40B4-BE49-F238E27FC236}">
+                <a16:creationId xmlns:a16="http://schemas.microsoft.com/office/drawing/2014/main" id="{772F8885-CB7C-4F0F-AEB5-AA21E111AD9A}"/>
+              </a:ext>
+            </a:extLst>
+          </p:cNvPr>
+          <p:cNvSpPr txBox="1"/>
+          <p:nvPr/>
+        </p:nvSpPr>
+        <p:spPr>
+          <a:xfrm>
+            <a:off x="1247827" y="1695372"/>
+            <a:ext cx="10477499" cy="5078313"/>
+          </a:xfrm>
+          <a:prstGeom prst="rect">
+            <a:avLst/>
+          </a:prstGeom>
           <a:noFill/>
         </p:spPr>
         <p:txBody>
-          <a:bodyPr vert="horz" lIns="91440" tIns="45720" rIns="91440" bIns="45720" rtlCol="0" anchor="ctr">
-            <a:normAutofit/>
+          <a:bodyPr wrap="square">
+            <a:spAutoFit/>
           </a:bodyPr>
           <a:lstStyle/>
           <a:p>
-            <a:pPr algn="ctr"/>
-            <a:r>
-              <a:rPr lang="de-DE" altLang="zh-CN" sz="3600" b="1" kern="1200">
+            <a:r>
+              <a:rPr lang="en-US" altLang="zh-CN" dirty="0"/>
+              <a:t>Investment Bank Goldman Sachs </a:t>
+            </a:r>
+            <a:r>
+              <a:rPr lang="en-US" altLang="zh-CN" b="1" dirty="0">
                 <a:solidFill>
-                  <a:srgbClr val="FFFFFF"/>
-                </a:solidFill>
-                <a:latin typeface="+mj-lt"/>
-                <a:ea typeface="+mj-ea"/>
-                <a:cs typeface="+mj-cs"/>
-              </a:rPr>
-              <a:t>Input </a:t>
-            </a:r>
-            <a:r>
-              <a:rPr lang="de-DE" altLang="zh-CN" sz="3600" b="1">
-                <a:solidFill>
-                  <a:srgbClr val="FFFFFF"/>
+                  <a:srgbClr val="FF0000"/>
                 </a:solidFill>
               </a:rPr>
-              <a:t>briefing</a:t>
-            </a:r>
-            <a:endParaRPr lang="en-US" altLang="zh-CN" sz="3600" b="1" kern="1200">
-              <a:solidFill>
-                <a:srgbClr val="FFFFFF"/>
-              </a:solidFill>
-              <a:latin typeface="+mj-lt"/>
-              <a:ea typeface="+mj-ea"/>
-              <a:cs typeface="+mj-cs"/>
-            </a:endParaRPr>
-          </a:p>
-        </p:txBody>
-      </p:sp>
-      <p:graphicFrame>
-        <p:nvGraphicFramePr>
-          <p:cNvPr id="7" name="Objekt 6">
-            <a:extLst>
-              <a:ext uri="{FF2B5EF4-FFF2-40B4-BE49-F238E27FC236}">
-                <a16:creationId xmlns:a16="http://schemas.microsoft.com/office/drawing/2014/main" id="{898943CA-DCD5-4CE9-97D1-B641B5727B45}"/>
-              </a:ext>
-            </a:extLst>
-          </p:cNvPr>
-          <p:cNvGraphicFramePr>
-            <a:graphicFrameLocks noChangeAspect="1"/>
-          </p:cNvGraphicFramePr>
-          <p:nvPr>
-            <p:extLst>
-              <p:ext uri="{D42A27DB-BD31-4B8C-83A1-F6EECF244321}">
-                <p14:modId xmlns:p14="http://schemas.microsoft.com/office/powerpoint/2010/main" val="3550750609"/>
-              </p:ext>
-            </p:extLst>
-          </p:nvPr>
-        </p:nvGraphicFramePr>
-        <p:xfrm>
-          <a:off x="4527550" y="696913"/>
-          <a:ext cx="7261225" cy="5678487"/>
-        </p:xfrm>
-        <a:graphic>
-          <a:graphicData uri="http://schemas.openxmlformats.org/presentationml/2006/ole">
-            <mc:AlternateContent xmlns:mc="http://schemas.openxmlformats.org/markup-compatibility/2006">
-              <mc:Choice xmlns:v="urn:schemas-microsoft-com:vml" Requires="v">
-                <p:oleObj spid="_x0000_s1026" name="Worksheet" r:id="rId3" imgW="7343735" imgH="6896273" progId="Excel.Sheet.12">
-                  <p:embed/>
-                </p:oleObj>
-              </mc:Choice>
-              <mc:Fallback>
-                <p:oleObj name="Worksheet" r:id="rId3" imgW="7343735" imgH="6896273" progId="Excel.Sheet.12">
-                  <p:embed/>
-                  <p:pic>
-                    <p:nvPicPr>
-                      <p:cNvPr id="7" name="Objekt 6">
-                        <a:extLst>
-                          <a:ext uri="{FF2B5EF4-FFF2-40B4-BE49-F238E27FC236}">
-                            <a16:creationId xmlns:a16="http://schemas.microsoft.com/office/drawing/2014/main" id="{898943CA-DCD5-4CE9-97D1-B641B5727B45}"/>
-                          </a:ext>
-                        </a:extLst>
-                      </p:cNvPr>
-                      <p:cNvPicPr/>
-                      <p:nvPr/>
-                    </p:nvPicPr>
-                    <p:blipFill>
-                      <a:blip r:embed="rId4"/>
-                      <a:stretch>
-                        <a:fillRect/>
-                      </a:stretch>
-                    </p:blipFill>
-                    <p:spPr>
-                      <a:xfrm>
-                        <a:off x="4527550" y="696913"/>
-                        <a:ext cx="7261225" cy="5678487"/>
-                      </a:xfrm>
-                      <a:prstGeom prst="rect">
-                        <a:avLst/>
-                      </a:prstGeom>
-                    </p:spPr>
-                  </p:pic>
-                </p:oleObj>
-              </mc:Fallback>
-            </mc:AlternateContent>
-          </a:graphicData>
-        </a:graphic>
-      </p:graphicFrame>
+              <a:t>made millions </a:t>
+            </a:r>
+            <a:r>
+              <a:rPr lang="en-US" altLang="zh-CN" dirty="0"/>
+              <a:t>by helping to </a:t>
+            </a:r>
+            <a:r>
+              <a:rPr lang="en-US" altLang="zh-CN" b="1" dirty="0">
+                <a:solidFill>
+                  <a:srgbClr val="FF0000"/>
+                </a:solidFill>
+              </a:rPr>
+              <a:t>hide the true extent of the debt</a:t>
+            </a:r>
+            <a:r>
+              <a:rPr lang="en-US" altLang="zh-CN" dirty="0"/>
+              <a:t>:</a:t>
+            </a:r>
+          </a:p>
+          <a:p>
+            <a:endParaRPr lang="en-US" altLang="zh-CN" dirty="0"/>
+          </a:p>
+          <a:p>
+            <a:r>
+              <a:rPr lang="de-DE" altLang="zh-CN" dirty="0"/>
+              <a:t>Back </a:t>
+            </a:r>
+            <a:r>
+              <a:rPr lang="de-DE" altLang="zh-CN" dirty="0" err="1"/>
+              <a:t>to</a:t>
+            </a:r>
+            <a:r>
+              <a:rPr lang="de-DE" altLang="zh-CN" dirty="0"/>
+              <a:t> 2001, </a:t>
+            </a:r>
+            <a:r>
+              <a:rPr lang="de-DE" altLang="zh-CN" dirty="0" err="1"/>
+              <a:t>Greece</a:t>
+            </a:r>
+            <a:r>
+              <a:rPr lang="de-DE" altLang="zh-CN" dirty="0"/>
+              <a:t> was </a:t>
+            </a:r>
+            <a:r>
+              <a:rPr lang="de-DE" altLang="zh-CN" b="1" dirty="0">
+                <a:solidFill>
+                  <a:srgbClr val="FF0000"/>
+                </a:solidFill>
+              </a:rPr>
+              <a:t>not </a:t>
+            </a:r>
+            <a:r>
+              <a:rPr lang="de-DE" altLang="zh-CN" b="1" dirty="0" err="1">
+                <a:solidFill>
+                  <a:srgbClr val="FF0000"/>
+                </a:solidFill>
+              </a:rPr>
+              <a:t>eligible</a:t>
+            </a:r>
+            <a:r>
+              <a:rPr lang="de-DE" altLang="zh-CN" b="1" dirty="0">
+                <a:solidFill>
+                  <a:srgbClr val="FF0000"/>
+                </a:solidFill>
+              </a:rPr>
+              <a:t> </a:t>
+            </a:r>
+            <a:r>
+              <a:rPr lang="de-DE" altLang="zh-CN" dirty="0" err="1"/>
+              <a:t>to</a:t>
+            </a:r>
+            <a:r>
+              <a:rPr lang="de-DE" altLang="zh-CN" dirty="0"/>
+              <a:t> </a:t>
+            </a:r>
+            <a:r>
+              <a:rPr lang="de-DE" altLang="zh-CN" dirty="0" err="1"/>
+              <a:t>join</a:t>
+            </a:r>
+            <a:r>
+              <a:rPr lang="de-DE" altLang="zh-CN" dirty="0"/>
+              <a:t> Eurozone </a:t>
+            </a:r>
+            <a:r>
+              <a:rPr lang="de-DE" altLang="zh-CN" dirty="0" err="1"/>
+              <a:t>with</a:t>
+            </a:r>
+            <a:r>
+              <a:rPr lang="de-DE" altLang="zh-CN" dirty="0"/>
+              <a:t> </a:t>
+            </a:r>
+            <a:r>
+              <a:rPr lang="de-DE" altLang="zh-CN" dirty="0" err="1"/>
+              <a:t>its</a:t>
+            </a:r>
+            <a:r>
+              <a:rPr lang="de-DE" altLang="zh-CN" dirty="0"/>
+              <a:t> </a:t>
+            </a:r>
+            <a:r>
+              <a:rPr lang="de-DE" altLang="zh-CN" dirty="0" err="1"/>
+              <a:t>current</a:t>
+            </a:r>
+            <a:r>
+              <a:rPr lang="de-DE" altLang="zh-CN" dirty="0"/>
+              <a:t> </a:t>
+            </a:r>
+            <a:r>
+              <a:rPr lang="de-DE" altLang="zh-CN" dirty="0" err="1"/>
+              <a:t>financial</a:t>
+            </a:r>
+            <a:r>
+              <a:rPr lang="de-DE" altLang="zh-CN" dirty="0"/>
+              <a:t> </a:t>
+            </a:r>
+            <a:r>
+              <a:rPr lang="de-DE" altLang="zh-CN" dirty="0" err="1"/>
+              <a:t>situation</a:t>
+            </a:r>
+            <a:r>
+              <a:rPr lang="de-DE" altLang="zh-CN" dirty="0"/>
+              <a:t> (</a:t>
+            </a:r>
+            <a:r>
+              <a:rPr lang="de-DE" altLang="zh-CN" dirty="0" err="1"/>
+              <a:t>generally</a:t>
+            </a:r>
+            <a:r>
+              <a:rPr lang="de-DE" altLang="zh-CN" dirty="0"/>
+              <a:t> </a:t>
+            </a:r>
+            <a:r>
+              <a:rPr lang="de-DE" altLang="zh-CN" dirty="0" err="1"/>
+              <a:t>speaking</a:t>
+            </a:r>
+            <a:r>
+              <a:rPr lang="de-DE" altLang="zh-CN" dirty="0"/>
+              <a:t> </a:t>
+            </a:r>
+            <a:r>
+              <a:rPr lang="de-DE" altLang="zh-CN" dirty="0" err="1"/>
+              <a:t>debt</a:t>
+            </a:r>
+            <a:r>
+              <a:rPr lang="de-DE" altLang="zh-CN" dirty="0"/>
+              <a:t> </a:t>
+            </a:r>
+            <a:r>
+              <a:rPr lang="de-DE" altLang="zh-CN" dirty="0" err="1"/>
+              <a:t>ratio</a:t>
+            </a:r>
+            <a:r>
+              <a:rPr lang="de-DE" altLang="zh-CN" dirty="0"/>
+              <a:t> </a:t>
+            </a:r>
+            <a:r>
+              <a:rPr lang="de-DE" altLang="zh-CN" dirty="0" err="1"/>
+              <a:t>has</a:t>
+            </a:r>
+            <a:r>
+              <a:rPr lang="de-DE" altLang="zh-CN" dirty="0"/>
+              <a:t> </a:t>
+            </a:r>
+            <a:r>
+              <a:rPr lang="de-DE" altLang="zh-CN" dirty="0" err="1"/>
+              <a:t>to</a:t>
+            </a:r>
+            <a:r>
+              <a:rPr lang="de-DE" altLang="zh-CN" dirty="0"/>
+              <a:t> </a:t>
+            </a:r>
+            <a:r>
+              <a:rPr lang="de-DE" altLang="zh-CN" dirty="0" err="1"/>
+              <a:t>below</a:t>
+            </a:r>
+            <a:r>
+              <a:rPr lang="de-DE" altLang="zh-CN" dirty="0"/>
+              <a:t> </a:t>
+            </a:r>
+            <a:r>
+              <a:rPr lang="de-DE" altLang="zh-CN" dirty="0" err="1"/>
+              <a:t>certain</a:t>
+            </a:r>
+            <a:r>
+              <a:rPr lang="de-DE" altLang="zh-CN" dirty="0"/>
+              <a:t> </a:t>
+            </a:r>
+            <a:r>
+              <a:rPr lang="de-DE" altLang="zh-CN" dirty="0" err="1"/>
+              <a:t>level</a:t>
+            </a:r>
+            <a:r>
+              <a:rPr lang="de-DE" altLang="zh-CN" dirty="0"/>
+              <a:t>),</a:t>
+            </a:r>
+            <a:r>
+              <a:rPr lang="en-US" altLang="zh-CN" dirty="0"/>
+              <a:t> so Greece was looking </a:t>
+            </a:r>
+            <a:r>
+              <a:rPr lang="en-US" altLang="zh-CN" b="1" dirty="0">
+                <a:solidFill>
+                  <a:srgbClr val="FF0000"/>
+                </a:solidFill>
+              </a:rPr>
+              <a:t>for ways to disguise</a:t>
+            </a:r>
+            <a:r>
+              <a:rPr lang="en-US" altLang="zh-CN" dirty="0"/>
+              <a:t> its mounting financial troubles. Then Goldman Sachs came to the rescue, arranging a secret loan of 2.8 billion euros for Greece, disguised as an off-the-books “cross-currency swap. As a result, </a:t>
+            </a:r>
+            <a:r>
+              <a:rPr lang="en-US" altLang="zh-CN" b="1" dirty="0">
+                <a:solidFill>
+                  <a:srgbClr val="FF0000"/>
+                </a:solidFill>
+              </a:rPr>
+              <a:t>‘reduced’ 2% </a:t>
+            </a:r>
+            <a:r>
+              <a:rPr lang="en-US" altLang="zh-CN" dirty="0"/>
+              <a:t>of the total debt.</a:t>
+            </a:r>
+          </a:p>
+          <a:p>
+            <a:endParaRPr lang="en-US" altLang="zh-CN" dirty="0"/>
+          </a:p>
+          <a:p>
+            <a:r>
+              <a:rPr lang="en-US" altLang="zh-CN" dirty="0"/>
+              <a:t>What did Goldman Sachs gain?</a:t>
+            </a:r>
+          </a:p>
+          <a:p>
+            <a:pPr marL="342900" indent="-342900">
+              <a:buAutoNum type="arabicPeriod"/>
+            </a:pPr>
+            <a:r>
+              <a:rPr lang="en-US" altLang="zh-CN" dirty="0"/>
+              <a:t>Service Fee </a:t>
+            </a:r>
+            <a:r>
+              <a:rPr lang="en-US" altLang="zh-CN" b="1" dirty="0">
+                <a:solidFill>
+                  <a:srgbClr val="FF0000"/>
+                </a:solidFill>
+              </a:rPr>
+              <a:t>600 million euros </a:t>
+            </a:r>
+            <a:r>
+              <a:rPr lang="en-US" altLang="zh-CN" dirty="0"/>
+              <a:t>($793 million)</a:t>
+            </a:r>
+          </a:p>
+          <a:p>
+            <a:pPr marL="342900" indent="-342900">
+              <a:buAutoNum type="arabicPeriod"/>
+            </a:pPr>
+            <a:r>
+              <a:rPr lang="en-US" altLang="zh-CN" dirty="0"/>
+              <a:t>Transferred its default risk (loss of investment in Greece) </a:t>
+            </a:r>
+            <a:r>
+              <a:rPr lang="en-US" altLang="zh-CN" b="1" dirty="0">
+                <a:solidFill>
+                  <a:srgbClr val="FF0000"/>
+                </a:solidFill>
+              </a:rPr>
+              <a:t>to a German Bank </a:t>
+            </a:r>
+            <a:r>
+              <a:rPr lang="en-US" altLang="zh-CN" dirty="0"/>
+              <a:t>by buying Credit Default SWAP (CDS). </a:t>
+            </a:r>
+          </a:p>
+          <a:p>
+            <a:pPr marL="342900" indent="-342900">
+              <a:buAutoNum type="arabicPeriod" startAt="3"/>
+            </a:pPr>
+            <a:r>
+              <a:rPr lang="en-US" altLang="zh-CN" b="1" dirty="0">
+                <a:solidFill>
+                  <a:srgbClr val="FF0000"/>
+                </a:solidFill>
+              </a:rPr>
+              <a:t>Bought  cheap CDS </a:t>
+            </a:r>
+            <a:r>
+              <a:rPr lang="en-US" altLang="zh-CN" dirty="0"/>
+              <a:t>at lower price before Greece default, after Greece defaulted, it sold this CDS product </a:t>
+            </a:r>
+            <a:r>
+              <a:rPr lang="en-US" altLang="zh-CN" b="1" dirty="0">
+                <a:solidFill>
+                  <a:srgbClr val="FF0000"/>
+                </a:solidFill>
+              </a:rPr>
+              <a:t>at higher price </a:t>
+            </a:r>
+            <a:r>
+              <a:rPr lang="en-US" altLang="zh-CN" dirty="0"/>
+              <a:t>to the investors who also invested into Greece. This leads to a even worser borrowing condition for Greece.</a:t>
+            </a:r>
+          </a:p>
+          <a:p>
+            <a:endParaRPr lang="en-US" altLang="zh-CN" dirty="0"/>
+          </a:p>
+          <a:p>
+            <a:pPr marL="285750" indent="-285750">
+              <a:buFont typeface="Arial" panose="020B0604020202020204" pitchFamily="34" charset="0"/>
+              <a:buChar char="•"/>
+            </a:pPr>
+            <a:r>
+              <a:rPr lang="en-US" altLang="zh-CN" dirty="0"/>
+              <a:t>CDS buy : will be protected when the default happens</a:t>
+            </a:r>
+          </a:p>
+          <a:p>
+            <a:pPr marL="285750" indent="-285750">
+              <a:buFont typeface="Arial" panose="020B0604020202020204" pitchFamily="34" charset="0"/>
+              <a:buChar char="•"/>
+            </a:pPr>
+            <a:r>
+              <a:rPr lang="en-US" altLang="zh-CN" dirty="0"/>
+              <a:t>CDS Sell : will cover the loss of investment from the default risk</a:t>
+            </a:r>
+          </a:p>
+        </p:txBody>
+      </p:sp>
     </p:spTree>
     <p:extLst>
       <p:ext uri="{BB962C8B-B14F-4D97-AF65-F5344CB8AC3E}">
-        <p14:creationId xmlns:p14="http://schemas.microsoft.com/office/powerpoint/2010/main" val="2401420270"/>
+        <p14:creationId xmlns:p14="http://schemas.microsoft.com/office/powerpoint/2010/main" val="3400073559"/>
       </p:ext>
     </p:extLst>
   </p:cSld>
@@ -5028,10 +5811,76 @@
       </p:grpSpPr>
       <p:sp>
         <p:nvSpPr>
-          <p:cNvPr id="14" name="Rectangle 7">
-            <a:extLst>
-              <a:ext uri="{FF2B5EF4-FFF2-40B4-BE49-F238E27FC236}">
-                <a16:creationId xmlns:a16="http://schemas.microsoft.com/office/drawing/2014/main" id="{01D0AF59-99C3-4251-AB9A-C966C6AD4400}"/>
+          <p:cNvPr id="4" name="Titel 3">
+            <a:extLst>
+              <a:ext uri="{FF2B5EF4-FFF2-40B4-BE49-F238E27FC236}">
+                <a16:creationId xmlns:a16="http://schemas.microsoft.com/office/drawing/2014/main" id="{5E06E777-7059-4F19-AD12-D75C5EB8F195}"/>
+              </a:ext>
+            </a:extLst>
+          </p:cNvPr>
+          <p:cNvSpPr>
+            <a:spLocks noGrp="1"/>
+          </p:cNvSpPr>
+          <p:nvPr>
+            <p:ph type="title"/>
+          </p:nvPr>
+        </p:nvSpPr>
+        <p:spPr>
+          <a:xfrm>
+            <a:off x="1653363" y="365760"/>
+            <a:ext cx="9367203" cy="1188720"/>
+          </a:xfrm>
+        </p:spPr>
+        <p:txBody>
+          <a:bodyPr vert="horz" lIns="91440" tIns="45720" rIns="91440" bIns="45720" rtlCol="0" anchor="ctr">
+            <a:normAutofit fontScale="90000"/>
+          </a:bodyPr>
+          <a:lstStyle/>
+          <a:p>
+            <a:r>
+              <a:rPr lang="en-US" altLang="zh-CN" sz="4400" dirty="0">
+                <a:solidFill>
+                  <a:schemeClr val="bg1"/>
+                </a:solidFill>
+              </a:rPr>
+              <a:t>predict the default of a borrower?</a:t>
+            </a:r>
+            <a:br>
+              <a:rPr lang="de-DE" altLang="zh-CN" sz="4400" dirty="0">
+                <a:solidFill>
+                  <a:schemeClr val="bg1"/>
+                </a:solidFill>
+              </a:rPr>
+            </a:br>
+            <a:r>
+              <a:rPr lang="de-DE" altLang="zh-CN" sz="4400" dirty="0"/>
+              <a:t>P</a:t>
+            </a:r>
+            <a:r>
+              <a:rPr lang="en-US" altLang="zh-CN" sz="4400" dirty="0" err="1"/>
+              <a:t>redict</a:t>
+            </a:r>
+            <a:r>
+              <a:rPr lang="en-US" altLang="zh-CN" sz="4400" dirty="0"/>
+              <a:t> the default of a borrower?</a:t>
+            </a:r>
+            <a:endParaRPr lang="en-US" altLang="zh-CN" sz="4400" b="1" kern="1200" dirty="0">
+              <a:solidFill>
+                <a:schemeClr val="tx1"/>
+              </a:solidFill>
+              <a:latin typeface="+mj-lt"/>
+              <a:ea typeface="+mj-ea"/>
+              <a:cs typeface="+mj-cs"/>
+            </a:endParaRPr>
+          </a:p>
+        </p:txBody>
+      </p:sp>
+      <p:sp>
+        <p:nvSpPr>
+          <p:cNvPr id="11" name="Freeform: Shape 10">
+            <a:extLst>
+              <a:ext uri="{FF2B5EF4-FFF2-40B4-BE49-F238E27FC236}">
+                <a16:creationId xmlns:a16="http://schemas.microsoft.com/office/drawing/2014/main" id="{7CB4857B-ED7C-444D-9F04-2F885114A1C2}"/>
               </a:ext>
               <a:ext uri="{C183D7F6-B498-43B3-948B-1728B52AA6E4}">
                 <adec:decorative xmlns:adec="http://schemas.microsoft.com/office/drawing/2017/decorative" val="1"/>
@@ -5051,14 +5900,57 @@
         </p:nvSpPr>
         <p:spPr>
           <a:xfrm>
-            <a:off x="0" y="0"/>
-            <a:ext cx="12192000" cy="6858000"/>
+            <a:off x="1" y="0"/>
+            <a:ext cx="1764099" cy="1558212"/>
           </a:xfrm>
-          <a:prstGeom prst="rect">
+          <a:custGeom>
             <a:avLst/>
-          </a:prstGeom>
+            <a:gdLst>
+              <a:gd name="connsiteX0" fmla="*/ 0 w 1764099"/>
+              <a:gd name="connsiteY0" fmla="*/ 0 h 1558212"/>
+              <a:gd name="connsiteX1" fmla="*/ 1764099 w 1764099"/>
+              <a:gd name="connsiteY1" fmla="*/ 0 h 1558212"/>
+              <a:gd name="connsiteX2" fmla="*/ 1042087 w 1764099"/>
+              <a:gd name="connsiteY2" fmla="*/ 1558212 h 1558212"/>
+              <a:gd name="connsiteX3" fmla="*/ 0 w 1764099"/>
+              <a:gd name="connsiteY3" fmla="*/ 1558212 h 1558212"/>
+            </a:gdLst>
+            <a:ahLst/>
+            <a:cxnLst>
+              <a:cxn ang="0">
+                <a:pos x="connsiteX0" y="connsiteY0"/>
+              </a:cxn>
+              <a:cxn ang="0">
+                <a:pos x="connsiteX1" y="connsiteY1"/>
+              </a:cxn>
+              <a:cxn ang="0">
+                <a:pos x="connsiteX2" y="connsiteY2"/>
+              </a:cxn>
+              <a:cxn ang="0">
+                <a:pos x="connsiteX3" y="connsiteY3"/>
+              </a:cxn>
+            </a:cxnLst>
+            <a:rect l="l" t="t" r="r" b="b"/>
+            <a:pathLst>
+              <a:path w="1764099" h="1558212">
+                <a:moveTo>
+                  <a:pt x="0" y="0"/>
+                </a:moveTo>
+                <a:lnTo>
+                  <a:pt x="1764099" y="0"/>
+                </a:lnTo>
+                <a:lnTo>
+                  <a:pt x="1042087" y="1558212"/>
+                </a:lnTo>
+                <a:lnTo>
+                  <a:pt x="0" y="1558212"/>
+                </a:lnTo>
+                <a:close/>
+              </a:path>
+            </a:pathLst>
+          </a:custGeom>
           <a:solidFill>
-            <a:schemeClr val="bg2"/>
+            <a:schemeClr val="accent4"/>
           </a:solidFill>
           <a:ln>
             <a:noFill/>
@@ -5081,7 +5973,9 @@
           </a:fontRef>
         </p:style>
         <p:txBody>
-          <a:bodyPr rtlCol="0" anchor="ctr"/>
+          <a:bodyPr wrap="square" rtlCol="0" anchor="ctr">
+            <a:noAutofit/>
+          </a:bodyPr>
           <a:lstStyle/>
           <a:p>
             <a:pPr algn="ctr"/>
@@ -5091,10 +5985,10 @@
       </p:sp>
       <p:sp>
         <p:nvSpPr>
-          <p:cNvPr id="15" name="Rectangle 9">
-            <a:extLst>
-              <a:ext uri="{FF2B5EF4-FFF2-40B4-BE49-F238E27FC236}">
-                <a16:creationId xmlns:a16="http://schemas.microsoft.com/office/drawing/2014/main" id="{1855405F-37A2-4869-9154-F8BE3BECE6C3}"/>
+          <p:cNvPr id="13" name="Freeform: Shape 12">
+            <a:extLst>
+              <a:ext uri="{FF2B5EF4-FFF2-40B4-BE49-F238E27FC236}">
+                <a16:creationId xmlns:a16="http://schemas.microsoft.com/office/drawing/2014/main" id="{D18046FB-44EA-4FD8-A585-EA09A319B2D0}"/>
               </a:ext>
               <a:ext uri="{C183D7F6-B498-43B3-948B-1728B52AA6E4}">
                 <adec:decorative xmlns:adec="http://schemas.microsoft.com/office/drawing/2017/decorative" val="1"/>
@@ -5114,4011 +6008,214 @@
         </p:nvSpPr>
         <p:spPr>
           <a:xfrm>
-            <a:off x="477012" y="480060"/>
-            <a:ext cx="11237976" cy="5897880"/>
+            <a:off x="1" y="1691640"/>
+            <a:ext cx="12191999" cy="5166360"/>
           </a:xfrm>
-          <a:prstGeom prst="rect">
+          <a:custGeom>
             <a:avLst/>
-          </a:prstGeom>
+            <a:gdLst>
+              <a:gd name="connsiteX0" fmla="*/ 0 w 12191999"/>
+              <a:gd name="connsiteY0" fmla="*/ 0 h 5166360"/>
+              <a:gd name="connsiteX1" fmla="*/ 1822388 w 12191999"/>
+              <a:gd name="connsiteY1" fmla="*/ 0 h 5166360"/>
+              <a:gd name="connsiteX2" fmla="*/ 6468290 w 12191999"/>
+              <a:gd name="connsiteY2" fmla="*/ 0 h 5166360"/>
+              <a:gd name="connsiteX3" fmla="*/ 7796394 w 12191999"/>
+              <a:gd name="connsiteY3" fmla="*/ 0 h 5166360"/>
+              <a:gd name="connsiteX4" fmla="*/ 8376834 w 12191999"/>
+              <a:gd name="connsiteY4" fmla="*/ 0 h 5166360"/>
+              <a:gd name="connsiteX5" fmla="*/ 9704938 w 12191999"/>
+              <a:gd name="connsiteY5" fmla="*/ 0 h 5166360"/>
+              <a:gd name="connsiteX6" fmla="*/ 9704938 w 12191999"/>
+              <a:gd name="connsiteY6" fmla="*/ 2 h 5166360"/>
+              <a:gd name="connsiteX7" fmla="*/ 10283456 w 12191999"/>
+              <a:gd name="connsiteY7" fmla="*/ 2 h 5166360"/>
+              <a:gd name="connsiteX8" fmla="*/ 10863897 w 12191999"/>
+              <a:gd name="connsiteY8" fmla="*/ 2 h 5166360"/>
+              <a:gd name="connsiteX9" fmla="*/ 12191999 w 12191999"/>
+              <a:gd name="connsiteY9" fmla="*/ 2 h 5166360"/>
+              <a:gd name="connsiteX10" fmla="*/ 12191999 w 12191999"/>
+              <a:gd name="connsiteY10" fmla="*/ 5166360 h 5166360"/>
+              <a:gd name="connsiteX11" fmla="*/ 0 w 12191999"/>
+              <a:gd name="connsiteY11" fmla="*/ 5166360 h 5166360"/>
+              <a:gd name="connsiteX12" fmla="*/ 0 w 12191999"/>
+              <a:gd name="connsiteY12" fmla="*/ 2604436 h 5166360"/>
+              <a:gd name="connsiteX13" fmla="*/ 862341 w 12191999"/>
+              <a:gd name="connsiteY13" fmla="*/ 743371 h 5166360"/>
+              <a:gd name="connsiteX14" fmla="*/ 0 w 12191999"/>
+              <a:gd name="connsiteY14" fmla="*/ 743371 h 5166360"/>
+              <a:gd name="connsiteX15" fmla="*/ 0 w 12191999"/>
+              <a:gd name="connsiteY15" fmla="*/ 742508 h 5166360"/>
+              <a:gd name="connsiteX16" fmla="*/ 92826 w 12191999"/>
+              <a:gd name="connsiteY16" fmla="*/ 742508 h 5166360"/>
+              <a:gd name="connsiteX17" fmla="*/ 406486 w 12191999"/>
+              <a:gd name="connsiteY17" fmla="*/ 742508 h 5166360"/>
+              <a:gd name="connsiteX18" fmla="*/ 406486 w 12191999"/>
+              <a:gd name="connsiteY18" fmla="*/ 742507 h 5166360"/>
+              <a:gd name="connsiteX19" fmla="*/ 862741 w 12191999"/>
+              <a:gd name="connsiteY19" fmla="*/ 742507 h 5166360"/>
+              <a:gd name="connsiteX20" fmla="*/ 1206388 w 12191999"/>
+              <a:gd name="connsiteY20" fmla="*/ 864 h 5166360"/>
+              <a:gd name="connsiteX21" fmla="*/ 748500 w 12191999"/>
+              <a:gd name="connsiteY21" fmla="*/ 864 h 5166360"/>
+              <a:gd name="connsiteX22" fmla="*/ 0 w 12191999"/>
+              <a:gd name="connsiteY22" fmla="*/ 864 h 5166360"/>
+            </a:gdLst>
+            <a:ahLst/>
+            <a:cxnLst>
+              <a:cxn ang="0">
+                <a:pos x="connsiteX0" y="connsiteY0"/>
+              </a:cxn>
+              <a:cxn ang="0">
+                <a:pos x="connsiteX1" y="connsiteY1"/>
+              </a:cxn>
+              <a:cxn ang="0">
+                <a:pos x="connsiteX2" y="connsiteY2"/>
+              </a:cxn>
+              <a:cxn ang="0">
+                <a:pos x="connsiteX3" y="connsiteY3"/>
+              </a:cxn>
+              <a:cxn ang="0">
+                <a:pos x="connsiteX4" y="connsiteY4"/>
+              </a:cxn>
+              <a:cxn ang="0">
+                <a:pos x="connsiteX5" y="connsiteY5"/>
+              </a:cxn>
+              <a:cxn ang="0">
+                <a:pos x="connsiteX6" y="connsiteY6"/>
+              </a:cxn>
+              <a:cxn ang="0">
+                <a:pos x="connsiteX7" y="connsiteY7"/>
+              </a:cxn>
+              <a:cxn ang="0">
+                <a:pos x="connsiteX8" y="connsiteY8"/>
+              </a:cxn>
+              <a:cxn ang="0">
+                <a:pos x="connsiteX9" y="connsiteY9"/>
+              </a:cxn>
+              <a:cxn ang="0">
+                <a:pos x="connsiteX10" y="connsiteY10"/>
+              </a:cxn>
+              <a:cxn ang="0">
+                <a:pos x="connsiteX11" y="connsiteY11"/>
+              </a:cxn>
+              <a:cxn ang="0">
+                <a:pos x="connsiteX12" y="connsiteY12"/>
+              </a:cxn>
+              <a:cxn ang="0">
+                <a:pos x="connsiteX13" y="connsiteY13"/>
+              </a:cxn>
+              <a:cxn ang="0">
+                <a:pos x="connsiteX14" y="connsiteY14"/>
+              </a:cxn>
+              <a:cxn ang="0">
+                <a:pos x="connsiteX15" y="connsiteY15"/>
+              </a:cxn>
+              <a:cxn ang="0">
+                <a:pos x="connsiteX16" y="connsiteY16"/>
+              </a:cxn>
+              <a:cxn ang="0">
+                <a:pos x="connsiteX17" y="connsiteY17"/>
+              </a:cxn>
+              <a:cxn ang="0">
+                <a:pos x="connsiteX18" y="connsiteY18"/>
+              </a:cxn>
+              <a:cxn ang="0">
+                <a:pos x="connsiteX19" y="connsiteY19"/>
+              </a:cxn>
+              <a:cxn ang="0">
+                <a:pos x="connsiteX20" y="connsiteY20"/>
+              </a:cxn>
+              <a:cxn ang="0">
+                <a:pos x="connsiteX21" y="connsiteY21"/>
+              </a:cxn>
+              <a:cxn ang="0">
+                <a:pos x="connsiteX22" y="connsiteY22"/>
+              </a:cxn>
+            </a:cxnLst>
+            <a:rect l="l" t="t" r="r" b="b"/>
+            <a:pathLst>
+              <a:path w="12191999" h="5166360">
+                <a:moveTo>
+                  <a:pt x="0" y="0"/>
+                </a:moveTo>
+                <a:lnTo>
+                  <a:pt x="1822388" y="0"/>
+                </a:lnTo>
+                <a:lnTo>
+                  <a:pt x="6468290" y="0"/>
+                </a:lnTo>
+                <a:lnTo>
+                  <a:pt x="7796394" y="0"/>
+                </a:lnTo>
+                <a:lnTo>
+                  <a:pt x="8376834" y="0"/>
+                </a:lnTo>
+                <a:lnTo>
+                  <a:pt x="9704938" y="0"/>
+                </a:lnTo>
+                <a:lnTo>
+                  <a:pt x="9704938" y="2"/>
+                </a:lnTo>
+                <a:lnTo>
+                  <a:pt x="10283456" y="2"/>
+                </a:lnTo>
+                <a:lnTo>
+                  <a:pt x="10863897" y="2"/>
+                </a:lnTo>
+                <a:lnTo>
+                  <a:pt x="12191999" y="2"/>
+                </a:lnTo>
+                <a:lnTo>
+                  <a:pt x="12191999" y="5166360"/>
+                </a:lnTo>
+                <a:lnTo>
+                  <a:pt x="0" y="5166360"/>
+                </a:lnTo>
+                <a:lnTo>
+                  <a:pt x="0" y="2604436"/>
+                </a:lnTo>
+                <a:lnTo>
+                  <a:pt x="862341" y="743371"/>
+                </a:lnTo>
+                <a:lnTo>
+                  <a:pt x="0" y="743371"/>
+                </a:lnTo>
+                <a:lnTo>
+                  <a:pt x="0" y="742508"/>
+                </a:lnTo>
+                <a:lnTo>
+                  <a:pt x="92826" y="742508"/>
+                </a:lnTo>
+                <a:lnTo>
+                  <a:pt x="406486" y="742508"/>
+                </a:lnTo>
+                <a:lnTo>
+                  <a:pt x="406486" y="742507"/>
+                </a:lnTo>
+                <a:lnTo>
+                  <a:pt x="862741" y="742507"/>
+                </a:lnTo>
+                <a:lnTo>
+                  <a:pt x="1206388" y="864"/>
+                </a:lnTo>
+                <a:lnTo>
+                  <a:pt x="748500" y="864"/>
+                </a:lnTo>
+                <a:lnTo>
+                  <a:pt x="0" y="864"/>
+                </a:lnTo>
+                <a:close/>
+              </a:path>
+            </a:pathLst>
+          </a:custGeom>
           <a:solidFill>
-            <a:srgbClr val="FFFFFF"/>
+            <a:srgbClr val="A6A6A6">
+              <a:alpha val="49804"/>
+            </a:srgbClr>
           </a:solidFill>
-          <a:ln w="9525">
+          <a:ln>
             <a:noFill/>
-          </a:ln>
-          <a:effectLst>
-            <a:outerShdw blurRad="63500" dist="17780" dir="5400000" algn="t" rotWithShape="0">
-              <a:prstClr val="black">
-                <a:alpha val="43000"/>
-              </a:prstClr>
-            </a:outerShdw>
-          </a:effectLst>
-        </p:spPr>
-        <p:style>
-          <a:lnRef idx="2">
-            <a:schemeClr val="accent1">
-              <a:shade val="50000"/>
-            </a:schemeClr>
-          </a:lnRef>
-          <a:fillRef idx="1">
-            <a:schemeClr val="accent1"/>
-          </a:fillRef>
-          <a:effectRef idx="0">
-            <a:schemeClr val="accent1"/>
-          </a:effectRef>
-          <a:fontRef idx="minor">
-            <a:schemeClr val="lt1"/>
-          </a:fontRef>
-        </p:style>
-        <p:txBody>
-          <a:bodyPr rtlCol="0" anchor="ctr"/>
-          <a:lstStyle/>
-          <a:p>
-            <a:pPr algn="ctr"/>
-            <a:endParaRPr lang="en-US"/>
-          </a:p>
-        </p:txBody>
-      </p:sp>
-      <p:graphicFrame>
-        <p:nvGraphicFramePr>
-          <p:cNvPr id="3" name="Tabelle 2">
-            <a:extLst>
-              <a:ext uri="{FF2B5EF4-FFF2-40B4-BE49-F238E27FC236}">
-                <a16:creationId xmlns:a16="http://schemas.microsoft.com/office/drawing/2014/main" id="{ECCE14FB-5709-4ABD-A9B1-0FF4E63723C6}"/>
-              </a:ext>
-            </a:extLst>
-          </p:cNvPr>
-          <p:cNvGraphicFramePr>
-            <a:graphicFrameLocks noGrp="1"/>
-          </p:cNvGraphicFramePr>
-          <p:nvPr>
-            <p:extLst>
-              <p:ext uri="{D42A27DB-BD31-4B8C-83A1-F6EECF244321}">
-                <p14:modId xmlns:p14="http://schemas.microsoft.com/office/powerpoint/2010/main" val="4232426643"/>
-              </p:ext>
-            </p:extLst>
-          </p:nvPr>
-        </p:nvGraphicFramePr>
-        <p:xfrm>
-          <a:off x="507026" y="517888"/>
-          <a:ext cx="5261923" cy="5795630"/>
-        </p:xfrm>
-        <a:graphic>
-          <a:graphicData uri="http://schemas.openxmlformats.org/drawingml/2006/table">
-            <a:tbl>
-              <a:tblPr firstRow="1" bandRow="1">
-                <a:tableStyleId>{8EC20E35-A176-4012-BC5E-935CFFF8708E}</a:tableStyleId>
-              </a:tblPr>
-              <a:tblGrid>
-                <a:gridCol w="1087713">
-                  <a:extLst>
-                    <a:ext uri="{9D8B030D-6E8A-4147-A177-3AD203B41FA5}">
-                      <a16:colId xmlns:a16="http://schemas.microsoft.com/office/drawing/2014/main" val="377682889"/>
-                    </a:ext>
-                  </a:extLst>
-                </a:gridCol>
-                <a:gridCol w="931236">
-                  <a:extLst>
-                    <a:ext uri="{9D8B030D-6E8A-4147-A177-3AD203B41FA5}">
-                      <a16:colId xmlns:a16="http://schemas.microsoft.com/office/drawing/2014/main" val="2190370105"/>
-                    </a:ext>
-                  </a:extLst>
-                </a:gridCol>
-                <a:gridCol w="518824">
-                  <a:extLst>
-                    <a:ext uri="{9D8B030D-6E8A-4147-A177-3AD203B41FA5}">
-                      <a16:colId xmlns:a16="http://schemas.microsoft.com/office/drawing/2014/main" val="2980450054"/>
-                    </a:ext>
-                  </a:extLst>
-                </a:gridCol>
-                <a:gridCol w="841347">
-                  <a:extLst>
-                    <a:ext uri="{9D8B030D-6E8A-4147-A177-3AD203B41FA5}">
-                      <a16:colId xmlns:a16="http://schemas.microsoft.com/office/drawing/2014/main" val="2702829593"/>
-                    </a:ext>
-                  </a:extLst>
-                </a:gridCol>
-                <a:gridCol w="563753">
-                  <a:extLst>
-                    <a:ext uri="{9D8B030D-6E8A-4147-A177-3AD203B41FA5}">
-                      <a16:colId xmlns:a16="http://schemas.microsoft.com/office/drawing/2014/main" val="3233675046"/>
-                    </a:ext>
-                  </a:extLst>
-                </a:gridCol>
-                <a:gridCol w="659525">
-                  <a:extLst>
-                    <a:ext uri="{9D8B030D-6E8A-4147-A177-3AD203B41FA5}">
-                      <a16:colId xmlns:a16="http://schemas.microsoft.com/office/drawing/2014/main" val="542245102"/>
-                    </a:ext>
-                  </a:extLst>
-                </a:gridCol>
-                <a:gridCol w="659525">
-                  <a:extLst>
-                    <a:ext uri="{9D8B030D-6E8A-4147-A177-3AD203B41FA5}">
-                      <a16:colId xmlns:a16="http://schemas.microsoft.com/office/drawing/2014/main" val="2672835929"/>
-                    </a:ext>
-                  </a:extLst>
-                </a:gridCol>
-              </a:tblGrid>
-              <a:tr h="205191">
-                <a:tc>
-                  <a:txBody>
-                    <a:bodyPr/>
-                    <a:lstStyle/>
-                    <a:p>
-                      <a:pPr algn="ctr" fontAlgn="ctr"/>
-                      <a:r>
-                        <a:rPr lang="de-DE" sz="1300" u="none" strike="noStrike">
-                          <a:effectLst/>
-                        </a:rPr>
-                        <a:t>Variable</a:t>
-                      </a:r>
-                      <a:endParaRPr lang="de-DE" sz="1300" b="1" i="0" u="none" strike="noStrike">
-                        <a:solidFill>
-                          <a:srgbClr val="000000"/>
-                        </a:solidFill>
-                        <a:effectLst/>
-                        <a:latin typeface="等线" panose="02010600030101010101" pitchFamily="2" charset="-122"/>
-                        <a:ea typeface="等线" panose="02010600030101010101" pitchFamily="2" charset="-122"/>
-                      </a:endParaRPr>
-                    </a:p>
-                  </a:txBody>
-                  <a:tcPr marL="11285" marR="11285" marT="11285" marB="0" anchor="ctr"/>
-                </a:tc>
-                <a:tc>
-                  <a:txBody>
-                    <a:bodyPr/>
-                    <a:lstStyle/>
-                    <a:p>
-                      <a:pPr algn="ctr" fontAlgn="ctr"/>
-                      <a:r>
-                        <a:rPr lang="de-DE" sz="1300" u="none" strike="noStrike">
-                          <a:effectLst/>
-                        </a:rPr>
-                        <a:t>coef</a:t>
-                      </a:r>
-                      <a:endParaRPr lang="de-DE" sz="1300" b="1" i="0" u="none" strike="noStrike">
-                        <a:solidFill>
-                          <a:srgbClr val="000000"/>
-                        </a:solidFill>
-                        <a:effectLst/>
-                        <a:latin typeface="等线" panose="02010600030101010101" pitchFamily="2" charset="-122"/>
-                        <a:ea typeface="等线" panose="02010600030101010101" pitchFamily="2" charset="-122"/>
-                      </a:endParaRPr>
-                    </a:p>
-                  </a:txBody>
-                  <a:tcPr marL="11285" marR="11285" marT="11285" marB="0" anchor="ctr"/>
-                </a:tc>
-                <a:tc>
-                  <a:txBody>
-                    <a:bodyPr/>
-                    <a:lstStyle/>
-                    <a:p>
-                      <a:pPr algn="ctr" fontAlgn="ctr"/>
-                      <a:r>
-                        <a:rPr lang="de-DE" sz="1300" u="none" strike="noStrike">
-                          <a:effectLst/>
-                        </a:rPr>
-                        <a:t>std err</a:t>
-                      </a:r>
-                      <a:endParaRPr lang="de-DE" sz="1300" b="1" i="0" u="none" strike="noStrike">
-                        <a:solidFill>
-                          <a:srgbClr val="000000"/>
-                        </a:solidFill>
-                        <a:effectLst/>
-                        <a:latin typeface="等线" panose="02010600030101010101" pitchFamily="2" charset="-122"/>
-                        <a:ea typeface="等线" panose="02010600030101010101" pitchFamily="2" charset="-122"/>
-                      </a:endParaRPr>
-                    </a:p>
-                  </a:txBody>
-                  <a:tcPr marL="11285" marR="11285" marT="11285" marB="0" anchor="ctr"/>
-                </a:tc>
-                <a:tc>
-                  <a:txBody>
-                    <a:bodyPr/>
-                    <a:lstStyle/>
-                    <a:p>
-                      <a:pPr algn="ctr" fontAlgn="ctr"/>
-                      <a:r>
-                        <a:rPr lang="de-DE" sz="1300" u="none" strike="noStrike">
-                          <a:effectLst/>
-                        </a:rPr>
-                        <a:t>z</a:t>
-                      </a:r>
-                      <a:endParaRPr lang="de-DE" sz="1300" b="1" i="0" u="none" strike="noStrike">
-                        <a:solidFill>
-                          <a:srgbClr val="000000"/>
-                        </a:solidFill>
-                        <a:effectLst/>
-                        <a:latin typeface="等线" panose="02010600030101010101" pitchFamily="2" charset="-122"/>
-                        <a:ea typeface="等线" panose="02010600030101010101" pitchFamily="2" charset="-122"/>
-                      </a:endParaRPr>
-                    </a:p>
-                  </a:txBody>
-                  <a:tcPr marL="11285" marR="11285" marT="11285" marB="0" anchor="ctr"/>
-                </a:tc>
-                <a:tc>
-                  <a:txBody>
-                    <a:bodyPr/>
-                    <a:lstStyle/>
-                    <a:p>
-                      <a:pPr algn="ctr" fontAlgn="ctr"/>
-                      <a:r>
-                        <a:rPr lang="de-DE" sz="1300" u="none" strike="noStrike" dirty="0">
-                          <a:effectLst/>
-                        </a:rPr>
-                        <a:t>P&gt;|z|</a:t>
-                      </a:r>
-                      <a:endParaRPr lang="de-DE" sz="1300" b="1" i="0" u="none" strike="noStrike" dirty="0">
-                        <a:solidFill>
-                          <a:srgbClr val="000000"/>
-                        </a:solidFill>
-                        <a:effectLst/>
-                        <a:latin typeface="等线" panose="02010600030101010101" pitchFamily="2" charset="-122"/>
-                        <a:ea typeface="等线" panose="02010600030101010101" pitchFamily="2" charset="-122"/>
-                      </a:endParaRPr>
-                    </a:p>
-                  </a:txBody>
-                  <a:tcPr marL="11285" marR="11285" marT="11285" marB="0" anchor="ctr"/>
-                </a:tc>
-                <a:tc>
-                  <a:txBody>
-                    <a:bodyPr/>
-                    <a:lstStyle/>
-                    <a:p>
-                      <a:pPr algn="ctr" fontAlgn="ctr"/>
-                      <a:r>
-                        <a:rPr lang="en-US" altLang="zh-CN" sz="1300" u="none" strike="noStrike" dirty="0">
-                          <a:effectLst/>
-                        </a:rPr>
-                        <a:t>[0.025</a:t>
-                      </a:r>
-                      <a:endParaRPr lang="en-US" altLang="zh-CN" sz="1300" b="1" i="0" u="none" strike="noStrike" dirty="0">
-                        <a:solidFill>
-                          <a:srgbClr val="000000"/>
-                        </a:solidFill>
-                        <a:effectLst/>
-                        <a:latin typeface="等线" panose="02010600030101010101" pitchFamily="2" charset="-122"/>
-                        <a:ea typeface="等线" panose="02010600030101010101" pitchFamily="2" charset="-122"/>
-                      </a:endParaRPr>
-                    </a:p>
-                  </a:txBody>
-                  <a:tcPr marL="11285" marR="11285" marT="11285" marB="0" anchor="ctr"/>
-                </a:tc>
-                <a:tc>
-                  <a:txBody>
-                    <a:bodyPr/>
-                    <a:lstStyle/>
-                    <a:p>
-                      <a:pPr algn="ctr" fontAlgn="ctr"/>
-                      <a:r>
-                        <a:rPr lang="en-US" altLang="zh-CN" sz="1300" u="none" strike="noStrike" dirty="0">
-                          <a:effectLst/>
-                        </a:rPr>
-                        <a:t>0.975]</a:t>
-                      </a:r>
-                      <a:endParaRPr lang="en-US" altLang="zh-CN" sz="1300" b="1" i="0" u="none" strike="noStrike" dirty="0">
-                        <a:solidFill>
-                          <a:srgbClr val="000000"/>
-                        </a:solidFill>
-                        <a:effectLst/>
-                        <a:latin typeface="等线" panose="02010600030101010101" pitchFamily="2" charset="-122"/>
-                        <a:ea typeface="等线" panose="02010600030101010101" pitchFamily="2" charset="-122"/>
-                      </a:endParaRPr>
-                    </a:p>
-                  </a:txBody>
-                  <a:tcPr marL="11285" marR="11285" marT="11285" marB="0" anchor="ctr"/>
-                </a:tc>
-                <a:extLst>
-                  <a:ext uri="{0D108BD9-81ED-4DB2-BD59-A6C34878D82A}">
-                    <a16:rowId xmlns:a16="http://schemas.microsoft.com/office/drawing/2014/main" val="376462627"/>
-                  </a:ext>
-                </a:extLst>
-              </a:tr>
-              <a:tr h="205191">
-                <a:tc>
-                  <a:txBody>
-                    <a:bodyPr/>
-                    <a:lstStyle/>
-                    <a:p>
-                      <a:pPr algn="ctr" fontAlgn="ctr"/>
-                      <a:r>
-                        <a:rPr lang="de-DE" sz="1300" u="none" strike="noStrike">
-                          <a:effectLst/>
-                        </a:rPr>
-                        <a:t>const</a:t>
-                      </a:r>
-                      <a:endParaRPr lang="de-DE" sz="1300" b="0" i="0" u="none" strike="noStrike">
-                        <a:solidFill>
-                          <a:srgbClr val="000000"/>
-                        </a:solidFill>
-                        <a:effectLst/>
-                        <a:latin typeface="等线" panose="02010600030101010101" pitchFamily="2" charset="-122"/>
-                        <a:ea typeface="等线" panose="02010600030101010101" pitchFamily="2" charset="-122"/>
-                      </a:endParaRPr>
-                    </a:p>
-                  </a:txBody>
-                  <a:tcPr marL="11285" marR="11285" marT="11285" marB="0" anchor="ctr"/>
-                </a:tc>
-                <a:tc>
-                  <a:txBody>
-                    <a:bodyPr/>
-                    <a:lstStyle/>
-                    <a:p>
-                      <a:pPr algn="ctr" fontAlgn="ctr"/>
-                      <a:r>
-                        <a:rPr lang="en-US" altLang="zh-CN" sz="1300" u="none" strike="noStrike">
-                          <a:effectLst/>
-                        </a:rPr>
-                        <a:t>-3.5559</a:t>
-                      </a:r>
-                      <a:endParaRPr lang="en-US" altLang="zh-CN" sz="1300" b="0" i="0" u="none" strike="noStrike">
-                        <a:solidFill>
-                          <a:srgbClr val="000000"/>
-                        </a:solidFill>
-                        <a:effectLst/>
-                        <a:latin typeface="等线" panose="02010600030101010101" pitchFamily="2" charset="-122"/>
-                        <a:ea typeface="等线" panose="02010600030101010101" pitchFamily="2" charset="-122"/>
-                      </a:endParaRPr>
-                    </a:p>
-                  </a:txBody>
-                  <a:tcPr marL="11285" marR="11285" marT="11285" marB="0" anchor="ctr"/>
-                </a:tc>
-                <a:tc>
-                  <a:txBody>
-                    <a:bodyPr/>
-                    <a:lstStyle/>
-                    <a:p>
-                      <a:pPr algn="ctr" fontAlgn="ctr"/>
-                      <a:r>
-                        <a:rPr lang="en-US" altLang="zh-CN" sz="1300" u="none" strike="noStrike">
-                          <a:effectLst/>
-                        </a:rPr>
-                        <a:t>0.141</a:t>
-                      </a:r>
-                      <a:endParaRPr lang="en-US" altLang="zh-CN" sz="1300" b="0" i="0" u="none" strike="noStrike">
-                        <a:solidFill>
-                          <a:srgbClr val="000000"/>
-                        </a:solidFill>
-                        <a:effectLst/>
-                        <a:latin typeface="等线" panose="02010600030101010101" pitchFamily="2" charset="-122"/>
-                        <a:ea typeface="等线" panose="02010600030101010101" pitchFamily="2" charset="-122"/>
-                      </a:endParaRPr>
-                    </a:p>
-                  </a:txBody>
-                  <a:tcPr marL="11285" marR="11285" marT="11285" marB="0" anchor="ctr"/>
-                </a:tc>
-                <a:tc>
-                  <a:txBody>
-                    <a:bodyPr/>
-                    <a:lstStyle/>
-                    <a:p>
-                      <a:pPr algn="ctr" fontAlgn="ctr"/>
-                      <a:r>
-                        <a:rPr lang="en-US" altLang="zh-CN" sz="1300" u="none" strike="noStrike">
-                          <a:effectLst/>
-                        </a:rPr>
-                        <a:t>-25.281</a:t>
-                      </a:r>
-                      <a:endParaRPr lang="en-US" altLang="zh-CN" sz="1300" b="0" i="0" u="none" strike="noStrike">
-                        <a:solidFill>
-                          <a:srgbClr val="000000"/>
-                        </a:solidFill>
-                        <a:effectLst/>
-                        <a:latin typeface="等线" panose="02010600030101010101" pitchFamily="2" charset="-122"/>
-                        <a:ea typeface="等线" panose="02010600030101010101" pitchFamily="2" charset="-122"/>
-                      </a:endParaRPr>
-                    </a:p>
-                  </a:txBody>
-                  <a:tcPr marL="11285" marR="11285" marT="11285" marB="0" anchor="ctr"/>
-                </a:tc>
-                <a:tc>
-                  <a:txBody>
-                    <a:bodyPr/>
-                    <a:lstStyle/>
-                    <a:p>
-                      <a:pPr algn="ctr" fontAlgn="ctr"/>
-                      <a:r>
-                        <a:rPr lang="en-US" altLang="zh-CN" sz="1300" u="none" strike="noStrike">
-                          <a:effectLst/>
-                        </a:rPr>
-                        <a:t>0.000</a:t>
-                      </a:r>
-                      <a:endParaRPr lang="en-US" altLang="zh-CN" sz="1300" b="0" i="0" u="none" strike="noStrike">
-                        <a:solidFill>
-                          <a:srgbClr val="000000"/>
-                        </a:solidFill>
-                        <a:effectLst/>
-                        <a:latin typeface="等线" panose="02010600030101010101" pitchFamily="2" charset="-122"/>
-                        <a:ea typeface="等线" panose="02010600030101010101" pitchFamily="2" charset="-122"/>
-                      </a:endParaRPr>
-                    </a:p>
-                  </a:txBody>
-                  <a:tcPr marL="11285" marR="11285" marT="11285" marB="0" anchor="ctr"/>
-                </a:tc>
-                <a:tc>
-                  <a:txBody>
-                    <a:bodyPr/>
-                    <a:lstStyle/>
-                    <a:p>
-                      <a:pPr algn="ctr" fontAlgn="ctr"/>
-                      <a:r>
-                        <a:rPr lang="en-US" altLang="zh-CN" sz="1300" u="none" strike="noStrike">
-                          <a:effectLst/>
-                        </a:rPr>
-                        <a:t>-3.832</a:t>
-                      </a:r>
-                      <a:endParaRPr lang="en-US" altLang="zh-CN" sz="1300" b="0" i="0" u="none" strike="noStrike">
-                        <a:solidFill>
-                          <a:srgbClr val="000000"/>
-                        </a:solidFill>
-                        <a:effectLst/>
-                        <a:latin typeface="等线" panose="02010600030101010101" pitchFamily="2" charset="-122"/>
-                        <a:ea typeface="等线" panose="02010600030101010101" pitchFamily="2" charset="-122"/>
-                      </a:endParaRPr>
-                    </a:p>
-                  </a:txBody>
-                  <a:tcPr marL="11285" marR="11285" marT="11285" marB="0" anchor="ctr"/>
-                </a:tc>
-                <a:tc>
-                  <a:txBody>
-                    <a:bodyPr/>
-                    <a:lstStyle/>
-                    <a:p>
-                      <a:pPr algn="ctr" fontAlgn="ctr"/>
-                      <a:r>
-                        <a:rPr lang="en-US" altLang="zh-CN" sz="1300" u="none" strike="noStrike">
-                          <a:effectLst/>
-                        </a:rPr>
-                        <a:t>-3.28</a:t>
-                      </a:r>
-                      <a:endParaRPr lang="en-US" altLang="zh-CN" sz="1300" b="0" i="0" u="none" strike="noStrike">
-                        <a:solidFill>
-                          <a:srgbClr val="000000"/>
-                        </a:solidFill>
-                        <a:effectLst/>
-                        <a:latin typeface="等线" panose="02010600030101010101" pitchFamily="2" charset="-122"/>
-                        <a:ea typeface="等线" panose="02010600030101010101" pitchFamily="2" charset="-122"/>
-                      </a:endParaRPr>
-                    </a:p>
-                  </a:txBody>
-                  <a:tcPr marL="11285" marR="11285" marT="11285" marB="0" anchor="ctr"/>
-                </a:tc>
-                <a:extLst>
-                  <a:ext uri="{0D108BD9-81ED-4DB2-BD59-A6C34878D82A}">
-                    <a16:rowId xmlns:a16="http://schemas.microsoft.com/office/drawing/2014/main" val="3856800914"/>
-                  </a:ext>
-                </a:extLst>
-              </a:tr>
-              <a:tr h="593458">
-                <a:tc>
-                  <a:txBody>
-                    <a:bodyPr/>
-                    <a:lstStyle/>
-                    <a:p>
-                      <a:pPr algn="ctr" fontAlgn="ctr"/>
-                      <a:r>
-                        <a:rPr lang="de-DE" sz="1300" u="none" strike="noStrike">
-                          <a:effectLst/>
-                        </a:rPr>
-                        <a:t>person_income</a:t>
-                      </a:r>
-                      <a:endParaRPr lang="de-DE" sz="1300" b="0" i="0" u="none" strike="noStrike">
-                        <a:solidFill>
-                          <a:srgbClr val="000000"/>
-                        </a:solidFill>
-                        <a:effectLst/>
-                        <a:latin typeface="等线" panose="02010600030101010101" pitchFamily="2" charset="-122"/>
-                        <a:ea typeface="等线" panose="02010600030101010101" pitchFamily="2" charset="-122"/>
-                      </a:endParaRPr>
-                    </a:p>
-                  </a:txBody>
-                  <a:tcPr marL="11285" marR="11285" marT="11285" marB="0" anchor="ctr"/>
-                </a:tc>
-                <a:tc>
-                  <a:txBody>
-                    <a:bodyPr/>
-                    <a:lstStyle/>
-                    <a:p>
-                      <a:pPr algn="ctr" fontAlgn="ctr"/>
-                      <a:r>
-                        <a:rPr lang="en-US" altLang="zh-CN" sz="1300" u="none" strike="noStrike">
-                          <a:effectLst/>
-                        </a:rPr>
-                        <a:t>-0.000011</a:t>
-                      </a:r>
-                      <a:endParaRPr lang="en-US" altLang="zh-CN" sz="1300" b="0" i="0" u="none" strike="noStrike">
-                        <a:solidFill>
-                          <a:srgbClr val="000000"/>
-                        </a:solidFill>
-                        <a:effectLst/>
-                        <a:latin typeface="等线" panose="02010600030101010101" pitchFamily="2" charset="-122"/>
-                        <a:ea typeface="等线" panose="02010600030101010101" pitchFamily="2" charset="-122"/>
-                      </a:endParaRPr>
-                    </a:p>
-                  </a:txBody>
-                  <a:tcPr marL="11285" marR="11285" marT="11285" marB="0" anchor="ctr"/>
-                </a:tc>
-                <a:tc>
-                  <a:txBody>
-                    <a:bodyPr/>
-                    <a:lstStyle/>
-                    <a:p>
-                      <a:pPr algn="ctr" fontAlgn="ctr"/>
-                      <a:r>
-                        <a:rPr lang="en-US" altLang="zh-CN" sz="1300" u="none" strike="noStrike">
-                          <a:effectLst/>
-                        </a:rPr>
-                        <a:t>0.000000712</a:t>
-                      </a:r>
-                      <a:endParaRPr lang="en-US" altLang="zh-CN" sz="1300" b="0" i="0" u="none" strike="noStrike">
-                        <a:solidFill>
-                          <a:srgbClr val="000000"/>
-                        </a:solidFill>
-                        <a:effectLst/>
-                        <a:latin typeface="等线" panose="02010600030101010101" pitchFamily="2" charset="-122"/>
-                        <a:ea typeface="等线" panose="02010600030101010101" pitchFamily="2" charset="-122"/>
-                      </a:endParaRPr>
-                    </a:p>
-                  </a:txBody>
-                  <a:tcPr marL="11285" marR="11285" marT="11285" marB="0" anchor="ctr"/>
-                </a:tc>
-                <a:tc>
-                  <a:txBody>
-                    <a:bodyPr/>
-                    <a:lstStyle/>
-                    <a:p>
-                      <a:pPr algn="ctr" fontAlgn="ctr"/>
-                      <a:r>
-                        <a:rPr lang="en-US" altLang="zh-CN" sz="1300" u="none" strike="noStrike">
-                          <a:effectLst/>
-                        </a:rPr>
-                        <a:t>-15.359</a:t>
-                      </a:r>
-                      <a:endParaRPr lang="en-US" altLang="zh-CN" sz="1300" b="0" i="0" u="none" strike="noStrike">
-                        <a:solidFill>
-                          <a:srgbClr val="000000"/>
-                        </a:solidFill>
-                        <a:effectLst/>
-                        <a:latin typeface="等线" panose="02010600030101010101" pitchFamily="2" charset="-122"/>
-                        <a:ea typeface="等线" panose="02010600030101010101" pitchFamily="2" charset="-122"/>
-                      </a:endParaRPr>
-                    </a:p>
-                  </a:txBody>
-                  <a:tcPr marL="11285" marR="11285" marT="11285" marB="0" anchor="ctr"/>
-                </a:tc>
-                <a:tc>
-                  <a:txBody>
-                    <a:bodyPr/>
-                    <a:lstStyle/>
-                    <a:p>
-                      <a:pPr algn="ctr" fontAlgn="ctr"/>
-                      <a:r>
-                        <a:rPr lang="en-US" altLang="zh-CN" sz="1300" u="none" strike="noStrike">
-                          <a:effectLst/>
-                        </a:rPr>
-                        <a:t>0.000</a:t>
-                      </a:r>
-                      <a:endParaRPr lang="en-US" altLang="zh-CN" sz="1300" b="0" i="0" u="none" strike="noStrike">
-                        <a:solidFill>
-                          <a:srgbClr val="000000"/>
-                        </a:solidFill>
-                        <a:effectLst/>
-                        <a:latin typeface="等线" panose="02010600030101010101" pitchFamily="2" charset="-122"/>
-                        <a:ea typeface="等线" panose="02010600030101010101" pitchFamily="2" charset="-122"/>
-                      </a:endParaRPr>
-                    </a:p>
-                  </a:txBody>
-                  <a:tcPr marL="11285" marR="11285" marT="11285" marB="0" anchor="ctr"/>
-                </a:tc>
-                <a:tc>
-                  <a:txBody>
-                    <a:bodyPr/>
-                    <a:lstStyle/>
-                    <a:p>
-                      <a:pPr algn="ctr" fontAlgn="ctr"/>
-                      <a:r>
-                        <a:rPr lang="en-US" altLang="zh-CN" sz="1300" u="none" strike="noStrike">
-                          <a:effectLst/>
-                        </a:rPr>
-                        <a:t>-0.000012</a:t>
-                      </a:r>
-                      <a:endParaRPr lang="en-US" altLang="zh-CN" sz="1300" b="0" i="0" u="none" strike="noStrike">
-                        <a:solidFill>
-                          <a:srgbClr val="000000"/>
-                        </a:solidFill>
-                        <a:effectLst/>
-                        <a:latin typeface="等线" panose="02010600030101010101" pitchFamily="2" charset="-122"/>
-                        <a:ea typeface="等线" panose="02010600030101010101" pitchFamily="2" charset="-122"/>
-                      </a:endParaRPr>
-                    </a:p>
-                  </a:txBody>
-                  <a:tcPr marL="11285" marR="11285" marT="11285" marB="0" anchor="ctr"/>
-                </a:tc>
-                <a:tc>
-                  <a:txBody>
-                    <a:bodyPr/>
-                    <a:lstStyle/>
-                    <a:p>
-                      <a:pPr algn="ctr" fontAlgn="ctr"/>
-                      <a:r>
-                        <a:rPr lang="en-US" altLang="zh-CN" sz="1300" u="none" strike="noStrike">
-                          <a:effectLst/>
-                        </a:rPr>
-                        <a:t>-0.00001</a:t>
-                      </a:r>
-                      <a:endParaRPr lang="en-US" altLang="zh-CN" sz="1300" b="0" i="0" u="none" strike="noStrike">
-                        <a:solidFill>
-                          <a:srgbClr val="000000"/>
-                        </a:solidFill>
-                        <a:effectLst/>
-                        <a:latin typeface="等线" panose="02010600030101010101" pitchFamily="2" charset="-122"/>
-                        <a:ea typeface="等线" panose="02010600030101010101" pitchFamily="2" charset="-122"/>
-                      </a:endParaRPr>
-                    </a:p>
-                  </a:txBody>
-                  <a:tcPr marL="11285" marR="11285" marT="11285" marB="0" anchor="ctr"/>
-                </a:tc>
-                <a:extLst>
-                  <a:ext uri="{0D108BD9-81ED-4DB2-BD59-A6C34878D82A}">
-                    <a16:rowId xmlns:a16="http://schemas.microsoft.com/office/drawing/2014/main" val="4192634184"/>
-                  </a:ext>
-                </a:extLst>
-              </a:tr>
-              <a:tr h="399324">
-                <a:tc>
-                  <a:txBody>
-                    <a:bodyPr/>
-                    <a:lstStyle/>
-                    <a:p>
-                      <a:pPr algn="ctr" fontAlgn="ctr"/>
-                      <a:r>
-                        <a:rPr lang="de-DE" sz="1300" u="none" strike="noStrike">
-                          <a:effectLst/>
-                        </a:rPr>
-                        <a:t>person_emp_length</a:t>
-                      </a:r>
-                      <a:endParaRPr lang="de-DE" sz="1300" b="0" i="0" u="none" strike="noStrike">
-                        <a:solidFill>
-                          <a:srgbClr val="000000"/>
-                        </a:solidFill>
-                        <a:effectLst/>
-                        <a:latin typeface="等线" panose="02010600030101010101" pitchFamily="2" charset="-122"/>
-                        <a:ea typeface="等线" panose="02010600030101010101" pitchFamily="2" charset="-122"/>
-                      </a:endParaRPr>
-                    </a:p>
-                  </a:txBody>
-                  <a:tcPr marL="11285" marR="11285" marT="11285" marB="0" anchor="ctr"/>
-                </a:tc>
-                <a:tc>
-                  <a:txBody>
-                    <a:bodyPr/>
-                    <a:lstStyle/>
-                    <a:p>
-                      <a:pPr algn="ctr" fontAlgn="ctr"/>
-                      <a:r>
-                        <a:rPr lang="en-US" altLang="zh-CN" sz="1300" u="none" strike="noStrike">
-                          <a:effectLst/>
-                        </a:rPr>
-                        <a:t>-0.0198</a:t>
-                      </a:r>
-                      <a:endParaRPr lang="en-US" altLang="zh-CN" sz="1300" b="0" i="0" u="none" strike="noStrike">
-                        <a:solidFill>
-                          <a:srgbClr val="000000"/>
-                        </a:solidFill>
-                        <a:effectLst/>
-                        <a:latin typeface="等线" panose="02010600030101010101" pitchFamily="2" charset="-122"/>
-                        <a:ea typeface="等线" panose="02010600030101010101" pitchFamily="2" charset="-122"/>
-                      </a:endParaRPr>
-                    </a:p>
-                  </a:txBody>
-                  <a:tcPr marL="11285" marR="11285" marT="11285" marB="0" anchor="ctr"/>
-                </a:tc>
-                <a:tc>
-                  <a:txBody>
-                    <a:bodyPr/>
-                    <a:lstStyle/>
-                    <a:p>
-                      <a:pPr algn="ctr" fontAlgn="ctr"/>
-                      <a:r>
-                        <a:rPr lang="en-US" altLang="zh-CN" sz="1300" u="none" strike="noStrike">
-                          <a:effectLst/>
-                        </a:rPr>
-                        <a:t>0.005</a:t>
-                      </a:r>
-                      <a:endParaRPr lang="en-US" altLang="zh-CN" sz="1300" b="0" i="0" u="none" strike="noStrike">
-                        <a:solidFill>
-                          <a:srgbClr val="000000"/>
-                        </a:solidFill>
-                        <a:effectLst/>
-                        <a:latin typeface="等线" panose="02010600030101010101" pitchFamily="2" charset="-122"/>
-                        <a:ea typeface="等线" panose="02010600030101010101" pitchFamily="2" charset="-122"/>
-                      </a:endParaRPr>
-                    </a:p>
-                  </a:txBody>
-                  <a:tcPr marL="11285" marR="11285" marT="11285" marB="0" anchor="ctr"/>
-                </a:tc>
-                <a:tc>
-                  <a:txBody>
-                    <a:bodyPr/>
-                    <a:lstStyle/>
-                    <a:p>
-                      <a:pPr algn="ctr" fontAlgn="ctr"/>
-                      <a:r>
-                        <a:rPr lang="en-US" altLang="zh-CN" sz="1300" u="none" strike="noStrike">
-                          <a:effectLst/>
-                        </a:rPr>
-                        <a:t>-3.9</a:t>
-                      </a:r>
-                      <a:endParaRPr lang="en-US" altLang="zh-CN" sz="1300" b="0" i="0" u="none" strike="noStrike">
-                        <a:solidFill>
-                          <a:srgbClr val="000000"/>
-                        </a:solidFill>
-                        <a:effectLst/>
-                        <a:latin typeface="等线" panose="02010600030101010101" pitchFamily="2" charset="-122"/>
-                        <a:ea typeface="等线" panose="02010600030101010101" pitchFamily="2" charset="-122"/>
-                      </a:endParaRPr>
-                    </a:p>
-                  </a:txBody>
-                  <a:tcPr marL="11285" marR="11285" marT="11285" marB="0" anchor="ctr"/>
-                </a:tc>
-                <a:tc>
-                  <a:txBody>
-                    <a:bodyPr/>
-                    <a:lstStyle/>
-                    <a:p>
-                      <a:pPr algn="ctr" fontAlgn="ctr"/>
-                      <a:r>
-                        <a:rPr lang="en-US" altLang="zh-CN" sz="1300" u="none" strike="noStrike">
-                          <a:effectLst/>
-                        </a:rPr>
-                        <a:t>0.000</a:t>
-                      </a:r>
-                      <a:endParaRPr lang="en-US" altLang="zh-CN" sz="1300" b="0" i="0" u="none" strike="noStrike">
-                        <a:solidFill>
-                          <a:srgbClr val="000000"/>
-                        </a:solidFill>
-                        <a:effectLst/>
-                        <a:latin typeface="等线" panose="02010600030101010101" pitchFamily="2" charset="-122"/>
-                        <a:ea typeface="等线" panose="02010600030101010101" pitchFamily="2" charset="-122"/>
-                      </a:endParaRPr>
-                    </a:p>
-                  </a:txBody>
-                  <a:tcPr marL="11285" marR="11285" marT="11285" marB="0" anchor="ctr"/>
-                </a:tc>
-                <a:tc>
-                  <a:txBody>
-                    <a:bodyPr/>
-                    <a:lstStyle/>
-                    <a:p>
-                      <a:pPr algn="ctr" fontAlgn="ctr"/>
-                      <a:r>
-                        <a:rPr lang="en-US" altLang="zh-CN" sz="1300" u="none" strike="noStrike">
-                          <a:effectLst/>
-                        </a:rPr>
-                        <a:t>-0.03</a:t>
-                      </a:r>
-                      <a:endParaRPr lang="en-US" altLang="zh-CN" sz="1300" b="0" i="0" u="none" strike="noStrike">
-                        <a:solidFill>
-                          <a:srgbClr val="000000"/>
-                        </a:solidFill>
-                        <a:effectLst/>
-                        <a:latin typeface="等线" panose="02010600030101010101" pitchFamily="2" charset="-122"/>
-                        <a:ea typeface="等线" panose="02010600030101010101" pitchFamily="2" charset="-122"/>
-                      </a:endParaRPr>
-                    </a:p>
-                  </a:txBody>
-                  <a:tcPr marL="11285" marR="11285" marT="11285" marB="0" anchor="ctr"/>
-                </a:tc>
-                <a:tc>
-                  <a:txBody>
-                    <a:bodyPr/>
-                    <a:lstStyle/>
-                    <a:p>
-                      <a:pPr algn="ctr" fontAlgn="ctr"/>
-                      <a:r>
-                        <a:rPr lang="en-US" altLang="zh-CN" sz="1300" u="none" strike="noStrike">
-                          <a:effectLst/>
-                        </a:rPr>
-                        <a:t>-0.01</a:t>
-                      </a:r>
-                      <a:endParaRPr lang="en-US" altLang="zh-CN" sz="1300" b="0" i="0" u="none" strike="noStrike">
-                        <a:solidFill>
-                          <a:srgbClr val="000000"/>
-                        </a:solidFill>
-                        <a:effectLst/>
-                        <a:latin typeface="等线" panose="02010600030101010101" pitchFamily="2" charset="-122"/>
-                        <a:ea typeface="等线" panose="02010600030101010101" pitchFamily="2" charset="-122"/>
-                      </a:endParaRPr>
-                    </a:p>
-                  </a:txBody>
-                  <a:tcPr marL="11285" marR="11285" marT="11285" marB="0" anchor="ctr"/>
-                </a:tc>
-                <a:extLst>
-                  <a:ext uri="{0D108BD9-81ED-4DB2-BD59-A6C34878D82A}">
-                    <a16:rowId xmlns:a16="http://schemas.microsoft.com/office/drawing/2014/main" val="3885079467"/>
-                  </a:ext>
-                </a:extLst>
-              </a:tr>
-              <a:tr h="205191">
-                <a:tc>
-                  <a:txBody>
-                    <a:bodyPr/>
-                    <a:lstStyle/>
-                    <a:p>
-                      <a:pPr algn="ctr" fontAlgn="ctr"/>
-                      <a:r>
-                        <a:rPr lang="de-DE" sz="1300" u="none" strike="noStrike">
-                          <a:effectLst/>
-                        </a:rPr>
-                        <a:t>loan_int_rate</a:t>
-                      </a:r>
-                      <a:endParaRPr lang="de-DE" sz="1300" b="0" i="0" u="none" strike="noStrike">
-                        <a:solidFill>
-                          <a:srgbClr val="000000"/>
-                        </a:solidFill>
-                        <a:effectLst/>
-                        <a:latin typeface="等线" panose="02010600030101010101" pitchFamily="2" charset="-122"/>
-                        <a:ea typeface="等线" panose="02010600030101010101" pitchFamily="2" charset="-122"/>
-                      </a:endParaRPr>
-                    </a:p>
-                  </a:txBody>
-                  <a:tcPr marL="11285" marR="11285" marT="11285" marB="0" anchor="ctr"/>
-                </a:tc>
-                <a:tc>
-                  <a:txBody>
-                    <a:bodyPr/>
-                    <a:lstStyle/>
-                    <a:p>
-                      <a:pPr algn="ctr" fontAlgn="ctr"/>
-                      <a:r>
-                        <a:rPr lang="en-US" altLang="zh-CN" sz="1300" u="none" strike="noStrike">
-                          <a:effectLst/>
-                        </a:rPr>
-                        <a:t>0.0497</a:t>
-                      </a:r>
-                      <a:endParaRPr lang="en-US" altLang="zh-CN" sz="1300" b="0" i="0" u="none" strike="noStrike">
-                        <a:solidFill>
-                          <a:srgbClr val="000000"/>
-                        </a:solidFill>
-                        <a:effectLst/>
-                        <a:latin typeface="等线" panose="02010600030101010101" pitchFamily="2" charset="-122"/>
-                        <a:ea typeface="等线" panose="02010600030101010101" pitchFamily="2" charset="-122"/>
-                      </a:endParaRPr>
-                    </a:p>
-                  </a:txBody>
-                  <a:tcPr marL="11285" marR="11285" marT="11285" marB="0" anchor="ctr"/>
-                </a:tc>
-                <a:tc>
-                  <a:txBody>
-                    <a:bodyPr/>
-                    <a:lstStyle/>
-                    <a:p>
-                      <a:pPr algn="ctr" fontAlgn="ctr"/>
-                      <a:r>
-                        <a:rPr lang="en-US" altLang="zh-CN" sz="1300" u="none" strike="noStrike">
-                          <a:effectLst/>
-                        </a:rPr>
-                        <a:t>0.014</a:t>
-                      </a:r>
-                      <a:endParaRPr lang="en-US" altLang="zh-CN" sz="1300" b="0" i="0" u="none" strike="noStrike">
-                        <a:solidFill>
-                          <a:srgbClr val="000000"/>
-                        </a:solidFill>
-                        <a:effectLst/>
-                        <a:latin typeface="等线" panose="02010600030101010101" pitchFamily="2" charset="-122"/>
-                        <a:ea typeface="等线" panose="02010600030101010101" pitchFamily="2" charset="-122"/>
-                      </a:endParaRPr>
-                    </a:p>
-                  </a:txBody>
-                  <a:tcPr marL="11285" marR="11285" marT="11285" marB="0" anchor="ctr"/>
-                </a:tc>
-                <a:tc>
-                  <a:txBody>
-                    <a:bodyPr/>
-                    <a:lstStyle/>
-                    <a:p>
-                      <a:pPr algn="ctr" fontAlgn="ctr"/>
-                      <a:r>
-                        <a:rPr lang="en-US" altLang="zh-CN" sz="1300" u="none" strike="noStrike">
-                          <a:effectLst/>
-                        </a:rPr>
-                        <a:t>3.619</a:t>
-                      </a:r>
-                      <a:endParaRPr lang="en-US" altLang="zh-CN" sz="1300" b="0" i="0" u="none" strike="noStrike">
-                        <a:solidFill>
-                          <a:srgbClr val="000000"/>
-                        </a:solidFill>
-                        <a:effectLst/>
-                        <a:latin typeface="等线" panose="02010600030101010101" pitchFamily="2" charset="-122"/>
-                        <a:ea typeface="等线" panose="02010600030101010101" pitchFamily="2" charset="-122"/>
-                      </a:endParaRPr>
-                    </a:p>
-                  </a:txBody>
-                  <a:tcPr marL="11285" marR="11285" marT="11285" marB="0" anchor="ctr"/>
-                </a:tc>
-                <a:tc>
-                  <a:txBody>
-                    <a:bodyPr/>
-                    <a:lstStyle/>
-                    <a:p>
-                      <a:pPr algn="ctr" fontAlgn="ctr"/>
-                      <a:r>
-                        <a:rPr lang="en-US" altLang="zh-CN" sz="1300" u="none" strike="noStrike">
-                          <a:effectLst/>
-                        </a:rPr>
-                        <a:t>0.000</a:t>
-                      </a:r>
-                      <a:endParaRPr lang="en-US" altLang="zh-CN" sz="1300" b="0" i="0" u="none" strike="noStrike">
-                        <a:solidFill>
-                          <a:srgbClr val="000000"/>
-                        </a:solidFill>
-                        <a:effectLst/>
-                        <a:latin typeface="等线" panose="02010600030101010101" pitchFamily="2" charset="-122"/>
-                        <a:ea typeface="等线" panose="02010600030101010101" pitchFamily="2" charset="-122"/>
-                      </a:endParaRPr>
-                    </a:p>
-                  </a:txBody>
-                  <a:tcPr marL="11285" marR="11285" marT="11285" marB="0" anchor="ctr"/>
-                </a:tc>
-                <a:tc>
-                  <a:txBody>
-                    <a:bodyPr/>
-                    <a:lstStyle/>
-                    <a:p>
-                      <a:pPr algn="ctr" fontAlgn="ctr"/>
-                      <a:r>
-                        <a:rPr lang="en-US" altLang="zh-CN" sz="1300" u="none" strike="noStrike">
-                          <a:effectLst/>
-                        </a:rPr>
-                        <a:t>0.023</a:t>
-                      </a:r>
-                      <a:endParaRPr lang="en-US" altLang="zh-CN" sz="1300" b="0" i="0" u="none" strike="noStrike">
-                        <a:solidFill>
-                          <a:srgbClr val="000000"/>
-                        </a:solidFill>
-                        <a:effectLst/>
-                        <a:latin typeface="等线" panose="02010600030101010101" pitchFamily="2" charset="-122"/>
-                        <a:ea typeface="等线" panose="02010600030101010101" pitchFamily="2" charset="-122"/>
-                      </a:endParaRPr>
-                    </a:p>
-                  </a:txBody>
-                  <a:tcPr marL="11285" marR="11285" marT="11285" marB="0" anchor="ctr"/>
-                </a:tc>
-                <a:tc>
-                  <a:txBody>
-                    <a:bodyPr/>
-                    <a:lstStyle/>
-                    <a:p>
-                      <a:pPr algn="ctr" fontAlgn="ctr"/>
-                      <a:r>
-                        <a:rPr lang="en-US" altLang="zh-CN" sz="1300" u="none" strike="noStrike">
-                          <a:effectLst/>
-                        </a:rPr>
-                        <a:t>0.077</a:t>
-                      </a:r>
-                      <a:endParaRPr lang="en-US" altLang="zh-CN" sz="1300" b="0" i="0" u="none" strike="noStrike">
-                        <a:solidFill>
-                          <a:srgbClr val="000000"/>
-                        </a:solidFill>
-                        <a:effectLst/>
-                        <a:latin typeface="等线" panose="02010600030101010101" pitchFamily="2" charset="-122"/>
-                        <a:ea typeface="等线" panose="02010600030101010101" pitchFamily="2" charset="-122"/>
-                      </a:endParaRPr>
-                    </a:p>
-                  </a:txBody>
-                  <a:tcPr marL="11285" marR="11285" marT="11285" marB="0" anchor="ctr"/>
-                </a:tc>
-                <a:extLst>
-                  <a:ext uri="{0D108BD9-81ED-4DB2-BD59-A6C34878D82A}">
-                    <a16:rowId xmlns:a16="http://schemas.microsoft.com/office/drawing/2014/main" val="2067379085"/>
-                  </a:ext>
-                </a:extLst>
-              </a:tr>
-              <a:tr h="399324">
-                <a:tc>
-                  <a:txBody>
-                    <a:bodyPr/>
-                    <a:lstStyle/>
-                    <a:p>
-                      <a:pPr algn="ctr" fontAlgn="ctr"/>
-                      <a:r>
-                        <a:rPr lang="de-DE" sz="1300" u="none" strike="noStrike">
-                          <a:effectLst/>
-                        </a:rPr>
-                        <a:t>loan_percent_income</a:t>
-                      </a:r>
-                      <a:endParaRPr lang="de-DE" sz="1300" b="0" i="0" u="none" strike="noStrike">
-                        <a:solidFill>
-                          <a:srgbClr val="000000"/>
-                        </a:solidFill>
-                        <a:effectLst/>
-                        <a:latin typeface="等线" panose="02010600030101010101" pitchFamily="2" charset="-122"/>
-                        <a:ea typeface="等线" panose="02010600030101010101" pitchFamily="2" charset="-122"/>
-                      </a:endParaRPr>
-                    </a:p>
-                  </a:txBody>
-                  <a:tcPr marL="11285" marR="11285" marT="11285" marB="0" anchor="ctr"/>
-                </a:tc>
-                <a:tc>
-                  <a:txBody>
-                    <a:bodyPr/>
-                    <a:lstStyle/>
-                    <a:p>
-                      <a:pPr algn="ctr" fontAlgn="ctr"/>
-                      <a:r>
-                        <a:rPr lang="en-US" altLang="zh-CN" sz="1300" u="none" strike="noStrike">
-                          <a:effectLst/>
-                        </a:rPr>
-                        <a:t>8.5544</a:t>
-                      </a:r>
-                      <a:endParaRPr lang="en-US" altLang="zh-CN" sz="1300" b="1" i="0" u="none" strike="noStrike">
-                        <a:solidFill>
-                          <a:srgbClr val="FF0000"/>
-                        </a:solidFill>
-                        <a:effectLst/>
-                        <a:latin typeface="等线" panose="02010600030101010101" pitchFamily="2" charset="-122"/>
-                        <a:ea typeface="等线" panose="02010600030101010101" pitchFamily="2" charset="-122"/>
-                      </a:endParaRPr>
-                    </a:p>
-                  </a:txBody>
-                  <a:tcPr marL="11285" marR="11285" marT="11285" marB="0" anchor="ctr"/>
-                </a:tc>
-                <a:tc>
-                  <a:txBody>
-                    <a:bodyPr/>
-                    <a:lstStyle/>
-                    <a:p>
-                      <a:pPr algn="ctr" fontAlgn="ctr"/>
-                      <a:r>
-                        <a:rPr lang="en-US" altLang="zh-CN" sz="1300" u="none" strike="noStrike">
-                          <a:effectLst/>
-                        </a:rPr>
-                        <a:t>0.183</a:t>
-                      </a:r>
-                      <a:endParaRPr lang="en-US" altLang="zh-CN" sz="1300" b="0" i="0" u="none" strike="noStrike">
-                        <a:solidFill>
-                          <a:srgbClr val="000000"/>
-                        </a:solidFill>
-                        <a:effectLst/>
-                        <a:latin typeface="等线" panose="02010600030101010101" pitchFamily="2" charset="-122"/>
-                        <a:ea typeface="等线" panose="02010600030101010101" pitchFamily="2" charset="-122"/>
-                      </a:endParaRPr>
-                    </a:p>
-                  </a:txBody>
-                  <a:tcPr marL="11285" marR="11285" marT="11285" marB="0" anchor="ctr"/>
-                </a:tc>
-                <a:tc>
-                  <a:txBody>
-                    <a:bodyPr/>
-                    <a:lstStyle/>
-                    <a:p>
-                      <a:pPr algn="ctr" fontAlgn="ctr"/>
-                      <a:r>
-                        <a:rPr lang="en-US" altLang="zh-CN" sz="1300" u="none" strike="noStrike">
-                          <a:effectLst/>
-                        </a:rPr>
-                        <a:t>46.766</a:t>
-                      </a:r>
-                      <a:endParaRPr lang="en-US" altLang="zh-CN" sz="1300" b="0" i="0" u="none" strike="noStrike">
-                        <a:solidFill>
-                          <a:srgbClr val="000000"/>
-                        </a:solidFill>
-                        <a:effectLst/>
-                        <a:latin typeface="等线" panose="02010600030101010101" pitchFamily="2" charset="-122"/>
-                        <a:ea typeface="等线" panose="02010600030101010101" pitchFamily="2" charset="-122"/>
-                      </a:endParaRPr>
-                    </a:p>
-                  </a:txBody>
-                  <a:tcPr marL="11285" marR="11285" marT="11285" marB="0" anchor="ctr"/>
-                </a:tc>
-                <a:tc>
-                  <a:txBody>
-                    <a:bodyPr/>
-                    <a:lstStyle/>
-                    <a:p>
-                      <a:pPr algn="ctr" fontAlgn="ctr"/>
-                      <a:r>
-                        <a:rPr lang="en-US" altLang="zh-CN" sz="1300" u="none" strike="noStrike">
-                          <a:effectLst/>
-                        </a:rPr>
-                        <a:t>0.000</a:t>
-                      </a:r>
-                      <a:endParaRPr lang="en-US" altLang="zh-CN" sz="1300" b="0" i="0" u="none" strike="noStrike">
-                        <a:solidFill>
-                          <a:srgbClr val="000000"/>
-                        </a:solidFill>
-                        <a:effectLst/>
-                        <a:latin typeface="等线" panose="02010600030101010101" pitchFamily="2" charset="-122"/>
-                        <a:ea typeface="等线" panose="02010600030101010101" pitchFamily="2" charset="-122"/>
-                      </a:endParaRPr>
-                    </a:p>
-                  </a:txBody>
-                  <a:tcPr marL="11285" marR="11285" marT="11285" marB="0" anchor="ctr"/>
-                </a:tc>
-                <a:tc>
-                  <a:txBody>
-                    <a:bodyPr/>
-                    <a:lstStyle/>
-                    <a:p>
-                      <a:pPr algn="ctr" fontAlgn="ctr"/>
-                      <a:r>
-                        <a:rPr lang="en-US" altLang="zh-CN" sz="1300" u="none" strike="noStrike">
-                          <a:effectLst/>
-                        </a:rPr>
-                        <a:t>8.196</a:t>
-                      </a:r>
-                      <a:endParaRPr lang="en-US" altLang="zh-CN" sz="1300" b="0" i="0" u="none" strike="noStrike">
-                        <a:solidFill>
-                          <a:srgbClr val="000000"/>
-                        </a:solidFill>
-                        <a:effectLst/>
-                        <a:latin typeface="等线" panose="02010600030101010101" pitchFamily="2" charset="-122"/>
-                        <a:ea typeface="等线" panose="02010600030101010101" pitchFamily="2" charset="-122"/>
-                      </a:endParaRPr>
-                    </a:p>
-                  </a:txBody>
-                  <a:tcPr marL="11285" marR="11285" marT="11285" marB="0" anchor="ctr"/>
-                </a:tc>
-                <a:tc>
-                  <a:txBody>
-                    <a:bodyPr/>
-                    <a:lstStyle/>
-                    <a:p>
-                      <a:pPr algn="ctr" fontAlgn="ctr"/>
-                      <a:r>
-                        <a:rPr lang="en-US" altLang="zh-CN" sz="1300" u="none" strike="noStrike">
-                          <a:effectLst/>
-                        </a:rPr>
-                        <a:t>8.913</a:t>
-                      </a:r>
-                      <a:endParaRPr lang="en-US" altLang="zh-CN" sz="1300" b="0" i="0" u="none" strike="noStrike">
-                        <a:solidFill>
-                          <a:srgbClr val="000000"/>
-                        </a:solidFill>
-                        <a:effectLst/>
-                        <a:latin typeface="等线" panose="02010600030101010101" pitchFamily="2" charset="-122"/>
-                        <a:ea typeface="等线" panose="02010600030101010101" pitchFamily="2" charset="-122"/>
-                      </a:endParaRPr>
-                    </a:p>
-                  </a:txBody>
-                  <a:tcPr marL="11285" marR="11285" marT="11285" marB="0" anchor="ctr"/>
-                </a:tc>
-                <a:extLst>
-                  <a:ext uri="{0D108BD9-81ED-4DB2-BD59-A6C34878D82A}">
-                    <a16:rowId xmlns:a16="http://schemas.microsoft.com/office/drawing/2014/main" val="3971527458"/>
-                  </a:ext>
-                </a:extLst>
-              </a:tr>
-              <a:tr h="399324">
-                <a:tc>
-                  <a:txBody>
-                    <a:bodyPr/>
-                    <a:lstStyle/>
-                    <a:p>
-                      <a:pPr algn="ctr" fontAlgn="ctr"/>
-                      <a:r>
-                        <a:rPr lang="en-US" sz="1300" u="none" strike="noStrike">
-                          <a:effectLst/>
-                        </a:rPr>
-                        <a:t>cb_person_cred_hist_length</a:t>
-                      </a:r>
-                      <a:endParaRPr lang="en-US" sz="1300" b="0" i="0" u="none" strike="noStrike">
-                        <a:solidFill>
-                          <a:srgbClr val="000000"/>
-                        </a:solidFill>
-                        <a:effectLst/>
-                        <a:latin typeface="等线" panose="02010600030101010101" pitchFamily="2" charset="-122"/>
-                        <a:ea typeface="等线" panose="02010600030101010101" pitchFamily="2" charset="-122"/>
-                      </a:endParaRPr>
-                    </a:p>
-                  </a:txBody>
-                  <a:tcPr marL="11285" marR="11285" marT="11285" marB="0" anchor="ctr"/>
-                </a:tc>
-                <a:tc>
-                  <a:txBody>
-                    <a:bodyPr/>
-                    <a:lstStyle/>
-                    <a:p>
-                      <a:pPr algn="ctr" fontAlgn="ctr"/>
-                      <a:r>
-                        <a:rPr lang="en-US" altLang="zh-CN" sz="1300" u="none" strike="noStrike">
-                          <a:effectLst/>
-                        </a:rPr>
-                        <a:t>-0.0045</a:t>
-                      </a:r>
-                      <a:endParaRPr lang="en-US" altLang="zh-CN" sz="1300" b="0" i="0" u="none" strike="noStrike">
-                        <a:solidFill>
-                          <a:srgbClr val="000000"/>
-                        </a:solidFill>
-                        <a:effectLst/>
-                        <a:latin typeface="等线" panose="02010600030101010101" pitchFamily="2" charset="-122"/>
-                        <a:ea typeface="等线" panose="02010600030101010101" pitchFamily="2" charset="-122"/>
-                      </a:endParaRPr>
-                    </a:p>
-                  </a:txBody>
-                  <a:tcPr marL="11285" marR="11285" marT="11285" marB="0" anchor="ctr"/>
-                </a:tc>
-                <a:tc>
-                  <a:txBody>
-                    <a:bodyPr/>
-                    <a:lstStyle/>
-                    <a:p>
-                      <a:pPr algn="ctr" fontAlgn="ctr"/>
-                      <a:r>
-                        <a:rPr lang="en-US" altLang="zh-CN" sz="1300" u="none" strike="noStrike">
-                          <a:effectLst/>
-                        </a:rPr>
-                        <a:t>0.005</a:t>
-                      </a:r>
-                      <a:endParaRPr lang="en-US" altLang="zh-CN" sz="1300" b="0" i="0" u="none" strike="noStrike">
-                        <a:solidFill>
-                          <a:srgbClr val="000000"/>
-                        </a:solidFill>
-                        <a:effectLst/>
-                        <a:latin typeface="等线" panose="02010600030101010101" pitchFamily="2" charset="-122"/>
-                        <a:ea typeface="等线" panose="02010600030101010101" pitchFamily="2" charset="-122"/>
-                      </a:endParaRPr>
-                    </a:p>
-                  </a:txBody>
-                  <a:tcPr marL="11285" marR="11285" marT="11285" marB="0" anchor="ctr"/>
-                </a:tc>
-                <a:tc>
-                  <a:txBody>
-                    <a:bodyPr/>
-                    <a:lstStyle/>
-                    <a:p>
-                      <a:pPr algn="ctr" fontAlgn="ctr"/>
-                      <a:r>
-                        <a:rPr lang="en-US" altLang="zh-CN" sz="1300" u="none" strike="noStrike">
-                          <a:effectLst/>
-                        </a:rPr>
-                        <a:t>-0.981</a:t>
-                      </a:r>
-                      <a:endParaRPr lang="en-US" altLang="zh-CN" sz="1300" b="0" i="0" u="none" strike="noStrike">
-                        <a:solidFill>
-                          <a:srgbClr val="000000"/>
-                        </a:solidFill>
-                        <a:effectLst/>
-                        <a:latin typeface="等线" panose="02010600030101010101" pitchFamily="2" charset="-122"/>
-                        <a:ea typeface="等线" panose="02010600030101010101" pitchFamily="2" charset="-122"/>
-                      </a:endParaRPr>
-                    </a:p>
-                  </a:txBody>
-                  <a:tcPr marL="11285" marR="11285" marT="11285" marB="0" anchor="ctr"/>
-                </a:tc>
-                <a:tc>
-                  <a:txBody>
-                    <a:bodyPr/>
-                    <a:lstStyle/>
-                    <a:p>
-                      <a:pPr algn="ctr" fontAlgn="ctr"/>
-                      <a:r>
-                        <a:rPr lang="en-US" altLang="zh-CN" sz="1300" u="none" strike="noStrike" dirty="0">
-                          <a:effectLst/>
-                        </a:rPr>
-                        <a:t>0.327</a:t>
-                      </a:r>
-                      <a:endParaRPr lang="en-US" altLang="zh-CN" sz="1300" b="1" i="0" u="none" strike="noStrike" dirty="0">
-                        <a:solidFill>
-                          <a:srgbClr val="FF0000"/>
-                        </a:solidFill>
-                        <a:effectLst/>
-                        <a:latin typeface="等线" panose="02010600030101010101" pitchFamily="2" charset="-122"/>
-                        <a:ea typeface="等线" panose="02010600030101010101" pitchFamily="2" charset="-122"/>
-                      </a:endParaRPr>
-                    </a:p>
-                  </a:txBody>
-                  <a:tcPr marL="11285" marR="11285" marT="11285" marB="0" anchor="ctr"/>
-                </a:tc>
-                <a:tc>
-                  <a:txBody>
-                    <a:bodyPr/>
-                    <a:lstStyle/>
-                    <a:p>
-                      <a:pPr algn="ctr" fontAlgn="ctr"/>
-                      <a:r>
-                        <a:rPr lang="en-US" altLang="zh-CN" sz="1300" u="none" strike="noStrike">
-                          <a:effectLst/>
-                        </a:rPr>
-                        <a:t>-0.013</a:t>
-                      </a:r>
-                      <a:endParaRPr lang="en-US" altLang="zh-CN" sz="1300" b="0" i="0" u="none" strike="noStrike">
-                        <a:solidFill>
-                          <a:srgbClr val="000000"/>
-                        </a:solidFill>
-                        <a:effectLst/>
-                        <a:latin typeface="等线" panose="02010600030101010101" pitchFamily="2" charset="-122"/>
-                        <a:ea typeface="等线" panose="02010600030101010101" pitchFamily="2" charset="-122"/>
-                      </a:endParaRPr>
-                    </a:p>
-                  </a:txBody>
-                  <a:tcPr marL="11285" marR="11285" marT="11285" marB="0" anchor="ctr"/>
-                </a:tc>
-                <a:tc>
-                  <a:txBody>
-                    <a:bodyPr/>
-                    <a:lstStyle/>
-                    <a:p>
-                      <a:pPr algn="ctr" fontAlgn="ctr"/>
-                      <a:r>
-                        <a:rPr lang="en-US" altLang="zh-CN" sz="1300" u="none" strike="noStrike">
-                          <a:effectLst/>
-                        </a:rPr>
-                        <a:t>0.004</a:t>
-                      </a:r>
-                      <a:endParaRPr lang="en-US" altLang="zh-CN" sz="1300" b="0" i="0" u="none" strike="noStrike">
-                        <a:solidFill>
-                          <a:srgbClr val="000000"/>
-                        </a:solidFill>
-                        <a:effectLst/>
-                        <a:latin typeface="等线" panose="02010600030101010101" pitchFamily="2" charset="-122"/>
-                        <a:ea typeface="等线" panose="02010600030101010101" pitchFamily="2" charset="-122"/>
-                      </a:endParaRPr>
-                    </a:p>
-                  </a:txBody>
-                  <a:tcPr marL="11285" marR="11285" marT="11285" marB="0" anchor="ctr"/>
-                </a:tc>
-                <a:extLst>
-                  <a:ext uri="{0D108BD9-81ED-4DB2-BD59-A6C34878D82A}">
-                    <a16:rowId xmlns:a16="http://schemas.microsoft.com/office/drawing/2014/main" val="2066331495"/>
-                  </a:ext>
-                </a:extLst>
-              </a:tr>
-              <a:tr h="205191">
-                <a:tc>
-                  <a:txBody>
-                    <a:bodyPr/>
-                    <a:lstStyle/>
-                    <a:p>
-                      <a:pPr algn="ctr" fontAlgn="ctr"/>
-                      <a:r>
-                        <a:rPr lang="de-DE" sz="1300" u="none" strike="noStrike">
-                          <a:effectLst/>
-                        </a:rPr>
-                        <a:t>OTHER</a:t>
-                      </a:r>
-                      <a:endParaRPr lang="de-DE" sz="1300" b="0" i="0" u="none" strike="noStrike">
-                        <a:solidFill>
-                          <a:srgbClr val="000000"/>
-                        </a:solidFill>
-                        <a:effectLst/>
-                        <a:latin typeface="等线" panose="02010600030101010101" pitchFamily="2" charset="-122"/>
-                        <a:ea typeface="等线" panose="02010600030101010101" pitchFamily="2" charset="-122"/>
-                      </a:endParaRPr>
-                    </a:p>
-                  </a:txBody>
-                  <a:tcPr marL="11285" marR="11285" marT="11285" marB="0" anchor="ctr"/>
-                </a:tc>
-                <a:tc>
-                  <a:txBody>
-                    <a:bodyPr/>
-                    <a:lstStyle/>
-                    <a:p>
-                      <a:pPr algn="ctr" fontAlgn="ctr"/>
-                      <a:r>
-                        <a:rPr lang="en-US" altLang="zh-CN" sz="1300" u="none" strike="noStrike">
-                          <a:effectLst/>
-                        </a:rPr>
-                        <a:t>0.7228</a:t>
-                      </a:r>
-                      <a:endParaRPr lang="en-US" altLang="zh-CN" sz="1300" b="0" i="0" u="none" strike="noStrike">
-                        <a:solidFill>
-                          <a:srgbClr val="000000"/>
-                        </a:solidFill>
-                        <a:effectLst/>
-                        <a:latin typeface="等线" panose="02010600030101010101" pitchFamily="2" charset="-122"/>
-                        <a:ea typeface="等线" panose="02010600030101010101" pitchFamily="2" charset="-122"/>
-                      </a:endParaRPr>
-                    </a:p>
-                  </a:txBody>
-                  <a:tcPr marL="11285" marR="11285" marT="11285" marB="0" anchor="ctr"/>
-                </a:tc>
-                <a:tc>
-                  <a:txBody>
-                    <a:bodyPr/>
-                    <a:lstStyle/>
-                    <a:p>
-                      <a:pPr algn="ctr" fontAlgn="ctr"/>
-                      <a:r>
-                        <a:rPr lang="en-US" altLang="zh-CN" sz="1300" u="none" strike="noStrike">
-                          <a:effectLst/>
-                        </a:rPr>
-                        <a:t>0.29</a:t>
-                      </a:r>
-                      <a:endParaRPr lang="en-US" altLang="zh-CN" sz="1300" b="0" i="0" u="none" strike="noStrike">
-                        <a:solidFill>
-                          <a:srgbClr val="000000"/>
-                        </a:solidFill>
-                        <a:effectLst/>
-                        <a:latin typeface="等线" panose="02010600030101010101" pitchFamily="2" charset="-122"/>
-                        <a:ea typeface="等线" panose="02010600030101010101" pitchFamily="2" charset="-122"/>
-                      </a:endParaRPr>
-                    </a:p>
-                  </a:txBody>
-                  <a:tcPr marL="11285" marR="11285" marT="11285" marB="0" anchor="ctr"/>
-                </a:tc>
-                <a:tc>
-                  <a:txBody>
-                    <a:bodyPr/>
-                    <a:lstStyle/>
-                    <a:p>
-                      <a:pPr algn="ctr" fontAlgn="ctr"/>
-                      <a:r>
-                        <a:rPr lang="en-US" altLang="zh-CN" sz="1300" u="none" strike="noStrike">
-                          <a:effectLst/>
-                        </a:rPr>
-                        <a:t>2.495</a:t>
-                      </a:r>
-                      <a:endParaRPr lang="en-US" altLang="zh-CN" sz="1300" b="0" i="0" u="none" strike="noStrike">
-                        <a:solidFill>
-                          <a:srgbClr val="000000"/>
-                        </a:solidFill>
-                        <a:effectLst/>
-                        <a:latin typeface="等线" panose="02010600030101010101" pitchFamily="2" charset="-122"/>
-                        <a:ea typeface="等线" panose="02010600030101010101" pitchFamily="2" charset="-122"/>
-                      </a:endParaRPr>
-                    </a:p>
-                  </a:txBody>
-                  <a:tcPr marL="11285" marR="11285" marT="11285" marB="0" anchor="ctr"/>
-                </a:tc>
-                <a:tc>
-                  <a:txBody>
-                    <a:bodyPr/>
-                    <a:lstStyle/>
-                    <a:p>
-                      <a:pPr algn="ctr" fontAlgn="ctr"/>
-                      <a:r>
-                        <a:rPr lang="en-US" altLang="zh-CN" sz="1300" u="none" strike="noStrike">
-                          <a:effectLst/>
-                        </a:rPr>
-                        <a:t>0.013</a:t>
-                      </a:r>
-                      <a:endParaRPr lang="en-US" altLang="zh-CN" sz="1300" b="1" i="0" u="none" strike="noStrike">
-                        <a:solidFill>
-                          <a:srgbClr val="FF0000"/>
-                        </a:solidFill>
-                        <a:effectLst/>
-                        <a:latin typeface="等线" panose="02010600030101010101" pitchFamily="2" charset="-122"/>
-                        <a:ea typeface="等线" panose="02010600030101010101" pitchFamily="2" charset="-122"/>
-                      </a:endParaRPr>
-                    </a:p>
-                  </a:txBody>
-                  <a:tcPr marL="11285" marR="11285" marT="11285" marB="0" anchor="ctr"/>
-                </a:tc>
-                <a:tc>
-                  <a:txBody>
-                    <a:bodyPr/>
-                    <a:lstStyle/>
-                    <a:p>
-                      <a:pPr algn="ctr" fontAlgn="ctr"/>
-                      <a:r>
-                        <a:rPr lang="en-US" altLang="zh-CN" sz="1300" u="none" strike="noStrike">
-                          <a:effectLst/>
-                        </a:rPr>
-                        <a:t>0.155</a:t>
-                      </a:r>
-                      <a:endParaRPr lang="en-US" altLang="zh-CN" sz="1300" b="0" i="0" u="none" strike="noStrike">
-                        <a:solidFill>
-                          <a:srgbClr val="000000"/>
-                        </a:solidFill>
-                        <a:effectLst/>
-                        <a:latin typeface="等线" panose="02010600030101010101" pitchFamily="2" charset="-122"/>
-                        <a:ea typeface="等线" panose="02010600030101010101" pitchFamily="2" charset="-122"/>
-                      </a:endParaRPr>
-                    </a:p>
-                  </a:txBody>
-                  <a:tcPr marL="11285" marR="11285" marT="11285" marB="0" anchor="ctr"/>
-                </a:tc>
-                <a:tc>
-                  <a:txBody>
-                    <a:bodyPr/>
-                    <a:lstStyle/>
-                    <a:p>
-                      <a:pPr algn="ctr" fontAlgn="ctr"/>
-                      <a:r>
-                        <a:rPr lang="en-US" altLang="zh-CN" sz="1300" u="none" strike="noStrike">
-                          <a:effectLst/>
-                        </a:rPr>
-                        <a:t>1.291</a:t>
-                      </a:r>
-                      <a:endParaRPr lang="en-US" altLang="zh-CN" sz="1300" b="0" i="0" u="none" strike="noStrike">
-                        <a:solidFill>
-                          <a:srgbClr val="000000"/>
-                        </a:solidFill>
-                        <a:effectLst/>
-                        <a:latin typeface="等线" panose="02010600030101010101" pitchFamily="2" charset="-122"/>
-                        <a:ea typeface="等线" panose="02010600030101010101" pitchFamily="2" charset="-122"/>
-                      </a:endParaRPr>
-                    </a:p>
-                  </a:txBody>
-                  <a:tcPr marL="11285" marR="11285" marT="11285" marB="0" anchor="ctr"/>
-                </a:tc>
-                <a:extLst>
-                  <a:ext uri="{0D108BD9-81ED-4DB2-BD59-A6C34878D82A}">
-                    <a16:rowId xmlns:a16="http://schemas.microsoft.com/office/drawing/2014/main" val="542612537"/>
-                  </a:ext>
-                </a:extLst>
-              </a:tr>
-              <a:tr h="205191">
-                <a:tc>
-                  <a:txBody>
-                    <a:bodyPr/>
-                    <a:lstStyle/>
-                    <a:p>
-                      <a:pPr algn="ctr" fontAlgn="ctr"/>
-                      <a:r>
-                        <a:rPr lang="de-DE" sz="1300" u="none" strike="noStrike">
-                          <a:effectLst/>
-                        </a:rPr>
-                        <a:t>OWN</a:t>
-                      </a:r>
-                      <a:endParaRPr lang="de-DE" sz="1300" b="0" i="0" u="none" strike="noStrike">
-                        <a:solidFill>
-                          <a:srgbClr val="000000"/>
-                        </a:solidFill>
-                        <a:effectLst/>
-                        <a:latin typeface="等线" panose="02010600030101010101" pitchFamily="2" charset="-122"/>
-                        <a:ea typeface="等线" panose="02010600030101010101" pitchFamily="2" charset="-122"/>
-                      </a:endParaRPr>
-                    </a:p>
-                  </a:txBody>
-                  <a:tcPr marL="11285" marR="11285" marT="11285" marB="0" anchor="ctr"/>
-                </a:tc>
-                <a:tc>
-                  <a:txBody>
-                    <a:bodyPr/>
-                    <a:lstStyle/>
-                    <a:p>
-                      <a:pPr algn="ctr" fontAlgn="ctr"/>
-                      <a:r>
-                        <a:rPr lang="en-US" altLang="zh-CN" sz="1300" u="none" strike="noStrike">
-                          <a:effectLst/>
-                        </a:rPr>
-                        <a:t>-1.5205</a:t>
-                      </a:r>
-                      <a:endParaRPr lang="en-US" altLang="zh-CN" sz="1300" b="0" i="0" u="none" strike="noStrike">
-                        <a:solidFill>
-                          <a:srgbClr val="000000"/>
-                        </a:solidFill>
-                        <a:effectLst/>
-                        <a:latin typeface="等线" panose="02010600030101010101" pitchFamily="2" charset="-122"/>
-                        <a:ea typeface="等线" panose="02010600030101010101" pitchFamily="2" charset="-122"/>
-                      </a:endParaRPr>
-                    </a:p>
-                  </a:txBody>
-                  <a:tcPr marL="11285" marR="11285" marT="11285" marB="0" anchor="ctr"/>
-                </a:tc>
-                <a:tc>
-                  <a:txBody>
-                    <a:bodyPr/>
-                    <a:lstStyle/>
-                    <a:p>
-                      <a:pPr algn="ctr" fontAlgn="ctr"/>
-                      <a:r>
-                        <a:rPr lang="en-US" altLang="zh-CN" sz="1300" u="none" strike="noStrike">
-                          <a:effectLst/>
-                        </a:rPr>
-                        <a:t>0.109</a:t>
-                      </a:r>
-                      <a:endParaRPr lang="en-US" altLang="zh-CN" sz="1300" b="0" i="0" u="none" strike="noStrike">
-                        <a:solidFill>
-                          <a:srgbClr val="000000"/>
-                        </a:solidFill>
-                        <a:effectLst/>
-                        <a:latin typeface="等线" panose="02010600030101010101" pitchFamily="2" charset="-122"/>
-                        <a:ea typeface="等线" panose="02010600030101010101" pitchFamily="2" charset="-122"/>
-                      </a:endParaRPr>
-                    </a:p>
-                  </a:txBody>
-                  <a:tcPr marL="11285" marR="11285" marT="11285" marB="0" anchor="ctr"/>
-                </a:tc>
-                <a:tc>
-                  <a:txBody>
-                    <a:bodyPr/>
-                    <a:lstStyle/>
-                    <a:p>
-                      <a:pPr algn="ctr" fontAlgn="ctr"/>
-                      <a:r>
-                        <a:rPr lang="en-US" altLang="zh-CN" sz="1300" u="none" strike="noStrike">
-                          <a:effectLst/>
-                        </a:rPr>
-                        <a:t>-13.939</a:t>
-                      </a:r>
-                      <a:endParaRPr lang="en-US" altLang="zh-CN" sz="1300" b="0" i="0" u="none" strike="noStrike">
-                        <a:solidFill>
-                          <a:srgbClr val="000000"/>
-                        </a:solidFill>
-                        <a:effectLst/>
-                        <a:latin typeface="等线" panose="02010600030101010101" pitchFamily="2" charset="-122"/>
-                        <a:ea typeface="等线" panose="02010600030101010101" pitchFamily="2" charset="-122"/>
-                      </a:endParaRPr>
-                    </a:p>
-                  </a:txBody>
-                  <a:tcPr marL="11285" marR="11285" marT="11285" marB="0" anchor="ctr"/>
-                </a:tc>
-                <a:tc>
-                  <a:txBody>
-                    <a:bodyPr/>
-                    <a:lstStyle/>
-                    <a:p>
-                      <a:pPr algn="ctr" fontAlgn="ctr"/>
-                      <a:r>
-                        <a:rPr lang="en-US" altLang="zh-CN" sz="1300" u="none" strike="noStrike">
-                          <a:effectLst/>
-                        </a:rPr>
-                        <a:t>0.000</a:t>
-                      </a:r>
-                      <a:endParaRPr lang="en-US" altLang="zh-CN" sz="1300" b="0" i="0" u="none" strike="noStrike">
-                        <a:solidFill>
-                          <a:srgbClr val="000000"/>
-                        </a:solidFill>
-                        <a:effectLst/>
-                        <a:latin typeface="等线" panose="02010600030101010101" pitchFamily="2" charset="-122"/>
-                        <a:ea typeface="等线" panose="02010600030101010101" pitchFamily="2" charset="-122"/>
-                      </a:endParaRPr>
-                    </a:p>
-                  </a:txBody>
-                  <a:tcPr marL="11285" marR="11285" marT="11285" marB="0" anchor="ctr"/>
-                </a:tc>
-                <a:tc>
-                  <a:txBody>
-                    <a:bodyPr/>
-                    <a:lstStyle/>
-                    <a:p>
-                      <a:pPr algn="ctr" fontAlgn="ctr"/>
-                      <a:r>
-                        <a:rPr lang="en-US" altLang="zh-CN" sz="1300" u="none" strike="noStrike">
-                          <a:effectLst/>
-                        </a:rPr>
-                        <a:t>-1.734</a:t>
-                      </a:r>
-                      <a:endParaRPr lang="en-US" altLang="zh-CN" sz="1300" b="0" i="0" u="none" strike="noStrike">
-                        <a:solidFill>
-                          <a:srgbClr val="000000"/>
-                        </a:solidFill>
-                        <a:effectLst/>
-                        <a:latin typeface="等线" panose="02010600030101010101" pitchFamily="2" charset="-122"/>
-                        <a:ea typeface="等线" panose="02010600030101010101" pitchFamily="2" charset="-122"/>
-                      </a:endParaRPr>
-                    </a:p>
-                  </a:txBody>
-                  <a:tcPr marL="11285" marR="11285" marT="11285" marB="0" anchor="ctr"/>
-                </a:tc>
-                <a:tc>
-                  <a:txBody>
-                    <a:bodyPr/>
-                    <a:lstStyle/>
-                    <a:p>
-                      <a:pPr algn="ctr" fontAlgn="ctr"/>
-                      <a:r>
-                        <a:rPr lang="en-US" altLang="zh-CN" sz="1300" u="none" strike="noStrike">
-                          <a:effectLst/>
-                        </a:rPr>
-                        <a:t>-1.307</a:t>
-                      </a:r>
-                      <a:endParaRPr lang="en-US" altLang="zh-CN" sz="1300" b="0" i="0" u="none" strike="noStrike">
-                        <a:solidFill>
-                          <a:srgbClr val="000000"/>
-                        </a:solidFill>
-                        <a:effectLst/>
-                        <a:latin typeface="等线" panose="02010600030101010101" pitchFamily="2" charset="-122"/>
-                        <a:ea typeface="等线" panose="02010600030101010101" pitchFamily="2" charset="-122"/>
-                      </a:endParaRPr>
-                    </a:p>
-                  </a:txBody>
-                  <a:tcPr marL="11285" marR="11285" marT="11285" marB="0" anchor="ctr"/>
-                </a:tc>
-                <a:extLst>
-                  <a:ext uri="{0D108BD9-81ED-4DB2-BD59-A6C34878D82A}">
-                    <a16:rowId xmlns:a16="http://schemas.microsoft.com/office/drawing/2014/main" val="807806426"/>
-                  </a:ext>
-                </a:extLst>
-              </a:tr>
-              <a:tr h="205191">
-                <a:tc>
-                  <a:txBody>
-                    <a:bodyPr/>
-                    <a:lstStyle/>
-                    <a:p>
-                      <a:pPr algn="ctr" fontAlgn="ctr"/>
-                      <a:r>
-                        <a:rPr lang="de-DE" sz="1300" u="none" strike="noStrike">
-                          <a:effectLst/>
-                        </a:rPr>
-                        <a:t>RENT</a:t>
-                      </a:r>
-                      <a:endParaRPr lang="de-DE" sz="1300" b="0" i="0" u="none" strike="noStrike">
-                        <a:solidFill>
-                          <a:srgbClr val="000000"/>
-                        </a:solidFill>
-                        <a:effectLst/>
-                        <a:latin typeface="等线" panose="02010600030101010101" pitchFamily="2" charset="-122"/>
-                        <a:ea typeface="等线" panose="02010600030101010101" pitchFamily="2" charset="-122"/>
-                      </a:endParaRPr>
-                    </a:p>
-                  </a:txBody>
-                  <a:tcPr marL="11285" marR="11285" marT="11285" marB="0" anchor="ctr"/>
-                </a:tc>
-                <a:tc>
-                  <a:txBody>
-                    <a:bodyPr/>
-                    <a:lstStyle/>
-                    <a:p>
-                      <a:pPr algn="ctr" fontAlgn="ctr"/>
-                      <a:r>
-                        <a:rPr lang="en-US" altLang="zh-CN" sz="1300" u="none" strike="noStrike">
-                          <a:effectLst/>
-                        </a:rPr>
-                        <a:t>0.8948</a:t>
-                      </a:r>
-                      <a:endParaRPr lang="en-US" altLang="zh-CN" sz="1300" b="0" i="0" u="none" strike="noStrike">
-                        <a:solidFill>
-                          <a:srgbClr val="000000"/>
-                        </a:solidFill>
-                        <a:effectLst/>
-                        <a:latin typeface="等线" panose="02010600030101010101" pitchFamily="2" charset="-122"/>
-                        <a:ea typeface="等线" panose="02010600030101010101" pitchFamily="2" charset="-122"/>
-                      </a:endParaRPr>
-                    </a:p>
-                  </a:txBody>
-                  <a:tcPr marL="11285" marR="11285" marT="11285" marB="0" anchor="ctr"/>
-                </a:tc>
-                <a:tc>
-                  <a:txBody>
-                    <a:bodyPr/>
-                    <a:lstStyle/>
-                    <a:p>
-                      <a:pPr algn="ctr" fontAlgn="ctr"/>
-                      <a:r>
-                        <a:rPr lang="en-US" altLang="zh-CN" sz="1300" u="none" strike="noStrike">
-                          <a:effectLst/>
-                        </a:rPr>
-                        <a:t>0.043</a:t>
-                      </a:r>
-                      <a:endParaRPr lang="en-US" altLang="zh-CN" sz="1300" b="0" i="0" u="none" strike="noStrike">
-                        <a:solidFill>
-                          <a:srgbClr val="000000"/>
-                        </a:solidFill>
-                        <a:effectLst/>
-                        <a:latin typeface="等线" panose="02010600030101010101" pitchFamily="2" charset="-122"/>
-                        <a:ea typeface="等线" panose="02010600030101010101" pitchFamily="2" charset="-122"/>
-                      </a:endParaRPr>
-                    </a:p>
-                  </a:txBody>
-                  <a:tcPr marL="11285" marR="11285" marT="11285" marB="0" anchor="ctr"/>
-                </a:tc>
-                <a:tc>
-                  <a:txBody>
-                    <a:bodyPr/>
-                    <a:lstStyle/>
-                    <a:p>
-                      <a:pPr algn="ctr" fontAlgn="ctr"/>
-                      <a:r>
-                        <a:rPr lang="en-US" altLang="zh-CN" sz="1300" u="none" strike="noStrike">
-                          <a:effectLst/>
-                        </a:rPr>
-                        <a:t>20.84</a:t>
-                      </a:r>
-                      <a:endParaRPr lang="en-US" altLang="zh-CN" sz="1300" b="0" i="0" u="none" strike="noStrike">
-                        <a:solidFill>
-                          <a:srgbClr val="000000"/>
-                        </a:solidFill>
-                        <a:effectLst/>
-                        <a:latin typeface="等线" panose="02010600030101010101" pitchFamily="2" charset="-122"/>
-                        <a:ea typeface="等线" panose="02010600030101010101" pitchFamily="2" charset="-122"/>
-                      </a:endParaRPr>
-                    </a:p>
-                  </a:txBody>
-                  <a:tcPr marL="11285" marR="11285" marT="11285" marB="0" anchor="ctr"/>
-                </a:tc>
-                <a:tc>
-                  <a:txBody>
-                    <a:bodyPr/>
-                    <a:lstStyle/>
-                    <a:p>
-                      <a:pPr algn="ctr" fontAlgn="ctr"/>
-                      <a:r>
-                        <a:rPr lang="en-US" altLang="zh-CN" sz="1300" u="none" strike="noStrike" dirty="0">
-                          <a:effectLst/>
-                        </a:rPr>
-                        <a:t>0.000</a:t>
-                      </a:r>
-                      <a:endParaRPr lang="en-US" altLang="zh-CN" sz="1300" b="0" i="0" u="none" strike="noStrike" dirty="0">
-                        <a:solidFill>
-                          <a:srgbClr val="000000"/>
-                        </a:solidFill>
-                        <a:effectLst/>
-                        <a:latin typeface="等线" panose="02010600030101010101" pitchFamily="2" charset="-122"/>
-                        <a:ea typeface="等线" panose="02010600030101010101" pitchFamily="2" charset="-122"/>
-                      </a:endParaRPr>
-                    </a:p>
-                  </a:txBody>
-                  <a:tcPr marL="11285" marR="11285" marT="11285" marB="0" anchor="ctr"/>
-                </a:tc>
-                <a:tc>
-                  <a:txBody>
-                    <a:bodyPr/>
-                    <a:lstStyle/>
-                    <a:p>
-                      <a:pPr algn="ctr" fontAlgn="ctr"/>
-                      <a:r>
-                        <a:rPr lang="en-US" altLang="zh-CN" sz="1300" u="none" strike="noStrike">
-                          <a:effectLst/>
-                        </a:rPr>
-                        <a:t>0.811</a:t>
-                      </a:r>
-                      <a:endParaRPr lang="en-US" altLang="zh-CN" sz="1300" b="0" i="0" u="none" strike="noStrike">
-                        <a:solidFill>
-                          <a:srgbClr val="000000"/>
-                        </a:solidFill>
-                        <a:effectLst/>
-                        <a:latin typeface="等线" panose="02010600030101010101" pitchFamily="2" charset="-122"/>
-                        <a:ea typeface="等线" panose="02010600030101010101" pitchFamily="2" charset="-122"/>
-                      </a:endParaRPr>
-                    </a:p>
-                  </a:txBody>
-                  <a:tcPr marL="11285" marR="11285" marT="11285" marB="0" anchor="ctr"/>
-                </a:tc>
-                <a:tc>
-                  <a:txBody>
-                    <a:bodyPr/>
-                    <a:lstStyle/>
-                    <a:p>
-                      <a:pPr algn="ctr" fontAlgn="ctr"/>
-                      <a:r>
-                        <a:rPr lang="en-US" altLang="zh-CN" sz="1300" u="none" strike="noStrike">
-                          <a:effectLst/>
-                        </a:rPr>
-                        <a:t>0.979</a:t>
-                      </a:r>
-                      <a:endParaRPr lang="en-US" altLang="zh-CN" sz="1300" b="0" i="0" u="none" strike="noStrike">
-                        <a:solidFill>
-                          <a:srgbClr val="000000"/>
-                        </a:solidFill>
-                        <a:effectLst/>
-                        <a:latin typeface="等线" panose="02010600030101010101" pitchFamily="2" charset="-122"/>
-                        <a:ea typeface="等线" panose="02010600030101010101" pitchFamily="2" charset="-122"/>
-                      </a:endParaRPr>
-                    </a:p>
-                  </a:txBody>
-                  <a:tcPr marL="11285" marR="11285" marT="11285" marB="0" anchor="ctr"/>
-                </a:tc>
-                <a:extLst>
-                  <a:ext uri="{0D108BD9-81ED-4DB2-BD59-A6C34878D82A}">
-                    <a16:rowId xmlns:a16="http://schemas.microsoft.com/office/drawing/2014/main" val="4021384690"/>
-                  </a:ext>
-                </a:extLst>
-              </a:tr>
-              <a:tr h="205191">
-                <a:tc>
-                  <a:txBody>
-                    <a:bodyPr/>
-                    <a:lstStyle/>
-                    <a:p>
-                      <a:pPr algn="ctr" fontAlgn="ctr"/>
-                      <a:r>
-                        <a:rPr lang="de-DE" sz="1300" u="none" strike="noStrike">
-                          <a:effectLst/>
-                        </a:rPr>
-                        <a:t>EDUCATION</a:t>
-                      </a:r>
-                      <a:endParaRPr lang="de-DE" sz="1300" b="0" i="0" u="none" strike="noStrike">
-                        <a:solidFill>
-                          <a:srgbClr val="000000"/>
-                        </a:solidFill>
-                        <a:effectLst/>
-                        <a:latin typeface="等线" panose="02010600030101010101" pitchFamily="2" charset="-122"/>
-                        <a:ea typeface="等线" panose="02010600030101010101" pitchFamily="2" charset="-122"/>
-                      </a:endParaRPr>
-                    </a:p>
-                  </a:txBody>
-                  <a:tcPr marL="11285" marR="11285" marT="11285" marB="0" anchor="ctr"/>
-                </a:tc>
-                <a:tc>
-                  <a:txBody>
-                    <a:bodyPr/>
-                    <a:lstStyle/>
-                    <a:p>
-                      <a:pPr algn="ctr" fontAlgn="ctr"/>
-                      <a:r>
-                        <a:rPr lang="en-US" altLang="zh-CN" sz="1300" u="none" strike="noStrike">
-                          <a:effectLst/>
-                        </a:rPr>
-                        <a:t>-0.8725</a:t>
-                      </a:r>
-                      <a:endParaRPr lang="en-US" altLang="zh-CN" sz="1300" b="0" i="0" u="none" strike="noStrike">
-                        <a:solidFill>
-                          <a:srgbClr val="000000"/>
-                        </a:solidFill>
-                        <a:effectLst/>
-                        <a:latin typeface="等线" panose="02010600030101010101" pitchFamily="2" charset="-122"/>
-                        <a:ea typeface="等线" panose="02010600030101010101" pitchFamily="2" charset="-122"/>
-                      </a:endParaRPr>
-                    </a:p>
-                  </a:txBody>
-                  <a:tcPr marL="11285" marR="11285" marT="11285" marB="0" anchor="ctr"/>
-                </a:tc>
-                <a:tc>
-                  <a:txBody>
-                    <a:bodyPr/>
-                    <a:lstStyle/>
-                    <a:p>
-                      <a:pPr algn="ctr" fontAlgn="ctr"/>
-                      <a:r>
-                        <a:rPr lang="en-US" altLang="zh-CN" sz="1300" u="none" strike="noStrike">
-                          <a:effectLst/>
-                        </a:rPr>
-                        <a:t>0.061</a:t>
-                      </a:r>
-                      <a:endParaRPr lang="en-US" altLang="zh-CN" sz="1300" b="0" i="0" u="none" strike="noStrike">
-                        <a:solidFill>
-                          <a:srgbClr val="000000"/>
-                        </a:solidFill>
-                        <a:effectLst/>
-                        <a:latin typeface="等线" panose="02010600030101010101" pitchFamily="2" charset="-122"/>
-                        <a:ea typeface="等线" panose="02010600030101010101" pitchFamily="2" charset="-122"/>
-                      </a:endParaRPr>
-                    </a:p>
-                  </a:txBody>
-                  <a:tcPr marL="11285" marR="11285" marT="11285" marB="0" anchor="ctr"/>
-                </a:tc>
-                <a:tc>
-                  <a:txBody>
-                    <a:bodyPr/>
-                    <a:lstStyle/>
-                    <a:p>
-                      <a:pPr algn="ctr" fontAlgn="ctr"/>
-                      <a:r>
-                        <a:rPr lang="en-US" altLang="zh-CN" sz="1300" u="none" strike="noStrike">
-                          <a:effectLst/>
-                        </a:rPr>
-                        <a:t>-14.396</a:t>
-                      </a:r>
-                      <a:endParaRPr lang="en-US" altLang="zh-CN" sz="1300" b="0" i="0" u="none" strike="noStrike">
-                        <a:solidFill>
-                          <a:srgbClr val="000000"/>
-                        </a:solidFill>
-                        <a:effectLst/>
-                        <a:latin typeface="等线" panose="02010600030101010101" pitchFamily="2" charset="-122"/>
-                        <a:ea typeface="等线" panose="02010600030101010101" pitchFamily="2" charset="-122"/>
-                      </a:endParaRPr>
-                    </a:p>
-                  </a:txBody>
-                  <a:tcPr marL="11285" marR="11285" marT="11285" marB="0" anchor="ctr"/>
-                </a:tc>
-                <a:tc>
-                  <a:txBody>
-                    <a:bodyPr/>
-                    <a:lstStyle/>
-                    <a:p>
-                      <a:pPr algn="ctr" fontAlgn="ctr"/>
-                      <a:r>
-                        <a:rPr lang="en-US" altLang="zh-CN" sz="1300" u="none" strike="noStrike">
-                          <a:effectLst/>
-                        </a:rPr>
-                        <a:t>0.000</a:t>
-                      </a:r>
-                      <a:endParaRPr lang="en-US" altLang="zh-CN" sz="1300" b="0" i="0" u="none" strike="noStrike">
-                        <a:solidFill>
-                          <a:srgbClr val="000000"/>
-                        </a:solidFill>
-                        <a:effectLst/>
-                        <a:latin typeface="等线" panose="02010600030101010101" pitchFamily="2" charset="-122"/>
-                        <a:ea typeface="等线" panose="02010600030101010101" pitchFamily="2" charset="-122"/>
-                      </a:endParaRPr>
-                    </a:p>
-                  </a:txBody>
-                  <a:tcPr marL="11285" marR="11285" marT="11285" marB="0" anchor="ctr"/>
-                </a:tc>
-                <a:tc>
-                  <a:txBody>
-                    <a:bodyPr/>
-                    <a:lstStyle/>
-                    <a:p>
-                      <a:pPr algn="ctr" fontAlgn="ctr"/>
-                      <a:r>
-                        <a:rPr lang="en-US" altLang="zh-CN" sz="1300" u="none" strike="noStrike">
-                          <a:effectLst/>
-                        </a:rPr>
-                        <a:t>-0.991</a:t>
-                      </a:r>
-                      <a:endParaRPr lang="en-US" altLang="zh-CN" sz="1300" b="0" i="0" u="none" strike="noStrike">
-                        <a:solidFill>
-                          <a:srgbClr val="000000"/>
-                        </a:solidFill>
-                        <a:effectLst/>
-                        <a:latin typeface="等线" panose="02010600030101010101" pitchFamily="2" charset="-122"/>
-                        <a:ea typeface="等线" panose="02010600030101010101" pitchFamily="2" charset="-122"/>
-                      </a:endParaRPr>
-                    </a:p>
-                  </a:txBody>
-                  <a:tcPr marL="11285" marR="11285" marT="11285" marB="0" anchor="ctr"/>
-                </a:tc>
-                <a:tc>
-                  <a:txBody>
-                    <a:bodyPr/>
-                    <a:lstStyle/>
-                    <a:p>
-                      <a:pPr algn="ctr" fontAlgn="ctr"/>
-                      <a:r>
-                        <a:rPr lang="en-US" altLang="zh-CN" sz="1300" u="none" strike="noStrike">
-                          <a:effectLst/>
-                        </a:rPr>
-                        <a:t>-0.754</a:t>
-                      </a:r>
-                      <a:endParaRPr lang="en-US" altLang="zh-CN" sz="1300" b="0" i="0" u="none" strike="noStrike">
-                        <a:solidFill>
-                          <a:srgbClr val="000000"/>
-                        </a:solidFill>
-                        <a:effectLst/>
-                        <a:latin typeface="等线" panose="02010600030101010101" pitchFamily="2" charset="-122"/>
-                        <a:ea typeface="等线" panose="02010600030101010101" pitchFamily="2" charset="-122"/>
-                      </a:endParaRPr>
-                    </a:p>
-                  </a:txBody>
-                  <a:tcPr marL="11285" marR="11285" marT="11285" marB="0" anchor="ctr"/>
-                </a:tc>
-                <a:extLst>
-                  <a:ext uri="{0D108BD9-81ED-4DB2-BD59-A6C34878D82A}">
-                    <a16:rowId xmlns:a16="http://schemas.microsoft.com/office/drawing/2014/main" val="2018795089"/>
-                  </a:ext>
-                </a:extLst>
-              </a:tr>
-              <a:tr h="399324">
-                <a:tc>
-                  <a:txBody>
-                    <a:bodyPr/>
-                    <a:lstStyle/>
-                    <a:p>
-                      <a:pPr algn="ctr" fontAlgn="ctr"/>
-                      <a:r>
-                        <a:rPr lang="de-DE" sz="1300" u="none" strike="noStrike">
-                          <a:effectLst/>
-                        </a:rPr>
-                        <a:t>HOMEIMPROVEMENT</a:t>
-                      </a:r>
-                      <a:endParaRPr lang="de-DE" sz="1300" b="0" i="0" u="none" strike="noStrike">
-                        <a:solidFill>
-                          <a:srgbClr val="000000"/>
-                        </a:solidFill>
-                        <a:effectLst/>
-                        <a:latin typeface="等线" panose="02010600030101010101" pitchFamily="2" charset="-122"/>
-                        <a:ea typeface="等线" panose="02010600030101010101" pitchFamily="2" charset="-122"/>
-                      </a:endParaRPr>
-                    </a:p>
-                  </a:txBody>
-                  <a:tcPr marL="11285" marR="11285" marT="11285" marB="0" anchor="ctr"/>
-                </a:tc>
-                <a:tc>
-                  <a:txBody>
-                    <a:bodyPr/>
-                    <a:lstStyle/>
-                    <a:p>
-                      <a:pPr algn="ctr" fontAlgn="ctr"/>
-                      <a:r>
-                        <a:rPr lang="en-US" altLang="zh-CN" sz="1300" u="none" strike="noStrike">
-                          <a:effectLst/>
-                        </a:rPr>
-                        <a:t>0.0067</a:t>
-                      </a:r>
-                      <a:endParaRPr lang="en-US" altLang="zh-CN" sz="1300" b="0" i="0" u="none" strike="noStrike">
-                        <a:solidFill>
-                          <a:srgbClr val="000000"/>
-                        </a:solidFill>
-                        <a:effectLst/>
-                        <a:latin typeface="等线" panose="02010600030101010101" pitchFamily="2" charset="-122"/>
-                        <a:ea typeface="等线" panose="02010600030101010101" pitchFamily="2" charset="-122"/>
-                      </a:endParaRPr>
-                    </a:p>
-                  </a:txBody>
-                  <a:tcPr marL="11285" marR="11285" marT="11285" marB="0" anchor="ctr"/>
-                </a:tc>
-                <a:tc>
-                  <a:txBody>
-                    <a:bodyPr/>
-                    <a:lstStyle/>
-                    <a:p>
-                      <a:pPr algn="ctr" fontAlgn="ctr"/>
-                      <a:r>
-                        <a:rPr lang="en-US" altLang="zh-CN" sz="1300" u="none" strike="noStrike">
-                          <a:effectLst/>
-                        </a:rPr>
-                        <a:t>0.067</a:t>
-                      </a:r>
-                      <a:endParaRPr lang="en-US" altLang="zh-CN" sz="1300" b="0" i="0" u="none" strike="noStrike">
-                        <a:solidFill>
-                          <a:srgbClr val="000000"/>
-                        </a:solidFill>
-                        <a:effectLst/>
-                        <a:latin typeface="等线" panose="02010600030101010101" pitchFamily="2" charset="-122"/>
-                        <a:ea typeface="等线" panose="02010600030101010101" pitchFamily="2" charset="-122"/>
-                      </a:endParaRPr>
-                    </a:p>
-                  </a:txBody>
-                  <a:tcPr marL="11285" marR="11285" marT="11285" marB="0" anchor="ctr"/>
-                </a:tc>
-                <a:tc>
-                  <a:txBody>
-                    <a:bodyPr/>
-                    <a:lstStyle/>
-                    <a:p>
-                      <a:pPr algn="ctr" fontAlgn="ctr"/>
-                      <a:r>
-                        <a:rPr lang="en-US" altLang="zh-CN" sz="1300" u="none" strike="noStrike">
-                          <a:effectLst/>
-                        </a:rPr>
-                        <a:t>0.099</a:t>
-                      </a:r>
-                      <a:endParaRPr lang="en-US" altLang="zh-CN" sz="1300" b="0" i="0" u="none" strike="noStrike">
-                        <a:solidFill>
-                          <a:srgbClr val="000000"/>
-                        </a:solidFill>
-                        <a:effectLst/>
-                        <a:latin typeface="等线" panose="02010600030101010101" pitchFamily="2" charset="-122"/>
-                        <a:ea typeface="等线" panose="02010600030101010101" pitchFamily="2" charset="-122"/>
-                      </a:endParaRPr>
-                    </a:p>
-                  </a:txBody>
-                  <a:tcPr marL="11285" marR="11285" marT="11285" marB="0" anchor="ctr"/>
-                </a:tc>
-                <a:tc>
-                  <a:txBody>
-                    <a:bodyPr/>
-                    <a:lstStyle/>
-                    <a:p>
-                      <a:pPr algn="ctr" fontAlgn="ctr"/>
-                      <a:r>
-                        <a:rPr lang="en-US" altLang="zh-CN" sz="1300" u="none" strike="noStrike">
-                          <a:effectLst/>
-                        </a:rPr>
-                        <a:t>0.921</a:t>
-                      </a:r>
-                      <a:endParaRPr lang="en-US" altLang="zh-CN" sz="1300" b="1" i="0" u="none" strike="noStrike">
-                        <a:solidFill>
-                          <a:srgbClr val="FF0000"/>
-                        </a:solidFill>
-                        <a:effectLst/>
-                        <a:latin typeface="等线" panose="02010600030101010101" pitchFamily="2" charset="-122"/>
-                        <a:ea typeface="等线" panose="02010600030101010101" pitchFamily="2" charset="-122"/>
-                      </a:endParaRPr>
-                    </a:p>
-                  </a:txBody>
-                  <a:tcPr marL="11285" marR="11285" marT="11285" marB="0" anchor="ctr"/>
-                </a:tc>
-                <a:tc>
-                  <a:txBody>
-                    <a:bodyPr/>
-                    <a:lstStyle/>
-                    <a:p>
-                      <a:pPr algn="ctr" fontAlgn="ctr"/>
-                      <a:r>
-                        <a:rPr lang="en-US" altLang="zh-CN" sz="1300" u="none" strike="noStrike">
-                          <a:effectLst/>
-                        </a:rPr>
-                        <a:t>-0.125</a:t>
-                      </a:r>
-                      <a:endParaRPr lang="en-US" altLang="zh-CN" sz="1300" b="0" i="0" u="none" strike="noStrike">
-                        <a:solidFill>
-                          <a:srgbClr val="000000"/>
-                        </a:solidFill>
-                        <a:effectLst/>
-                        <a:latin typeface="等线" panose="02010600030101010101" pitchFamily="2" charset="-122"/>
-                        <a:ea typeface="等线" panose="02010600030101010101" pitchFamily="2" charset="-122"/>
-                      </a:endParaRPr>
-                    </a:p>
-                  </a:txBody>
-                  <a:tcPr marL="11285" marR="11285" marT="11285" marB="0" anchor="ctr"/>
-                </a:tc>
-                <a:tc>
-                  <a:txBody>
-                    <a:bodyPr/>
-                    <a:lstStyle/>
-                    <a:p>
-                      <a:pPr algn="ctr" fontAlgn="ctr"/>
-                      <a:r>
-                        <a:rPr lang="en-US" altLang="zh-CN" sz="1300" u="none" strike="noStrike">
-                          <a:effectLst/>
-                        </a:rPr>
-                        <a:t>0.139</a:t>
-                      </a:r>
-                      <a:endParaRPr lang="en-US" altLang="zh-CN" sz="1300" b="0" i="0" u="none" strike="noStrike">
-                        <a:solidFill>
-                          <a:srgbClr val="000000"/>
-                        </a:solidFill>
-                        <a:effectLst/>
-                        <a:latin typeface="等线" panose="02010600030101010101" pitchFamily="2" charset="-122"/>
-                        <a:ea typeface="等线" panose="02010600030101010101" pitchFamily="2" charset="-122"/>
-                      </a:endParaRPr>
-                    </a:p>
-                  </a:txBody>
-                  <a:tcPr marL="11285" marR="11285" marT="11285" marB="0" anchor="ctr"/>
-                </a:tc>
-                <a:extLst>
-                  <a:ext uri="{0D108BD9-81ED-4DB2-BD59-A6C34878D82A}">
-                    <a16:rowId xmlns:a16="http://schemas.microsoft.com/office/drawing/2014/main" val="1454376542"/>
-                  </a:ext>
-                </a:extLst>
-              </a:tr>
-              <a:tr h="205191">
-                <a:tc>
-                  <a:txBody>
-                    <a:bodyPr/>
-                    <a:lstStyle/>
-                    <a:p>
-                      <a:pPr algn="ctr" fontAlgn="ctr"/>
-                      <a:r>
-                        <a:rPr lang="de-DE" sz="1300" u="none" strike="noStrike">
-                          <a:effectLst/>
-                        </a:rPr>
-                        <a:t>MEDICAL</a:t>
-                      </a:r>
-                      <a:endParaRPr lang="de-DE" sz="1300" b="0" i="0" u="none" strike="noStrike">
-                        <a:solidFill>
-                          <a:srgbClr val="000000"/>
-                        </a:solidFill>
-                        <a:effectLst/>
-                        <a:latin typeface="等线" panose="02010600030101010101" pitchFamily="2" charset="-122"/>
-                        <a:ea typeface="等线" panose="02010600030101010101" pitchFamily="2" charset="-122"/>
-                      </a:endParaRPr>
-                    </a:p>
-                  </a:txBody>
-                  <a:tcPr marL="11285" marR="11285" marT="11285" marB="0" anchor="ctr"/>
-                </a:tc>
-                <a:tc>
-                  <a:txBody>
-                    <a:bodyPr/>
-                    <a:lstStyle/>
-                    <a:p>
-                      <a:pPr algn="ctr" fontAlgn="ctr"/>
-                      <a:r>
-                        <a:rPr lang="en-US" altLang="zh-CN" sz="1300" u="none" strike="noStrike">
-                          <a:effectLst/>
-                        </a:rPr>
-                        <a:t>-0.1771</a:t>
-                      </a:r>
-                      <a:endParaRPr lang="en-US" altLang="zh-CN" sz="1300" b="0" i="0" u="none" strike="noStrike">
-                        <a:solidFill>
-                          <a:srgbClr val="000000"/>
-                        </a:solidFill>
-                        <a:effectLst/>
-                        <a:latin typeface="等线" panose="02010600030101010101" pitchFamily="2" charset="-122"/>
-                        <a:ea typeface="等线" panose="02010600030101010101" pitchFamily="2" charset="-122"/>
-                      </a:endParaRPr>
-                    </a:p>
-                  </a:txBody>
-                  <a:tcPr marL="11285" marR="11285" marT="11285" marB="0" anchor="ctr"/>
-                </a:tc>
-                <a:tc>
-                  <a:txBody>
-                    <a:bodyPr/>
-                    <a:lstStyle/>
-                    <a:p>
-                      <a:pPr algn="ctr" fontAlgn="ctr"/>
-                      <a:r>
-                        <a:rPr lang="en-US" altLang="zh-CN" sz="1300" u="none" strike="noStrike">
-                          <a:effectLst/>
-                        </a:rPr>
-                        <a:t>0.057</a:t>
-                      </a:r>
-                      <a:endParaRPr lang="en-US" altLang="zh-CN" sz="1300" b="0" i="0" u="none" strike="noStrike">
-                        <a:solidFill>
-                          <a:srgbClr val="000000"/>
-                        </a:solidFill>
-                        <a:effectLst/>
-                        <a:latin typeface="等线" panose="02010600030101010101" pitchFamily="2" charset="-122"/>
-                        <a:ea typeface="等线" panose="02010600030101010101" pitchFamily="2" charset="-122"/>
-                      </a:endParaRPr>
-                    </a:p>
-                  </a:txBody>
-                  <a:tcPr marL="11285" marR="11285" marT="11285" marB="0" anchor="ctr"/>
-                </a:tc>
-                <a:tc>
-                  <a:txBody>
-                    <a:bodyPr/>
-                    <a:lstStyle/>
-                    <a:p>
-                      <a:pPr algn="ctr" fontAlgn="ctr"/>
-                      <a:r>
-                        <a:rPr lang="en-US" altLang="zh-CN" sz="1300" u="none" strike="noStrike">
-                          <a:effectLst/>
-                        </a:rPr>
-                        <a:t>-3.107</a:t>
-                      </a:r>
-                      <a:endParaRPr lang="en-US" altLang="zh-CN" sz="1300" b="0" i="0" u="none" strike="noStrike">
-                        <a:solidFill>
-                          <a:srgbClr val="000000"/>
-                        </a:solidFill>
-                        <a:effectLst/>
-                        <a:latin typeface="等线" panose="02010600030101010101" pitchFamily="2" charset="-122"/>
-                        <a:ea typeface="等线" panose="02010600030101010101" pitchFamily="2" charset="-122"/>
-                      </a:endParaRPr>
-                    </a:p>
-                  </a:txBody>
-                  <a:tcPr marL="11285" marR="11285" marT="11285" marB="0" anchor="ctr"/>
-                </a:tc>
-                <a:tc>
-                  <a:txBody>
-                    <a:bodyPr/>
-                    <a:lstStyle/>
-                    <a:p>
-                      <a:pPr algn="ctr" fontAlgn="ctr"/>
-                      <a:r>
-                        <a:rPr lang="en-US" altLang="zh-CN" sz="1300" u="none" strike="noStrike">
-                          <a:effectLst/>
-                        </a:rPr>
-                        <a:t>0.002</a:t>
-                      </a:r>
-                      <a:endParaRPr lang="en-US" altLang="zh-CN" sz="1300" b="0" i="0" u="none" strike="noStrike">
-                        <a:solidFill>
-                          <a:srgbClr val="000000"/>
-                        </a:solidFill>
-                        <a:effectLst/>
-                        <a:latin typeface="等线" panose="02010600030101010101" pitchFamily="2" charset="-122"/>
-                        <a:ea typeface="等线" panose="02010600030101010101" pitchFamily="2" charset="-122"/>
-                      </a:endParaRPr>
-                    </a:p>
-                  </a:txBody>
-                  <a:tcPr marL="11285" marR="11285" marT="11285" marB="0" anchor="ctr"/>
-                </a:tc>
-                <a:tc>
-                  <a:txBody>
-                    <a:bodyPr/>
-                    <a:lstStyle/>
-                    <a:p>
-                      <a:pPr algn="ctr" fontAlgn="ctr"/>
-                      <a:r>
-                        <a:rPr lang="en-US" altLang="zh-CN" sz="1300" u="none" strike="noStrike">
-                          <a:effectLst/>
-                        </a:rPr>
-                        <a:t>-0.289</a:t>
-                      </a:r>
-                      <a:endParaRPr lang="en-US" altLang="zh-CN" sz="1300" b="0" i="0" u="none" strike="noStrike">
-                        <a:solidFill>
-                          <a:srgbClr val="000000"/>
-                        </a:solidFill>
-                        <a:effectLst/>
-                        <a:latin typeface="等线" panose="02010600030101010101" pitchFamily="2" charset="-122"/>
-                        <a:ea typeface="等线" panose="02010600030101010101" pitchFamily="2" charset="-122"/>
-                      </a:endParaRPr>
-                    </a:p>
-                  </a:txBody>
-                  <a:tcPr marL="11285" marR="11285" marT="11285" marB="0" anchor="ctr"/>
-                </a:tc>
-                <a:tc>
-                  <a:txBody>
-                    <a:bodyPr/>
-                    <a:lstStyle/>
-                    <a:p>
-                      <a:pPr algn="ctr" fontAlgn="ctr"/>
-                      <a:r>
-                        <a:rPr lang="en-US" altLang="zh-CN" sz="1300" u="none" strike="noStrike">
-                          <a:effectLst/>
-                        </a:rPr>
-                        <a:t>-0.065</a:t>
-                      </a:r>
-                      <a:endParaRPr lang="en-US" altLang="zh-CN" sz="1300" b="0" i="0" u="none" strike="noStrike">
-                        <a:solidFill>
-                          <a:srgbClr val="000000"/>
-                        </a:solidFill>
-                        <a:effectLst/>
-                        <a:latin typeface="等线" panose="02010600030101010101" pitchFamily="2" charset="-122"/>
-                        <a:ea typeface="等线" panose="02010600030101010101" pitchFamily="2" charset="-122"/>
-                      </a:endParaRPr>
-                    </a:p>
-                  </a:txBody>
-                  <a:tcPr marL="11285" marR="11285" marT="11285" marB="0" anchor="ctr"/>
-                </a:tc>
-                <a:extLst>
-                  <a:ext uri="{0D108BD9-81ED-4DB2-BD59-A6C34878D82A}">
-                    <a16:rowId xmlns:a16="http://schemas.microsoft.com/office/drawing/2014/main" val="3724692076"/>
-                  </a:ext>
-                </a:extLst>
-              </a:tr>
-              <a:tr h="205191">
-                <a:tc>
-                  <a:txBody>
-                    <a:bodyPr/>
-                    <a:lstStyle/>
-                    <a:p>
-                      <a:pPr algn="ctr" fontAlgn="ctr"/>
-                      <a:r>
-                        <a:rPr lang="de-DE" sz="1300" u="none" strike="noStrike">
-                          <a:effectLst/>
-                        </a:rPr>
-                        <a:t>PERSONAL</a:t>
-                      </a:r>
-                      <a:endParaRPr lang="de-DE" sz="1300" b="0" i="0" u="none" strike="noStrike">
-                        <a:solidFill>
-                          <a:srgbClr val="000000"/>
-                        </a:solidFill>
-                        <a:effectLst/>
-                        <a:latin typeface="等线" panose="02010600030101010101" pitchFamily="2" charset="-122"/>
-                        <a:ea typeface="等线" panose="02010600030101010101" pitchFamily="2" charset="-122"/>
-                      </a:endParaRPr>
-                    </a:p>
-                  </a:txBody>
-                  <a:tcPr marL="11285" marR="11285" marT="11285" marB="0" anchor="ctr"/>
-                </a:tc>
-                <a:tc>
-                  <a:txBody>
-                    <a:bodyPr/>
-                    <a:lstStyle/>
-                    <a:p>
-                      <a:pPr algn="ctr" fontAlgn="ctr"/>
-                      <a:r>
-                        <a:rPr lang="en-US" altLang="zh-CN" sz="1300" u="none" strike="noStrike">
-                          <a:effectLst/>
-                        </a:rPr>
-                        <a:t>-0.6379</a:t>
-                      </a:r>
-                      <a:endParaRPr lang="en-US" altLang="zh-CN" sz="1300" b="0" i="0" u="none" strike="noStrike">
-                        <a:solidFill>
-                          <a:srgbClr val="000000"/>
-                        </a:solidFill>
-                        <a:effectLst/>
-                        <a:latin typeface="等线" panose="02010600030101010101" pitchFamily="2" charset="-122"/>
-                        <a:ea typeface="等线" panose="02010600030101010101" pitchFamily="2" charset="-122"/>
-                      </a:endParaRPr>
-                    </a:p>
-                  </a:txBody>
-                  <a:tcPr marL="11285" marR="11285" marT="11285" marB="0" anchor="ctr"/>
-                </a:tc>
-                <a:tc>
-                  <a:txBody>
-                    <a:bodyPr/>
-                    <a:lstStyle/>
-                    <a:p>
-                      <a:pPr algn="ctr" fontAlgn="ctr"/>
-                      <a:r>
-                        <a:rPr lang="en-US" altLang="zh-CN" sz="1300" u="none" strike="noStrike">
-                          <a:effectLst/>
-                        </a:rPr>
-                        <a:t>0.062</a:t>
-                      </a:r>
-                      <a:endParaRPr lang="en-US" altLang="zh-CN" sz="1300" b="0" i="0" u="none" strike="noStrike">
-                        <a:solidFill>
-                          <a:srgbClr val="000000"/>
-                        </a:solidFill>
-                        <a:effectLst/>
-                        <a:latin typeface="等线" panose="02010600030101010101" pitchFamily="2" charset="-122"/>
-                        <a:ea typeface="等线" panose="02010600030101010101" pitchFamily="2" charset="-122"/>
-                      </a:endParaRPr>
-                    </a:p>
-                  </a:txBody>
-                  <a:tcPr marL="11285" marR="11285" marT="11285" marB="0" anchor="ctr"/>
-                </a:tc>
-                <a:tc>
-                  <a:txBody>
-                    <a:bodyPr/>
-                    <a:lstStyle/>
-                    <a:p>
-                      <a:pPr algn="ctr" fontAlgn="ctr"/>
-                      <a:r>
-                        <a:rPr lang="en-US" altLang="zh-CN" sz="1300" u="none" strike="noStrike">
-                          <a:effectLst/>
-                        </a:rPr>
-                        <a:t>-10.3</a:t>
-                      </a:r>
-                      <a:endParaRPr lang="en-US" altLang="zh-CN" sz="1300" b="0" i="0" u="none" strike="noStrike">
-                        <a:solidFill>
-                          <a:srgbClr val="000000"/>
-                        </a:solidFill>
-                        <a:effectLst/>
-                        <a:latin typeface="等线" panose="02010600030101010101" pitchFamily="2" charset="-122"/>
-                        <a:ea typeface="等线" panose="02010600030101010101" pitchFamily="2" charset="-122"/>
-                      </a:endParaRPr>
-                    </a:p>
-                  </a:txBody>
-                  <a:tcPr marL="11285" marR="11285" marT="11285" marB="0" anchor="ctr"/>
-                </a:tc>
-                <a:tc>
-                  <a:txBody>
-                    <a:bodyPr/>
-                    <a:lstStyle/>
-                    <a:p>
-                      <a:pPr algn="ctr" fontAlgn="ctr"/>
-                      <a:r>
-                        <a:rPr lang="en-US" altLang="zh-CN" sz="1300" u="none" strike="noStrike">
-                          <a:effectLst/>
-                        </a:rPr>
-                        <a:t>0.000</a:t>
-                      </a:r>
-                      <a:endParaRPr lang="en-US" altLang="zh-CN" sz="1300" b="0" i="0" u="none" strike="noStrike">
-                        <a:solidFill>
-                          <a:srgbClr val="000000"/>
-                        </a:solidFill>
-                        <a:effectLst/>
-                        <a:latin typeface="等线" panose="02010600030101010101" pitchFamily="2" charset="-122"/>
-                        <a:ea typeface="等线" panose="02010600030101010101" pitchFamily="2" charset="-122"/>
-                      </a:endParaRPr>
-                    </a:p>
-                  </a:txBody>
-                  <a:tcPr marL="11285" marR="11285" marT="11285" marB="0" anchor="ctr"/>
-                </a:tc>
-                <a:tc>
-                  <a:txBody>
-                    <a:bodyPr/>
-                    <a:lstStyle/>
-                    <a:p>
-                      <a:pPr algn="ctr" fontAlgn="ctr"/>
-                      <a:r>
-                        <a:rPr lang="en-US" altLang="zh-CN" sz="1300" u="none" strike="noStrike">
-                          <a:effectLst/>
-                        </a:rPr>
-                        <a:t>-0.759</a:t>
-                      </a:r>
-                      <a:endParaRPr lang="en-US" altLang="zh-CN" sz="1300" b="0" i="0" u="none" strike="noStrike">
-                        <a:solidFill>
-                          <a:srgbClr val="000000"/>
-                        </a:solidFill>
-                        <a:effectLst/>
-                        <a:latin typeface="等线" panose="02010600030101010101" pitchFamily="2" charset="-122"/>
-                        <a:ea typeface="等线" panose="02010600030101010101" pitchFamily="2" charset="-122"/>
-                      </a:endParaRPr>
-                    </a:p>
-                  </a:txBody>
-                  <a:tcPr marL="11285" marR="11285" marT="11285" marB="0" anchor="ctr"/>
-                </a:tc>
-                <a:tc>
-                  <a:txBody>
-                    <a:bodyPr/>
-                    <a:lstStyle/>
-                    <a:p>
-                      <a:pPr algn="ctr" fontAlgn="ctr"/>
-                      <a:r>
-                        <a:rPr lang="en-US" altLang="zh-CN" sz="1300" u="none" strike="noStrike">
-                          <a:effectLst/>
-                        </a:rPr>
-                        <a:t>-0.517</a:t>
-                      </a:r>
-                      <a:endParaRPr lang="en-US" altLang="zh-CN" sz="1300" b="0" i="0" u="none" strike="noStrike">
-                        <a:solidFill>
-                          <a:srgbClr val="000000"/>
-                        </a:solidFill>
-                        <a:effectLst/>
-                        <a:latin typeface="等线" panose="02010600030101010101" pitchFamily="2" charset="-122"/>
-                        <a:ea typeface="等线" panose="02010600030101010101" pitchFamily="2" charset="-122"/>
-                      </a:endParaRPr>
-                    </a:p>
-                  </a:txBody>
-                  <a:tcPr marL="11285" marR="11285" marT="11285" marB="0" anchor="ctr"/>
-                </a:tc>
-                <a:extLst>
-                  <a:ext uri="{0D108BD9-81ED-4DB2-BD59-A6C34878D82A}">
-                    <a16:rowId xmlns:a16="http://schemas.microsoft.com/office/drawing/2014/main" val="2425984343"/>
-                  </a:ext>
-                </a:extLst>
-              </a:tr>
-              <a:tr h="205191">
-                <a:tc>
-                  <a:txBody>
-                    <a:bodyPr/>
-                    <a:lstStyle/>
-                    <a:p>
-                      <a:pPr algn="ctr" fontAlgn="ctr"/>
-                      <a:r>
-                        <a:rPr lang="de-DE" sz="1300" u="none" strike="noStrike">
-                          <a:effectLst/>
-                        </a:rPr>
-                        <a:t>VENTURE</a:t>
-                      </a:r>
-                      <a:endParaRPr lang="de-DE" sz="1300" b="0" i="0" u="none" strike="noStrike">
-                        <a:solidFill>
-                          <a:srgbClr val="000000"/>
-                        </a:solidFill>
-                        <a:effectLst/>
-                        <a:latin typeface="等线" panose="02010600030101010101" pitchFamily="2" charset="-122"/>
-                        <a:ea typeface="等线" panose="02010600030101010101" pitchFamily="2" charset="-122"/>
-                      </a:endParaRPr>
-                    </a:p>
-                  </a:txBody>
-                  <a:tcPr marL="11285" marR="11285" marT="11285" marB="0" anchor="ctr"/>
-                </a:tc>
-                <a:tc>
-                  <a:txBody>
-                    <a:bodyPr/>
-                    <a:lstStyle/>
-                    <a:p>
-                      <a:pPr algn="ctr" fontAlgn="ctr"/>
-                      <a:r>
-                        <a:rPr lang="en-US" altLang="zh-CN" sz="1300" u="none" strike="noStrike">
-                          <a:effectLst/>
-                        </a:rPr>
-                        <a:t>-1.0997</a:t>
-                      </a:r>
-                      <a:endParaRPr lang="en-US" altLang="zh-CN" sz="1300" b="0" i="0" u="none" strike="noStrike">
-                        <a:solidFill>
-                          <a:srgbClr val="000000"/>
-                        </a:solidFill>
-                        <a:effectLst/>
-                        <a:latin typeface="等线" panose="02010600030101010101" pitchFamily="2" charset="-122"/>
-                        <a:ea typeface="等线" panose="02010600030101010101" pitchFamily="2" charset="-122"/>
-                      </a:endParaRPr>
-                    </a:p>
-                  </a:txBody>
-                  <a:tcPr marL="11285" marR="11285" marT="11285" marB="0" anchor="ctr"/>
-                </a:tc>
-                <a:tc>
-                  <a:txBody>
-                    <a:bodyPr/>
-                    <a:lstStyle/>
-                    <a:p>
-                      <a:pPr algn="ctr" fontAlgn="ctr"/>
-                      <a:r>
-                        <a:rPr lang="en-US" altLang="zh-CN" sz="1300" u="none" strike="noStrike">
-                          <a:effectLst/>
-                        </a:rPr>
-                        <a:t>0.065</a:t>
-                      </a:r>
-                      <a:endParaRPr lang="en-US" altLang="zh-CN" sz="1300" b="0" i="0" u="none" strike="noStrike">
-                        <a:solidFill>
-                          <a:srgbClr val="000000"/>
-                        </a:solidFill>
-                        <a:effectLst/>
-                        <a:latin typeface="等线" panose="02010600030101010101" pitchFamily="2" charset="-122"/>
-                        <a:ea typeface="等线" panose="02010600030101010101" pitchFamily="2" charset="-122"/>
-                      </a:endParaRPr>
-                    </a:p>
-                  </a:txBody>
-                  <a:tcPr marL="11285" marR="11285" marT="11285" marB="0" anchor="ctr"/>
-                </a:tc>
-                <a:tc>
-                  <a:txBody>
-                    <a:bodyPr/>
-                    <a:lstStyle/>
-                    <a:p>
-                      <a:pPr algn="ctr" fontAlgn="ctr"/>
-                      <a:r>
-                        <a:rPr lang="en-US" altLang="zh-CN" sz="1300" u="none" strike="noStrike">
-                          <a:effectLst/>
-                        </a:rPr>
-                        <a:t>-16.803</a:t>
-                      </a:r>
-                      <a:endParaRPr lang="en-US" altLang="zh-CN" sz="1300" b="0" i="0" u="none" strike="noStrike">
-                        <a:solidFill>
-                          <a:srgbClr val="000000"/>
-                        </a:solidFill>
-                        <a:effectLst/>
-                        <a:latin typeface="等线" panose="02010600030101010101" pitchFamily="2" charset="-122"/>
-                        <a:ea typeface="等线" panose="02010600030101010101" pitchFamily="2" charset="-122"/>
-                      </a:endParaRPr>
-                    </a:p>
-                  </a:txBody>
-                  <a:tcPr marL="11285" marR="11285" marT="11285" marB="0" anchor="ctr"/>
-                </a:tc>
-                <a:tc>
-                  <a:txBody>
-                    <a:bodyPr/>
-                    <a:lstStyle/>
-                    <a:p>
-                      <a:pPr algn="ctr" fontAlgn="ctr"/>
-                      <a:r>
-                        <a:rPr lang="en-US" altLang="zh-CN" sz="1300" u="none" strike="noStrike">
-                          <a:effectLst/>
-                        </a:rPr>
-                        <a:t>0.000</a:t>
-                      </a:r>
-                      <a:endParaRPr lang="en-US" altLang="zh-CN" sz="1300" b="0" i="0" u="none" strike="noStrike">
-                        <a:solidFill>
-                          <a:srgbClr val="000000"/>
-                        </a:solidFill>
-                        <a:effectLst/>
-                        <a:latin typeface="等线" panose="02010600030101010101" pitchFamily="2" charset="-122"/>
-                        <a:ea typeface="等线" panose="02010600030101010101" pitchFamily="2" charset="-122"/>
-                      </a:endParaRPr>
-                    </a:p>
-                  </a:txBody>
-                  <a:tcPr marL="11285" marR="11285" marT="11285" marB="0" anchor="ctr"/>
-                </a:tc>
-                <a:tc>
-                  <a:txBody>
-                    <a:bodyPr/>
-                    <a:lstStyle/>
-                    <a:p>
-                      <a:pPr algn="ctr" fontAlgn="ctr"/>
-                      <a:r>
-                        <a:rPr lang="en-US" altLang="zh-CN" sz="1300" u="none" strike="noStrike">
-                          <a:effectLst/>
-                        </a:rPr>
-                        <a:t>-1.228</a:t>
-                      </a:r>
-                      <a:endParaRPr lang="en-US" altLang="zh-CN" sz="1300" b="0" i="0" u="none" strike="noStrike">
-                        <a:solidFill>
-                          <a:srgbClr val="000000"/>
-                        </a:solidFill>
-                        <a:effectLst/>
-                        <a:latin typeface="等线" panose="02010600030101010101" pitchFamily="2" charset="-122"/>
-                        <a:ea typeface="等线" panose="02010600030101010101" pitchFamily="2" charset="-122"/>
-                      </a:endParaRPr>
-                    </a:p>
-                  </a:txBody>
-                  <a:tcPr marL="11285" marR="11285" marT="11285" marB="0" anchor="ctr"/>
-                </a:tc>
-                <a:tc>
-                  <a:txBody>
-                    <a:bodyPr/>
-                    <a:lstStyle/>
-                    <a:p>
-                      <a:pPr algn="ctr" fontAlgn="ctr"/>
-                      <a:r>
-                        <a:rPr lang="en-US" altLang="zh-CN" sz="1300" u="none" strike="noStrike">
-                          <a:effectLst/>
-                        </a:rPr>
-                        <a:t>-0.971</a:t>
-                      </a:r>
-                      <a:endParaRPr lang="en-US" altLang="zh-CN" sz="1300" b="0" i="0" u="none" strike="noStrike">
-                        <a:solidFill>
-                          <a:srgbClr val="000000"/>
-                        </a:solidFill>
-                        <a:effectLst/>
-                        <a:latin typeface="等线" panose="02010600030101010101" pitchFamily="2" charset="-122"/>
-                        <a:ea typeface="等线" panose="02010600030101010101" pitchFamily="2" charset="-122"/>
-                      </a:endParaRPr>
-                    </a:p>
-                  </a:txBody>
-                  <a:tcPr marL="11285" marR="11285" marT="11285" marB="0" anchor="ctr"/>
-                </a:tc>
-                <a:extLst>
-                  <a:ext uri="{0D108BD9-81ED-4DB2-BD59-A6C34878D82A}">
-                    <a16:rowId xmlns:a16="http://schemas.microsoft.com/office/drawing/2014/main" val="4109865330"/>
-                  </a:ext>
-                </a:extLst>
-              </a:tr>
-              <a:tr h="205191">
-                <a:tc>
-                  <a:txBody>
-                    <a:bodyPr/>
-                    <a:lstStyle/>
-                    <a:p>
-                      <a:pPr algn="ctr" fontAlgn="ctr"/>
-                      <a:r>
-                        <a:rPr lang="de-DE" sz="1300" u="none" strike="noStrike">
-                          <a:effectLst/>
-                        </a:rPr>
-                        <a:t>B</a:t>
-                      </a:r>
-                      <a:endParaRPr lang="de-DE" sz="1300" b="0" i="0" u="none" strike="noStrike">
-                        <a:solidFill>
-                          <a:srgbClr val="000000"/>
-                        </a:solidFill>
-                        <a:effectLst/>
-                        <a:latin typeface="等线" panose="02010600030101010101" pitchFamily="2" charset="-122"/>
-                        <a:ea typeface="等线" panose="02010600030101010101" pitchFamily="2" charset="-122"/>
-                      </a:endParaRPr>
-                    </a:p>
-                  </a:txBody>
-                  <a:tcPr marL="11285" marR="11285" marT="11285" marB="0" anchor="ctr"/>
-                </a:tc>
-                <a:tc>
-                  <a:txBody>
-                    <a:bodyPr/>
-                    <a:lstStyle/>
-                    <a:p>
-                      <a:pPr algn="ctr" fontAlgn="ctr"/>
-                      <a:r>
-                        <a:rPr lang="en-US" altLang="zh-CN" sz="1300" u="none" strike="noStrike">
-                          <a:effectLst/>
-                        </a:rPr>
-                        <a:t>0.2443</a:t>
-                      </a:r>
-                      <a:endParaRPr lang="en-US" altLang="zh-CN" sz="1300" b="0" i="0" u="none" strike="noStrike">
-                        <a:solidFill>
-                          <a:srgbClr val="000000"/>
-                        </a:solidFill>
-                        <a:effectLst/>
-                        <a:latin typeface="等线" panose="02010600030101010101" pitchFamily="2" charset="-122"/>
-                        <a:ea typeface="等线" panose="02010600030101010101" pitchFamily="2" charset="-122"/>
-                      </a:endParaRPr>
-                    </a:p>
-                  </a:txBody>
-                  <a:tcPr marL="11285" marR="11285" marT="11285" marB="0" anchor="ctr"/>
-                </a:tc>
-                <a:tc>
-                  <a:txBody>
-                    <a:bodyPr/>
-                    <a:lstStyle/>
-                    <a:p>
-                      <a:pPr algn="ctr" fontAlgn="ctr"/>
-                      <a:r>
-                        <a:rPr lang="en-US" altLang="zh-CN" sz="1300" u="none" strike="noStrike">
-                          <a:effectLst/>
-                        </a:rPr>
-                        <a:t>0.068</a:t>
-                      </a:r>
-                      <a:endParaRPr lang="en-US" altLang="zh-CN" sz="1300" b="0" i="0" u="none" strike="noStrike">
-                        <a:solidFill>
-                          <a:srgbClr val="000000"/>
-                        </a:solidFill>
-                        <a:effectLst/>
-                        <a:latin typeface="等线" panose="02010600030101010101" pitchFamily="2" charset="-122"/>
-                        <a:ea typeface="等线" panose="02010600030101010101" pitchFamily="2" charset="-122"/>
-                      </a:endParaRPr>
-                    </a:p>
-                  </a:txBody>
-                  <a:tcPr marL="11285" marR="11285" marT="11285" marB="0" anchor="ctr"/>
-                </a:tc>
-                <a:tc>
-                  <a:txBody>
-                    <a:bodyPr/>
-                    <a:lstStyle/>
-                    <a:p>
-                      <a:pPr algn="ctr" fontAlgn="ctr"/>
-                      <a:r>
-                        <a:rPr lang="en-US" altLang="zh-CN" sz="1300" u="none" strike="noStrike">
-                          <a:effectLst/>
-                        </a:rPr>
-                        <a:t>3.605</a:t>
-                      </a:r>
-                      <a:endParaRPr lang="en-US" altLang="zh-CN" sz="1300" b="0" i="0" u="none" strike="noStrike">
-                        <a:solidFill>
-                          <a:srgbClr val="000000"/>
-                        </a:solidFill>
-                        <a:effectLst/>
-                        <a:latin typeface="等线" panose="02010600030101010101" pitchFamily="2" charset="-122"/>
-                        <a:ea typeface="等线" panose="02010600030101010101" pitchFamily="2" charset="-122"/>
-                      </a:endParaRPr>
-                    </a:p>
-                  </a:txBody>
-                  <a:tcPr marL="11285" marR="11285" marT="11285" marB="0" anchor="ctr"/>
-                </a:tc>
-                <a:tc>
-                  <a:txBody>
-                    <a:bodyPr/>
-                    <a:lstStyle/>
-                    <a:p>
-                      <a:pPr algn="ctr" fontAlgn="ctr"/>
-                      <a:r>
-                        <a:rPr lang="en-US" altLang="zh-CN" sz="1300" u="none" strike="noStrike">
-                          <a:effectLst/>
-                        </a:rPr>
-                        <a:t>0.000</a:t>
-                      </a:r>
-                      <a:endParaRPr lang="en-US" altLang="zh-CN" sz="1300" b="0" i="0" u="none" strike="noStrike">
-                        <a:solidFill>
-                          <a:srgbClr val="000000"/>
-                        </a:solidFill>
-                        <a:effectLst/>
-                        <a:latin typeface="等线" panose="02010600030101010101" pitchFamily="2" charset="-122"/>
-                        <a:ea typeface="等线" panose="02010600030101010101" pitchFamily="2" charset="-122"/>
-                      </a:endParaRPr>
-                    </a:p>
-                  </a:txBody>
-                  <a:tcPr marL="11285" marR="11285" marT="11285" marB="0" anchor="ctr"/>
-                </a:tc>
-                <a:tc>
-                  <a:txBody>
-                    <a:bodyPr/>
-                    <a:lstStyle/>
-                    <a:p>
-                      <a:pPr algn="ctr" fontAlgn="ctr"/>
-                      <a:r>
-                        <a:rPr lang="en-US" altLang="zh-CN" sz="1300" u="none" strike="noStrike">
-                          <a:effectLst/>
-                        </a:rPr>
-                        <a:t>0.111</a:t>
-                      </a:r>
-                      <a:endParaRPr lang="en-US" altLang="zh-CN" sz="1300" b="0" i="0" u="none" strike="noStrike">
-                        <a:solidFill>
-                          <a:srgbClr val="000000"/>
-                        </a:solidFill>
-                        <a:effectLst/>
-                        <a:latin typeface="等线" panose="02010600030101010101" pitchFamily="2" charset="-122"/>
-                        <a:ea typeface="等线" panose="02010600030101010101" pitchFamily="2" charset="-122"/>
-                      </a:endParaRPr>
-                    </a:p>
-                  </a:txBody>
-                  <a:tcPr marL="11285" marR="11285" marT="11285" marB="0" anchor="ctr"/>
-                </a:tc>
-                <a:tc>
-                  <a:txBody>
-                    <a:bodyPr/>
-                    <a:lstStyle/>
-                    <a:p>
-                      <a:pPr algn="ctr" fontAlgn="ctr"/>
-                      <a:r>
-                        <a:rPr lang="en-US" altLang="zh-CN" sz="1300" u="none" strike="noStrike">
-                          <a:effectLst/>
-                        </a:rPr>
-                        <a:t>0.377</a:t>
-                      </a:r>
-                      <a:endParaRPr lang="en-US" altLang="zh-CN" sz="1300" b="0" i="0" u="none" strike="noStrike">
-                        <a:solidFill>
-                          <a:srgbClr val="000000"/>
-                        </a:solidFill>
-                        <a:effectLst/>
-                        <a:latin typeface="等线" panose="02010600030101010101" pitchFamily="2" charset="-122"/>
-                        <a:ea typeface="等线" panose="02010600030101010101" pitchFamily="2" charset="-122"/>
-                      </a:endParaRPr>
-                    </a:p>
-                  </a:txBody>
-                  <a:tcPr marL="11285" marR="11285" marT="11285" marB="0" anchor="ctr"/>
-                </a:tc>
-                <a:extLst>
-                  <a:ext uri="{0D108BD9-81ED-4DB2-BD59-A6C34878D82A}">
-                    <a16:rowId xmlns:a16="http://schemas.microsoft.com/office/drawing/2014/main" val="791212524"/>
-                  </a:ext>
-                </a:extLst>
-              </a:tr>
-              <a:tr h="205191">
-                <a:tc>
-                  <a:txBody>
-                    <a:bodyPr/>
-                    <a:lstStyle/>
-                    <a:p>
-                      <a:pPr algn="ctr" fontAlgn="ctr"/>
-                      <a:r>
-                        <a:rPr lang="de-DE" sz="1300" u="none" strike="noStrike">
-                          <a:effectLst/>
-                        </a:rPr>
-                        <a:t>C</a:t>
-                      </a:r>
-                      <a:endParaRPr lang="de-DE" sz="1300" b="0" i="0" u="none" strike="noStrike">
-                        <a:solidFill>
-                          <a:srgbClr val="000000"/>
-                        </a:solidFill>
-                        <a:effectLst/>
-                        <a:latin typeface="等线" panose="02010600030101010101" pitchFamily="2" charset="-122"/>
-                        <a:ea typeface="等线" panose="02010600030101010101" pitchFamily="2" charset="-122"/>
-                      </a:endParaRPr>
-                    </a:p>
-                  </a:txBody>
-                  <a:tcPr marL="11285" marR="11285" marT="11285" marB="0" anchor="ctr"/>
-                </a:tc>
-                <a:tc>
-                  <a:txBody>
-                    <a:bodyPr/>
-                    <a:lstStyle/>
-                    <a:p>
-                      <a:pPr algn="ctr" fontAlgn="ctr"/>
-                      <a:r>
-                        <a:rPr lang="en-US" altLang="zh-CN" sz="1300" u="none" strike="noStrike">
-                          <a:effectLst/>
-                        </a:rPr>
-                        <a:t>0.525</a:t>
-                      </a:r>
-                      <a:endParaRPr lang="en-US" altLang="zh-CN" sz="1300" b="0" i="0" u="none" strike="noStrike">
-                        <a:solidFill>
-                          <a:srgbClr val="000000"/>
-                        </a:solidFill>
-                        <a:effectLst/>
-                        <a:latin typeface="等线" panose="02010600030101010101" pitchFamily="2" charset="-122"/>
-                        <a:ea typeface="等线" panose="02010600030101010101" pitchFamily="2" charset="-122"/>
-                      </a:endParaRPr>
-                    </a:p>
-                  </a:txBody>
-                  <a:tcPr marL="11285" marR="11285" marT="11285" marB="0" anchor="ctr"/>
-                </a:tc>
-                <a:tc>
-                  <a:txBody>
-                    <a:bodyPr/>
-                    <a:lstStyle/>
-                    <a:p>
-                      <a:pPr algn="ctr" fontAlgn="ctr"/>
-                      <a:r>
-                        <a:rPr lang="en-US" altLang="zh-CN" sz="1300" u="none" strike="noStrike">
-                          <a:effectLst/>
-                        </a:rPr>
-                        <a:t>0.096</a:t>
-                      </a:r>
-                      <a:endParaRPr lang="en-US" altLang="zh-CN" sz="1300" b="0" i="0" u="none" strike="noStrike">
-                        <a:solidFill>
-                          <a:srgbClr val="000000"/>
-                        </a:solidFill>
-                        <a:effectLst/>
-                        <a:latin typeface="等线" panose="02010600030101010101" pitchFamily="2" charset="-122"/>
-                        <a:ea typeface="等线" panose="02010600030101010101" pitchFamily="2" charset="-122"/>
-                      </a:endParaRPr>
-                    </a:p>
-                  </a:txBody>
-                  <a:tcPr marL="11285" marR="11285" marT="11285" marB="0" anchor="ctr"/>
-                </a:tc>
-                <a:tc>
-                  <a:txBody>
-                    <a:bodyPr/>
-                    <a:lstStyle/>
-                    <a:p>
-                      <a:pPr algn="ctr" fontAlgn="ctr"/>
-                      <a:r>
-                        <a:rPr lang="en-US" altLang="zh-CN" sz="1300" u="none" strike="noStrike">
-                          <a:effectLst/>
-                        </a:rPr>
-                        <a:t>5.474</a:t>
-                      </a:r>
-                      <a:endParaRPr lang="en-US" altLang="zh-CN" sz="1300" b="0" i="0" u="none" strike="noStrike">
-                        <a:solidFill>
-                          <a:srgbClr val="000000"/>
-                        </a:solidFill>
-                        <a:effectLst/>
-                        <a:latin typeface="等线" panose="02010600030101010101" pitchFamily="2" charset="-122"/>
-                        <a:ea typeface="等线" panose="02010600030101010101" pitchFamily="2" charset="-122"/>
-                      </a:endParaRPr>
-                    </a:p>
-                  </a:txBody>
-                  <a:tcPr marL="11285" marR="11285" marT="11285" marB="0" anchor="ctr"/>
-                </a:tc>
-                <a:tc>
-                  <a:txBody>
-                    <a:bodyPr/>
-                    <a:lstStyle/>
-                    <a:p>
-                      <a:pPr algn="ctr" fontAlgn="ctr"/>
-                      <a:r>
-                        <a:rPr lang="en-US" altLang="zh-CN" sz="1300" u="none" strike="noStrike">
-                          <a:effectLst/>
-                        </a:rPr>
-                        <a:t>0.000</a:t>
-                      </a:r>
-                      <a:endParaRPr lang="en-US" altLang="zh-CN" sz="1300" b="0" i="0" u="none" strike="noStrike">
-                        <a:solidFill>
-                          <a:srgbClr val="000000"/>
-                        </a:solidFill>
-                        <a:effectLst/>
-                        <a:latin typeface="等线" panose="02010600030101010101" pitchFamily="2" charset="-122"/>
-                        <a:ea typeface="等线" panose="02010600030101010101" pitchFamily="2" charset="-122"/>
-                      </a:endParaRPr>
-                    </a:p>
-                  </a:txBody>
-                  <a:tcPr marL="11285" marR="11285" marT="11285" marB="0" anchor="ctr"/>
-                </a:tc>
-                <a:tc>
-                  <a:txBody>
-                    <a:bodyPr/>
-                    <a:lstStyle/>
-                    <a:p>
-                      <a:pPr algn="ctr" fontAlgn="ctr"/>
-                      <a:r>
-                        <a:rPr lang="en-US" altLang="zh-CN" sz="1300" u="none" strike="noStrike">
-                          <a:effectLst/>
-                        </a:rPr>
-                        <a:t>0.337</a:t>
-                      </a:r>
-                      <a:endParaRPr lang="en-US" altLang="zh-CN" sz="1300" b="0" i="0" u="none" strike="noStrike">
-                        <a:solidFill>
-                          <a:srgbClr val="000000"/>
-                        </a:solidFill>
-                        <a:effectLst/>
-                        <a:latin typeface="等线" panose="02010600030101010101" pitchFamily="2" charset="-122"/>
-                        <a:ea typeface="等线" panose="02010600030101010101" pitchFamily="2" charset="-122"/>
-                      </a:endParaRPr>
-                    </a:p>
-                  </a:txBody>
-                  <a:tcPr marL="11285" marR="11285" marT="11285" marB="0" anchor="ctr"/>
-                </a:tc>
-                <a:tc>
-                  <a:txBody>
-                    <a:bodyPr/>
-                    <a:lstStyle/>
-                    <a:p>
-                      <a:pPr algn="ctr" fontAlgn="ctr"/>
-                      <a:r>
-                        <a:rPr lang="en-US" altLang="zh-CN" sz="1300" u="none" strike="noStrike">
-                          <a:effectLst/>
-                        </a:rPr>
-                        <a:t>0.713</a:t>
-                      </a:r>
-                      <a:endParaRPr lang="en-US" altLang="zh-CN" sz="1300" b="0" i="0" u="none" strike="noStrike">
-                        <a:solidFill>
-                          <a:srgbClr val="000000"/>
-                        </a:solidFill>
-                        <a:effectLst/>
-                        <a:latin typeface="等线" panose="02010600030101010101" pitchFamily="2" charset="-122"/>
-                        <a:ea typeface="等线" panose="02010600030101010101" pitchFamily="2" charset="-122"/>
-                      </a:endParaRPr>
-                    </a:p>
-                  </a:txBody>
-                  <a:tcPr marL="11285" marR="11285" marT="11285" marB="0" anchor="ctr"/>
-                </a:tc>
-                <a:extLst>
-                  <a:ext uri="{0D108BD9-81ED-4DB2-BD59-A6C34878D82A}">
-                    <a16:rowId xmlns:a16="http://schemas.microsoft.com/office/drawing/2014/main" val="2468739522"/>
-                  </a:ext>
-                </a:extLst>
-              </a:tr>
-              <a:tr h="205191">
-                <a:tc>
-                  <a:txBody>
-                    <a:bodyPr/>
-                    <a:lstStyle/>
-                    <a:p>
-                      <a:pPr algn="ctr" fontAlgn="ctr"/>
-                      <a:r>
-                        <a:rPr lang="de-DE" sz="1300" u="none" strike="noStrike">
-                          <a:effectLst/>
-                        </a:rPr>
-                        <a:t>D</a:t>
-                      </a:r>
-                      <a:endParaRPr lang="de-DE" sz="1300" b="0" i="0" u="none" strike="noStrike">
-                        <a:solidFill>
-                          <a:srgbClr val="000000"/>
-                        </a:solidFill>
-                        <a:effectLst/>
-                        <a:latin typeface="等线" panose="02010600030101010101" pitchFamily="2" charset="-122"/>
-                        <a:ea typeface="等线" panose="02010600030101010101" pitchFamily="2" charset="-122"/>
-                      </a:endParaRPr>
-                    </a:p>
-                  </a:txBody>
-                  <a:tcPr marL="11285" marR="11285" marT="11285" marB="0" anchor="ctr"/>
-                </a:tc>
-                <a:tc>
-                  <a:txBody>
-                    <a:bodyPr/>
-                    <a:lstStyle/>
-                    <a:p>
-                      <a:pPr algn="ctr" fontAlgn="ctr"/>
-                      <a:r>
-                        <a:rPr lang="en-US" altLang="zh-CN" sz="1300" u="none" strike="noStrike">
-                          <a:effectLst/>
-                        </a:rPr>
-                        <a:t>2.5725</a:t>
-                      </a:r>
-                      <a:endParaRPr lang="en-US" altLang="zh-CN" sz="1300" b="0" i="0" u="none" strike="noStrike">
-                        <a:solidFill>
-                          <a:srgbClr val="000000"/>
-                        </a:solidFill>
-                        <a:effectLst/>
-                        <a:latin typeface="等线" panose="02010600030101010101" pitchFamily="2" charset="-122"/>
-                        <a:ea typeface="等线" panose="02010600030101010101" pitchFamily="2" charset="-122"/>
-                      </a:endParaRPr>
-                    </a:p>
-                  </a:txBody>
-                  <a:tcPr marL="11285" marR="11285" marT="11285" marB="0" anchor="ctr"/>
-                </a:tc>
-                <a:tc>
-                  <a:txBody>
-                    <a:bodyPr/>
-                    <a:lstStyle/>
-                    <a:p>
-                      <a:pPr algn="ctr" fontAlgn="ctr"/>
-                      <a:r>
-                        <a:rPr lang="en-US" altLang="zh-CN" sz="1300" u="none" strike="noStrike">
-                          <a:effectLst/>
-                        </a:rPr>
-                        <a:t>0.118</a:t>
-                      </a:r>
-                      <a:endParaRPr lang="en-US" altLang="zh-CN" sz="1300" b="0" i="0" u="none" strike="noStrike">
-                        <a:solidFill>
-                          <a:srgbClr val="000000"/>
-                        </a:solidFill>
-                        <a:effectLst/>
-                        <a:latin typeface="等线" panose="02010600030101010101" pitchFamily="2" charset="-122"/>
-                        <a:ea typeface="等线" panose="02010600030101010101" pitchFamily="2" charset="-122"/>
-                      </a:endParaRPr>
-                    </a:p>
-                  </a:txBody>
-                  <a:tcPr marL="11285" marR="11285" marT="11285" marB="0" anchor="ctr"/>
-                </a:tc>
-                <a:tc>
-                  <a:txBody>
-                    <a:bodyPr/>
-                    <a:lstStyle/>
-                    <a:p>
-                      <a:pPr algn="ctr" fontAlgn="ctr"/>
-                      <a:r>
-                        <a:rPr lang="en-US" altLang="zh-CN" sz="1300" u="none" strike="noStrike">
-                          <a:effectLst/>
-                        </a:rPr>
-                        <a:t>21.784</a:t>
-                      </a:r>
-                      <a:endParaRPr lang="en-US" altLang="zh-CN" sz="1300" b="0" i="0" u="none" strike="noStrike">
-                        <a:solidFill>
-                          <a:srgbClr val="000000"/>
-                        </a:solidFill>
-                        <a:effectLst/>
-                        <a:latin typeface="等线" panose="02010600030101010101" pitchFamily="2" charset="-122"/>
-                        <a:ea typeface="等线" panose="02010600030101010101" pitchFamily="2" charset="-122"/>
-                      </a:endParaRPr>
-                    </a:p>
-                  </a:txBody>
-                  <a:tcPr marL="11285" marR="11285" marT="11285" marB="0" anchor="ctr"/>
-                </a:tc>
-                <a:tc>
-                  <a:txBody>
-                    <a:bodyPr/>
-                    <a:lstStyle/>
-                    <a:p>
-                      <a:pPr algn="ctr" fontAlgn="ctr"/>
-                      <a:r>
-                        <a:rPr lang="en-US" altLang="zh-CN" sz="1300" u="none" strike="noStrike" dirty="0">
-                          <a:effectLst/>
-                        </a:rPr>
-                        <a:t>0.000</a:t>
-                      </a:r>
-                      <a:endParaRPr lang="en-US" altLang="zh-CN" sz="1300" b="0" i="0" u="none" strike="noStrike" dirty="0">
-                        <a:solidFill>
-                          <a:srgbClr val="000000"/>
-                        </a:solidFill>
-                        <a:effectLst/>
-                        <a:latin typeface="等线" panose="02010600030101010101" pitchFamily="2" charset="-122"/>
-                        <a:ea typeface="等线" panose="02010600030101010101" pitchFamily="2" charset="-122"/>
-                      </a:endParaRPr>
-                    </a:p>
-                  </a:txBody>
-                  <a:tcPr marL="11285" marR="11285" marT="11285" marB="0" anchor="ctr"/>
-                </a:tc>
-                <a:tc>
-                  <a:txBody>
-                    <a:bodyPr/>
-                    <a:lstStyle/>
-                    <a:p>
-                      <a:pPr algn="ctr" fontAlgn="ctr"/>
-                      <a:r>
-                        <a:rPr lang="en-US" altLang="zh-CN" sz="1300" u="none" strike="noStrike">
-                          <a:effectLst/>
-                        </a:rPr>
-                        <a:t>2.341</a:t>
-                      </a:r>
-                      <a:endParaRPr lang="en-US" altLang="zh-CN" sz="1300" b="0" i="0" u="none" strike="noStrike">
-                        <a:solidFill>
-                          <a:srgbClr val="000000"/>
-                        </a:solidFill>
-                        <a:effectLst/>
-                        <a:latin typeface="等线" panose="02010600030101010101" pitchFamily="2" charset="-122"/>
-                        <a:ea typeface="等线" panose="02010600030101010101" pitchFamily="2" charset="-122"/>
-                      </a:endParaRPr>
-                    </a:p>
-                  </a:txBody>
-                  <a:tcPr marL="11285" marR="11285" marT="11285" marB="0" anchor="ctr"/>
-                </a:tc>
-                <a:tc>
-                  <a:txBody>
-                    <a:bodyPr/>
-                    <a:lstStyle/>
-                    <a:p>
-                      <a:pPr algn="ctr" fontAlgn="ctr"/>
-                      <a:r>
-                        <a:rPr lang="en-US" altLang="zh-CN" sz="1300" u="none" strike="noStrike">
-                          <a:effectLst/>
-                        </a:rPr>
-                        <a:t>2.804</a:t>
-                      </a:r>
-                      <a:endParaRPr lang="en-US" altLang="zh-CN" sz="1300" b="0" i="0" u="none" strike="noStrike">
-                        <a:solidFill>
-                          <a:srgbClr val="000000"/>
-                        </a:solidFill>
-                        <a:effectLst/>
-                        <a:latin typeface="等线" panose="02010600030101010101" pitchFamily="2" charset="-122"/>
-                        <a:ea typeface="等线" panose="02010600030101010101" pitchFamily="2" charset="-122"/>
-                      </a:endParaRPr>
-                    </a:p>
-                  </a:txBody>
-                  <a:tcPr marL="11285" marR="11285" marT="11285" marB="0" anchor="ctr"/>
-                </a:tc>
-                <a:extLst>
-                  <a:ext uri="{0D108BD9-81ED-4DB2-BD59-A6C34878D82A}">
-                    <a16:rowId xmlns:a16="http://schemas.microsoft.com/office/drawing/2014/main" val="2086889906"/>
-                  </a:ext>
-                </a:extLst>
-              </a:tr>
-              <a:tr h="205191">
-                <a:tc>
-                  <a:txBody>
-                    <a:bodyPr/>
-                    <a:lstStyle/>
-                    <a:p>
-                      <a:pPr algn="ctr" fontAlgn="ctr"/>
-                      <a:r>
-                        <a:rPr lang="de-DE" sz="1300" u="none" strike="noStrike">
-                          <a:effectLst/>
-                        </a:rPr>
-                        <a:t>E</a:t>
-                      </a:r>
-                      <a:endParaRPr lang="de-DE" sz="1300" b="0" i="0" u="none" strike="noStrike">
-                        <a:solidFill>
-                          <a:srgbClr val="000000"/>
-                        </a:solidFill>
-                        <a:effectLst/>
-                        <a:latin typeface="等线" panose="02010600030101010101" pitchFamily="2" charset="-122"/>
-                        <a:ea typeface="等线" panose="02010600030101010101" pitchFamily="2" charset="-122"/>
-                      </a:endParaRPr>
-                    </a:p>
-                  </a:txBody>
-                  <a:tcPr marL="11285" marR="11285" marT="11285" marB="0" anchor="ctr"/>
-                </a:tc>
-                <a:tc>
-                  <a:txBody>
-                    <a:bodyPr/>
-                    <a:lstStyle/>
-                    <a:p>
-                      <a:pPr algn="ctr" fontAlgn="ctr"/>
-                      <a:r>
-                        <a:rPr lang="en-US" altLang="zh-CN" sz="1300" u="none" strike="noStrike">
-                          <a:effectLst/>
-                        </a:rPr>
-                        <a:t>2.7083</a:t>
-                      </a:r>
-                      <a:endParaRPr lang="en-US" altLang="zh-CN" sz="1300" b="0" i="0" u="none" strike="noStrike">
-                        <a:solidFill>
-                          <a:srgbClr val="000000"/>
-                        </a:solidFill>
-                        <a:effectLst/>
-                        <a:latin typeface="等线" panose="02010600030101010101" pitchFamily="2" charset="-122"/>
-                        <a:ea typeface="等线" panose="02010600030101010101" pitchFamily="2" charset="-122"/>
-                      </a:endParaRPr>
-                    </a:p>
-                  </a:txBody>
-                  <a:tcPr marL="11285" marR="11285" marT="11285" marB="0" anchor="ctr"/>
-                </a:tc>
-                <a:tc>
-                  <a:txBody>
-                    <a:bodyPr/>
-                    <a:lstStyle/>
-                    <a:p>
-                      <a:pPr algn="ctr" fontAlgn="ctr"/>
-                      <a:r>
-                        <a:rPr lang="en-US" altLang="zh-CN" sz="1300" u="none" strike="noStrike">
-                          <a:effectLst/>
-                        </a:rPr>
-                        <a:t>0.153</a:t>
-                      </a:r>
-                      <a:endParaRPr lang="en-US" altLang="zh-CN" sz="1300" b="0" i="0" u="none" strike="noStrike">
-                        <a:solidFill>
-                          <a:srgbClr val="000000"/>
-                        </a:solidFill>
-                        <a:effectLst/>
-                        <a:latin typeface="等线" panose="02010600030101010101" pitchFamily="2" charset="-122"/>
-                        <a:ea typeface="等线" panose="02010600030101010101" pitchFamily="2" charset="-122"/>
-                      </a:endParaRPr>
-                    </a:p>
-                  </a:txBody>
-                  <a:tcPr marL="11285" marR="11285" marT="11285" marB="0" anchor="ctr"/>
-                </a:tc>
-                <a:tc>
-                  <a:txBody>
-                    <a:bodyPr/>
-                    <a:lstStyle/>
-                    <a:p>
-                      <a:pPr algn="ctr" fontAlgn="ctr"/>
-                      <a:r>
-                        <a:rPr lang="en-US" altLang="zh-CN" sz="1300" u="none" strike="noStrike" dirty="0">
-                          <a:effectLst/>
-                        </a:rPr>
-                        <a:t>17.656</a:t>
-                      </a:r>
-                      <a:endParaRPr lang="en-US" altLang="zh-CN" sz="1300" b="0" i="0" u="none" strike="noStrike" dirty="0">
-                        <a:solidFill>
-                          <a:srgbClr val="000000"/>
-                        </a:solidFill>
-                        <a:effectLst/>
-                        <a:latin typeface="等线" panose="02010600030101010101" pitchFamily="2" charset="-122"/>
-                        <a:ea typeface="等线" panose="02010600030101010101" pitchFamily="2" charset="-122"/>
-                      </a:endParaRPr>
-                    </a:p>
-                  </a:txBody>
-                  <a:tcPr marL="11285" marR="11285" marT="11285" marB="0" anchor="ctr"/>
-                </a:tc>
-                <a:tc>
-                  <a:txBody>
-                    <a:bodyPr/>
-                    <a:lstStyle/>
-                    <a:p>
-                      <a:pPr algn="ctr" fontAlgn="ctr"/>
-                      <a:r>
-                        <a:rPr lang="en-US" altLang="zh-CN" sz="1300" u="none" strike="noStrike">
-                          <a:effectLst/>
-                        </a:rPr>
-                        <a:t>0.000</a:t>
-                      </a:r>
-                      <a:endParaRPr lang="en-US" altLang="zh-CN" sz="1300" b="0" i="0" u="none" strike="noStrike">
-                        <a:solidFill>
-                          <a:srgbClr val="000000"/>
-                        </a:solidFill>
-                        <a:effectLst/>
-                        <a:latin typeface="等线" panose="02010600030101010101" pitchFamily="2" charset="-122"/>
-                        <a:ea typeface="等线" panose="02010600030101010101" pitchFamily="2" charset="-122"/>
-                      </a:endParaRPr>
-                    </a:p>
-                  </a:txBody>
-                  <a:tcPr marL="11285" marR="11285" marT="11285" marB="0" anchor="ctr"/>
-                </a:tc>
-                <a:tc>
-                  <a:txBody>
-                    <a:bodyPr/>
-                    <a:lstStyle/>
-                    <a:p>
-                      <a:pPr algn="ctr" fontAlgn="ctr"/>
-                      <a:r>
-                        <a:rPr lang="en-US" altLang="zh-CN" sz="1300" u="none" strike="noStrike">
-                          <a:effectLst/>
-                        </a:rPr>
-                        <a:t>2.408</a:t>
-                      </a:r>
-                      <a:endParaRPr lang="en-US" altLang="zh-CN" sz="1300" b="0" i="0" u="none" strike="noStrike">
-                        <a:solidFill>
-                          <a:srgbClr val="000000"/>
-                        </a:solidFill>
-                        <a:effectLst/>
-                        <a:latin typeface="等线" panose="02010600030101010101" pitchFamily="2" charset="-122"/>
-                        <a:ea typeface="等线" panose="02010600030101010101" pitchFamily="2" charset="-122"/>
-                      </a:endParaRPr>
-                    </a:p>
-                  </a:txBody>
-                  <a:tcPr marL="11285" marR="11285" marT="11285" marB="0" anchor="ctr"/>
-                </a:tc>
-                <a:tc>
-                  <a:txBody>
-                    <a:bodyPr/>
-                    <a:lstStyle/>
-                    <a:p>
-                      <a:pPr algn="ctr" fontAlgn="ctr"/>
-                      <a:r>
-                        <a:rPr lang="en-US" altLang="zh-CN" sz="1300" u="none" strike="noStrike">
-                          <a:effectLst/>
-                        </a:rPr>
-                        <a:t>3.009</a:t>
-                      </a:r>
-                      <a:endParaRPr lang="en-US" altLang="zh-CN" sz="1300" b="0" i="0" u="none" strike="noStrike">
-                        <a:solidFill>
-                          <a:srgbClr val="000000"/>
-                        </a:solidFill>
-                        <a:effectLst/>
-                        <a:latin typeface="等线" panose="02010600030101010101" pitchFamily="2" charset="-122"/>
-                        <a:ea typeface="等线" panose="02010600030101010101" pitchFamily="2" charset="-122"/>
-                      </a:endParaRPr>
-                    </a:p>
-                  </a:txBody>
-                  <a:tcPr marL="11285" marR="11285" marT="11285" marB="0" anchor="ctr"/>
-                </a:tc>
-                <a:extLst>
-                  <a:ext uri="{0D108BD9-81ED-4DB2-BD59-A6C34878D82A}">
-                    <a16:rowId xmlns:a16="http://schemas.microsoft.com/office/drawing/2014/main" val="1698777545"/>
-                  </a:ext>
-                </a:extLst>
-              </a:tr>
-              <a:tr h="205191">
-                <a:tc>
-                  <a:txBody>
-                    <a:bodyPr/>
-                    <a:lstStyle/>
-                    <a:p>
-                      <a:pPr algn="ctr" fontAlgn="ctr"/>
-                      <a:r>
-                        <a:rPr lang="de-DE" sz="1300" u="none" strike="noStrike">
-                          <a:effectLst/>
-                        </a:rPr>
-                        <a:t>F</a:t>
-                      </a:r>
-                      <a:endParaRPr lang="de-DE" sz="1300" b="0" i="0" u="none" strike="noStrike">
-                        <a:solidFill>
-                          <a:srgbClr val="000000"/>
-                        </a:solidFill>
-                        <a:effectLst/>
-                        <a:latin typeface="等线" panose="02010600030101010101" pitchFamily="2" charset="-122"/>
-                        <a:ea typeface="等线" panose="02010600030101010101" pitchFamily="2" charset="-122"/>
-                      </a:endParaRPr>
-                    </a:p>
-                  </a:txBody>
-                  <a:tcPr marL="11285" marR="11285" marT="11285" marB="0" anchor="ctr"/>
-                </a:tc>
-                <a:tc>
-                  <a:txBody>
-                    <a:bodyPr/>
-                    <a:lstStyle/>
-                    <a:p>
-                      <a:pPr algn="ctr" fontAlgn="ctr"/>
-                      <a:r>
-                        <a:rPr lang="en-US" altLang="zh-CN" sz="1300" u="none" strike="noStrike">
-                          <a:effectLst/>
-                        </a:rPr>
-                        <a:t>3.1665</a:t>
-                      </a:r>
-                      <a:endParaRPr lang="en-US" altLang="zh-CN" sz="1300" b="0" i="0" u="none" strike="noStrike">
-                        <a:solidFill>
-                          <a:srgbClr val="000000"/>
-                        </a:solidFill>
-                        <a:effectLst/>
-                        <a:latin typeface="等线" panose="02010600030101010101" pitchFamily="2" charset="-122"/>
-                        <a:ea typeface="等线" panose="02010600030101010101" pitchFamily="2" charset="-122"/>
-                      </a:endParaRPr>
-                    </a:p>
-                  </a:txBody>
-                  <a:tcPr marL="11285" marR="11285" marT="11285" marB="0" anchor="ctr"/>
-                </a:tc>
-                <a:tc>
-                  <a:txBody>
-                    <a:bodyPr/>
-                    <a:lstStyle/>
-                    <a:p>
-                      <a:pPr algn="ctr" fontAlgn="ctr"/>
-                      <a:r>
-                        <a:rPr lang="en-US" altLang="zh-CN" sz="1300" u="none" strike="noStrike">
-                          <a:effectLst/>
-                        </a:rPr>
-                        <a:t>0.231</a:t>
-                      </a:r>
-                      <a:endParaRPr lang="en-US" altLang="zh-CN" sz="1300" b="0" i="0" u="none" strike="noStrike">
-                        <a:solidFill>
-                          <a:srgbClr val="000000"/>
-                        </a:solidFill>
-                        <a:effectLst/>
-                        <a:latin typeface="等线" panose="02010600030101010101" pitchFamily="2" charset="-122"/>
-                        <a:ea typeface="等线" panose="02010600030101010101" pitchFamily="2" charset="-122"/>
-                      </a:endParaRPr>
-                    </a:p>
-                  </a:txBody>
-                  <a:tcPr marL="11285" marR="11285" marT="11285" marB="0" anchor="ctr"/>
-                </a:tc>
-                <a:tc>
-                  <a:txBody>
-                    <a:bodyPr/>
-                    <a:lstStyle/>
-                    <a:p>
-                      <a:pPr algn="ctr" fontAlgn="ctr"/>
-                      <a:r>
-                        <a:rPr lang="en-US" altLang="zh-CN" sz="1300" u="none" strike="noStrike">
-                          <a:effectLst/>
-                        </a:rPr>
-                        <a:t>13.726</a:t>
-                      </a:r>
-                      <a:endParaRPr lang="en-US" altLang="zh-CN" sz="1300" b="0" i="0" u="none" strike="noStrike">
-                        <a:solidFill>
-                          <a:srgbClr val="000000"/>
-                        </a:solidFill>
-                        <a:effectLst/>
-                        <a:latin typeface="等线" panose="02010600030101010101" pitchFamily="2" charset="-122"/>
-                        <a:ea typeface="等线" panose="02010600030101010101" pitchFamily="2" charset="-122"/>
-                      </a:endParaRPr>
-                    </a:p>
-                  </a:txBody>
-                  <a:tcPr marL="11285" marR="11285" marT="11285" marB="0" anchor="ctr"/>
-                </a:tc>
-                <a:tc>
-                  <a:txBody>
-                    <a:bodyPr/>
-                    <a:lstStyle/>
-                    <a:p>
-                      <a:pPr algn="ctr" fontAlgn="ctr"/>
-                      <a:r>
-                        <a:rPr lang="en-US" altLang="zh-CN" sz="1300" u="none" strike="noStrike">
-                          <a:effectLst/>
-                        </a:rPr>
-                        <a:t>0.000</a:t>
-                      </a:r>
-                      <a:endParaRPr lang="en-US" altLang="zh-CN" sz="1300" b="0" i="0" u="none" strike="noStrike">
-                        <a:solidFill>
-                          <a:srgbClr val="000000"/>
-                        </a:solidFill>
-                        <a:effectLst/>
-                        <a:latin typeface="等线" panose="02010600030101010101" pitchFamily="2" charset="-122"/>
-                        <a:ea typeface="等线" panose="02010600030101010101" pitchFamily="2" charset="-122"/>
-                      </a:endParaRPr>
-                    </a:p>
-                  </a:txBody>
-                  <a:tcPr marL="11285" marR="11285" marT="11285" marB="0" anchor="ctr"/>
-                </a:tc>
-                <a:tc>
-                  <a:txBody>
-                    <a:bodyPr/>
-                    <a:lstStyle/>
-                    <a:p>
-                      <a:pPr algn="ctr" fontAlgn="ctr"/>
-                      <a:r>
-                        <a:rPr lang="en-US" altLang="zh-CN" sz="1300" u="none" strike="noStrike">
-                          <a:effectLst/>
-                        </a:rPr>
-                        <a:t>2.714</a:t>
-                      </a:r>
-                      <a:endParaRPr lang="en-US" altLang="zh-CN" sz="1300" b="0" i="0" u="none" strike="noStrike">
-                        <a:solidFill>
-                          <a:srgbClr val="000000"/>
-                        </a:solidFill>
-                        <a:effectLst/>
-                        <a:latin typeface="等线" panose="02010600030101010101" pitchFamily="2" charset="-122"/>
-                        <a:ea typeface="等线" panose="02010600030101010101" pitchFamily="2" charset="-122"/>
-                      </a:endParaRPr>
-                    </a:p>
-                  </a:txBody>
-                  <a:tcPr marL="11285" marR="11285" marT="11285" marB="0" anchor="ctr"/>
-                </a:tc>
-                <a:tc>
-                  <a:txBody>
-                    <a:bodyPr/>
-                    <a:lstStyle/>
-                    <a:p>
-                      <a:pPr algn="ctr" fontAlgn="ctr"/>
-                      <a:r>
-                        <a:rPr lang="en-US" altLang="zh-CN" sz="1300" u="none" strike="noStrike">
-                          <a:effectLst/>
-                        </a:rPr>
-                        <a:t>3.619</a:t>
-                      </a:r>
-                      <a:endParaRPr lang="en-US" altLang="zh-CN" sz="1300" b="0" i="0" u="none" strike="noStrike">
-                        <a:solidFill>
-                          <a:srgbClr val="000000"/>
-                        </a:solidFill>
-                        <a:effectLst/>
-                        <a:latin typeface="等线" panose="02010600030101010101" pitchFamily="2" charset="-122"/>
-                        <a:ea typeface="等线" panose="02010600030101010101" pitchFamily="2" charset="-122"/>
-                      </a:endParaRPr>
-                    </a:p>
-                  </a:txBody>
-                  <a:tcPr marL="11285" marR="11285" marT="11285" marB="0" anchor="ctr"/>
-                </a:tc>
-                <a:extLst>
-                  <a:ext uri="{0D108BD9-81ED-4DB2-BD59-A6C34878D82A}">
-                    <a16:rowId xmlns:a16="http://schemas.microsoft.com/office/drawing/2014/main" val="2936601449"/>
-                  </a:ext>
-                </a:extLst>
-              </a:tr>
-              <a:tr h="205191">
-                <a:tc>
-                  <a:txBody>
-                    <a:bodyPr/>
-                    <a:lstStyle/>
-                    <a:p>
-                      <a:pPr algn="ctr" fontAlgn="ctr"/>
-                      <a:r>
-                        <a:rPr lang="de-DE" sz="1300" u="none" strike="noStrike">
-                          <a:effectLst/>
-                        </a:rPr>
-                        <a:t>G</a:t>
-                      </a:r>
-                      <a:endParaRPr lang="de-DE" sz="1300" b="0" i="0" u="none" strike="noStrike">
-                        <a:solidFill>
-                          <a:srgbClr val="000000"/>
-                        </a:solidFill>
-                        <a:effectLst/>
-                        <a:latin typeface="等线" panose="02010600030101010101" pitchFamily="2" charset="-122"/>
-                        <a:ea typeface="等线" panose="02010600030101010101" pitchFamily="2" charset="-122"/>
-                      </a:endParaRPr>
-                    </a:p>
-                  </a:txBody>
-                  <a:tcPr marL="11285" marR="11285" marT="11285" marB="0" anchor="ctr"/>
-                </a:tc>
-                <a:tc>
-                  <a:txBody>
-                    <a:bodyPr/>
-                    <a:lstStyle/>
-                    <a:p>
-                      <a:pPr algn="ctr" fontAlgn="ctr"/>
-                      <a:r>
-                        <a:rPr lang="en-US" altLang="zh-CN" sz="1300" u="none" strike="noStrike">
-                          <a:effectLst/>
-                        </a:rPr>
-                        <a:t>6.9556</a:t>
-                      </a:r>
-                      <a:endParaRPr lang="en-US" altLang="zh-CN" sz="1300" b="1" i="0" u="none" strike="noStrike">
-                        <a:solidFill>
-                          <a:srgbClr val="FF0000"/>
-                        </a:solidFill>
-                        <a:effectLst/>
-                        <a:latin typeface="等线" panose="02010600030101010101" pitchFamily="2" charset="-122"/>
-                        <a:ea typeface="等线" panose="02010600030101010101" pitchFamily="2" charset="-122"/>
-                      </a:endParaRPr>
-                    </a:p>
-                  </a:txBody>
-                  <a:tcPr marL="11285" marR="11285" marT="11285" marB="0" anchor="ctr"/>
-                </a:tc>
-                <a:tc>
-                  <a:txBody>
-                    <a:bodyPr/>
-                    <a:lstStyle/>
-                    <a:p>
-                      <a:pPr algn="ctr" fontAlgn="ctr"/>
-                      <a:r>
-                        <a:rPr lang="en-US" altLang="zh-CN" sz="1300" u="none" strike="noStrike">
-                          <a:effectLst/>
-                        </a:rPr>
-                        <a:t>1.107</a:t>
-                      </a:r>
-                      <a:endParaRPr lang="en-US" altLang="zh-CN" sz="1300" b="0" i="0" u="none" strike="noStrike">
-                        <a:solidFill>
-                          <a:srgbClr val="000000"/>
-                        </a:solidFill>
-                        <a:effectLst/>
-                        <a:latin typeface="等线" panose="02010600030101010101" pitchFamily="2" charset="-122"/>
-                        <a:ea typeface="等线" panose="02010600030101010101" pitchFamily="2" charset="-122"/>
-                      </a:endParaRPr>
-                    </a:p>
-                  </a:txBody>
-                  <a:tcPr marL="11285" marR="11285" marT="11285" marB="0" anchor="ctr"/>
-                </a:tc>
-                <a:tc>
-                  <a:txBody>
-                    <a:bodyPr/>
-                    <a:lstStyle/>
-                    <a:p>
-                      <a:pPr algn="ctr" fontAlgn="ctr"/>
-                      <a:r>
-                        <a:rPr lang="en-US" altLang="zh-CN" sz="1300" u="none" strike="noStrike">
-                          <a:effectLst/>
-                        </a:rPr>
-                        <a:t>6.285</a:t>
-                      </a:r>
-                      <a:endParaRPr lang="en-US" altLang="zh-CN" sz="1300" b="0" i="0" u="none" strike="noStrike">
-                        <a:solidFill>
-                          <a:srgbClr val="000000"/>
-                        </a:solidFill>
-                        <a:effectLst/>
-                        <a:latin typeface="等线" panose="02010600030101010101" pitchFamily="2" charset="-122"/>
-                        <a:ea typeface="等线" panose="02010600030101010101" pitchFamily="2" charset="-122"/>
-                      </a:endParaRPr>
-                    </a:p>
-                  </a:txBody>
-                  <a:tcPr marL="11285" marR="11285" marT="11285" marB="0" anchor="ctr"/>
-                </a:tc>
-                <a:tc>
-                  <a:txBody>
-                    <a:bodyPr/>
-                    <a:lstStyle/>
-                    <a:p>
-                      <a:pPr algn="ctr" fontAlgn="ctr"/>
-                      <a:r>
-                        <a:rPr lang="en-US" altLang="zh-CN" sz="1300" u="none" strike="noStrike">
-                          <a:effectLst/>
-                        </a:rPr>
-                        <a:t>0.000</a:t>
-                      </a:r>
-                      <a:endParaRPr lang="en-US" altLang="zh-CN" sz="1300" b="0" i="0" u="none" strike="noStrike">
-                        <a:solidFill>
-                          <a:srgbClr val="000000"/>
-                        </a:solidFill>
-                        <a:effectLst/>
-                        <a:latin typeface="等线" panose="02010600030101010101" pitchFamily="2" charset="-122"/>
-                        <a:ea typeface="等线" panose="02010600030101010101" pitchFamily="2" charset="-122"/>
-                      </a:endParaRPr>
-                    </a:p>
-                  </a:txBody>
-                  <a:tcPr marL="11285" marR="11285" marT="11285" marB="0" anchor="ctr"/>
-                </a:tc>
-                <a:tc>
-                  <a:txBody>
-                    <a:bodyPr/>
-                    <a:lstStyle/>
-                    <a:p>
-                      <a:pPr algn="ctr" fontAlgn="ctr"/>
-                      <a:r>
-                        <a:rPr lang="en-US" altLang="zh-CN" sz="1300" u="none" strike="noStrike">
-                          <a:effectLst/>
-                        </a:rPr>
-                        <a:t>4.787</a:t>
-                      </a:r>
-                      <a:endParaRPr lang="en-US" altLang="zh-CN" sz="1300" b="0" i="0" u="none" strike="noStrike">
-                        <a:solidFill>
-                          <a:srgbClr val="000000"/>
-                        </a:solidFill>
-                        <a:effectLst/>
-                        <a:latin typeface="等线" panose="02010600030101010101" pitchFamily="2" charset="-122"/>
-                        <a:ea typeface="等线" panose="02010600030101010101" pitchFamily="2" charset="-122"/>
-                      </a:endParaRPr>
-                    </a:p>
-                  </a:txBody>
-                  <a:tcPr marL="11285" marR="11285" marT="11285" marB="0" anchor="ctr"/>
-                </a:tc>
-                <a:tc>
-                  <a:txBody>
-                    <a:bodyPr/>
-                    <a:lstStyle/>
-                    <a:p>
-                      <a:pPr algn="ctr" fontAlgn="ctr"/>
-                      <a:r>
-                        <a:rPr lang="en-US" altLang="zh-CN" sz="1300" u="none" strike="noStrike">
-                          <a:effectLst/>
-                        </a:rPr>
-                        <a:t>9.125</a:t>
-                      </a:r>
-                      <a:endParaRPr lang="en-US" altLang="zh-CN" sz="1300" b="0" i="0" u="none" strike="noStrike">
-                        <a:solidFill>
-                          <a:srgbClr val="000000"/>
-                        </a:solidFill>
-                        <a:effectLst/>
-                        <a:latin typeface="等线" panose="02010600030101010101" pitchFamily="2" charset="-122"/>
-                        <a:ea typeface="等线" panose="02010600030101010101" pitchFamily="2" charset="-122"/>
-                      </a:endParaRPr>
-                    </a:p>
-                  </a:txBody>
-                  <a:tcPr marL="11285" marR="11285" marT="11285" marB="0" anchor="ctr"/>
-                </a:tc>
-                <a:extLst>
-                  <a:ext uri="{0D108BD9-81ED-4DB2-BD59-A6C34878D82A}">
-                    <a16:rowId xmlns:a16="http://schemas.microsoft.com/office/drawing/2014/main" val="2957535982"/>
-                  </a:ext>
-                </a:extLst>
-              </a:tr>
-              <a:tr h="205191">
-                <a:tc>
-                  <a:txBody>
-                    <a:bodyPr/>
-                    <a:lstStyle/>
-                    <a:p>
-                      <a:pPr algn="ctr" fontAlgn="ctr"/>
-                      <a:r>
-                        <a:rPr lang="de-DE" sz="1300" u="none" strike="noStrike">
-                          <a:effectLst/>
-                        </a:rPr>
-                        <a:t>Y</a:t>
-                      </a:r>
-                      <a:endParaRPr lang="de-DE" sz="1300" b="0" i="0" u="none" strike="noStrike">
-                        <a:solidFill>
-                          <a:srgbClr val="000000"/>
-                        </a:solidFill>
-                        <a:effectLst/>
-                        <a:latin typeface="等线" panose="02010600030101010101" pitchFamily="2" charset="-122"/>
-                        <a:ea typeface="等线" panose="02010600030101010101" pitchFamily="2" charset="-122"/>
-                      </a:endParaRPr>
-                    </a:p>
-                  </a:txBody>
-                  <a:tcPr marL="11285" marR="11285" marT="11285" marB="0" anchor="ctr"/>
-                </a:tc>
-                <a:tc>
-                  <a:txBody>
-                    <a:bodyPr/>
-                    <a:lstStyle/>
-                    <a:p>
-                      <a:pPr algn="ctr" fontAlgn="ctr"/>
-                      <a:r>
-                        <a:rPr lang="en-US" altLang="zh-CN" sz="1300" u="none" strike="noStrike">
-                          <a:effectLst/>
-                        </a:rPr>
-                        <a:t>-0.0086</a:t>
-                      </a:r>
-                      <a:endParaRPr lang="en-US" altLang="zh-CN" sz="1300" b="0" i="0" u="none" strike="noStrike">
-                        <a:solidFill>
-                          <a:srgbClr val="000000"/>
-                        </a:solidFill>
-                        <a:effectLst/>
-                        <a:latin typeface="等线" panose="02010600030101010101" pitchFamily="2" charset="-122"/>
-                        <a:ea typeface="等线" panose="02010600030101010101" pitchFamily="2" charset="-122"/>
-                      </a:endParaRPr>
-                    </a:p>
-                  </a:txBody>
-                  <a:tcPr marL="11285" marR="11285" marT="11285" marB="0" anchor="ctr"/>
-                </a:tc>
-                <a:tc>
-                  <a:txBody>
-                    <a:bodyPr/>
-                    <a:lstStyle/>
-                    <a:p>
-                      <a:pPr algn="ctr" fontAlgn="ctr"/>
-                      <a:r>
-                        <a:rPr lang="en-US" altLang="zh-CN" sz="1300" u="none" strike="noStrike">
-                          <a:effectLst/>
-                        </a:rPr>
-                        <a:t>0.053</a:t>
-                      </a:r>
-                      <a:endParaRPr lang="en-US" altLang="zh-CN" sz="1300" b="0" i="0" u="none" strike="noStrike">
-                        <a:solidFill>
-                          <a:srgbClr val="000000"/>
-                        </a:solidFill>
-                        <a:effectLst/>
-                        <a:latin typeface="等线" panose="02010600030101010101" pitchFamily="2" charset="-122"/>
-                        <a:ea typeface="等线" panose="02010600030101010101" pitchFamily="2" charset="-122"/>
-                      </a:endParaRPr>
-                    </a:p>
-                  </a:txBody>
-                  <a:tcPr marL="11285" marR="11285" marT="11285" marB="0" anchor="ctr"/>
-                </a:tc>
-                <a:tc>
-                  <a:txBody>
-                    <a:bodyPr/>
-                    <a:lstStyle/>
-                    <a:p>
-                      <a:pPr algn="ctr" fontAlgn="ctr"/>
-                      <a:r>
-                        <a:rPr lang="en-US" altLang="zh-CN" sz="1300" u="none" strike="noStrike">
-                          <a:effectLst/>
-                        </a:rPr>
-                        <a:t>-0.163</a:t>
-                      </a:r>
-                      <a:endParaRPr lang="en-US" altLang="zh-CN" sz="1300" b="0" i="0" u="none" strike="noStrike">
-                        <a:solidFill>
-                          <a:srgbClr val="000000"/>
-                        </a:solidFill>
-                        <a:effectLst/>
-                        <a:latin typeface="等线" panose="02010600030101010101" pitchFamily="2" charset="-122"/>
-                        <a:ea typeface="等线" panose="02010600030101010101" pitchFamily="2" charset="-122"/>
-                      </a:endParaRPr>
-                    </a:p>
-                  </a:txBody>
-                  <a:tcPr marL="11285" marR="11285" marT="11285" marB="0" anchor="ctr"/>
-                </a:tc>
-                <a:tc>
-                  <a:txBody>
-                    <a:bodyPr/>
-                    <a:lstStyle/>
-                    <a:p>
-                      <a:pPr algn="ctr" fontAlgn="ctr"/>
-                      <a:r>
-                        <a:rPr lang="en-US" altLang="zh-CN" sz="1300" u="none" strike="noStrike">
-                          <a:effectLst/>
-                        </a:rPr>
-                        <a:t>0.871</a:t>
-                      </a:r>
-                      <a:endParaRPr lang="en-US" altLang="zh-CN" sz="1300" b="1" i="0" u="none" strike="noStrike">
-                        <a:solidFill>
-                          <a:srgbClr val="FF0000"/>
-                        </a:solidFill>
-                        <a:effectLst/>
-                        <a:latin typeface="等线" panose="02010600030101010101" pitchFamily="2" charset="-122"/>
-                        <a:ea typeface="等线" panose="02010600030101010101" pitchFamily="2" charset="-122"/>
-                      </a:endParaRPr>
-                    </a:p>
-                  </a:txBody>
-                  <a:tcPr marL="11285" marR="11285" marT="11285" marB="0" anchor="ctr"/>
-                </a:tc>
-                <a:tc>
-                  <a:txBody>
-                    <a:bodyPr/>
-                    <a:lstStyle/>
-                    <a:p>
-                      <a:pPr algn="ctr" fontAlgn="ctr"/>
-                      <a:r>
-                        <a:rPr lang="en-US" altLang="zh-CN" sz="1300" u="none" strike="noStrike">
-                          <a:effectLst/>
-                        </a:rPr>
-                        <a:t>-0.112</a:t>
-                      </a:r>
-                      <a:endParaRPr lang="en-US" altLang="zh-CN" sz="1300" b="0" i="0" u="none" strike="noStrike">
-                        <a:solidFill>
-                          <a:srgbClr val="000000"/>
-                        </a:solidFill>
-                        <a:effectLst/>
-                        <a:latin typeface="等线" panose="02010600030101010101" pitchFamily="2" charset="-122"/>
-                        <a:ea typeface="等线" panose="02010600030101010101" pitchFamily="2" charset="-122"/>
-                      </a:endParaRPr>
-                    </a:p>
-                  </a:txBody>
-                  <a:tcPr marL="11285" marR="11285" marT="11285" marB="0" anchor="ctr"/>
-                </a:tc>
-                <a:tc>
-                  <a:txBody>
-                    <a:bodyPr/>
-                    <a:lstStyle/>
-                    <a:p>
-                      <a:pPr algn="ctr" fontAlgn="ctr"/>
-                      <a:r>
-                        <a:rPr lang="en-US" altLang="zh-CN" sz="1300" u="none" strike="noStrike" dirty="0">
-                          <a:effectLst/>
-                        </a:rPr>
-                        <a:t>0.095</a:t>
-                      </a:r>
-                      <a:endParaRPr lang="en-US" altLang="zh-CN" sz="1300" b="0" i="0" u="none" strike="noStrike" dirty="0">
-                        <a:solidFill>
-                          <a:srgbClr val="000000"/>
-                        </a:solidFill>
-                        <a:effectLst/>
-                        <a:latin typeface="等线" panose="02010600030101010101" pitchFamily="2" charset="-122"/>
-                        <a:ea typeface="等线" panose="02010600030101010101" pitchFamily="2" charset="-122"/>
-                      </a:endParaRPr>
-                    </a:p>
-                  </a:txBody>
-                  <a:tcPr marL="11285" marR="11285" marT="11285" marB="0" anchor="ctr"/>
-                </a:tc>
-                <a:extLst>
-                  <a:ext uri="{0D108BD9-81ED-4DB2-BD59-A6C34878D82A}">
-                    <a16:rowId xmlns:a16="http://schemas.microsoft.com/office/drawing/2014/main" val="1514306792"/>
-                  </a:ext>
-                </a:extLst>
-              </a:tr>
-            </a:tbl>
-          </a:graphicData>
-        </a:graphic>
-      </p:graphicFrame>
-      <p:sp>
-        <p:nvSpPr>
-          <p:cNvPr id="4" name="Ellipse 3">
-            <a:extLst>
-              <a:ext uri="{FF2B5EF4-FFF2-40B4-BE49-F238E27FC236}">
-                <a16:creationId xmlns:a16="http://schemas.microsoft.com/office/drawing/2014/main" id="{D4AD5F1F-0674-4CCC-B39D-FBDDD7257A03}"/>
-              </a:ext>
-            </a:extLst>
-          </p:cNvPr>
-          <p:cNvSpPr/>
-          <p:nvPr/>
-        </p:nvSpPr>
-        <p:spPr>
-          <a:xfrm>
-            <a:off x="1628458" y="2243690"/>
-            <a:ext cx="896112" cy="256032"/>
-          </a:xfrm>
-          <a:prstGeom prst="ellipse">
-            <a:avLst/>
-          </a:prstGeom>
-          <a:noFill/>
-          <a:ln w="15875">
-            <a:solidFill>
-              <a:srgbClr val="FF0000"/>
-            </a:solidFill>
           </a:ln>
         </p:spPr>
         <p:style>
@@ -9138,39 +6235,87 @@
           </a:fontRef>
         </p:style>
         <p:txBody>
-          <a:bodyPr rtlCol="0" anchor="ctr"/>
+          <a:bodyPr wrap="square" rtlCol="0" anchor="ctr">
+            <a:noAutofit/>
+          </a:bodyPr>
           <a:lstStyle/>
           <a:p>
             <a:pPr algn="ctr"/>
-            <a:endParaRPr lang="zh-CN" altLang="en-US"/>
-          </a:p>
-        </p:txBody>
-      </p:sp>
-      <p:sp>
-        <p:nvSpPr>
-          <p:cNvPr id="11" name="Ellipse 10">
-            <a:extLst>
-              <a:ext uri="{FF2B5EF4-FFF2-40B4-BE49-F238E27FC236}">
-                <a16:creationId xmlns:a16="http://schemas.microsoft.com/office/drawing/2014/main" id="{0C5F1BB4-0D83-4D44-91B4-F4EF94A68832}"/>
-              </a:ext>
-            </a:extLst>
-          </p:cNvPr>
-          <p:cNvSpPr/>
-          <p:nvPr/>
+            <a:endParaRPr lang="en-US"/>
+          </a:p>
+        </p:txBody>
+      </p:sp>
+      <p:sp>
+        <p:nvSpPr>
+          <p:cNvPr id="15" name="Freeform: Shape 14">
+            <a:extLst>
+              <a:ext uri="{FF2B5EF4-FFF2-40B4-BE49-F238E27FC236}">
+                <a16:creationId xmlns:a16="http://schemas.microsoft.com/office/drawing/2014/main" id="{479F5F2B-8B58-4140-AE6A-51F6C67B18D9}"/>
+              </a:ext>
+              <a:ext uri="{C183D7F6-B498-43B3-948B-1728B52AA6E4}">
+                <adec:decorative xmlns:adec="http://schemas.microsoft.com/office/drawing/2017/decorative" val="1"/>
+              </a:ext>
+            </a:extLst>
+          </p:cNvPr>
+          <p:cNvSpPr>
+            <a:spLocks noGrp="1" noRot="1" noChangeAspect="1" noMove="1" noResize="1" noEditPoints="1" noAdjustHandles="1" noChangeArrowheads="1" noChangeShapeType="1" noTextEdit="1"/>
+          </p:cNvSpPr>
+          <p:nvPr>
+            <p:extLst>
+              <p:ext uri="{386F3935-93C4-4BCD-93E2-E3B085C9AB24}">
+                <p16:designElem xmlns:p16="http://schemas.microsoft.com/office/powerpoint/2015/main" val="1"/>
+              </p:ext>
+            </p:extLst>
+          </p:nvPr>
         </p:nvSpPr>
         <p:spPr>
           <a:xfrm>
-            <a:off x="1628458" y="5202936"/>
-            <a:ext cx="896112" cy="993648"/>
+            <a:off x="0" y="1691641"/>
+            <a:ext cx="971654" cy="2096979"/>
           </a:xfrm>
-          <a:prstGeom prst="ellipse">
+          <a:custGeom>
             <a:avLst/>
-          </a:prstGeom>
-          <a:noFill/>
-          <a:ln w="15875">
-            <a:solidFill>
-              <a:srgbClr val="FF0000"/>
-            </a:solidFill>
+            <a:gdLst>
+              <a:gd name="connsiteX0" fmla="*/ 0 w 971654"/>
+              <a:gd name="connsiteY0" fmla="*/ 0 h 2096979"/>
+              <a:gd name="connsiteX1" fmla="*/ 971654 w 971654"/>
+              <a:gd name="connsiteY1" fmla="*/ 0 h 2096979"/>
+              <a:gd name="connsiteX2" fmla="*/ 0 w 971654"/>
+              <a:gd name="connsiteY2" fmla="*/ 2096979 h 2096979"/>
+            </a:gdLst>
+            <a:ahLst/>
+            <a:cxnLst>
+              <a:cxn ang="0">
+                <a:pos x="connsiteX0" y="connsiteY0"/>
+              </a:cxn>
+              <a:cxn ang="0">
+                <a:pos x="connsiteX1" y="connsiteY1"/>
+              </a:cxn>
+              <a:cxn ang="0">
+                <a:pos x="connsiteX2" y="connsiteY2"/>
+              </a:cxn>
+            </a:cxnLst>
+            <a:rect l="l" t="t" r="r" b="b"/>
+            <a:pathLst>
+              <a:path w="971654" h="2096979">
+                <a:moveTo>
+                  <a:pt x="0" y="0"/>
+                </a:moveTo>
+                <a:lnTo>
+                  <a:pt x="971654" y="0"/>
+                </a:lnTo>
+                <a:lnTo>
+                  <a:pt x="0" y="2096979"/>
+                </a:lnTo>
+                <a:close/>
+              </a:path>
+            </a:pathLst>
+          </a:custGeom>
+          <a:solidFill>
+            <a:srgbClr val="404040"/>
+          </a:solidFill>
+          <a:ln>
+            <a:noFill/>
           </a:ln>
         </p:spPr>
         <p:style>
@@ -9190,174 +6335,568 @@
           </a:fontRef>
         </p:style>
         <p:txBody>
-          <a:bodyPr rtlCol="0" anchor="ctr"/>
+          <a:bodyPr wrap="square" rtlCol="0" anchor="ctr">
+            <a:noAutofit/>
+          </a:bodyPr>
           <a:lstStyle/>
           <a:p>
             <a:pPr algn="ctr"/>
-            <a:endParaRPr lang="zh-CN" altLang="en-US"/>
-          </a:p>
-        </p:txBody>
-      </p:sp>
-      <p:sp>
-        <p:nvSpPr>
-          <p:cNvPr id="13" name="Ellipse 12">
-            <a:extLst>
-              <a:ext uri="{FF2B5EF4-FFF2-40B4-BE49-F238E27FC236}">
-                <a16:creationId xmlns:a16="http://schemas.microsoft.com/office/drawing/2014/main" id="{387F47B6-FB67-4A25-92AA-9E33D2B2C1A7}"/>
-              </a:ext>
-            </a:extLst>
-          </p:cNvPr>
-          <p:cNvSpPr/>
-          <p:nvPr/>
-        </p:nvSpPr>
-        <p:spPr>
-          <a:xfrm>
-            <a:off x="3752397" y="2663888"/>
-            <a:ext cx="804105" cy="195549"/>
-          </a:xfrm>
-          <a:prstGeom prst="ellipse">
-            <a:avLst/>
-          </a:prstGeom>
-          <a:noFill/>
-          <a:ln w="15875">
-            <a:solidFill>
-              <a:srgbClr val="FF0000"/>
-            </a:solidFill>
-          </a:ln>
-        </p:spPr>
-        <p:style>
-          <a:lnRef idx="2">
-            <a:schemeClr val="accent1">
-              <a:shade val="50000"/>
-            </a:schemeClr>
-          </a:lnRef>
-          <a:fillRef idx="1">
-            <a:schemeClr val="accent1"/>
-          </a:fillRef>
-          <a:effectRef idx="0">
-            <a:schemeClr val="accent1"/>
-          </a:effectRef>
-          <a:fontRef idx="minor">
-            <a:schemeClr val="lt1"/>
-          </a:fontRef>
-        </p:style>
-        <p:txBody>
-          <a:bodyPr rtlCol="0" anchor="ctr"/>
-          <a:lstStyle/>
-          <a:p>
-            <a:pPr algn="ctr"/>
-            <a:endParaRPr lang="zh-CN" altLang="en-US"/>
-          </a:p>
-        </p:txBody>
-      </p:sp>
-      <p:sp>
-        <p:nvSpPr>
-          <p:cNvPr id="16" name="Ellipse 15">
-            <a:extLst>
-              <a:ext uri="{FF2B5EF4-FFF2-40B4-BE49-F238E27FC236}">
-                <a16:creationId xmlns:a16="http://schemas.microsoft.com/office/drawing/2014/main" id="{45C1167C-F423-48CC-AF98-F88E3ACEEF10}"/>
-              </a:ext>
-            </a:extLst>
-          </p:cNvPr>
-          <p:cNvSpPr/>
-          <p:nvPr/>
-        </p:nvSpPr>
-        <p:spPr>
-          <a:xfrm>
-            <a:off x="3861144" y="3938545"/>
-            <a:ext cx="695358" cy="256032"/>
-          </a:xfrm>
-          <a:prstGeom prst="ellipse">
-            <a:avLst/>
-          </a:prstGeom>
-          <a:noFill/>
-          <a:ln w="15875">
-            <a:solidFill>
-              <a:srgbClr val="FF0000"/>
-            </a:solidFill>
-          </a:ln>
-        </p:spPr>
-        <p:style>
-          <a:lnRef idx="2">
-            <a:schemeClr val="accent1">
-              <a:shade val="50000"/>
-            </a:schemeClr>
-          </a:lnRef>
-          <a:fillRef idx="1">
-            <a:schemeClr val="accent1"/>
-          </a:fillRef>
-          <a:effectRef idx="0">
-            <a:schemeClr val="accent1"/>
-          </a:effectRef>
-          <a:fontRef idx="minor">
-            <a:schemeClr val="lt1"/>
-          </a:fontRef>
-        </p:style>
-        <p:txBody>
-          <a:bodyPr rtlCol="0" anchor="ctr"/>
-          <a:lstStyle/>
-          <a:p>
-            <a:pPr algn="ctr"/>
-            <a:endParaRPr lang="zh-CN" altLang="en-US"/>
-          </a:p>
-        </p:txBody>
-      </p:sp>
-      <p:sp>
-        <p:nvSpPr>
-          <p:cNvPr id="17" name="Ellipse 16">
-            <a:extLst>
-              <a:ext uri="{FF2B5EF4-FFF2-40B4-BE49-F238E27FC236}">
-                <a16:creationId xmlns:a16="http://schemas.microsoft.com/office/drawing/2014/main" id="{EFC57969-6907-4BC5-99BA-D7A763951694}"/>
-              </a:ext>
-            </a:extLst>
-          </p:cNvPr>
-          <p:cNvSpPr/>
-          <p:nvPr/>
-        </p:nvSpPr>
-        <p:spPr>
-          <a:xfrm>
-            <a:off x="3752397" y="6105725"/>
-            <a:ext cx="896112" cy="256032"/>
-          </a:xfrm>
-          <a:prstGeom prst="ellipse">
-            <a:avLst/>
-          </a:prstGeom>
-          <a:noFill/>
-          <a:ln w="15875">
-            <a:solidFill>
-              <a:srgbClr val="FF0000"/>
-            </a:solidFill>
-          </a:ln>
-        </p:spPr>
-        <p:style>
-          <a:lnRef idx="2">
-            <a:schemeClr val="accent1">
-              <a:shade val="50000"/>
-            </a:schemeClr>
-          </a:lnRef>
-          <a:fillRef idx="1">
-            <a:schemeClr val="accent1"/>
-          </a:fillRef>
-          <a:effectRef idx="0">
-            <a:schemeClr val="accent1"/>
-          </a:effectRef>
-          <a:fontRef idx="minor">
-            <a:schemeClr val="lt1"/>
-          </a:fontRef>
-        </p:style>
-        <p:txBody>
-          <a:bodyPr rtlCol="0" anchor="ctr"/>
-          <a:lstStyle/>
-          <a:p>
-            <a:pPr algn="ctr"/>
-            <a:endParaRPr lang="zh-CN" altLang="en-US"/>
-          </a:p>
-        </p:txBody>
-      </p:sp>
+            <a:endParaRPr lang="en-US"/>
+          </a:p>
+        </p:txBody>
+      </p:sp>
+      <p:graphicFrame>
+        <p:nvGraphicFramePr>
+          <p:cNvPr id="10" name="Tabelle 2">
+            <a:extLst>
+              <a:ext uri="{FF2B5EF4-FFF2-40B4-BE49-F238E27FC236}">
+                <a16:creationId xmlns:a16="http://schemas.microsoft.com/office/drawing/2014/main" id="{3ED8CD2F-9C06-4E0F-A500-48C9DCF17BC5}"/>
+              </a:ext>
+            </a:extLst>
+          </p:cNvPr>
+          <p:cNvGraphicFramePr>
+            <a:graphicFrameLocks noGrp="1"/>
+          </p:cNvGraphicFramePr>
+          <p:nvPr>
+            <p:extLst>
+              <p:ext uri="{D42A27DB-BD31-4B8C-83A1-F6EECF244321}">
+                <p14:modId xmlns:p14="http://schemas.microsoft.com/office/powerpoint/2010/main" val="260648950"/>
+              </p:ext>
+            </p:extLst>
+          </p:nvPr>
+        </p:nvGraphicFramePr>
+        <p:xfrm>
+          <a:off x="2032000" y="1866900"/>
+          <a:ext cx="8128000" cy="4815840"/>
+        </p:xfrm>
+        <a:graphic>
+          <a:graphicData uri="http://schemas.openxmlformats.org/drawingml/2006/table">
+            <a:tbl>
+              <a:tblPr firstRow="1" bandRow="1">
+                <a:tableStyleId>{073A0DAA-6AF3-43AB-8588-CEC1D06C72B9}</a:tableStyleId>
+              </a:tblPr>
+              <a:tblGrid>
+                <a:gridCol w="4090504">
+                  <a:extLst>
+                    <a:ext uri="{9D8B030D-6E8A-4147-A177-3AD203B41FA5}">
+                      <a16:colId xmlns:a16="http://schemas.microsoft.com/office/drawing/2014/main" val="1495691404"/>
+                    </a:ext>
+                  </a:extLst>
+                </a:gridCol>
+                <a:gridCol w="4037496">
+                  <a:extLst>
+                    <a:ext uri="{9D8B030D-6E8A-4147-A177-3AD203B41FA5}">
+                      <a16:colId xmlns:a16="http://schemas.microsoft.com/office/drawing/2014/main" val="2101128999"/>
+                    </a:ext>
+                  </a:extLst>
+                </a:gridCol>
+              </a:tblGrid>
+              <a:tr h="0">
+                <a:tc>
+                  <a:txBody>
+                    <a:bodyPr/>
+                    <a:lstStyle/>
+                    <a:p>
+                      <a:r>
+                        <a:rPr lang="de-DE" dirty="0"/>
+                        <a:t>Variable </a:t>
+                      </a:r>
+                    </a:p>
+                  </a:txBody>
+                  <a:tcPr/>
+                </a:tc>
+                <a:tc>
+                  <a:txBody>
+                    <a:bodyPr/>
+                    <a:lstStyle/>
+                    <a:p>
+                      <a:r>
+                        <a:rPr lang="de-DE" dirty="0"/>
+                        <a:t>Impact</a:t>
+                      </a:r>
+                    </a:p>
+                  </a:txBody>
+                  <a:tcPr/>
+                </a:tc>
+                <a:extLst>
+                  <a:ext uri="{0D108BD9-81ED-4DB2-BD59-A6C34878D82A}">
+                    <a16:rowId xmlns:a16="http://schemas.microsoft.com/office/drawing/2014/main" val="833982691"/>
+                  </a:ext>
+                </a:extLst>
+              </a:tr>
+              <a:tr h="370840">
+                <a:tc>
+                  <a:txBody>
+                    <a:bodyPr/>
+                    <a:lstStyle/>
+                    <a:p>
+                      <a:pPr algn="l" fontAlgn="t"/>
+                      <a:r>
+                        <a:rPr lang="de-DE" sz="1800" kern="1200" dirty="0">
+                          <a:solidFill>
+                            <a:schemeClr val="dk1"/>
+                          </a:solidFill>
+                          <a:latin typeface="+mn-lt"/>
+                          <a:ea typeface="+mn-ea"/>
+                          <a:cs typeface="+mn-cs"/>
+                        </a:rPr>
+                        <a:t> </a:t>
+                      </a:r>
+                      <a:r>
+                        <a:rPr lang="de-DE" sz="1800" kern="1200" dirty="0" err="1">
+                          <a:solidFill>
+                            <a:schemeClr val="dk1"/>
+                          </a:solidFill>
+                          <a:latin typeface="+mn-lt"/>
+                          <a:ea typeface="+mn-ea"/>
+                          <a:cs typeface="+mn-cs"/>
+                        </a:rPr>
+                        <a:t>person_age</a:t>
+                      </a:r>
+                      <a:endParaRPr lang="de-DE" sz="1800" kern="1200" dirty="0">
+                        <a:solidFill>
+                          <a:schemeClr val="dk1"/>
+                        </a:solidFill>
+                        <a:latin typeface="+mn-lt"/>
+                        <a:ea typeface="+mn-ea"/>
+                        <a:cs typeface="+mn-cs"/>
+                      </a:endParaRPr>
+                    </a:p>
+                  </a:txBody>
+                  <a:tcPr marL="9525" marR="9525" marT="9525" marB="0"/>
+                </a:tc>
+                <a:tc>
+                  <a:txBody>
+                    <a:bodyPr/>
+                    <a:lstStyle/>
+                    <a:p>
+                      <a:pPr algn="ctr"/>
+                      <a:r>
+                        <a:rPr lang="de-DE" dirty="0"/>
+                        <a:t>+</a:t>
+                      </a:r>
+                    </a:p>
+                  </a:txBody>
+                  <a:tcPr/>
+                </a:tc>
+                <a:extLst>
+                  <a:ext uri="{0D108BD9-81ED-4DB2-BD59-A6C34878D82A}">
+                    <a16:rowId xmlns:a16="http://schemas.microsoft.com/office/drawing/2014/main" val="406380766"/>
+                  </a:ext>
+                </a:extLst>
+              </a:tr>
+              <a:tr h="370840">
+                <a:tc>
+                  <a:txBody>
+                    <a:bodyPr/>
+                    <a:lstStyle/>
+                    <a:p>
+                      <a:r>
+                        <a:rPr lang="de-DE" dirty="0" err="1"/>
+                        <a:t>person_income</a:t>
+                      </a:r>
+                      <a:endParaRPr lang="de-DE" dirty="0"/>
+                    </a:p>
+                  </a:txBody>
+                  <a:tcPr/>
+                </a:tc>
+                <a:tc>
+                  <a:txBody>
+                    <a:bodyPr/>
+                    <a:lstStyle/>
+                    <a:p>
+                      <a:pPr algn="ctr"/>
+                      <a:r>
+                        <a:rPr lang="de-DE" dirty="0"/>
+                        <a:t>+</a:t>
+                      </a:r>
+                    </a:p>
+                  </a:txBody>
+                  <a:tcPr/>
+                </a:tc>
+                <a:extLst>
+                  <a:ext uri="{0D108BD9-81ED-4DB2-BD59-A6C34878D82A}">
+                    <a16:rowId xmlns:a16="http://schemas.microsoft.com/office/drawing/2014/main" val="2010818831"/>
+                  </a:ext>
+                </a:extLst>
+              </a:tr>
+              <a:tr h="370840">
+                <a:tc>
+                  <a:txBody>
+                    <a:bodyPr/>
+                    <a:lstStyle/>
+                    <a:p>
+                      <a:r>
+                        <a:rPr lang="de-DE" dirty="0" err="1"/>
+                        <a:t>person_home_ownership</a:t>
+                      </a:r>
+                      <a:endParaRPr lang="de-DE" dirty="0"/>
+                    </a:p>
+                  </a:txBody>
+                  <a:tcPr/>
+                </a:tc>
+                <a:tc>
+                  <a:txBody>
+                    <a:bodyPr/>
+                    <a:lstStyle/>
+                    <a:p>
+                      <a:pPr algn="ctr"/>
+                      <a:r>
+                        <a:rPr lang="de-DE" dirty="0"/>
+                        <a:t>+</a:t>
+                      </a:r>
+                    </a:p>
+                  </a:txBody>
+                  <a:tcPr/>
+                </a:tc>
+                <a:extLst>
+                  <a:ext uri="{0D108BD9-81ED-4DB2-BD59-A6C34878D82A}">
+                    <a16:rowId xmlns:a16="http://schemas.microsoft.com/office/drawing/2014/main" val="2380157233"/>
+                  </a:ext>
+                </a:extLst>
+              </a:tr>
+              <a:tr h="370840">
+                <a:tc>
+                  <a:txBody>
+                    <a:bodyPr/>
+                    <a:lstStyle/>
+                    <a:p>
+                      <a:r>
+                        <a:rPr lang="de-DE" dirty="0" err="1"/>
+                        <a:t>person_emp_length</a:t>
+                      </a:r>
+                      <a:endParaRPr lang="de-DE" dirty="0"/>
+                    </a:p>
+                  </a:txBody>
+                  <a:tcPr/>
+                </a:tc>
+                <a:tc>
+                  <a:txBody>
+                    <a:bodyPr/>
+                    <a:lstStyle/>
+                    <a:p>
+                      <a:pPr algn="ctr"/>
+                      <a:r>
+                        <a:rPr lang="de-DE" dirty="0"/>
+                        <a:t>+</a:t>
+                      </a:r>
+                    </a:p>
+                  </a:txBody>
+                  <a:tcPr/>
+                </a:tc>
+                <a:extLst>
+                  <a:ext uri="{0D108BD9-81ED-4DB2-BD59-A6C34878D82A}">
+                    <a16:rowId xmlns:a16="http://schemas.microsoft.com/office/drawing/2014/main" val="402273806"/>
+                  </a:ext>
+                </a:extLst>
+              </a:tr>
+              <a:tr h="370840">
+                <a:tc>
+                  <a:txBody>
+                    <a:bodyPr/>
+                    <a:lstStyle/>
+                    <a:p>
+                      <a:r>
+                        <a:rPr lang="de-DE" dirty="0" err="1"/>
+                        <a:t>loan_intent</a:t>
+                      </a:r>
+                      <a:endParaRPr lang="de-DE" dirty="0"/>
+                    </a:p>
+                  </a:txBody>
+                  <a:tcPr/>
+                </a:tc>
+                <a:tc>
+                  <a:txBody>
+                    <a:bodyPr/>
+                    <a:lstStyle/>
+                    <a:p>
+                      <a:pPr algn="ctr"/>
+                      <a:r>
+                        <a:rPr lang="de-DE" dirty="0"/>
+                        <a:t>n/a</a:t>
+                      </a:r>
+                    </a:p>
+                  </a:txBody>
+                  <a:tcPr/>
+                </a:tc>
+                <a:extLst>
+                  <a:ext uri="{0D108BD9-81ED-4DB2-BD59-A6C34878D82A}">
+                    <a16:rowId xmlns:a16="http://schemas.microsoft.com/office/drawing/2014/main" val="1448718164"/>
+                  </a:ext>
+                </a:extLst>
+              </a:tr>
+              <a:tr h="370840">
+                <a:tc>
+                  <a:txBody>
+                    <a:bodyPr/>
+                    <a:lstStyle/>
+                    <a:p>
+                      <a:r>
+                        <a:rPr lang="de-DE" dirty="0" err="1"/>
+                        <a:t>loan_grade</a:t>
+                      </a:r>
+                      <a:endParaRPr lang="de-DE" dirty="0"/>
+                    </a:p>
+                  </a:txBody>
+                  <a:tcPr/>
+                </a:tc>
+                <a:tc>
+                  <a:txBody>
+                    <a:bodyPr/>
+                    <a:lstStyle/>
+                    <a:p>
+                      <a:pPr algn="ctr"/>
+                      <a:r>
+                        <a:rPr lang="de-DE" dirty="0"/>
+                        <a:t>+</a:t>
+                      </a:r>
+                    </a:p>
+                  </a:txBody>
+                  <a:tcPr/>
+                </a:tc>
+                <a:extLst>
+                  <a:ext uri="{0D108BD9-81ED-4DB2-BD59-A6C34878D82A}">
+                    <a16:rowId xmlns:a16="http://schemas.microsoft.com/office/drawing/2014/main" val="2171292425"/>
+                  </a:ext>
+                </a:extLst>
+              </a:tr>
+              <a:tr h="370840">
+                <a:tc>
+                  <a:txBody>
+                    <a:bodyPr/>
+                    <a:lstStyle/>
+                    <a:p>
+                      <a:r>
+                        <a:rPr lang="de-DE" dirty="0" err="1"/>
+                        <a:t>loan_amnt</a:t>
+                      </a:r>
+                      <a:endParaRPr lang="de-DE" dirty="0"/>
+                    </a:p>
+                  </a:txBody>
+                  <a:tcPr/>
+                </a:tc>
+                <a:tc>
+                  <a:txBody>
+                    <a:bodyPr/>
+                    <a:lstStyle/>
+                    <a:p>
+                      <a:pPr algn="ctr"/>
+                      <a:r>
+                        <a:rPr lang="de-DE" dirty="0"/>
+                        <a:t>-</a:t>
+                      </a:r>
+                    </a:p>
+                  </a:txBody>
+                  <a:tcPr/>
+                </a:tc>
+                <a:extLst>
+                  <a:ext uri="{0D108BD9-81ED-4DB2-BD59-A6C34878D82A}">
+                    <a16:rowId xmlns:a16="http://schemas.microsoft.com/office/drawing/2014/main" val="1577727965"/>
+                  </a:ext>
+                </a:extLst>
+              </a:tr>
+              <a:tr h="370840">
+                <a:tc>
+                  <a:txBody>
+                    <a:bodyPr/>
+                    <a:lstStyle/>
+                    <a:p>
+                      <a:r>
+                        <a:rPr lang="de-DE" dirty="0" err="1"/>
+                        <a:t>loan_int_rate</a:t>
+                      </a:r>
+                      <a:endParaRPr lang="de-DE" dirty="0"/>
+                    </a:p>
+                  </a:txBody>
+                  <a:tcPr/>
+                </a:tc>
+                <a:tc>
+                  <a:txBody>
+                    <a:bodyPr/>
+                    <a:lstStyle/>
+                    <a:p>
+                      <a:pPr algn="ctr"/>
+                      <a:r>
+                        <a:rPr lang="de-DE" dirty="0"/>
+                        <a:t>-</a:t>
+                      </a:r>
+                    </a:p>
+                  </a:txBody>
+                  <a:tcPr/>
+                </a:tc>
+                <a:extLst>
+                  <a:ext uri="{0D108BD9-81ED-4DB2-BD59-A6C34878D82A}">
+                    <a16:rowId xmlns:a16="http://schemas.microsoft.com/office/drawing/2014/main" val="2364292227"/>
+                  </a:ext>
+                </a:extLst>
+              </a:tr>
+              <a:tr h="370840">
+                <a:tc>
+                  <a:txBody>
+                    <a:bodyPr/>
+                    <a:lstStyle/>
+                    <a:p>
+                      <a:r>
+                        <a:rPr lang="de-DE" dirty="0" err="1"/>
+                        <a:t>loan_percent_income</a:t>
+                      </a:r>
+                      <a:endParaRPr lang="de-DE" dirty="0"/>
+                    </a:p>
+                  </a:txBody>
+                  <a:tcPr/>
+                </a:tc>
+                <a:tc>
+                  <a:txBody>
+                    <a:bodyPr/>
+                    <a:lstStyle/>
+                    <a:p>
+                      <a:pPr algn="ctr"/>
+                      <a:r>
+                        <a:rPr lang="de-DE" dirty="0"/>
+                        <a:t>-</a:t>
+                      </a:r>
+                    </a:p>
+                  </a:txBody>
+                  <a:tcPr/>
+                </a:tc>
+                <a:extLst>
+                  <a:ext uri="{0D108BD9-81ED-4DB2-BD59-A6C34878D82A}">
+                    <a16:rowId xmlns:a16="http://schemas.microsoft.com/office/drawing/2014/main" val="401684175"/>
+                  </a:ext>
+                </a:extLst>
+              </a:tr>
+              <a:tr h="370840">
+                <a:tc>
+                  <a:txBody>
+                    <a:bodyPr/>
+                    <a:lstStyle/>
+                    <a:p>
+                      <a:r>
+                        <a:rPr lang="de-DE" dirty="0" err="1"/>
+                        <a:t>cb_person_default_on_file</a:t>
+                      </a:r>
+                      <a:endParaRPr lang="de-DE" dirty="0"/>
+                    </a:p>
+                  </a:txBody>
+                  <a:tcPr/>
+                </a:tc>
+                <a:tc>
+                  <a:txBody>
+                    <a:bodyPr/>
+                    <a:lstStyle/>
+                    <a:p>
+                      <a:pPr algn="ctr"/>
+                      <a:r>
+                        <a:rPr lang="de-DE" dirty="0"/>
+                        <a:t>-</a:t>
+                      </a:r>
+                    </a:p>
+                  </a:txBody>
+                  <a:tcPr/>
+                </a:tc>
+                <a:extLst>
+                  <a:ext uri="{0D108BD9-81ED-4DB2-BD59-A6C34878D82A}">
+                    <a16:rowId xmlns:a16="http://schemas.microsoft.com/office/drawing/2014/main" val="387186087"/>
+                  </a:ext>
+                </a:extLst>
+              </a:tr>
+              <a:tr h="370840">
+                <a:tc>
+                  <a:txBody>
+                    <a:bodyPr/>
+                    <a:lstStyle/>
+                    <a:p>
+                      <a:r>
+                        <a:rPr lang="en-US" dirty="0" err="1"/>
+                        <a:t>cb_person_cred_hist_length</a:t>
+                      </a:r>
+                      <a:endParaRPr lang="de-DE" dirty="0"/>
+                    </a:p>
+                  </a:txBody>
+                  <a:tcPr/>
+                </a:tc>
+                <a:tc>
+                  <a:txBody>
+                    <a:bodyPr/>
+                    <a:lstStyle/>
+                    <a:p>
+                      <a:pPr algn="ctr"/>
+                      <a:r>
+                        <a:rPr lang="de-DE" dirty="0"/>
+                        <a:t>+</a:t>
+                      </a:r>
+                    </a:p>
+                  </a:txBody>
+                  <a:tcPr/>
+                </a:tc>
+                <a:extLst>
+                  <a:ext uri="{0D108BD9-81ED-4DB2-BD59-A6C34878D82A}">
+                    <a16:rowId xmlns:a16="http://schemas.microsoft.com/office/drawing/2014/main" val="747964008"/>
+                  </a:ext>
+                </a:extLst>
+              </a:tr>
+              <a:tr h="370840">
+                <a:tc>
+                  <a:txBody>
+                    <a:bodyPr/>
+                    <a:lstStyle/>
+                    <a:p>
+                      <a:r>
+                        <a:rPr lang="de-DE" b="1" dirty="0" err="1"/>
+                        <a:t>loan_status</a:t>
+                      </a:r>
+                      <a:r>
+                        <a:rPr lang="de-DE" b="1" dirty="0"/>
+                        <a:t>: </a:t>
+                      </a:r>
+                      <a:r>
+                        <a:rPr lang="de-DE" b="1" dirty="0" err="1"/>
+                        <a:t>default</a:t>
+                      </a:r>
+                      <a:r>
+                        <a:rPr lang="de-DE" b="1" dirty="0"/>
+                        <a:t> </a:t>
+                      </a:r>
+                      <a:r>
+                        <a:rPr lang="de-DE" b="1" dirty="0" err="1"/>
+                        <a:t>or</a:t>
+                      </a:r>
+                      <a:r>
+                        <a:rPr lang="de-DE" b="1" dirty="0"/>
+                        <a:t> not</a:t>
+                      </a:r>
+                    </a:p>
+                  </a:txBody>
+                  <a:tcPr/>
+                </a:tc>
+                <a:tc>
+                  <a:txBody>
+                    <a:bodyPr/>
+                    <a:lstStyle/>
+                    <a:p>
+                      <a:pPr algn="ctr"/>
+                      <a:r>
+                        <a:rPr lang="de-DE" dirty="0"/>
+                        <a:t>n/a</a:t>
+                      </a:r>
+                    </a:p>
+                  </a:txBody>
+                  <a:tcPr/>
+                </a:tc>
+                <a:extLst>
+                  <a:ext uri="{0D108BD9-81ED-4DB2-BD59-A6C34878D82A}">
+                    <a16:rowId xmlns:a16="http://schemas.microsoft.com/office/drawing/2014/main" val="3036198280"/>
+                  </a:ext>
+                </a:extLst>
+              </a:tr>
+            </a:tbl>
+          </a:graphicData>
+        </a:graphic>
+      </p:graphicFrame>
     </p:spTree>
     <p:extLst>
       <p:ext uri="{BB962C8B-B14F-4D97-AF65-F5344CB8AC3E}">
-        <p14:creationId xmlns:p14="http://schemas.microsoft.com/office/powerpoint/2010/main" val="2263186039"/>
+        <p14:creationId xmlns:p14="http://schemas.microsoft.com/office/powerpoint/2010/main" val="2514255792"/>
       </p:ext>
     </p:extLst>
   </p:cSld>
